--- a/lectures/10.composite/composite.pptx
+++ b/lectures/10.composite/composite.pptx
@@ -5,7 +5,7 @@
     <p:sldMasterId id="2147483672" r:id="rId1"/>
   </p:sldMasterIdLst>
   <p:notesMasterIdLst>
-    <p:notesMasterId r:id="rId38"/>
+    <p:notesMasterId r:id="rId39"/>
   </p:notesMasterIdLst>
   <p:sldIdLst>
     <p:sldId id="256" r:id="rId2"/>
@@ -44,11 +44,12 @@
     <p:sldId id="291" r:id="rId35"/>
     <p:sldId id="292" r:id="rId36"/>
     <p:sldId id="293" r:id="rId37"/>
+    <p:sldId id="294" r:id="rId38"/>
   </p:sldIdLst>
   <p:sldSz cx="9144000" cy="6858000" type="screen4x3"/>
   <p:notesSz cx="6858000" cy="9144000"/>
   <p:custDataLst>
-    <p:tags r:id="rId39"/>
+    <p:tags r:id="rId40"/>
   </p:custDataLst>
   <p:defaultTextStyle>
     <a:defPPr>
@@ -2063,13 +2064,6 @@
         </dgm:presLayoutVars>
       </dgm:prSet>
       <dgm:spPr/>
-      <dgm:t>
-        <a:bodyPr/>
-        <a:lstStyle/>
-        <a:p>
-          <a:endParaRPr lang="ru-RU"/>
-        </a:p>
-      </dgm:t>
     </dgm:pt>
     <dgm:pt modelId="{78233411-2E54-4C20-A8E0-558D9C7B85B7}" type="pres">
       <dgm:prSet presAssocID="{0DEB1E9A-F126-437E-A44A-9445D528B89E}" presName="hierRoot1" presStyleCnt="0"/>
@@ -2090,13 +2084,6 @@
         </dgm:presLayoutVars>
       </dgm:prSet>
       <dgm:spPr/>
-      <dgm:t>
-        <a:bodyPr/>
-        <a:lstStyle/>
-        <a:p>
-          <a:endParaRPr lang="ru-RU"/>
-        </a:p>
-      </dgm:t>
     </dgm:pt>
     <dgm:pt modelId="{A35C5655-3F55-4B5F-AFBF-C37116D442A4}" type="pres">
       <dgm:prSet presAssocID="{0DEB1E9A-F126-437E-A44A-9445D528B89E}" presName="hierChild2" presStyleCnt="0"/>
@@ -2105,13 +2092,6 @@
     <dgm:pt modelId="{F8D61C7F-1C88-4EC9-B0E7-7A0DDD50A51E}" type="pres">
       <dgm:prSet presAssocID="{B947A450-AD82-42A5-8A7C-02A4474B94FA}" presName="Name10" presStyleLbl="parChTrans1D2" presStyleIdx="0" presStyleCnt="4"/>
       <dgm:spPr/>
-      <dgm:t>
-        <a:bodyPr/>
-        <a:lstStyle/>
-        <a:p>
-          <a:endParaRPr lang="ru-RU"/>
-        </a:p>
-      </dgm:t>
     </dgm:pt>
     <dgm:pt modelId="{95606C14-247D-4D3B-A735-16AB88028E29}" type="pres">
       <dgm:prSet presAssocID="{C50F471A-8114-4DE4-91D0-E53321B00F58}" presName="hierRoot2" presStyleCnt="0"/>
@@ -2132,13 +2112,6 @@
         </dgm:presLayoutVars>
       </dgm:prSet>
       <dgm:spPr/>
-      <dgm:t>
-        <a:bodyPr/>
-        <a:lstStyle/>
-        <a:p>
-          <a:endParaRPr lang="ru-RU"/>
-        </a:p>
-      </dgm:t>
     </dgm:pt>
     <dgm:pt modelId="{DD287072-4D2C-4D2D-BCD9-46C12E954835}" type="pres">
       <dgm:prSet presAssocID="{C50F471A-8114-4DE4-91D0-E53321B00F58}" presName="hierChild3" presStyleCnt="0"/>
@@ -2147,13 +2120,6 @@
     <dgm:pt modelId="{2E337E27-9E53-4D8B-A76D-03B0C04670D4}" type="pres">
       <dgm:prSet presAssocID="{CD1A2284-5014-43C5-B67D-4E5E972A1C9A}" presName="Name10" presStyleLbl="parChTrans1D2" presStyleIdx="1" presStyleCnt="4"/>
       <dgm:spPr/>
-      <dgm:t>
-        <a:bodyPr/>
-        <a:lstStyle/>
-        <a:p>
-          <a:endParaRPr lang="ru-RU"/>
-        </a:p>
-      </dgm:t>
     </dgm:pt>
     <dgm:pt modelId="{7D94BF54-CFD0-4235-94A5-83C3E638A359}" type="pres">
       <dgm:prSet presAssocID="{A602BA63-AA24-4A6F-B3D2-05C932DA0A16}" presName="hierRoot2" presStyleCnt="0"/>
@@ -2174,13 +2140,6 @@
         </dgm:presLayoutVars>
       </dgm:prSet>
       <dgm:spPr/>
-      <dgm:t>
-        <a:bodyPr/>
-        <a:lstStyle/>
-        <a:p>
-          <a:endParaRPr lang="ru-RU"/>
-        </a:p>
-      </dgm:t>
     </dgm:pt>
     <dgm:pt modelId="{A536FCF1-C80C-465B-A0A2-6A0E765E4755}" type="pres">
       <dgm:prSet presAssocID="{A602BA63-AA24-4A6F-B3D2-05C932DA0A16}" presName="hierChild3" presStyleCnt="0"/>
@@ -2189,13 +2148,6 @@
     <dgm:pt modelId="{8DC9F229-E839-4BE6-AE76-947D4DD8369D}" type="pres">
       <dgm:prSet presAssocID="{40A15830-B140-44BF-BBCB-02F5DD0A30D8}" presName="Name17" presStyleLbl="parChTrans1D3" presStyleIdx="0" presStyleCnt="2"/>
       <dgm:spPr/>
-      <dgm:t>
-        <a:bodyPr/>
-        <a:lstStyle/>
-        <a:p>
-          <a:endParaRPr lang="ru-RU"/>
-        </a:p>
-      </dgm:t>
     </dgm:pt>
     <dgm:pt modelId="{F9543479-E158-401B-9566-96916E7E9FE0}" type="pres">
       <dgm:prSet presAssocID="{8B283A49-F3EF-4C56-814B-DD5D4A9F1B8A}" presName="hierRoot3" presStyleCnt="0"/>
@@ -2216,13 +2168,6 @@
         </dgm:presLayoutVars>
       </dgm:prSet>
       <dgm:spPr/>
-      <dgm:t>
-        <a:bodyPr/>
-        <a:lstStyle/>
-        <a:p>
-          <a:endParaRPr lang="ru-RU"/>
-        </a:p>
-      </dgm:t>
     </dgm:pt>
     <dgm:pt modelId="{5D491D4A-F2F7-4080-B94B-177224F1E7D6}" type="pres">
       <dgm:prSet presAssocID="{8B283A49-F3EF-4C56-814B-DD5D4A9F1B8A}" presName="hierChild4" presStyleCnt="0"/>
@@ -2231,13 +2176,6 @@
     <dgm:pt modelId="{728B99D5-059F-4BB8-8D8D-3B64156841C3}" type="pres">
       <dgm:prSet presAssocID="{C510D7E2-03C4-4E78-A225-98E31F7E4A1F}" presName="Name17" presStyleLbl="parChTrans1D3" presStyleIdx="1" presStyleCnt="2"/>
       <dgm:spPr/>
-      <dgm:t>
-        <a:bodyPr/>
-        <a:lstStyle/>
-        <a:p>
-          <a:endParaRPr lang="ru-RU"/>
-        </a:p>
-      </dgm:t>
     </dgm:pt>
     <dgm:pt modelId="{352B15F5-C0D2-45FC-A5F4-BB4B8804D7F0}" type="pres">
       <dgm:prSet presAssocID="{58D26165-62A9-41A5-88D9-2BBF9D00665E}" presName="hierRoot3" presStyleCnt="0"/>
@@ -2258,13 +2196,6 @@
         </dgm:presLayoutVars>
       </dgm:prSet>
       <dgm:spPr/>
-      <dgm:t>
-        <a:bodyPr/>
-        <a:lstStyle/>
-        <a:p>
-          <a:endParaRPr lang="ru-RU"/>
-        </a:p>
-      </dgm:t>
     </dgm:pt>
     <dgm:pt modelId="{A62C9B9E-207A-4B03-A2EF-A12934E9B274}" type="pres">
       <dgm:prSet presAssocID="{58D26165-62A9-41A5-88D9-2BBF9D00665E}" presName="hierChild4" presStyleCnt="0"/>
@@ -2273,13 +2204,6 @@
     <dgm:pt modelId="{9BE78821-B8F2-4EFF-9C47-2DEEEADF3A25}" type="pres">
       <dgm:prSet presAssocID="{749E8053-43B6-47F3-B816-491B2A755C9B}" presName="Name23" presStyleLbl="parChTrans1D4" presStyleIdx="0" presStyleCnt="2"/>
       <dgm:spPr/>
-      <dgm:t>
-        <a:bodyPr/>
-        <a:lstStyle/>
-        <a:p>
-          <a:endParaRPr lang="ru-RU"/>
-        </a:p>
-      </dgm:t>
     </dgm:pt>
     <dgm:pt modelId="{C4A3C9A8-E758-48C1-BE02-79EFE77F7476}" type="pres">
       <dgm:prSet presAssocID="{6555935B-51AA-431D-A353-A0EACD8CAB99}" presName="hierRoot4" presStyleCnt="0"/>
@@ -2300,13 +2224,6 @@
         </dgm:presLayoutVars>
       </dgm:prSet>
       <dgm:spPr/>
-      <dgm:t>
-        <a:bodyPr/>
-        <a:lstStyle/>
-        <a:p>
-          <a:endParaRPr lang="ru-RU"/>
-        </a:p>
-      </dgm:t>
     </dgm:pt>
     <dgm:pt modelId="{ADEF3962-DAF3-4B46-BF21-47EF089A6D50}" type="pres">
       <dgm:prSet presAssocID="{6555935B-51AA-431D-A353-A0EACD8CAB99}" presName="hierChild5" presStyleCnt="0"/>
@@ -2315,13 +2232,6 @@
     <dgm:pt modelId="{586EC18B-A953-4CB0-A438-6555E84C2D98}" type="pres">
       <dgm:prSet presAssocID="{2C8FE63D-E993-4A3E-8A33-B8D29403A613}" presName="Name23" presStyleLbl="parChTrans1D4" presStyleIdx="1" presStyleCnt="2"/>
       <dgm:spPr/>
-      <dgm:t>
-        <a:bodyPr/>
-        <a:lstStyle/>
-        <a:p>
-          <a:endParaRPr lang="ru-RU"/>
-        </a:p>
-      </dgm:t>
     </dgm:pt>
     <dgm:pt modelId="{2267C5D9-924D-4C62-A1CA-5956C903FC46}" type="pres">
       <dgm:prSet presAssocID="{D3521F05-9530-4F27-B535-6163B31B1D06}" presName="hierRoot4" presStyleCnt="0"/>
@@ -2342,13 +2252,6 @@
         </dgm:presLayoutVars>
       </dgm:prSet>
       <dgm:spPr/>
-      <dgm:t>
-        <a:bodyPr/>
-        <a:lstStyle/>
-        <a:p>
-          <a:endParaRPr lang="ru-RU"/>
-        </a:p>
-      </dgm:t>
     </dgm:pt>
     <dgm:pt modelId="{55AC045A-A82E-4F03-8EFF-CC06575D85A6}" type="pres">
       <dgm:prSet presAssocID="{D3521F05-9530-4F27-B535-6163B31B1D06}" presName="hierChild5" presStyleCnt="0"/>
@@ -2357,13 +2260,6 @@
     <dgm:pt modelId="{9C03654A-D2E9-48A1-8824-985293A634AD}" type="pres">
       <dgm:prSet presAssocID="{F822929D-036A-4265-9563-F86822B85C0A}" presName="Name10" presStyleLbl="parChTrans1D2" presStyleIdx="2" presStyleCnt="4"/>
       <dgm:spPr/>
-      <dgm:t>
-        <a:bodyPr/>
-        <a:lstStyle/>
-        <a:p>
-          <a:endParaRPr lang="ru-RU"/>
-        </a:p>
-      </dgm:t>
     </dgm:pt>
     <dgm:pt modelId="{FDC49B8E-262F-44A4-9010-8EDCE756F81F}" type="pres">
       <dgm:prSet presAssocID="{8CD4D78B-8D92-41E1-BA73-49839FA78406}" presName="hierRoot2" presStyleCnt="0"/>
@@ -2384,13 +2280,6 @@
         </dgm:presLayoutVars>
       </dgm:prSet>
       <dgm:spPr/>
-      <dgm:t>
-        <a:bodyPr/>
-        <a:lstStyle/>
-        <a:p>
-          <a:endParaRPr lang="ru-RU"/>
-        </a:p>
-      </dgm:t>
     </dgm:pt>
     <dgm:pt modelId="{E3BA96E1-4FF0-4D80-AB4D-5399EAEEAF61}" type="pres">
       <dgm:prSet presAssocID="{8CD4D78B-8D92-41E1-BA73-49839FA78406}" presName="hierChild3" presStyleCnt="0"/>
@@ -2399,13 +2288,6 @@
     <dgm:pt modelId="{8F0BB622-90CD-40E4-BDEA-C232B0A438B0}" type="pres">
       <dgm:prSet presAssocID="{5496CF39-E0C3-4F61-9D99-7639CF8451B9}" presName="Name10" presStyleLbl="parChTrans1D2" presStyleIdx="3" presStyleCnt="4"/>
       <dgm:spPr/>
-      <dgm:t>
-        <a:bodyPr/>
-        <a:lstStyle/>
-        <a:p>
-          <a:endParaRPr lang="ru-RU"/>
-        </a:p>
-      </dgm:t>
     </dgm:pt>
     <dgm:pt modelId="{7711640C-A6AC-4F37-9307-7BF636EF4384}" type="pres">
       <dgm:prSet presAssocID="{4B19359C-1B6F-4558-9DAD-1F888FE92920}" presName="hierRoot2" presStyleCnt="0"/>
@@ -2426,13 +2308,6 @@
         </dgm:presLayoutVars>
       </dgm:prSet>
       <dgm:spPr/>
-      <dgm:t>
-        <a:bodyPr/>
-        <a:lstStyle/>
-        <a:p>
-          <a:endParaRPr lang="ru-RU"/>
-        </a:p>
-      </dgm:t>
     </dgm:pt>
     <dgm:pt modelId="{97075611-35DD-4CF1-A10F-F091BDD68204}" type="pres">
       <dgm:prSet presAssocID="{4B19359C-1B6F-4558-9DAD-1F888FE92920}" presName="hierChild3" presStyleCnt="0"/>
@@ -2440,33 +2315,33 @@
     </dgm:pt>
   </dgm:ptLst>
   <dgm:cxnLst>
+    <dgm:cxn modelId="{FF0F6B00-B3A3-41B4-A03B-E7E389141064}" type="presOf" srcId="{58D26165-62A9-41A5-88D9-2BBF9D00665E}" destId="{1C7FA83E-5883-453C-BBD5-DB07BD0BC83F}" srcOrd="0" destOrd="0" presId="urn:microsoft.com/office/officeart/2005/8/layout/hierarchy1"/>
+    <dgm:cxn modelId="{9205390F-3187-4575-BB47-E07C06097880}" srcId="{58D26165-62A9-41A5-88D9-2BBF9D00665E}" destId="{6555935B-51AA-431D-A353-A0EACD8CAB99}" srcOrd="0" destOrd="0" parTransId="{749E8053-43B6-47F3-B816-491B2A755C9B}" sibTransId="{CB418BA4-986E-47AB-838C-A5C2B191F369}"/>
+    <dgm:cxn modelId="{07CD8512-BE73-49C6-907B-450BC134BB1B}" type="presOf" srcId="{4B19359C-1B6F-4558-9DAD-1F888FE92920}" destId="{CC8329F4-ADBC-4249-BA14-B8C0CC5BBEA0}" srcOrd="0" destOrd="0" presId="urn:microsoft.com/office/officeart/2005/8/layout/hierarchy1"/>
+    <dgm:cxn modelId="{95E0DB14-E0B3-4FA5-8F9F-0FF593A26AD6}" type="presOf" srcId="{C50F471A-8114-4DE4-91D0-E53321B00F58}" destId="{2E7B1805-E16C-4B97-B093-D619D61CD43E}" srcOrd="0" destOrd="0" presId="urn:microsoft.com/office/officeart/2005/8/layout/hierarchy1"/>
+    <dgm:cxn modelId="{4B005323-9C64-4325-872B-CF97552AEFB5}" type="presOf" srcId="{0DEB1E9A-F126-437E-A44A-9445D528B89E}" destId="{4F2FE805-DED5-42BB-99D2-86D805241F6D}" srcOrd="0" destOrd="0" presId="urn:microsoft.com/office/officeart/2005/8/layout/hierarchy1"/>
+    <dgm:cxn modelId="{7937BB26-F365-4482-B489-E2DBE680936C}" srcId="{0DEB1E9A-F126-437E-A44A-9445D528B89E}" destId="{8CD4D78B-8D92-41E1-BA73-49839FA78406}" srcOrd="2" destOrd="0" parTransId="{F822929D-036A-4265-9563-F86822B85C0A}" sibTransId="{7EDC8ACD-C08F-4AFF-8981-3E5F17627E34}"/>
+    <dgm:cxn modelId="{A596EB29-B55B-4192-BABA-42750CBF3D0D}" srcId="{A602BA63-AA24-4A6F-B3D2-05C932DA0A16}" destId="{58D26165-62A9-41A5-88D9-2BBF9D00665E}" srcOrd="1" destOrd="0" parTransId="{C510D7E2-03C4-4E78-A225-98E31F7E4A1F}" sibTransId="{E067B458-F003-497E-B795-5E146ED35A59}"/>
+    <dgm:cxn modelId="{5B8EBE40-544E-4E4D-8A84-97F884886614}" type="presOf" srcId="{8B283A49-F3EF-4C56-814B-DD5D4A9F1B8A}" destId="{262FA5A4-1E5F-485A-A515-37B15E26B460}" srcOrd="0" destOrd="0" presId="urn:microsoft.com/office/officeart/2005/8/layout/hierarchy1"/>
+    <dgm:cxn modelId="{FBD7635B-828A-4B45-81B2-47FEBA24E41B}" type="presOf" srcId="{D3521F05-9530-4F27-B535-6163B31B1D06}" destId="{752CF616-9D73-48CE-A1A3-D0C38D8A1D16}" srcOrd="0" destOrd="0" presId="urn:microsoft.com/office/officeart/2005/8/layout/hierarchy1"/>
     <dgm:cxn modelId="{66EF825E-869C-444E-86C5-A2FB964E959B}" srcId="{58D26165-62A9-41A5-88D9-2BBF9D00665E}" destId="{D3521F05-9530-4F27-B535-6163B31B1D06}" srcOrd="1" destOrd="0" parTransId="{2C8FE63D-E993-4A3E-8A33-B8D29403A613}" sibTransId="{29F4312B-202F-4540-81E8-4EB10F854B13}"/>
+    <dgm:cxn modelId="{1DE69D5F-35AA-4BCC-BA07-EE3B1A4F1F8B}" type="presOf" srcId="{A602BA63-AA24-4A6F-B3D2-05C932DA0A16}" destId="{377245DE-1A0D-4671-B71C-65FA4C2509BE}" srcOrd="0" destOrd="0" presId="urn:microsoft.com/office/officeart/2005/8/layout/hierarchy1"/>
+    <dgm:cxn modelId="{D206DA62-A457-4144-8B2F-A73FD3666AAD}" type="presOf" srcId="{B947A450-AD82-42A5-8A7C-02A4474B94FA}" destId="{F8D61C7F-1C88-4EC9-B0E7-7A0DDD50A51E}" srcOrd="0" destOrd="0" presId="urn:microsoft.com/office/officeart/2005/8/layout/hierarchy1"/>
+    <dgm:cxn modelId="{5A6A336F-648A-4636-AF79-FBA521904B00}" srcId="{0DEB1E9A-F126-437E-A44A-9445D528B89E}" destId="{A602BA63-AA24-4A6F-B3D2-05C932DA0A16}" srcOrd="1" destOrd="0" parTransId="{CD1A2284-5014-43C5-B67D-4E5E972A1C9A}" sibTransId="{1E12BEBE-1B42-46FC-BF35-5445DE60636F}"/>
+    <dgm:cxn modelId="{A50F3C51-DDAA-4243-B0D9-C3097F0ACD62}" type="presOf" srcId="{C510D7E2-03C4-4E78-A225-98E31F7E4A1F}" destId="{728B99D5-059F-4BB8-8D8D-3B64156841C3}" srcOrd="0" destOrd="0" presId="urn:microsoft.com/office/officeart/2005/8/layout/hierarchy1"/>
+    <dgm:cxn modelId="{22687C77-16A2-401A-B403-A94BE067FEED}" type="presOf" srcId="{8CD4D78B-8D92-41E1-BA73-49839FA78406}" destId="{7D1A2BF0-D3B4-4DFA-931B-7AC05DC9880E}" srcOrd="0" destOrd="0" presId="urn:microsoft.com/office/officeart/2005/8/layout/hierarchy1"/>
+    <dgm:cxn modelId="{D5911096-5D52-4946-A569-E0797FCEEF19}" type="presOf" srcId="{749E8053-43B6-47F3-B816-491B2A755C9B}" destId="{9BE78821-B8F2-4EFF-9C47-2DEEEADF3A25}" srcOrd="0" destOrd="0" presId="urn:microsoft.com/office/officeart/2005/8/layout/hierarchy1"/>
+    <dgm:cxn modelId="{6310B69A-58FC-4E25-9E7E-E155D2277CDC}" srcId="{0DEB1E9A-F126-437E-A44A-9445D528B89E}" destId="{4B19359C-1B6F-4558-9DAD-1F888FE92920}" srcOrd="3" destOrd="0" parTransId="{5496CF39-E0C3-4F61-9D99-7639CF8451B9}" sibTransId="{4D1F4591-6362-461C-A5F0-71D439C63E45}"/>
+    <dgm:cxn modelId="{E1DAE3AE-D5E8-4D14-AC1B-E9D825ABA076}" srcId="{0DEB1E9A-F126-437E-A44A-9445D528B89E}" destId="{C50F471A-8114-4DE4-91D0-E53321B00F58}" srcOrd="0" destOrd="0" parTransId="{B947A450-AD82-42A5-8A7C-02A4474B94FA}" sibTransId="{BB976397-E7F7-48A8-AE92-1A71CF30ACEA}"/>
+    <dgm:cxn modelId="{772312BC-7DB3-4BBF-9283-60EF56A5AB7F}" type="presOf" srcId="{5496CF39-E0C3-4F61-9D99-7639CF8451B9}" destId="{8F0BB622-90CD-40E4-BDEA-C232B0A438B0}" srcOrd="0" destOrd="0" presId="urn:microsoft.com/office/officeart/2005/8/layout/hierarchy1"/>
     <dgm:cxn modelId="{2C74D8BF-5DE4-4277-BBDD-5D2A88BE5B43}" type="presOf" srcId="{2C8FE63D-E993-4A3E-8A33-B8D29403A613}" destId="{586EC18B-A953-4CB0-A438-6555E84C2D98}" srcOrd="0" destOrd="0" presId="urn:microsoft.com/office/officeart/2005/8/layout/hierarchy1"/>
-    <dgm:cxn modelId="{FF0F6B00-B3A3-41B4-A03B-E7E389141064}" type="presOf" srcId="{58D26165-62A9-41A5-88D9-2BBF9D00665E}" destId="{1C7FA83E-5883-453C-BBD5-DB07BD0BC83F}" srcOrd="0" destOrd="0" presId="urn:microsoft.com/office/officeart/2005/8/layout/hierarchy1"/>
-    <dgm:cxn modelId="{E1DAE3AE-D5E8-4D14-AC1B-E9D825ABA076}" srcId="{0DEB1E9A-F126-437E-A44A-9445D528B89E}" destId="{C50F471A-8114-4DE4-91D0-E53321B00F58}" srcOrd="0" destOrd="0" parTransId="{B947A450-AD82-42A5-8A7C-02A4474B94FA}" sibTransId="{BB976397-E7F7-48A8-AE92-1A71CF30ACEA}"/>
-    <dgm:cxn modelId="{1DE69D5F-35AA-4BCC-BA07-EE3B1A4F1F8B}" type="presOf" srcId="{A602BA63-AA24-4A6F-B3D2-05C932DA0A16}" destId="{377245DE-1A0D-4671-B71C-65FA4C2509BE}" srcOrd="0" destOrd="0" presId="urn:microsoft.com/office/officeart/2005/8/layout/hierarchy1"/>
-    <dgm:cxn modelId="{7937BB26-F365-4482-B489-E2DBE680936C}" srcId="{0DEB1E9A-F126-437E-A44A-9445D528B89E}" destId="{8CD4D78B-8D92-41E1-BA73-49839FA78406}" srcOrd="2" destOrd="0" parTransId="{F822929D-036A-4265-9563-F86822B85C0A}" sibTransId="{7EDC8ACD-C08F-4AFF-8981-3E5F17627E34}"/>
     <dgm:cxn modelId="{772E08C5-D1A2-4F7E-A273-0C78122ABC90}" srcId="{A602BA63-AA24-4A6F-B3D2-05C932DA0A16}" destId="{8B283A49-F3EF-4C56-814B-DD5D4A9F1B8A}" srcOrd="0" destOrd="0" parTransId="{40A15830-B140-44BF-BBCB-02F5DD0A30D8}" sibTransId="{C0F2A5AB-7AF9-47EB-A3A8-90303DC57A04}"/>
-    <dgm:cxn modelId="{95E0DB14-E0B3-4FA5-8F9F-0FF593A26AD6}" type="presOf" srcId="{C50F471A-8114-4DE4-91D0-E53321B00F58}" destId="{2E7B1805-E16C-4B97-B093-D619D61CD43E}" srcOrd="0" destOrd="0" presId="urn:microsoft.com/office/officeart/2005/8/layout/hierarchy1"/>
+    <dgm:cxn modelId="{488FECD0-F08B-4770-89A4-474F09DA6C4E}" type="presOf" srcId="{CD1A2284-5014-43C5-B67D-4E5E972A1C9A}" destId="{2E337E27-9E53-4D8B-A76D-03B0C04670D4}" srcOrd="0" destOrd="0" presId="urn:microsoft.com/office/officeart/2005/8/layout/hierarchy1"/>
     <dgm:cxn modelId="{E1B1EFD0-7788-459F-999D-2DB88E2FFBAA}" type="presOf" srcId="{40A15830-B140-44BF-BBCB-02F5DD0A30D8}" destId="{8DC9F229-E839-4BE6-AE76-947D4DD8369D}" srcOrd="0" destOrd="0" presId="urn:microsoft.com/office/officeart/2005/8/layout/hierarchy1"/>
-    <dgm:cxn modelId="{22687C77-16A2-401A-B403-A94BE067FEED}" type="presOf" srcId="{8CD4D78B-8D92-41E1-BA73-49839FA78406}" destId="{7D1A2BF0-D3B4-4DFA-931B-7AC05DC9880E}" srcOrd="0" destOrd="0" presId="urn:microsoft.com/office/officeart/2005/8/layout/hierarchy1"/>
-    <dgm:cxn modelId="{6310B69A-58FC-4E25-9E7E-E155D2277CDC}" srcId="{0DEB1E9A-F126-437E-A44A-9445D528B89E}" destId="{4B19359C-1B6F-4558-9DAD-1F888FE92920}" srcOrd="3" destOrd="0" parTransId="{5496CF39-E0C3-4F61-9D99-7639CF8451B9}" sibTransId="{4D1F4591-6362-461C-A5F0-71D439C63E45}"/>
-    <dgm:cxn modelId="{A596EB29-B55B-4192-BABA-42750CBF3D0D}" srcId="{A602BA63-AA24-4A6F-B3D2-05C932DA0A16}" destId="{58D26165-62A9-41A5-88D9-2BBF9D00665E}" srcOrd="1" destOrd="0" parTransId="{C510D7E2-03C4-4E78-A225-98E31F7E4A1F}" sibTransId="{E067B458-F003-497E-B795-5E146ED35A59}"/>
-    <dgm:cxn modelId="{FBD7635B-828A-4B45-81B2-47FEBA24E41B}" type="presOf" srcId="{D3521F05-9530-4F27-B535-6163B31B1D06}" destId="{752CF616-9D73-48CE-A1A3-D0C38D8A1D16}" srcOrd="0" destOrd="0" presId="urn:microsoft.com/office/officeart/2005/8/layout/hierarchy1"/>
-    <dgm:cxn modelId="{A50F3C51-DDAA-4243-B0D9-C3097F0ACD62}" type="presOf" srcId="{C510D7E2-03C4-4E78-A225-98E31F7E4A1F}" destId="{728B99D5-059F-4BB8-8D8D-3B64156841C3}" srcOrd="0" destOrd="0" presId="urn:microsoft.com/office/officeart/2005/8/layout/hierarchy1"/>
     <dgm:cxn modelId="{0FEB99DF-485A-4590-BB3E-439A395CA224}" srcId="{00E31F5A-C3FD-45C1-A8C9-FADBA9648CA3}" destId="{0DEB1E9A-F126-437E-A44A-9445D528B89E}" srcOrd="0" destOrd="0" parTransId="{A4978033-C23B-4AEB-A9C2-076C3DB37158}" sibTransId="{716ACED6-2CE6-41C3-9BDF-7473020E347C}"/>
+    <dgm:cxn modelId="{3732D0E0-8034-4CF5-B66B-10622D2E1136}" type="presOf" srcId="{6555935B-51AA-431D-A353-A0EACD8CAB99}" destId="{D2DC1C43-BC55-4BEA-9F41-F71F114320AD}" srcOrd="0" destOrd="0" presId="urn:microsoft.com/office/officeart/2005/8/layout/hierarchy1"/>
+    <dgm:cxn modelId="{A963FFE6-C129-4EE6-8834-A6BB56BB0066}" type="presOf" srcId="{F822929D-036A-4265-9563-F86822B85C0A}" destId="{9C03654A-D2E9-48A1-8824-985293A634AD}" srcOrd="0" destOrd="0" presId="urn:microsoft.com/office/officeart/2005/8/layout/hierarchy1"/>
     <dgm:cxn modelId="{C6A68AF3-9B34-4829-B518-CC33004BA8FA}" type="presOf" srcId="{00E31F5A-C3FD-45C1-A8C9-FADBA9648CA3}" destId="{D0DCE88D-3FA0-477D-9757-53979494EBE3}" srcOrd="0" destOrd="0" presId="urn:microsoft.com/office/officeart/2005/8/layout/hierarchy1"/>
-    <dgm:cxn modelId="{5A6A336F-648A-4636-AF79-FBA521904B00}" srcId="{0DEB1E9A-F126-437E-A44A-9445D528B89E}" destId="{A602BA63-AA24-4A6F-B3D2-05C932DA0A16}" srcOrd="1" destOrd="0" parTransId="{CD1A2284-5014-43C5-B67D-4E5E972A1C9A}" sibTransId="{1E12BEBE-1B42-46FC-BF35-5445DE60636F}"/>
-    <dgm:cxn modelId="{5B8EBE40-544E-4E4D-8A84-97F884886614}" type="presOf" srcId="{8B283A49-F3EF-4C56-814B-DD5D4A9F1B8A}" destId="{262FA5A4-1E5F-485A-A515-37B15E26B460}" srcOrd="0" destOrd="0" presId="urn:microsoft.com/office/officeart/2005/8/layout/hierarchy1"/>
-    <dgm:cxn modelId="{3732D0E0-8034-4CF5-B66B-10622D2E1136}" type="presOf" srcId="{6555935B-51AA-431D-A353-A0EACD8CAB99}" destId="{D2DC1C43-BC55-4BEA-9F41-F71F114320AD}" srcOrd="0" destOrd="0" presId="urn:microsoft.com/office/officeart/2005/8/layout/hierarchy1"/>
-    <dgm:cxn modelId="{488FECD0-F08B-4770-89A4-474F09DA6C4E}" type="presOf" srcId="{CD1A2284-5014-43C5-B67D-4E5E972A1C9A}" destId="{2E337E27-9E53-4D8B-A76D-03B0C04670D4}" srcOrd="0" destOrd="0" presId="urn:microsoft.com/office/officeart/2005/8/layout/hierarchy1"/>
-    <dgm:cxn modelId="{D5911096-5D52-4946-A569-E0797FCEEF19}" type="presOf" srcId="{749E8053-43B6-47F3-B816-491B2A755C9B}" destId="{9BE78821-B8F2-4EFF-9C47-2DEEEADF3A25}" srcOrd="0" destOrd="0" presId="urn:microsoft.com/office/officeart/2005/8/layout/hierarchy1"/>
-    <dgm:cxn modelId="{4B005323-9C64-4325-872B-CF97552AEFB5}" type="presOf" srcId="{0DEB1E9A-F126-437E-A44A-9445D528B89E}" destId="{4F2FE805-DED5-42BB-99D2-86D805241F6D}" srcOrd="0" destOrd="0" presId="urn:microsoft.com/office/officeart/2005/8/layout/hierarchy1"/>
-    <dgm:cxn modelId="{D206DA62-A457-4144-8B2F-A73FD3666AAD}" type="presOf" srcId="{B947A450-AD82-42A5-8A7C-02A4474B94FA}" destId="{F8D61C7F-1C88-4EC9-B0E7-7A0DDD50A51E}" srcOrd="0" destOrd="0" presId="urn:microsoft.com/office/officeart/2005/8/layout/hierarchy1"/>
-    <dgm:cxn modelId="{772312BC-7DB3-4BBF-9283-60EF56A5AB7F}" type="presOf" srcId="{5496CF39-E0C3-4F61-9D99-7639CF8451B9}" destId="{8F0BB622-90CD-40E4-BDEA-C232B0A438B0}" srcOrd="0" destOrd="0" presId="urn:microsoft.com/office/officeart/2005/8/layout/hierarchy1"/>
-    <dgm:cxn modelId="{A963FFE6-C129-4EE6-8834-A6BB56BB0066}" type="presOf" srcId="{F822929D-036A-4265-9563-F86822B85C0A}" destId="{9C03654A-D2E9-48A1-8824-985293A634AD}" srcOrd="0" destOrd="0" presId="urn:microsoft.com/office/officeart/2005/8/layout/hierarchy1"/>
-    <dgm:cxn modelId="{07CD8512-BE73-49C6-907B-450BC134BB1B}" type="presOf" srcId="{4B19359C-1B6F-4558-9DAD-1F888FE92920}" destId="{CC8329F4-ADBC-4249-BA14-B8C0CC5BBEA0}" srcOrd="0" destOrd="0" presId="urn:microsoft.com/office/officeart/2005/8/layout/hierarchy1"/>
-    <dgm:cxn modelId="{9205390F-3187-4575-BB47-E07C06097880}" srcId="{58D26165-62A9-41A5-88D9-2BBF9D00665E}" destId="{6555935B-51AA-431D-A353-A0EACD8CAB99}" srcOrd="0" destOrd="0" parTransId="{749E8053-43B6-47F3-B816-491B2A755C9B}" sibTransId="{CB418BA4-986E-47AB-838C-A5C2B191F369}"/>
     <dgm:cxn modelId="{2464634C-063E-44BC-9E46-B13BF356510B}" type="presParOf" srcId="{D0DCE88D-3FA0-477D-9757-53979494EBE3}" destId="{78233411-2E54-4C20-A8E0-558D9C7B85B7}" srcOrd="0" destOrd="0" presId="urn:microsoft.com/office/officeart/2005/8/layout/hierarchy1"/>
     <dgm:cxn modelId="{F431E517-AE11-49EF-92E2-63CB35DD6165}" type="presParOf" srcId="{78233411-2E54-4C20-A8E0-558D9C7B85B7}" destId="{6ACAFEF6-BE8F-4120-ABE7-EF37A1D3C8BA}" srcOrd="0" destOrd="0" presId="urn:microsoft.com/office/officeart/2005/8/layout/hierarchy1"/>
     <dgm:cxn modelId="{48AFF481-0C4A-484E-A592-BA9544DE8EAE}" type="presParOf" srcId="{6ACAFEF6-BE8F-4120-ABE7-EF37A1D3C8BA}" destId="{B03C3E04-E0B0-44E4-89AB-58EF8BB53F0B}" srcOrd="0" destOrd="0" presId="urn:microsoft.com/office/officeart/2005/8/layout/hierarchy1"/>
@@ -2838,13 +2713,6 @@
         </dgm:presLayoutVars>
       </dgm:prSet>
       <dgm:spPr/>
-      <dgm:t>
-        <a:bodyPr/>
-        <a:lstStyle/>
-        <a:p>
-          <a:endParaRPr lang="ru-RU"/>
-        </a:p>
-      </dgm:t>
     </dgm:pt>
     <dgm:pt modelId="{A455561A-6A19-465B-8F5A-E8AC2E57D038}" type="pres">
       <dgm:prSet presAssocID="{8D49EC07-ED81-40FA-BD17-102FEA4A52FD}" presName="hierRoot1" presStyleCnt="0"/>
@@ -2865,13 +2733,6 @@
         </dgm:presLayoutVars>
       </dgm:prSet>
       <dgm:spPr/>
-      <dgm:t>
-        <a:bodyPr/>
-        <a:lstStyle/>
-        <a:p>
-          <a:endParaRPr lang="ru-RU"/>
-        </a:p>
-      </dgm:t>
     </dgm:pt>
     <dgm:pt modelId="{32B8654F-CF28-46DC-B69F-61F598212B8F}" type="pres">
       <dgm:prSet presAssocID="{8D49EC07-ED81-40FA-BD17-102FEA4A52FD}" presName="hierChild2" presStyleCnt="0"/>
@@ -2880,13 +2741,6 @@
     <dgm:pt modelId="{111FC8B9-7154-4F37-9375-5687F2FC4940}" type="pres">
       <dgm:prSet presAssocID="{8D8D4F85-B8A7-4E67-BFF3-E109055515BD}" presName="Name10" presStyleLbl="parChTrans1D2" presStyleIdx="0" presStyleCnt="3"/>
       <dgm:spPr/>
-      <dgm:t>
-        <a:bodyPr/>
-        <a:lstStyle/>
-        <a:p>
-          <a:endParaRPr lang="ru-RU"/>
-        </a:p>
-      </dgm:t>
     </dgm:pt>
     <dgm:pt modelId="{C5C4D1FD-54C7-453A-B997-FEA256CBB19A}" type="pres">
       <dgm:prSet presAssocID="{10529288-E9ED-4EAD-B3EE-8307F100B41A}" presName="hierRoot2" presStyleCnt="0"/>
@@ -2907,13 +2761,6 @@
         </dgm:presLayoutVars>
       </dgm:prSet>
       <dgm:spPr/>
-      <dgm:t>
-        <a:bodyPr/>
-        <a:lstStyle/>
-        <a:p>
-          <a:endParaRPr lang="ru-RU"/>
-        </a:p>
-      </dgm:t>
     </dgm:pt>
     <dgm:pt modelId="{6B3F333A-E18F-4EC0-957C-88BB9FE31756}" type="pres">
       <dgm:prSet presAssocID="{10529288-E9ED-4EAD-B3EE-8307F100B41A}" presName="hierChild3" presStyleCnt="0"/>
@@ -2922,13 +2769,6 @@
     <dgm:pt modelId="{BDB237DB-E02D-4D0D-A47A-E92835034937}" type="pres">
       <dgm:prSet presAssocID="{5563E538-7FD8-4DE5-9EDF-B1870DDE89C2}" presName="Name17" presStyleLbl="parChTrans1D3" presStyleIdx="0" presStyleCnt="3"/>
       <dgm:spPr/>
-      <dgm:t>
-        <a:bodyPr/>
-        <a:lstStyle/>
-        <a:p>
-          <a:endParaRPr lang="ru-RU"/>
-        </a:p>
-      </dgm:t>
     </dgm:pt>
     <dgm:pt modelId="{E2C5F9C4-3588-4D9D-8EEE-FC9027FBCABE}" type="pres">
       <dgm:prSet presAssocID="{89038D8E-BB1B-42B7-931F-671C6F012C8E}" presName="hierRoot3" presStyleCnt="0"/>
@@ -2949,13 +2789,6 @@
         </dgm:presLayoutVars>
       </dgm:prSet>
       <dgm:spPr/>
-      <dgm:t>
-        <a:bodyPr/>
-        <a:lstStyle/>
-        <a:p>
-          <a:endParaRPr lang="ru-RU"/>
-        </a:p>
-      </dgm:t>
     </dgm:pt>
     <dgm:pt modelId="{4496AF87-6CC7-45A4-A638-E06133581FB1}" type="pres">
       <dgm:prSet presAssocID="{89038D8E-BB1B-42B7-931F-671C6F012C8E}" presName="hierChild4" presStyleCnt="0"/>
@@ -2964,13 +2797,6 @@
     <dgm:pt modelId="{BC3EBC77-117F-47DD-AD27-A8EA62121FF9}" type="pres">
       <dgm:prSet presAssocID="{F80F9DFA-A121-4D04-BF79-8A466BEF7E54}" presName="Name17" presStyleLbl="parChTrans1D3" presStyleIdx="1" presStyleCnt="3"/>
       <dgm:spPr/>
-      <dgm:t>
-        <a:bodyPr/>
-        <a:lstStyle/>
-        <a:p>
-          <a:endParaRPr lang="ru-RU"/>
-        </a:p>
-      </dgm:t>
     </dgm:pt>
     <dgm:pt modelId="{9010096D-7DF4-4ECD-856A-34FE1C8534E4}" type="pres">
       <dgm:prSet presAssocID="{2A641F98-8765-4035-A772-5E571919698B}" presName="hierRoot3" presStyleCnt="0"/>
@@ -2991,13 +2817,6 @@
         </dgm:presLayoutVars>
       </dgm:prSet>
       <dgm:spPr/>
-      <dgm:t>
-        <a:bodyPr/>
-        <a:lstStyle/>
-        <a:p>
-          <a:endParaRPr lang="ru-RU"/>
-        </a:p>
-      </dgm:t>
     </dgm:pt>
     <dgm:pt modelId="{AE425449-17CA-44F1-B868-9B9ACFC80325}" type="pres">
       <dgm:prSet presAssocID="{2A641F98-8765-4035-A772-5E571919698B}" presName="hierChild4" presStyleCnt="0"/>
@@ -3006,13 +2825,6 @@
     <dgm:pt modelId="{FFEB0807-D8B0-4E97-A33E-394E698616FA}" type="pres">
       <dgm:prSet presAssocID="{552650CC-E82B-403D-9887-8C186B520143}" presName="Name17" presStyleLbl="parChTrans1D3" presStyleIdx="2" presStyleCnt="3"/>
       <dgm:spPr/>
-      <dgm:t>
-        <a:bodyPr/>
-        <a:lstStyle/>
-        <a:p>
-          <a:endParaRPr lang="ru-RU"/>
-        </a:p>
-      </dgm:t>
     </dgm:pt>
     <dgm:pt modelId="{B9C331A9-6471-4F14-9D67-336EDBD761B6}" type="pres">
       <dgm:prSet presAssocID="{14503948-55BF-4D81-BD11-02363B248874}" presName="hierRoot3" presStyleCnt="0"/>
@@ -3033,13 +2845,6 @@
         </dgm:presLayoutVars>
       </dgm:prSet>
       <dgm:spPr/>
-      <dgm:t>
-        <a:bodyPr/>
-        <a:lstStyle/>
-        <a:p>
-          <a:endParaRPr lang="ru-RU"/>
-        </a:p>
-      </dgm:t>
     </dgm:pt>
     <dgm:pt modelId="{7D60B734-70CE-405D-BE59-88E5127A1034}" type="pres">
       <dgm:prSet presAssocID="{14503948-55BF-4D81-BD11-02363B248874}" presName="hierChild4" presStyleCnt="0"/>
@@ -3048,13 +2853,6 @@
     <dgm:pt modelId="{8EA27BAA-16CD-42B8-9CD6-21CBA2AF6902}" type="pres">
       <dgm:prSet presAssocID="{8AE30C35-9CD4-4B8A-984A-FB41AA39AAAB}" presName="Name10" presStyleLbl="parChTrans1D2" presStyleIdx="1" presStyleCnt="3"/>
       <dgm:spPr/>
-      <dgm:t>
-        <a:bodyPr/>
-        <a:lstStyle/>
-        <a:p>
-          <a:endParaRPr lang="ru-RU"/>
-        </a:p>
-      </dgm:t>
     </dgm:pt>
     <dgm:pt modelId="{A5680FCA-86BA-4CD4-9FE3-FF9551AE83BF}" type="pres">
       <dgm:prSet presAssocID="{B26EDDAC-E0EB-4CAC-B63F-2A22AE306279}" presName="hierRoot2" presStyleCnt="0"/>
@@ -3075,13 +2873,6 @@
         </dgm:presLayoutVars>
       </dgm:prSet>
       <dgm:spPr/>
-      <dgm:t>
-        <a:bodyPr/>
-        <a:lstStyle/>
-        <a:p>
-          <a:endParaRPr lang="ru-RU"/>
-        </a:p>
-      </dgm:t>
     </dgm:pt>
     <dgm:pt modelId="{75486D58-7B7C-4B6E-B2EB-F15D0BB568A4}" type="pres">
       <dgm:prSet presAssocID="{B26EDDAC-E0EB-4CAC-B63F-2A22AE306279}" presName="hierChild3" presStyleCnt="0"/>
@@ -3090,13 +2881,6 @@
     <dgm:pt modelId="{EB3B8BE6-633C-4E2E-AAF0-9E4F62F269CC}" type="pres">
       <dgm:prSet presAssocID="{D54B5275-4E3C-4C76-A68B-CBF153A1D05A}" presName="Name10" presStyleLbl="parChTrans1D2" presStyleIdx="2" presStyleCnt="3"/>
       <dgm:spPr/>
-      <dgm:t>
-        <a:bodyPr/>
-        <a:lstStyle/>
-        <a:p>
-          <a:endParaRPr lang="ru-RU"/>
-        </a:p>
-      </dgm:t>
     </dgm:pt>
     <dgm:pt modelId="{8517489B-4334-4DF5-AA3D-7401073D33EC}" type="pres">
       <dgm:prSet presAssocID="{9B385320-F25A-490A-89F5-2959BB0482DA}" presName="hierRoot2" presStyleCnt="0"/>
@@ -3117,13 +2901,6 @@
         </dgm:presLayoutVars>
       </dgm:prSet>
       <dgm:spPr/>
-      <dgm:t>
-        <a:bodyPr/>
-        <a:lstStyle/>
-        <a:p>
-          <a:endParaRPr lang="ru-RU"/>
-        </a:p>
-      </dgm:t>
     </dgm:pt>
     <dgm:pt modelId="{86007542-3E1C-4713-ADB7-C3D724D420E7}" type="pres">
       <dgm:prSet presAssocID="{9B385320-F25A-490A-89F5-2959BB0482DA}" presName="hierChild3" presStyleCnt="0"/>
@@ -3131,27 +2908,27 @@
     </dgm:pt>
   </dgm:ptLst>
   <dgm:cxnLst>
+    <dgm:cxn modelId="{519BFB08-4A06-4281-85F1-C393081CF438}" srcId="{10529288-E9ED-4EAD-B3EE-8307F100B41A}" destId="{14503948-55BF-4D81-BD11-02363B248874}" srcOrd="2" destOrd="0" parTransId="{552650CC-E82B-403D-9887-8C186B520143}" sibTransId="{C283A740-EF5F-4D58-8B0D-3EAE99C0F4DA}"/>
+    <dgm:cxn modelId="{1E242B18-A641-43AB-9AA1-2EF5CC613C9C}" srcId="{C131DCCD-09AA-4C48-9BCB-7F0D9A89F6F5}" destId="{8D49EC07-ED81-40FA-BD17-102FEA4A52FD}" srcOrd="0" destOrd="0" parTransId="{C5AB477C-92ED-4522-B9C3-1495B4978357}" sibTransId="{7C07CB01-C1D2-4174-984E-B7B71E0A88F8}"/>
+    <dgm:cxn modelId="{8C9D725C-0780-4654-ACC5-6F3BA37507D6}" type="presOf" srcId="{10529288-E9ED-4EAD-B3EE-8307F100B41A}" destId="{BAA4F385-084F-45ED-B70E-1E6F7A898F04}" srcOrd="0" destOrd="0" presId="urn:microsoft.com/office/officeart/2005/8/layout/hierarchy1"/>
+    <dgm:cxn modelId="{B6755741-B08F-4B69-99D1-3D5CA12A80B7}" type="presOf" srcId="{14503948-55BF-4D81-BD11-02363B248874}" destId="{111B0635-AB9A-477E-AD90-8798B85BCE71}" srcOrd="0" destOrd="0" presId="urn:microsoft.com/office/officeart/2005/8/layout/hierarchy1"/>
+    <dgm:cxn modelId="{2F7B2A42-1CF0-41C8-9965-03B690AC7646}" srcId="{8D49EC07-ED81-40FA-BD17-102FEA4A52FD}" destId="{9B385320-F25A-490A-89F5-2959BB0482DA}" srcOrd="2" destOrd="0" parTransId="{D54B5275-4E3C-4C76-A68B-CBF153A1D05A}" sibTransId="{0E42C1EB-5787-4F44-9658-59D011B271DD}"/>
     <dgm:cxn modelId="{78579C66-E9EB-48C7-8CEE-A9E0BFAC2B00}" type="presOf" srcId="{B26EDDAC-E0EB-4CAC-B63F-2A22AE306279}" destId="{7FF8A415-28B7-419C-B7F9-876F2EEBA688}" srcOrd="0" destOrd="0" presId="urn:microsoft.com/office/officeart/2005/8/layout/hierarchy1"/>
+    <dgm:cxn modelId="{9F0B704B-6C3D-4767-846D-E0E899EBDAA1}" type="presOf" srcId="{5563E538-7FD8-4DE5-9EDF-B1870DDE89C2}" destId="{BDB237DB-E02D-4D0D-A47A-E92835034937}" srcOrd="0" destOrd="0" presId="urn:microsoft.com/office/officeart/2005/8/layout/hierarchy1"/>
+    <dgm:cxn modelId="{D293FA4B-7315-433D-8E0F-C7206D228B5F}" type="presOf" srcId="{8D49EC07-ED81-40FA-BD17-102FEA4A52FD}" destId="{E5C700FF-F54B-424B-B905-16B6ACC34BFE}" srcOrd="0" destOrd="0" presId="urn:microsoft.com/office/officeart/2005/8/layout/hierarchy1"/>
     <dgm:cxn modelId="{3DBEA14D-D2D2-4869-8FAA-F9796CA56B2A}" srcId="{10529288-E9ED-4EAD-B3EE-8307F100B41A}" destId="{2A641F98-8765-4035-A772-5E571919698B}" srcOrd="1" destOrd="0" parTransId="{F80F9DFA-A121-4D04-BF79-8A466BEF7E54}" sibTransId="{8C70BEA2-11AE-4AE4-850A-9D6D2503E73B}"/>
-    <dgm:cxn modelId="{B6755741-B08F-4B69-99D1-3D5CA12A80B7}" type="presOf" srcId="{14503948-55BF-4D81-BD11-02363B248874}" destId="{111B0635-AB9A-477E-AD90-8798B85BCE71}" srcOrd="0" destOrd="0" presId="urn:microsoft.com/office/officeart/2005/8/layout/hierarchy1"/>
+    <dgm:cxn modelId="{847F4A4E-81C6-4A94-8135-9314D63FEFF6}" type="presOf" srcId="{552650CC-E82B-403D-9887-8C186B520143}" destId="{FFEB0807-D8B0-4E97-A33E-394E698616FA}" srcOrd="0" destOrd="0" presId="urn:microsoft.com/office/officeart/2005/8/layout/hierarchy1"/>
+    <dgm:cxn modelId="{5E20504F-25FA-4C37-9B7F-0DB69C1BA819}" type="presOf" srcId="{89038D8E-BB1B-42B7-931F-671C6F012C8E}" destId="{8589408A-0955-4780-92A8-440A755BEB66}" srcOrd="0" destOrd="0" presId="urn:microsoft.com/office/officeart/2005/8/layout/hierarchy1"/>
+    <dgm:cxn modelId="{EC646B71-5A28-4948-9E2C-8A8641289130}" srcId="{10529288-E9ED-4EAD-B3EE-8307F100B41A}" destId="{89038D8E-BB1B-42B7-931F-671C6F012C8E}" srcOrd="0" destOrd="0" parTransId="{5563E538-7FD8-4DE5-9EDF-B1870DDE89C2}" sibTransId="{D4CD38AA-A494-42B5-B135-B409A7DBB577}"/>
+    <dgm:cxn modelId="{CC20B356-80DE-4EE0-AB25-87E49A16663E}" type="presOf" srcId="{F80F9DFA-A121-4D04-BF79-8A466BEF7E54}" destId="{BC3EBC77-117F-47DD-AD27-A8EA62121FF9}" srcOrd="0" destOrd="0" presId="urn:microsoft.com/office/officeart/2005/8/layout/hierarchy1"/>
+    <dgm:cxn modelId="{4DB26277-DAA9-4BC9-AA3A-2B5472C27936}" type="presOf" srcId="{D54B5275-4E3C-4C76-A68B-CBF153A1D05A}" destId="{EB3B8BE6-633C-4E2E-AAF0-9E4F62F269CC}" srcOrd="0" destOrd="0" presId="urn:microsoft.com/office/officeart/2005/8/layout/hierarchy1"/>
+    <dgm:cxn modelId="{22CE4C5A-A047-4F01-B758-620F313AB2C7}" type="presOf" srcId="{9B385320-F25A-490A-89F5-2959BB0482DA}" destId="{7AD7D965-FC03-4D8E-9D70-2E55018967D6}" srcOrd="0" destOrd="0" presId="urn:microsoft.com/office/officeart/2005/8/layout/hierarchy1"/>
+    <dgm:cxn modelId="{DF86ED7D-FF3D-41F9-9FFB-6F71800532D5}" type="presOf" srcId="{8D8D4F85-B8A7-4E67-BFF3-E109055515BD}" destId="{111FC8B9-7154-4F37-9375-5687F2FC4940}" srcOrd="0" destOrd="0" presId="urn:microsoft.com/office/officeart/2005/8/layout/hierarchy1"/>
     <dgm:cxn modelId="{6C1F117E-690A-46AF-B385-465FD2028B29}" srcId="{8D49EC07-ED81-40FA-BD17-102FEA4A52FD}" destId="{B26EDDAC-E0EB-4CAC-B63F-2A22AE306279}" srcOrd="1" destOrd="0" parTransId="{8AE30C35-9CD4-4B8A-984A-FB41AA39AAAB}" sibTransId="{E0723BDD-DBD7-4E97-BBB4-0D74E82D9ED4}"/>
-    <dgm:cxn modelId="{8C9D725C-0780-4654-ACC5-6F3BA37507D6}" type="presOf" srcId="{10529288-E9ED-4EAD-B3EE-8307F100B41A}" destId="{BAA4F385-084F-45ED-B70E-1E6F7A898F04}" srcOrd="0" destOrd="0" presId="urn:microsoft.com/office/officeart/2005/8/layout/hierarchy1"/>
-    <dgm:cxn modelId="{CC20B356-80DE-4EE0-AB25-87E49A16663E}" type="presOf" srcId="{F80F9DFA-A121-4D04-BF79-8A466BEF7E54}" destId="{BC3EBC77-117F-47DD-AD27-A8EA62121FF9}" srcOrd="0" destOrd="0" presId="urn:microsoft.com/office/officeart/2005/8/layout/hierarchy1"/>
-    <dgm:cxn modelId="{EC646B71-5A28-4948-9E2C-8A8641289130}" srcId="{10529288-E9ED-4EAD-B3EE-8307F100B41A}" destId="{89038D8E-BB1B-42B7-931F-671C6F012C8E}" srcOrd="0" destOrd="0" parTransId="{5563E538-7FD8-4DE5-9EDF-B1870DDE89C2}" sibTransId="{D4CD38AA-A494-42B5-B135-B409A7DBB577}"/>
-    <dgm:cxn modelId="{DF86ED7D-FF3D-41F9-9FFB-6F71800532D5}" type="presOf" srcId="{8D8D4F85-B8A7-4E67-BFF3-E109055515BD}" destId="{111FC8B9-7154-4F37-9375-5687F2FC4940}" srcOrd="0" destOrd="0" presId="urn:microsoft.com/office/officeart/2005/8/layout/hierarchy1"/>
-    <dgm:cxn modelId="{519BFB08-4A06-4281-85F1-C393081CF438}" srcId="{10529288-E9ED-4EAD-B3EE-8307F100B41A}" destId="{14503948-55BF-4D81-BD11-02363B248874}" srcOrd="2" destOrd="0" parTransId="{552650CC-E82B-403D-9887-8C186B520143}" sibTransId="{C283A740-EF5F-4D58-8B0D-3EAE99C0F4DA}"/>
+    <dgm:cxn modelId="{34C81CC5-617F-4035-A96D-363337103A4B}" type="presOf" srcId="{2A641F98-8765-4035-A772-5E571919698B}" destId="{689EB99E-8BCD-4A01-BBCA-F4C9A9C837A1}" srcOrd="0" destOrd="0" presId="urn:microsoft.com/office/officeart/2005/8/layout/hierarchy1"/>
     <dgm:cxn modelId="{9DAE3BF4-917A-42B2-B560-B0749AB2B8C2}" type="presOf" srcId="{8AE30C35-9CD4-4B8A-984A-FB41AA39AAAB}" destId="{8EA27BAA-16CD-42B8-9CD6-21CBA2AF6902}" srcOrd="0" destOrd="0" presId="urn:microsoft.com/office/officeart/2005/8/layout/hierarchy1"/>
-    <dgm:cxn modelId="{D293FA4B-7315-433D-8E0F-C7206D228B5F}" type="presOf" srcId="{8D49EC07-ED81-40FA-BD17-102FEA4A52FD}" destId="{E5C700FF-F54B-424B-B905-16B6ACC34BFE}" srcOrd="0" destOrd="0" presId="urn:microsoft.com/office/officeart/2005/8/layout/hierarchy1"/>
     <dgm:cxn modelId="{8F14F3FB-9C2F-4709-BCB1-7AC649C29AA4}" type="presOf" srcId="{C131DCCD-09AA-4C48-9BCB-7F0D9A89F6F5}" destId="{91FAA18E-41D6-49EF-BCA9-97BAE3ED5380}" srcOrd="0" destOrd="0" presId="urn:microsoft.com/office/officeart/2005/8/layout/hierarchy1"/>
-    <dgm:cxn modelId="{2F7B2A42-1CF0-41C8-9965-03B690AC7646}" srcId="{8D49EC07-ED81-40FA-BD17-102FEA4A52FD}" destId="{9B385320-F25A-490A-89F5-2959BB0482DA}" srcOrd="2" destOrd="0" parTransId="{D54B5275-4E3C-4C76-A68B-CBF153A1D05A}" sibTransId="{0E42C1EB-5787-4F44-9658-59D011B271DD}"/>
     <dgm:cxn modelId="{58B9F4FF-C239-4968-BF01-C9B707BA8DB0}" srcId="{8D49EC07-ED81-40FA-BD17-102FEA4A52FD}" destId="{10529288-E9ED-4EAD-B3EE-8307F100B41A}" srcOrd="0" destOrd="0" parTransId="{8D8D4F85-B8A7-4E67-BFF3-E109055515BD}" sibTransId="{265A8992-BF08-4CCF-BCC7-9D6D35329EB0}"/>
-    <dgm:cxn modelId="{847F4A4E-81C6-4A94-8135-9314D63FEFF6}" type="presOf" srcId="{552650CC-E82B-403D-9887-8C186B520143}" destId="{FFEB0807-D8B0-4E97-A33E-394E698616FA}" srcOrd="0" destOrd="0" presId="urn:microsoft.com/office/officeart/2005/8/layout/hierarchy1"/>
-    <dgm:cxn modelId="{22CE4C5A-A047-4F01-B758-620F313AB2C7}" type="presOf" srcId="{9B385320-F25A-490A-89F5-2959BB0482DA}" destId="{7AD7D965-FC03-4D8E-9D70-2E55018967D6}" srcOrd="0" destOrd="0" presId="urn:microsoft.com/office/officeart/2005/8/layout/hierarchy1"/>
-    <dgm:cxn modelId="{5E20504F-25FA-4C37-9B7F-0DB69C1BA819}" type="presOf" srcId="{89038D8E-BB1B-42B7-931F-671C6F012C8E}" destId="{8589408A-0955-4780-92A8-440A755BEB66}" srcOrd="0" destOrd="0" presId="urn:microsoft.com/office/officeart/2005/8/layout/hierarchy1"/>
-    <dgm:cxn modelId="{4DB26277-DAA9-4BC9-AA3A-2B5472C27936}" type="presOf" srcId="{D54B5275-4E3C-4C76-A68B-CBF153A1D05A}" destId="{EB3B8BE6-633C-4E2E-AAF0-9E4F62F269CC}" srcOrd="0" destOrd="0" presId="urn:microsoft.com/office/officeart/2005/8/layout/hierarchy1"/>
-    <dgm:cxn modelId="{1E242B18-A641-43AB-9AA1-2EF5CC613C9C}" srcId="{C131DCCD-09AA-4C48-9BCB-7F0D9A89F6F5}" destId="{8D49EC07-ED81-40FA-BD17-102FEA4A52FD}" srcOrd="0" destOrd="0" parTransId="{C5AB477C-92ED-4522-B9C3-1495B4978357}" sibTransId="{7C07CB01-C1D2-4174-984E-B7B71E0A88F8}"/>
-    <dgm:cxn modelId="{34C81CC5-617F-4035-A96D-363337103A4B}" type="presOf" srcId="{2A641F98-8765-4035-A772-5E571919698B}" destId="{689EB99E-8BCD-4A01-BBCA-F4C9A9C837A1}" srcOrd="0" destOrd="0" presId="urn:microsoft.com/office/officeart/2005/8/layout/hierarchy1"/>
-    <dgm:cxn modelId="{9F0B704B-6C3D-4767-846D-E0E899EBDAA1}" type="presOf" srcId="{5563E538-7FD8-4DE5-9EDF-B1870DDE89C2}" destId="{BDB237DB-E02D-4D0D-A47A-E92835034937}" srcOrd="0" destOrd="0" presId="urn:microsoft.com/office/officeart/2005/8/layout/hierarchy1"/>
     <dgm:cxn modelId="{B57619D7-9ABC-460F-96A4-79953D223C69}" type="presParOf" srcId="{91FAA18E-41D6-49EF-BCA9-97BAE3ED5380}" destId="{A455561A-6A19-465B-8F5A-E8AC2E57D038}" srcOrd="0" destOrd="0" presId="urn:microsoft.com/office/officeart/2005/8/layout/hierarchy1"/>
     <dgm:cxn modelId="{62F0B565-F237-49CE-8C00-4EE576515D87}" type="presParOf" srcId="{A455561A-6A19-465B-8F5A-E8AC2E57D038}" destId="{0BB48A4D-6979-4DE4-9892-CC50A8D9AB11}" srcOrd="0" destOrd="0" presId="urn:microsoft.com/office/officeart/2005/8/layout/hierarchy1"/>
     <dgm:cxn modelId="{5A76AA8E-0DE3-4BA7-B2AB-91493881DA8B}" type="presParOf" srcId="{0BB48A4D-6979-4DE4-9892-CC50A8D9AB11}" destId="{B7FAED75-3EC7-4854-91A7-371101220E30}" srcOrd="0" destOrd="0" presId="urn:microsoft.com/office/officeart/2005/8/layout/hierarchy1"/>
@@ -3838,7 +3615,7 @@
         </a:bodyPr>
         <a:lstStyle/>
         <a:p>
-          <a:pPr lvl="0" algn="ctr" defTabSz="577850">
+          <a:pPr marL="0" lvl="0" indent="0" algn="ctr" defTabSz="577850">
             <a:lnSpc>
               <a:spcPct val="90000"/>
             </a:lnSpc>
@@ -3848,6 +3625,7 @@
             <a:spcAft>
               <a:spcPct val="35000"/>
             </a:spcAft>
+            <a:buNone/>
           </a:pPr>
           <a:r>
             <a:rPr lang="ru-RU" sz="1300" kern="1200" dirty="0"/>
@@ -3998,7 +3776,7 @@
         </a:bodyPr>
         <a:lstStyle/>
         <a:p>
-          <a:pPr lvl="0" algn="ctr" defTabSz="577850">
+          <a:pPr marL="0" lvl="0" indent="0" algn="ctr" defTabSz="577850">
             <a:lnSpc>
               <a:spcPct val="90000"/>
             </a:lnSpc>
@@ -4008,6 +3786,7 @@
             <a:spcAft>
               <a:spcPct val="35000"/>
             </a:spcAft>
+            <a:buNone/>
           </a:pPr>
           <a:r>
             <a:rPr lang="ru-RU" sz="1300" kern="1200" dirty="0"/>
@@ -4015,7 +3794,7 @@
           </a:r>
         </a:p>
         <a:p>
-          <a:pPr lvl="0" algn="ctr" defTabSz="577850">
+          <a:pPr marL="0" lvl="0" indent="0" algn="ctr" defTabSz="577850">
             <a:lnSpc>
               <a:spcPct val="90000"/>
             </a:lnSpc>
@@ -4025,6 +3804,7 @@
             <a:spcAft>
               <a:spcPct val="35000"/>
             </a:spcAft>
+            <a:buNone/>
           </a:pPr>
           <a:r>
             <a:rPr lang="ru-RU" sz="1300" kern="1200" dirty="0"/>
@@ -4175,7 +3955,7 @@
         </a:bodyPr>
         <a:lstStyle/>
         <a:p>
-          <a:pPr lvl="0" algn="ctr" defTabSz="577850">
+          <a:pPr marL="0" lvl="0" indent="0" algn="ctr" defTabSz="577850">
             <a:lnSpc>
               <a:spcPct val="90000"/>
             </a:lnSpc>
@@ -4185,6 +3965,7 @@
             <a:spcAft>
               <a:spcPct val="35000"/>
             </a:spcAft>
+            <a:buNone/>
           </a:pPr>
           <a:r>
             <a:rPr lang="ru-RU" sz="1300" kern="1200" dirty="0"/>
@@ -4192,7 +3973,7 @@
           </a:r>
         </a:p>
         <a:p>
-          <a:pPr lvl="0" algn="ctr" defTabSz="577850">
+          <a:pPr marL="0" lvl="0" indent="0" algn="ctr" defTabSz="577850">
             <a:lnSpc>
               <a:spcPct val="90000"/>
             </a:lnSpc>
@@ -4202,6 +3983,7 @@
             <a:spcAft>
               <a:spcPct val="35000"/>
             </a:spcAft>
+            <a:buNone/>
           </a:pPr>
           <a:r>
             <a:rPr lang="ru-RU" sz="1300" kern="1200" dirty="0"/>
@@ -4352,7 +4134,7 @@
         </a:bodyPr>
         <a:lstStyle/>
         <a:p>
-          <a:pPr lvl="0" algn="ctr" defTabSz="577850">
+          <a:pPr marL="0" lvl="0" indent="0" algn="ctr" defTabSz="577850">
             <a:lnSpc>
               <a:spcPct val="90000"/>
             </a:lnSpc>
@@ -4362,6 +4144,7 @@
             <a:spcAft>
               <a:spcPct val="35000"/>
             </a:spcAft>
+            <a:buNone/>
           </a:pPr>
           <a:r>
             <a:rPr lang="ru-RU" sz="1300" kern="1200" dirty="0"/>
@@ -4369,7 +4152,7 @@
           </a:r>
         </a:p>
         <a:p>
-          <a:pPr lvl="0" algn="ctr" defTabSz="577850">
+          <a:pPr marL="0" lvl="0" indent="0" algn="ctr" defTabSz="577850">
             <a:lnSpc>
               <a:spcPct val="90000"/>
             </a:lnSpc>
@@ -4379,6 +4162,7 @@
             <a:spcAft>
               <a:spcPct val="35000"/>
             </a:spcAft>
+            <a:buNone/>
           </a:pPr>
           <a:r>
             <a:rPr lang="ru-RU" sz="1300" kern="1200" dirty="0"/>
@@ -4529,7 +4313,7 @@
         </a:bodyPr>
         <a:lstStyle/>
         <a:p>
-          <a:pPr lvl="0" algn="ctr" defTabSz="577850">
+          <a:pPr marL="0" lvl="0" indent="0" algn="ctr" defTabSz="577850">
             <a:lnSpc>
               <a:spcPct val="90000"/>
             </a:lnSpc>
@@ -4539,6 +4323,7 @@
             <a:spcAft>
               <a:spcPct val="35000"/>
             </a:spcAft>
+            <a:buNone/>
           </a:pPr>
           <a:r>
             <a:rPr lang="ru-RU" sz="1300" kern="1200" dirty="0"/>
@@ -4546,7 +4331,7 @@
           </a:r>
         </a:p>
         <a:p>
-          <a:pPr lvl="0" algn="ctr" defTabSz="577850">
+          <a:pPr marL="0" lvl="0" indent="0" algn="ctr" defTabSz="577850">
             <a:lnSpc>
               <a:spcPct val="90000"/>
             </a:lnSpc>
@@ -4556,6 +4341,7 @@
             <a:spcAft>
               <a:spcPct val="35000"/>
             </a:spcAft>
+            <a:buNone/>
           </a:pPr>
           <a:r>
             <a:rPr lang="ru-RU" sz="1300" kern="1200" dirty="0"/>
@@ -4714,7 +4500,7 @@
         </a:bodyPr>
         <a:lstStyle/>
         <a:p>
-          <a:pPr lvl="0" algn="ctr" defTabSz="577850">
+          <a:pPr marL="0" lvl="0" indent="0" algn="ctr" defTabSz="577850">
             <a:lnSpc>
               <a:spcPct val="90000"/>
             </a:lnSpc>
@@ -4724,6 +4510,7 @@
             <a:spcAft>
               <a:spcPct val="35000"/>
             </a:spcAft>
+            <a:buNone/>
           </a:pPr>
           <a:r>
             <a:rPr lang="ru-RU" sz="1300" kern="1200" dirty="0"/>
@@ -4731,7 +4518,7 @@
           </a:r>
         </a:p>
         <a:p>
-          <a:pPr lvl="0" algn="ctr" defTabSz="577850">
+          <a:pPr marL="0" lvl="0" indent="0" algn="ctr" defTabSz="577850">
             <a:lnSpc>
               <a:spcPct val="90000"/>
             </a:lnSpc>
@@ -4741,6 +4528,7 @@
             <a:spcAft>
               <a:spcPct val="35000"/>
             </a:spcAft>
+            <a:buNone/>
           </a:pPr>
           <a:r>
             <a:rPr lang="ru-RU" sz="1300" kern="1200" dirty="0"/>
@@ -4891,7 +4679,7 @@
         </a:bodyPr>
         <a:lstStyle/>
         <a:p>
-          <a:pPr lvl="0" algn="ctr" defTabSz="577850">
+          <a:pPr marL="0" lvl="0" indent="0" algn="ctr" defTabSz="577850">
             <a:lnSpc>
               <a:spcPct val="90000"/>
             </a:lnSpc>
@@ -4901,6 +4689,7 @@
             <a:spcAft>
               <a:spcPct val="35000"/>
             </a:spcAft>
+            <a:buNone/>
           </a:pPr>
           <a:r>
             <a:rPr lang="ru-RU" sz="1300" kern="1200" dirty="0"/>
@@ -4908,7 +4697,7 @@
           </a:r>
         </a:p>
         <a:p>
-          <a:pPr lvl="0" algn="ctr" defTabSz="577850">
+          <a:pPr marL="0" lvl="0" indent="0" algn="ctr" defTabSz="577850">
             <a:lnSpc>
               <a:spcPct val="90000"/>
             </a:lnSpc>
@@ -4918,6 +4707,7 @@
             <a:spcAft>
               <a:spcPct val="35000"/>
             </a:spcAft>
+            <a:buNone/>
           </a:pPr>
           <a:r>
             <a:rPr lang="ru-RU" sz="1300" kern="1200" dirty="0"/>
@@ -5068,7 +4858,7 @@
         </a:bodyPr>
         <a:lstStyle/>
         <a:p>
-          <a:pPr lvl="0" algn="ctr" defTabSz="577850">
+          <a:pPr marL="0" lvl="0" indent="0" algn="ctr" defTabSz="577850">
             <a:lnSpc>
               <a:spcPct val="90000"/>
             </a:lnSpc>
@@ -5078,6 +4868,7 @@
             <a:spcAft>
               <a:spcPct val="35000"/>
             </a:spcAft>
+            <a:buNone/>
           </a:pPr>
           <a:r>
             <a:rPr lang="ru-RU" sz="1300" kern="1200" dirty="0"/>
@@ -5085,7 +4876,7 @@
           </a:r>
         </a:p>
         <a:p>
-          <a:pPr lvl="0" algn="ctr" defTabSz="577850">
+          <a:pPr marL="0" lvl="0" indent="0" algn="ctr" defTabSz="577850">
             <a:lnSpc>
               <a:spcPct val="90000"/>
             </a:lnSpc>
@@ -5095,6 +4886,7 @@
             <a:spcAft>
               <a:spcPct val="35000"/>
             </a:spcAft>
+            <a:buNone/>
           </a:pPr>
           <a:r>
             <a:rPr lang="ru-RU" sz="1300" kern="1200" dirty="0"/>
@@ -5245,7 +5037,7 @@
         </a:bodyPr>
         <a:lstStyle/>
         <a:p>
-          <a:pPr lvl="0" algn="ctr" defTabSz="577850">
+          <a:pPr marL="0" lvl="0" indent="0" algn="ctr" defTabSz="577850">
             <a:lnSpc>
               <a:spcPct val="90000"/>
             </a:lnSpc>
@@ -5255,6 +5047,7 @@
             <a:spcAft>
               <a:spcPct val="35000"/>
             </a:spcAft>
+            <a:buNone/>
           </a:pPr>
           <a:r>
             <a:rPr lang="ru-RU" sz="1300" kern="1200" dirty="0"/>
@@ -5262,7 +5055,7 @@
           </a:r>
         </a:p>
         <a:p>
-          <a:pPr lvl="0" algn="ctr" defTabSz="577850">
+          <a:pPr marL="0" lvl="0" indent="0" algn="ctr" defTabSz="577850">
             <a:lnSpc>
               <a:spcPct val="90000"/>
             </a:lnSpc>
@@ -5272,6 +5065,7 @@
             <a:spcAft>
               <a:spcPct val="35000"/>
             </a:spcAft>
+            <a:buNone/>
           </a:pPr>
           <a:r>
             <a:rPr lang="ru-RU" sz="1300" kern="1200" dirty="0"/>
@@ -5776,7 +5570,7 @@
         </a:bodyPr>
         <a:lstStyle/>
         <a:p>
-          <a:pPr lvl="0" algn="ctr" defTabSz="1022350">
+          <a:pPr marL="0" lvl="0" indent="0" algn="ctr" defTabSz="1022350">
             <a:lnSpc>
               <a:spcPct val="90000"/>
             </a:lnSpc>
@@ -5786,6 +5580,7 @@
             <a:spcAft>
               <a:spcPct val="35000"/>
             </a:spcAft>
+            <a:buNone/>
           </a:pPr>
           <a:r>
             <a:rPr lang="ru-RU" sz="2300" kern="1200" dirty="0"/>
@@ -5924,7 +5719,7 @@
         </a:bodyPr>
         <a:lstStyle/>
         <a:p>
-          <a:pPr lvl="0" algn="ctr" defTabSz="1022350">
+          <a:pPr marL="0" lvl="0" indent="0" algn="ctr" defTabSz="1022350">
             <a:lnSpc>
               <a:spcPct val="90000"/>
             </a:lnSpc>
@@ -5934,6 +5729,7 @@
             <a:spcAft>
               <a:spcPct val="35000"/>
             </a:spcAft>
+            <a:buNone/>
           </a:pPr>
           <a:r>
             <a:rPr lang="ru-RU" sz="2300" kern="1200" dirty="0"/>
@@ -6052,7 +5848,7 @@
         </a:bodyPr>
         <a:lstStyle/>
         <a:p>
-          <a:pPr lvl="0" algn="ctr" defTabSz="1022350">
+          <a:pPr marL="0" lvl="0" indent="0" algn="ctr" defTabSz="1022350">
             <a:lnSpc>
               <a:spcPct val="90000"/>
             </a:lnSpc>
@@ -6062,6 +5858,7 @@
             <a:spcAft>
               <a:spcPct val="35000"/>
             </a:spcAft>
+            <a:buNone/>
           </a:pPr>
           <a:r>
             <a:rPr lang="ru-RU" sz="2300" kern="1200" dirty="0"/>
@@ -6180,7 +5977,7 @@
         </a:bodyPr>
         <a:lstStyle/>
         <a:p>
-          <a:pPr lvl="0" algn="ctr" defTabSz="1022350">
+          <a:pPr marL="0" lvl="0" indent="0" algn="ctr" defTabSz="1022350">
             <a:lnSpc>
               <a:spcPct val="90000"/>
             </a:lnSpc>
@@ -6190,6 +5987,7 @@
             <a:spcAft>
               <a:spcPct val="35000"/>
             </a:spcAft>
+            <a:buNone/>
           </a:pPr>
           <a:r>
             <a:rPr lang="ru-RU" sz="2300" kern="1200" dirty="0"/>
@@ -6308,7 +6106,7 @@
         </a:bodyPr>
         <a:lstStyle/>
         <a:p>
-          <a:pPr lvl="0" algn="ctr" defTabSz="1022350">
+          <a:pPr marL="0" lvl="0" indent="0" algn="ctr" defTabSz="1022350">
             <a:lnSpc>
               <a:spcPct val="90000"/>
             </a:lnSpc>
@@ -6318,6 +6116,7 @@
             <a:spcAft>
               <a:spcPct val="35000"/>
             </a:spcAft>
+            <a:buNone/>
           </a:pPr>
           <a:r>
             <a:rPr lang="ru-RU" sz="2300" kern="1200" dirty="0"/>
@@ -6436,7 +6235,7 @@
         </a:bodyPr>
         <a:lstStyle/>
         <a:p>
-          <a:pPr lvl="0" algn="ctr" defTabSz="1022350">
+          <a:pPr marL="0" lvl="0" indent="0" algn="ctr" defTabSz="1022350">
             <a:lnSpc>
               <a:spcPct val="90000"/>
             </a:lnSpc>
@@ -6446,6 +6245,7 @@
             <a:spcAft>
               <a:spcPct val="35000"/>
             </a:spcAft>
+            <a:buNone/>
           </a:pPr>
           <a:r>
             <a:rPr lang="ru-RU" sz="2300" kern="1200" dirty="0"/>
@@ -6564,7 +6364,7 @@
         </a:bodyPr>
         <a:lstStyle/>
         <a:p>
-          <a:pPr lvl="0" algn="ctr" defTabSz="1022350">
+          <a:pPr marL="0" lvl="0" indent="0" algn="ctr" defTabSz="1022350">
             <a:lnSpc>
               <a:spcPct val="90000"/>
             </a:lnSpc>
@@ -6574,6 +6374,7 @@
             <a:spcAft>
               <a:spcPct val="35000"/>
             </a:spcAft>
+            <a:buNone/>
           </a:pPr>
           <a:r>
             <a:rPr lang="ru-RU" sz="2300" kern="1200" dirty="0"/>
@@ -9892,7 +9693,7 @@
           <a:p>
             <a:fld id="{2F3DCB6D-0B48-4A3D-B663-06C3F903A9D3}" type="datetimeFigureOut">
               <a:rPr lang="ru-RU" smtClean="0"/>
-              <a:t>17.06.2018</a:t>
+              <a:t>22.10.2020</a:t>
             </a:fld>
             <a:endParaRPr lang="ru-RU"/>
           </a:p>
@@ -10489,7 +10290,7 @@
           <a:p>
             <a:fld id="{2590F9C9-AB92-4E86-B698-DEC9BF4350FF}" type="datetimeFigureOut">
               <a:rPr lang="ru-RU" smtClean="0"/>
-              <a:t>17.06.2018</a:t>
+              <a:t>22.10.2020</a:t>
             </a:fld>
             <a:endParaRPr lang="ru-RU"/>
           </a:p>
@@ -10594,13 +10395,6 @@
   <p:clrMapOvr>
     <a:overrideClrMapping bg1="dk1" tx1="lt1" bg2="dk2" tx2="lt2" accent1="accent1" accent2="accent2" accent3="accent3" accent4="accent4" accent5="accent5" accent6="accent6" hlink="hlink" folHlink="folHlink"/>
   </p:clrMapOvr>
-  <p:timing>
-    <p:tnLst>
-      <p:par>
-        <p:cTn id="1" dur="indefinite" restart="never" nodeType="tmRoot"/>
-      </p:par>
-    </p:tnLst>
-  </p:timing>
 </p:sldLayout>
 </file>
 
@@ -10713,7 +10507,7 @@
           <a:p>
             <a:fld id="{2590F9C9-AB92-4E86-B698-DEC9BF4350FF}" type="datetimeFigureOut">
               <a:rPr lang="ru-RU" smtClean="0"/>
-              <a:t>17.06.2018</a:t>
+              <a:t>22.10.2020</a:t>
             </a:fld>
             <a:endParaRPr lang="ru-RU"/>
           </a:p>
@@ -10985,7 +10779,7 @@
           <a:p>
             <a:fld id="{2590F9C9-AB92-4E86-B698-DEC9BF4350FF}" type="datetimeFigureOut">
               <a:rPr lang="ru-RU" smtClean="0"/>
-              <a:t>17.06.2018</a:t>
+              <a:t>22.10.2020</a:t>
             </a:fld>
             <a:endParaRPr lang="ru-RU"/>
           </a:p>
@@ -11160,7 +10954,7 @@
           <a:p>
             <a:fld id="{2590F9C9-AB92-4E86-B698-DEC9BF4350FF}" type="datetimeFigureOut">
               <a:rPr lang="ru-RU" smtClean="0"/>
-              <a:t>17.06.2018</a:t>
+              <a:t>22.10.2020</a:t>
             </a:fld>
             <a:endParaRPr lang="ru-RU"/>
           </a:p>
@@ -11213,13 +11007,6 @@
   <p:clrMapOvr>
     <a:masterClrMapping/>
   </p:clrMapOvr>
-  <p:timing>
-    <p:tnLst>
-      <p:par>
-        <p:cTn id="1" dur="indefinite" restart="never" nodeType="tmRoot"/>
-      </p:par>
-    </p:tnLst>
-  </p:timing>
 </p:sldLayout>
 </file>
 
@@ -11521,7 +11308,7 @@
           <a:p>
             <a:fld id="{2590F9C9-AB92-4E86-B698-DEC9BF4350FF}" type="datetimeFigureOut">
               <a:rPr lang="ru-RU" smtClean="0"/>
-              <a:t>17.06.2018</a:t>
+              <a:t>22.10.2020</a:t>
             </a:fld>
             <a:endParaRPr lang="ru-RU"/>
           </a:p>
@@ -11806,7 +11593,7 @@
           <a:p>
             <a:fld id="{2590F9C9-AB92-4E86-B698-DEC9BF4350FF}" type="datetimeFigureOut">
               <a:rPr lang="ru-RU" smtClean="0"/>
-              <a:t>17.06.2018</a:t>
+              <a:t>22.10.2020</a:t>
             </a:fld>
             <a:endParaRPr lang="ru-RU"/>
           </a:p>
@@ -11859,13 +11646,6 @@
   <p:clrMapOvr>
     <a:masterClrMapping/>
   </p:clrMapOvr>
-  <p:timing>
-    <p:tnLst>
-      <p:par>
-        <p:cTn id="1" dur="indefinite" restart="never" nodeType="tmRoot"/>
-      </p:par>
-    </p:tnLst>
-  </p:timing>
 </p:sldLayout>
 </file>
 
@@ -12235,7 +12015,7 @@
           <a:p>
             <a:fld id="{2590F9C9-AB92-4E86-B698-DEC9BF4350FF}" type="datetimeFigureOut">
               <a:rPr lang="ru-RU" smtClean="0"/>
-              <a:t>17.06.2018</a:t>
+              <a:t>22.10.2020</a:t>
             </a:fld>
             <a:endParaRPr lang="ru-RU"/>
           </a:p>
@@ -12348,7 +12128,7 @@
           <a:p>
             <a:fld id="{2590F9C9-AB92-4E86-B698-DEC9BF4350FF}" type="datetimeFigureOut">
               <a:rPr lang="ru-RU" smtClean="0"/>
-              <a:t>17.06.2018</a:t>
+              <a:t>22.10.2020</a:t>
             </a:fld>
             <a:endParaRPr lang="ru-RU"/>
           </a:p>
@@ -12401,13 +12181,6 @@
   <p:clrMapOvr>
     <a:masterClrMapping/>
   </p:clrMapOvr>
-  <p:timing>
-    <p:tnLst>
-      <p:par>
-        <p:cTn id="1" dur="indefinite" restart="never" nodeType="tmRoot"/>
-      </p:par>
-    </p:tnLst>
-  </p:timing>
 </p:sldLayout>
 </file>
 
@@ -12445,7 +12218,7 @@
           <a:p>
             <a:fld id="{2590F9C9-AB92-4E86-B698-DEC9BF4350FF}" type="datetimeFigureOut">
               <a:rPr lang="ru-RU" smtClean="0"/>
-              <a:t>17.06.2018</a:t>
+              <a:t>22.10.2020</a:t>
             </a:fld>
             <a:endParaRPr lang="ru-RU"/>
           </a:p>
@@ -12498,13 +12271,6 @@
   <p:clrMapOvr>
     <a:masterClrMapping/>
   </p:clrMapOvr>
-  <p:timing>
-    <p:tnLst>
-      <p:par>
-        <p:cTn id="1" dur="indefinite" restart="never" nodeType="tmRoot"/>
-      </p:par>
-    </p:tnLst>
-  </p:timing>
 </p:sldLayout>
 </file>
 
@@ -12730,7 +12496,7 @@
           <a:p>
             <a:fld id="{2590F9C9-AB92-4E86-B698-DEC9BF4350FF}" type="datetimeFigureOut">
               <a:rPr lang="ru-RU" smtClean="0"/>
-              <a:t>17.06.2018</a:t>
+              <a:t>22.10.2020</a:t>
             </a:fld>
             <a:endParaRPr lang="ru-RU"/>
           </a:p>
@@ -13092,7 +12858,7 @@
           <a:p>
             <a:fld id="{2590F9C9-AB92-4E86-B698-DEC9BF4350FF}" type="datetimeFigureOut">
               <a:rPr lang="ru-RU" smtClean="0"/>
-              <a:t>17.06.2018</a:t>
+              <a:t>22.10.2020</a:t>
             </a:fld>
             <a:endParaRPr lang="ru-RU"/>
           </a:p>
@@ -13517,7 +13283,7 @@
           <a:p>
             <a:fld id="{2590F9C9-AB92-4E86-B698-DEC9BF4350FF}" type="datetimeFigureOut">
               <a:rPr lang="ru-RU" smtClean="0"/>
-              <a:t>17.06.2018</a:t>
+              <a:t>22.10.2020</a:t>
             </a:fld>
             <a:endParaRPr lang="ru-RU"/>
           </a:p>
@@ -13619,13 +13385,6 @@
     <p:sldLayoutId id="2147483682" r:id="rId10"/>
     <p:sldLayoutId id="2147483683" r:id="rId11"/>
   </p:sldLayoutIdLst>
-  <p:timing>
-    <p:tnLst>
-      <p:par>
-        <p:cTn id="1" dur="indefinite" restart="never" nodeType="tmRoot"/>
-      </p:par>
-    </p:tnLst>
-  </p:timing>
   <p:txStyles>
     <p:titleStyle>
       <a:lvl1pPr algn="l" rtl="0" eaLnBrk="1" latinLnBrk="0" hangingPunct="1">
@@ -13946,11 +13705,11 @@
           <a:lstStyle/>
           <a:p>
             <a:r>
-              <a:rPr lang="ru-RU" dirty="0" smtClean="0"/>
+              <a:rPr lang="ru-RU" dirty="0"/>
               <a:t>Компоновщик</a:t>
             </a:r>
             <a:r>
-              <a:rPr lang="en-US" dirty="0" smtClean="0"/>
+              <a:rPr lang="en-US" dirty="0"/>
               <a:t> (Composite)</a:t>
             </a:r>
             <a:endParaRPr lang="ru-RU" dirty="0"/>
@@ -13989,13 +13748,6 @@
   <p:clrMapOvr>
     <a:masterClrMapping/>
   </p:clrMapOvr>
-  <p:timing>
-    <p:tnLst>
-      <p:par>
-        <p:cTn id="1" dur="indefinite" restart="never" nodeType="tmRoot"/>
-      </p:par>
-    </p:tnLst>
-  </p:timing>
 </p:sld>
 </file>
 
@@ -14064,7 +13816,7 @@
             <a:pPr lvl="1"/>
             <a:r>
               <a:rPr lang="ru-RU" dirty="0"/>
-              <a:t>Вместо манипулирования разрозненными фигурами, пользователь манипулирует группой как единым целым</a:t>
+              <a:t>Вместо манипулирования отдельными фигурами, пользователь манипулирует группой как единым целым</a:t>
             </a:r>
           </a:p>
           <a:p>
@@ -14096,9 +13848,225 @@
   <p:timing>
     <p:tnLst>
       <p:par>
-        <p:cTn id="1" dur="indefinite" restart="never" nodeType="tmRoot"/>
+        <p:cTn id="1" dur="indefinite" restart="never" nodeType="tmRoot">
+          <p:childTnLst>
+            <p:seq concurrent="1" nextAc="seek">
+              <p:cTn id="2" dur="indefinite" nodeType="mainSeq">
+                <p:childTnLst>
+                  <p:par>
+                    <p:cTn id="3" fill="hold">
+                      <p:stCondLst>
+                        <p:cond delay="indefinite"/>
+                      </p:stCondLst>
+                      <p:childTnLst>
+                        <p:par>
+                          <p:cTn id="4" fill="hold">
+                            <p:stCondLst>
+                              <p:cond delay="0"/>
+                            </p:stCondLst>
+                            <p:childTnLst>
+                              <p:par>
+                                <p:cTn id="5" presetID="10" presetClass="entr" presetSubtype="0" fill="hold" grpId="0" nodeType="clickEffect">
+                                  <p:stCondLst>
+                                    <p:cond delay="0"/>
+                                  </p:stCondLst>
+                                  <p:childTnLst>
+                                    <p:set>
+                                      <p:cBhvr>
+                                        <p:cTn id="6" dur="1" fill="hold">
+                                          <p:stCondLst>
+                                            <p:cond delay="0"/>
+                                          </p:stCondLst>
+                                        </p:cTn>
+                                        <p:tgtEl>
+                                          <p:spTgt spid="3">
+                                            <p:txEl>
+                                              <p:pRg st="0" end="0"/>
+                                            </p:txEl>
+                                          </p:spTgt>
+                                        </p:tgtEl>
+                                        <p:attrNameLst>
+                                          <p:attrName>style.visibility</p:attrName>
+                                        </p:attrNameLst>
+                                      </p:cBhvr>
+                                      <p:to>
+                                        <p:strVal val="visible"/>
+                                      </p:to>
+                                    </p:set>
+                                    <p:animEffect transition="in" filter="fade">
+                                      <p:cBhvr>
+                                        <p:cTn id="7" dur="500"/>
+                                        <p:tgtEl>
+                                          <p:spTgt spid="3">
+                                            <p:txEl>
+                                              <p:pRg st="0" end="0"/>
+                                            </p:txEl>
+                                          </p:spTgt>
+                                        </p:tgtEl>
+                                      </p:cBhvr>
+                                    </p:animEffect>
+                                  </p:childTnLst>
+                                </p:cTn>
+                              </p:par>
+                              <p:par>
+                                <p:cTn id="8" presetID="10" presetClass="entr" presetSubtype="0" fill="hold" grpId="0" nodeType="withEffect">
+                                  <p:stCondLst>
+                                    <p:cond delay="0"/>
+                                  </p:stCondLst>
+                                  <p:childTnLst>
+                                    <p:set>
+                                      <p:cBhvr>
+                                        <p:cTn id="9" dur="1" fill="hold">
+                                          <p:stCondLst>
+                                            <p:cond delay="0"/>
+                                          </p:stCondLst>
+                                        </p:cTn>
+                                        <p:tgtEl>
+                                          <p:spTgt spid="3">
+                                            <p:txEl>
+                                              <p:pRg st="1" end="1"/>
+                                            </p:txEl>
+                                          </p:spTgt>
+                                        </p:tgtEl>
+                                        <p:attrNameLst>
+                                          <p:attrName>style.visibility</p:attrName>
+                                        </p:attrNameLst>
+                                      </p:cBhvr>
+                                      <p:to>
+                                        <p:strVal val="visible"/>
+                                      </p:to>
+                                    </p:set>
+                                    <p:animEffect transition="in" filter="fade">
+                                      <p:cBhvr>
+                                        <p:cTn id="10" dur="500"/>
+                                        <p:tgtEl>
+                                          <p:spTgt spid="3">
+                                            <p:txEl>
+                                              <p:pRg st="1" end="1"/>
+                                            </p:txEl>
+                                          </p:spTgt>
+                                        </p:tgtEl>
+                                      </p:cBhvr>
+                                    </p:animEffect>
+                                  </p:childTnLst>
+                                </p:cTn>
+                              </p:par>
+                              <p:par>
+                                <p:cTn id="11" presetID="10" presetClass="entr" presetSubtype="0" fill="hold" grpId="0" nodeType="withEffect">
+                                  <p:stCondLst>
+                                    <p:cond delay="0"/>
+                                  </p:stCondLst>
+                                  <p:childTnLst>
+                                    <p:set>
+                                      <p:cBhvr>
+                                        <p:cTn id="12" dur="1" fill="hold">
+                                          <p:stCondLst>
+                                            <p:cond delay="0"/>
+                                          </p:stCondLst>
+                                        </p:cTn>
+                                        <p:tgtEl>
+                                          <p:spTgt spid="3">
+                                            <p:txEl>
+                                              <p:pRg st="2" end="2"/>
+                                            </p:txEl>
+                                          </p:spTgt>
+                                        </p:tgtEl>
+                                        <p:attrNameLst>
+                                          <p:attrName>style.visibility</p:attrName>
+                                        </p:attrNameLst>
+                                      </p:cBhvr>
+                                      <p:to>
+                                        <p:strVal val="visible"/>
+                                      </p:to>
+                                    </p:set>
+                                    <p:animEffect transition="in" filter="fade">
+                                      <p:cBhvr>
+                                        <p:cTn id="13" dur="500"/>
+                                        <p:tgtEl>
+                                          <p:spTgt spid="3">
+                                            <p:txEl>
+                                              <p:pRg st="2" end="2"/>
+                                            </p:txEl>
+                                          </p:spTgt>
+                                        </p:tgtEl>
+                                      </p:cBhvr>
+                                    </p:animEffect>
+                                  </p:childTnLst>
+                                </p:cTn>
+                              </p:par>
+                              <p:par>
+                                <p:cTn id="14" presetID="10" presetClass="entr" presetSubtype="0" fill="hold" grpId="0" nodeType="withEffect">
+                                  <p:stCondLst>
+                                    <p:cond delay="0"/>
+                                  </p:stCondLst>
+                                  <p:childTnLst>
+                                    <p:set>
+                                      <p:cBhvr>
+                                        <p:cTn id="15" dur="1" fill="hold">
+                                          <p:stCondLst>
+                                            <p:cond delay="0"/>
+                                          </p:stCondLst>
+                                        </p:cTn>
+                                        <p:tgtEl>
+                                          <p:spTgt spid="3">
+                                            <p:txEl>
+                                              <p:pRg st="3" end="3"/>
+                                            </p:txEl>
+                                          </p:spTgt>
+                                        </p:tgtEl>
+                                        <p:attrNameLst>
+                                          <p:attrName>style.visibility</p:attrName>
+                                        </p:attrNameLst>
+                                      </p:cBhvr>
+                                      <p:to>
+                                        <p:strVal val="visible"/>
+                                      </p:to>
+                                    </p:set>
+                                    <p:animEffect transition="in" filter="fade">
+                                      <p:cBhvr>
+                                        <p:cTn id="16" dur="500"/>
+                                        <p:tgtEl>
+                                          <p:spTgt spid="3">
+                                            <p:txEl>
+                                              <p:pRg st="3" end="3"/>
+                                            </p:txEl>
+                                          </p:spTgt>
+                                        </p:tgtEl>
+                                      </p:cBhvr>
+                                    </p:animEffect>
+                                  </p:childTnLst>
+                                </p:cTn>
+                              </p:par>
+                            </p:childTnLst>
+                          </p:cTn>
+                        </p:par>
+                      </p:childTnLst>
+                    </p:cTn>
+                  </p:par>
+                </p:childTnLst>
+              </p:cTn>
+              <p:prevCondLst>
+                <p:cond evt="onPrev" delay="0">
+                  <p:tgtEl>
+                    <p:sldTgt/>
+                  </p:tgtEl>
+                </p:cond>
+              </p:prevCondLst>
+              <p:nextCondLst>
+                <p:cond evt="onNext" delay="0">
+                  <p:tgtEl>
+                    <p:sldTgt/>
+                  </p:tgtEl>
+                </p:cond>
+              </p:nextCondLst>
+            </p:seq>
+          </p:childTnLst>
+        </p:cTn>
       </p:par>
     </p:tnLst>
+    <p:bldLst>
+      <p:bldP spid="3" grpId="0" build="p"/>
+    </p:bldLst>
   </p:timing>
 </p:sld>
 </file>
@@ -14407,9 +14375,415 @@
   <p:timing>
     <p:tnLst>
       <p:par>
-        <p:cTn id="1" dur="indefinite" restart="never" nodeType="tmRoot"/>
+        <p:cTn id="1" dur="indefinite" restart="never" nodeType="tmRoot">
+          <p:childTnLst>
+            <p:seq concurrent="1" nextAc="seek">
+              <p:cTn id="2" dur="indefinite" nodeType="mainSeq">
+                <p:childTnLst>
+                  <p:par>
+                    <p:cTn id="3" fill="hold">
+                      <p:stCondLst>
+                        <p:cond delay="indefinite"/>
+                      </p:stCondLst>
+                      <p:childTnLst>
+                        <p:par>
+                          <p:cTn id="4" fill="hold">
+                            <p:stCondLst>
+                              <p:cond delay="0"/>
+                            </p:stCondLst>
+                            <p:childTnLst>
+                              <p:par>
+                                <p:cTn id="5" presetID="10" presetClass="entr" presetSubtype="0" fill="hold" grpId="0" nodeType="clickEffect">
+                                  <p:stCondLst>
+                                    <p:cond delay="0"/>
+                                  </p:stCondLst>
+                                  <p:childTnLst>
+                                    <p:set>
+                                      <p:cBhvr>
+                                        <p:cTn id="6" dur="1" fill="hold">
+                                          <p:stCondLst>
+                                            <p:cond delay="0"/>
+                                          </p:stCondLst>
+                                        </p:cTn>
+                                        <p:tgtEl>
+                                          <p:spTgt spid="3">
+                                            <p:txEl>
+                                              <p:pRg st="0" end="0"/>
+                                            </p:txEl>
+                                          </p:spTgt>
+                                        </p:tgtEl>
+                                        <p:attrNameLst>
+                                          <p:attrName>style.visibility</p:attrName>
+                                        </p:attrNameLst>
+                                      </p:cBhvr>
+                                      <p:to>
+                                        <p:strVal val="visible"/>
+                                      </p:to>
+                                    </p:set>
+                                    <p:animEffect transition="in" filter="fade">
+                                      <p:cBhvr>
+                                        <p:cTn id="7" dur="500"/>
+                                        <p:tgtEl>
+                                          <p:spTgt spid="3">
+                                            <p:txEl>
+                                              <p:pRg st="0" end="0"/>
+                                            </p:txEl>
+                                          </p:spTgt>
+                                        </p:tgtEl>
+                                      </p:cBhvr>
+                                    </p:animEffect>
+                                  </p:childTnLst>
+                                </p:cTn>
+                              </p:par>
+                              <p:par>
+                                <p:cTn id="8" presetID="10" presetClass="entr" presetSubtype="0" fill="hold" grpId="0" nodeType="withEffect">
+                                  <p:stCondLst>
+                                    <p:cond delay="0"/>
+                                  </p:stCondLst>
+                                  <p:childTnLst>
+                                    <p:set>
+                                      <p:cBhvr>
+                                        <p:cTn id="9" dur="1" fill="hold">
+                                          <p:stCondLst>
+                                            <p:cond delay="0"/>
+                                          </p:stCondLst>
+                                        </p:cTn>
+                                        <p:tgtEl>
+                                          <p:spTgt spid="3">
+                                            <p:txEl>
+                                              <p:pRg st="1" end="1"/>
+                                            </p:txEl>
+                                          </p:spTgt>
+                                        </p:tgtEl>
+                                        <p:attrNameLst>
+                                          <p:attrName>style.visibility</p:attrName>
+                                        </p:attrNameLst>
+                                      </p:cBhvr>
+                                      <p:to>
+                                        <p:strVal val="visible"/>
+                                      </p:to>
+                                    </p:set>
+                                    <p:animEffect transition="in" filter="fade">
+                                      <p:cBhvr>
+                                        <p:cTn id="10" dur="500"/>
+                                        <p:tgtEl>
+                                          <p:spTgt spid="3">
+                                            <p:txEl>
+                                              <p:pRg st="1" end="1"/>
+                                            </p:txEl>
+                                          </p:spTgt>
+                                        </p:tgtEl>
+                                      </p:cBhvr>
+                                    </p:animEffect>
+                                  </p:childTnLst>
+                                </p:cTn>
+                              </p:par>
+                              <p:par>
+                                <p:cTn id="11" presetID="10" presetClass="entr" presetSubtype="0" fill="hold" grpId="0" nodeType="withEffect">
+                                  <p:stCondLst>
+                                    <p:cond delay="0"/>
+                                  </p:stCondLst>
+                                  <p:childTnLst>
+                                    <p:set>
+                                      <p:cBhvr>
+                                        <p:cTn id="12" dur="1" fill="hold">
+                                          <p:stCondLst>
+                                            <p:cond delay="0"/>
+                                          </p:stCondLst>
+                                        </p:cTn>
+                                        <p:tgtEl>
+                                          <p:spTgt spid="3">
+                                            <p:txEl>
+                                              <p:pRg st="2" end="2"/>
+                                            </p:txEl>
+                                          </p:spTgt>
+                                        </p:tgtEl>
+                                        <p:attrNameLst>
+                                          <p:attrName>style.visibility</p:attrName>
+                                        </p:attrNameLst>
+                                      </p:cBhvr>
+                                      <p:to>
+                                        <p:strVal val="visible"/>
+                                      </p:to>
+                                    </p:set>
+                                    <p:animEffect transition="in" filter="fade">
+                                      <p:cBhvr>
+                                        <p:cTn id="13" dur="500"/>
+                                        <p:tgtEl>
+                                          <p:spTgt spid="3">
+                                            <p:txEl>
+                                              <p:pRg st="2" end="2"/>
+                                            </p:txEl>
+                                          </p:spTgt>
+                                        </p:tgtEl>
+                                      </p:cBhvr>
+                                    </p:animEffect>
+                                  </p:childTnLst>
+                                </p:cTn>
+                              </p:par>
+                            </p:childTnLst>
+                          </p:cTn>
+                        </p:par>
+                      </p:childTnLst>
+                    </p:cTn>
+                  </p:par>
+                  <p:par>
+                    <p:cTn id="14" fill="hold">
+                      <p:stCondLst>
+                        <p:cond delay="indefinite"/>
+                      </p:stCondLst>
+                      <p:childTnLst>
+                        <p:par>
+                          <p:cTn id="15" fill="hold">
+                            <p:stCondLst>
+                              <p:cond delay="0"/>
+                            </p:stCondLst>
+                            <p:childTnLst>
+                              <p:par>
+                                <p:cTn id="16" presetID="10" presetClass="entr" presetSubtype="0" fill="hold" grpId="0" nodeType="clickEffect">
+                                  <p:stCondLst>
+                                    <p:cond delay="0"/>
+                                  </p:stCondLst>
+                                  <p:childTnLst>
+                                    <p:set>
+                                      <p:cBhvr>
+                                        <p:cTn id="17" dur="1" fill="hold">
+                                          <p:stCondLst>
+                                            <p:cond delay="0"/>
+                                          </p:stCondLst>
+                                        </p:cTn>
+                                        <p:tgtEl>
+                                          <p:spTgt spid="3">
+                                            <p:txEl>
+                                              <p:pRg st="3" end="3"/>
+                                            </p:txEl>
+                                          </p:spTgt>
+                                        </p:tgtEl>
+                                        <p:attrNameLst>
+                                          <p:attrName>style.visibility</p:attrName>
+                                        </p:attrNameLst>
+                                      </p:cBhvr>
+                                      <p:to>
+                                        <p:strVal val="visible"/>
+                                      </p:to>
+                                    </p:set>
+                                    <p:animEffect transition="in" filter="fade">
+                                      <p:cBhvr>
+                                        <p:cTn id="18" dur="500"/>
+                                        <p:tgtEl>
+                                          <p:spTgt spid="3">
+                                            <p:txEl>
+                                              <p:pRg st="3" end="3"/>
+                                            </p:txEl>
+                                          </p:spTgt>
+                                        </p:tgtEl>
+                                      </p:cBhvr>
+                                    </p:animEffect>
+                                  </p:childTnLst>
+                                </p:cTn>
+                              </p:par>
+                              <p:par>
+                                <p:cTn id="19" presetID="10" presetClass="entr" presetSubtype="0" fill="hold" grpId="0" nodeType="withEffect">
+                                  <p:stCondLst>
+                                    <p:cond delay="0"/>
+                                  </p:stCondLst>
+                                  <p:childTnLst>
+                                    <p:set>
+                                      <p:cBhvr>
+                                        <p:cTn id="20" dur="1" fill="hold">
+                                          <p:stCondLst>
+                                            <p:cond delay="0"/>
+                                          </p:stCondLst>
+                                        </p:cTn>
+                                        <p:tgtEl>
+                                          <p:spTgt spid="3">
+                                            <p:txEl>
+                                              <p:pRg st="4" end="4"/>
+                                            </p:txEl>
+                                          </p:spTgt>
+                                        </p:tgtEl>
+                                        <p:attrNameLst>
+                                          <p:attrName>style.visibility</p:attrName>
+                                        </p:attrNameLst>
+                                      </p:cBhvr>
+                                      <p:to>
+                                        <p:strVal val="visible"/>
+                                      </p:to>
+                                    </p:set>
+                                    <p:animEffect transition="in" filter="fade">
+                                      <p:cBhvr>
+                                        <p:cTn id="21" dur="500"/>
+                                        <p:tgtEl>
+                                          <p:spTgt spid="3">
+                                            <p:txEl>
+                                              <p:pRg st="4" end="4"/>
+                                            </p:txEl>
+                                          </p:spTgt>
+                                        </p:tgtEl>
+                                      </p:cBhvr>
+                                    </p:animEffect>
+                                  </p:childTnLst>
+                                </p:cTn>
+                              </p:par>
+                              <p:par>
+                                <p:cTn id="22" presetID="10" presetClass="entr" presetSubtype="0" fill="hold" grpId="0" nodeType="withEffect">
+                                  <p:stCondLst>
+                                    <p:cond delay="0"/>
+                                  </p:stCondLst>
+                                  <p:childTnLst>
+                                    <p:set>
+                                      <p:cBhvr>
+                                        <p:cTn id="23" dur="1" fill="hold">
+                                          <p:stCondLst>
+                                            <p:cond delay="0"/>
+                                          </p:stCondLst>
+                                        </p:cTn>
+                                        <p:tgtEl>
+                                          <p:spTgt spid="3">
+                                            <p:txEl>
+                                              <p:pRg st="5" end="5"/>
+                                            </p:txEl>
+                                          </p:spTgt>
+                                        </p:tgtEl>
+                                        <p:attrNameLst>
+                                          <p:attrName>style.visibility</p:attrName>
+                                        </p:attrNameLst>
+                                      </p:cBhvr>
+                                      <p:to>
+                                        <p:strVal val="visible"/>
+                                      </p:to>
+                                    </p:set>
+                                    <p:animEffect transition="in" filter="fade">
+                                      <p:cBhvr>
+                                        <p:cTn id="24" dur="500"/>
+                                        <p:tgtEl>
+                                          <p:spTgt spid="3">
+                                            <p:txEl>
+                                              <p:pRg st="5" end="5"/>
+                                            </p:txEl>
+                                          </p:spTgt>
+                                        </p:tgtEl>
+                                      </p:cBhvr>
+                                    </p:animEffect>
+                                  </p:childTnLst>
+                                </p:cTn>
+                              </p:par>
+                              <p:par>
+                                <p:cTn id="25" presetID="10" presetClass="entr" presetSubtype="0" fill="hold" grpId="0" nodeType="withEffect">
+                                  <p:stCondLst>
+                                    <p:cond delay="0"/>
+                                  </p:stCondLst>
+                                  <p:childTnLst>
+                                    <p:set>
+                                      <p:cBhvr>
+                                        <p:cTn id="26" dur="1" fill="hold">
+                                          <p:stCondLst>
+                                            <p:cond delay="0"/>
+                                          </p:stCondLst>
+                                        </p:cTn>
+                                        <p:tgtEl>
+                                          <p:spTgt spid="3">
+                                            <p:txEl>
+                                              <p:pRg st="6" end="6"/>
+                                            </p:txEl>
+                                          </p:spTgt>
+                                        </p:tgtEl>
+                                        <p:attrNameLst>
+                                          <p:attrName>style.visibility</p:attrName>
+                                        </p:attrNameLst>
+                                      </p:cBhvr>
+                                      <p:to>
+                                        <p:strVal val="visible"/>
+                                      </p:to>
+                                    </p:set>
+                                    <p:animEffect transition="in" filter="fade">
+                                      <p:cBhvr>
+                                        <p:cTn id="27" dur="500"/>
+                                        <p:tgtEl>
+                                          <p:spTgt spid="3">
+                                            <p:txEl>
+                                              <p:pRg st="6" end="6"/>
+                                            </p:txEl>
+                                          </p:spTgt>
+                                        </p:tgtEl>
+                                      </p:cBhvr>
+                                    </p:animEffect>
+                                  </p:childTnLst>
+                                </p:cTn>
+                              </p:par>
+                              <p:par>
+                                <p:cTn id="28" presetID="10" presetClass="entr" presetSubtype="0" fill="hold" grpId="0" nodeType="withEffect">
+                                  <p:stCondLst>
+                                    <p:cond delay="0"/>
+                                  </p:stCondLst>
+                                  <p:childTnLst>
+                                    <p:set>
+                                      <p:cBhvr>
+                                        <p:cTn id="29" dur="1" fill="hold">
+                                          <p:stCondLst>
+                                            <p:cond delay="0"/>
+                                          </p:stCondLst>
+                                        </p:cTn>
+                                        <p:tgtEl>
+                                          <p:spTgt spid="3">
+                                            <p:txEl>
+                                              <p:pRg st="7" end="7"/>
+                                            </p:txEl>
+                                          </p:spTgt>
+                                        </p:tgtEl>
+                                        <p:attrNameLst>
+                                          <p:attrName>style.visibility</p:attrName>
+                                        </p:attrNameLst>
+                                      </p:cBhvr>
+                                      <p:to>
+                                        <p:strVal val="visible"/>
+                                      </p:to>
+                                    </p:set>
+                                    <p:animEffect transition="in" filter="fade">
+                                      <p:cBhvr>
+                                        <p:cTn id="30" dur="500"/>
+                                        <p:tgtEl>
+                                          <p:spTgt spid="3">
+                                            <p:txEl>
+                                              <p:pRg st="7" end="7"/>
+                                            </p:txEl>
+                                          </p:spTgt>
+                                        </p:tgtEl>
+                                      </p:cBhvr>
+                                    </p:animEffect>
+                                  </p:childTnLst>
+                                </p:cTn>
+                              </p:par>
+                            </p:childTnLst>
+                          </p:cTn>
+                        </p:par>
+                      </p:childTnLst>
+                    </p:cTn>
+                  </p:par>
+                </p:childTnLst>
+              </p:cTn>
+              <p:prevCondLst>
+                <p:cond evt="onPrev" delay="0">
+                  <p:tgtEl>
+                    <p:sldTgt/>
+                  </p:tgtEl>
+                </p:cond>
+              </p:prevCondLst>
+              <p:nextCondLst>
+                <p:cond evt="onNext" delay="0">
+                  <p:tgtEl>
+                    <p:sldTgt/>
+                  </p:tgtEl>
+                </p:cond>
+              </p:nextCondLst>
+            </p:seq>
+          </p:childTnLst>
+        </p:cTn>
       </p:par>
     </p:tnLst>
+    <p:bldLst>
+      <p:bldP spid="3" grpId="0" build="p"/>
+    </p:bldLst>
   </p:timing>
 </p:sld>
 </file>
@@ -14488,13 +14862,6 @@
   <p:clrMapOvr>
     <a:masterClrMapping/>
   </p:clrMapOvr>
-  <p:timing>
-    <p:tnLst>
-      <p:par>
-        <p:cTn id="1" dur="indefinite" restart="never" nodeType="tmRoot"/>
-      </p:par>
-    </p:tnLst>
-  </p:timing>
 </p:sld>
 </file>
 
@@ -14578,9 +14945,157 @@
   <p:timing>
     <p:tnLst>
       <p:par>
-        <p:cTn id="1" dur="indefinite" restart="never" nodeType="tmRoot"/>
+        <p:cTn id="1" dur="indefinite" restart="never" nodeType="tmRoot">
+          <p:childTnLst>
+            <p:seq concurrent="1" nextAc="seek">
+              <p:cTn id="2" dur="indefinite" nodeType="mainSeq">
+                <p:childTnLst>
+                  <p:par>
+                    <p:cTn id="3" fill="hold">
+                      <p:stCondLst>
+                        <p:cond delay="indefinite"/>
+                      </p:stCondLst>
+                      <p:childTnLst>
+                        <p:par>
+                          <p:cTn id="4" fill="hold">
+                            <p:stCondLst>
+                              <p:cond delay="0"/>
+                            </p:stCondLst>
+                            <p:childTnLst>
+                              <p:par>
+                                <p:cTn id="5" presetID="10" presetClass="entr" presetSubtype="0" fill="hold" grpId="0" nodeType="clickEffect">
+                                  <p:stCondLst>
+                                    <p:cond delay="0"/>
+                                  </p:stCondLst>
+                                  <p:childTnLst>
+                                    <p:set>
+                                      <p:cBhvr>
+                                        <p:cTn id="6" dur="1" fill="hold">
+                                          <p:stCondLst>
+                                            <p:cond delay="0"/>
+                                          </p:stCondLst>
+                                        </p:cTn>
+                                        <p:tgtEl>
+                                          <p:spTgt spid="3">
+                                            <p:txEl>
+                                              <p:pRg st="0" end="0"/>
+                                            </p:txEl>
+                                          </p:spTgt>
+                                        </p:tgtEl>
+                                        <p:attrNameLst>
+                                          <p:attrName>style.visibility</p:attrName>
+                                        </p:attrNameLst>
+                                      </p:cBhvr>
+                                      <p:to>
+                                        <p:strVal val="visible"/>
+                                      </p:to>
+                                    </p:set>
+                                    <p:animEffect transition="in" filter="fade">
+                                      <p:cBhvr>
+                                        <p:cTn id="7" dur="500"/>
+                                        <p:tgtEl>
+                                          <p:spTgt spid="3">
+                                            <p:txEl>
+                                              <p:pRg st="0" end="0"/>
+                                            </p:txEl>
+                                          </p:spTgt>
+                                        </p:tgtEl>
+                                      </p:cBhvr>
+                                    </p:animEffect>
+                                  </p:childTnLst>
+                                </p:cTn>
+                              </p:par>
+                            </p:childTnLst>
+                          </p:cTn>
+                        </p:par>
+                      </p:childTnLst>
+                    </p:cTn>
+                  </p:par>
+                  <p:par>
+                    <p:cTn id="8" fill="hold">
+                      <p:stCondLst>
+                        <p:cond delay="indefinite"/>
+                      </p:stCondLst>
+                      <p:childTnLst>
+                        <p:par>
+                          <p:cTn id="9" fill="hold">
+                            <p:stCondLst>
+                              <p:cond delay="0"/>
+                            </p:stCondLst>
+                            <p:childTnLst>
+                              <p:par>
+                                <p:cTn id="10" presetID="10" presetClass="entr" presetSubtype="0" fill="hold" grpId="0" nodeType="clickEffect">
+                                  <p:stCondLst>
+                                    <p:cond delay="0"/>
+                                  </p:stCondLst>
+                                  <p:childTnLst>
+                                    <p:set>
+                                      <p:cBhvr>
+                                        <p:cTn id="11" dur="1" fill="hold">
+                                          <p:stCondLst>
+                                            <p:cond delay="0"/>
+                                          </p:stCondLst>
+                                        </p:cTn>
+                                        <p:tgtEl>
+                                          <p:spTgt spid="3">
+                                            <p:txEl>
+                                              <p:pRg st="1" end="1"/>
+                                            </p:txEl>
+                                          </p:spTgt>
+                                        </p:tgtEl>
+                                        <p:attrNameLst>
+                                          <p:attrName>style.visibility</p:attrName>
+                                        </p:attrNameLst>
+                                      </p:cBhvr>
+                                      <p:to>
+                                        <p:strVal val="visible"/>
+                                      </p:to>
+                                    </p:set>
+                                    <p:animEffect transition="in" filter="fade">
+                                      <p:cBhvr>
+                                        <p:cTn id="12" dur="500"/>
+                                        <p:tgtEl>
+                                          <p:spTgt spid="3">
+                                            <p:txEl>
+                                              <p:pRg st="1" end="1"/>
+                                            </p:txEl>
+                                          </p:spTgt>
+                                        </p:tgtEl>
+                                      </p:cBhvr>
+                                    </p:animEffect>
+                                  </p:childTnLst>
+                                </p:cTn>
+                              </p:par>
+                            </p:childTnLst>
+                          </p:cTn>
+                        </p:par>
+                      </p:childTnLst>
+                    </p:cTn>
+                  </p:par>
+                </p:childTnLst>
+              </p:cTn>
+              <p:prevCondLst>
+                <p:cond evt="onPrev" delay="0">
+                  <p:tgtEl>
+                    <p:sldTgt/>
+                  </p:tgtEl>
+                </p:cond>
+              </p:prevCondLst>
+              <p:nextCondLst>
+                <p:cond evt="onNext" delay="0">
+                  <p:tgtEl>
+                    <p:sldTgt/>
+                  </p:tgtEl>
+                </p:cond>
+              </p:nextCondLst>
+            </p:seq>
+          </p:childTnLst>
+        </p:cTn>
       </p:par>
     </p:tnLst>
+    <p:bldLst>
+      <p:bldP spid="3" grpId="0" build="p"/>
+    </p:bldLst>
   </p:timing>
 </p:sld>
 </file>
@@ -14698,9 +15213,157 @@
   <p:timing>
     <p:tnLst>
       <p:par>
-        <p:cTn id="1" dur="indefinite" restart="never" nodeType="tmRoot"/>
+        <p:cTn id="1" dur="indefinite" restart="never" nodeType="tmRoot">
+          <p:childTnLst>
+            <p:seq concurrent="1" nextAc="seek">
+              <p:cTn id="2" dur="indefinite" nodeType="mainSeq">
+                <p:childTnLst>
+                  <p:par>
+                    <p:cTn id="3" fill="hold">
+                      <p:stCondLst>
+                        <p:cond delay="indefinite"/>
+                      </p:stCondLst>
+                      <p:childTnLst>
+                        <p:par>
+                          <p:cTn id="4" fill="hold">
+                            <p:stCondLst>
+                              <p:cond delay="0"/>
+                            </p:stCondLst>
+                            <p:childTnLst>
+                              <p:par>
+                                <p:cTn id="5" presetID="10" presetClass="entr" presetSubtype="0" fill="hold" grpId="0" nodeType="clickEffect">
+                                  <p:stCondLst>
+                                    <p:cond delay="0"/>
+                                  </p:stCondLst>
+                                  <p:childTnLst>
+                                    <p:set>
+                                      <p:cBhvr>
+                                        <p:cTn id="6" dur="1" fill="hold">
+                                          <p:stCondLst>
+                                            <p:cond delay="0"/>
+                                          </p:stCondLst>
+                                        </p:cTn>
+                                        <p:tgtEl>
+                                          <p:spTgt spid="6">
+                                            <p:txEl>
+                                              <p:pRg st="0" end="0"/>
+                                            </p:txEl>
+                                          </p:spTgt>
+                                        </p:tgtEl>
+                                        <p:attrNameLst>
+                                          <p:attrName>style.visibility</p:attrName>
+                                        </p:attrNameLst>
+                                      </p:cBhvr>
+                                      <p:to>
+                                        <p:strVal val="visible"/>
+                                      </p:to>
+                                    </p:set>
+                                    <p:animEffect transition="in" filter="fade">
+                                      <p:cBhvr>
+                                        <p:cTn id="7" dur="500"/>
+                                        <p:tgtEl>
+                                          <p:spTgt spid="6">
+                                            <p:txEl>
+                                              <p:pRg st="0" end="0"/>
+                                            </p:txEl>
+                                          </p:spTgt>
+                                        </p:tgtEl>
+                                      </p:cBhvr>
+                                    </p:animEffect>
+                                  </p:childTnLst>
+                                </p:cTn>
+                              </p:par>
+                            </p:childTnLst>
+                          </p:cTn>
+                        </p:par>
+                      </p:childTnLst>
+                    </p:cTn>
+                  </p:par>
+                  <p:par>
+                    <p:cTn id="8" fill="hold">
+                      <p:stCondLst>
+                        <p:cond delay="indefinite"/>
+                      </p:stCondLst>
+                      <p:childTnLst>
+                        <p:par>
+                          <p:cTn id="9" fill="hold">
+                            <p:stCondLst>
+                              <p:cond delay="0"/>
+                            </p:stCondLst>
+                            <p:childTnLst>
+                              <p:par>
+                                <p:cTn id="10" presetID="10" presetClass="entr" presetSubtype="0" fill="hold" grpId="0" nodeType="clickEffect">
+                                  <p:stCondLst>
+                                    <p:cond delay="0"/>
+                                  </p:stCondLst>
+                                  <p:childTnLst>
+                                    <p:set>
+                                      <p:cBhvr>
+                                        <p:cTn id="11" dur="1" fill="hold">
+                                          <p:stCondLst>
+                                            <p:cond delay="0"/>
+                                          </p:stCondLst>
+                                        </p:cTn>
+                                        <p:tgtEl>
+                                          <p:spTgt spid="6">
+                                            <p:txEl>
+                                              <p:pRg st="1" end="1"/>
+                                            </p:txEl>
+                                          </p:spTgt>
+                                        </p:tgtEl>
+                                        <p:attrNameLst>
+                                          <p:attrName>style.visibility</p:attrName>
+                                        </p:attrNameLst>
+                                      </p:cBhvr>
+                                      <p:to>
+                                        <p:strVal val="visible"/>
+                                      </p:to>
+                                    </p:set>
+                                    <p:animEffect transition="in" filter="fade">
+                                      <p:cBhvr>
+                                        <p:cTn id="12" dur="500"/>
+                                        <p:tgtEl>
+                                          <p:spTgt spid="6">
+                                            <p:txEl>
+                                              <p:pRg st="1" end="1"/>
+                                            </p:txEl>
+                                          </p:spTgt>
+                                        </p:tgtEl>
+                                      </p:cBhvr>
+                                    </p:animEffect>
+                                  </p:childTnLst>
+                                </p:cTn>
+                              </p:par>
+                            </p:childTnLst>
+                          </p:cTn>
+                        </p:par>
+                      </p:childTnLst>
+                    </p:cTn>
+                  </p:par>
+                </p:childTnLst>
+              </p:cTn>
+              <p:prevCondLst>
+                <p:cond evt="onPrev" delay="0">
+                  <p:tgtEl>
+                    <p:sldTgt/>
+                  </p:tgtEl>
+                </p:cond>
+              </p:prevCondLst>
+              <p:nextCondLst>
+                <p:cond evt="onNext" delay="0">
+                  <p:tgtEl>
+                    <p:sldTgt/>
+                  </p:tgtEl>
+                </p:cond>
+              </p:nextCondLst>
+            </p:seq>
+          </p:childTnLst>
+        </p:cTn>
       </p:par>
     </p:tnLst>
+    <p:bldLst>
+      <p:bldP spid="6" grpId="0" build="p"/>
+    </p:bldLst>
   </p:timing>
 </p:sld>
 </file>
@@ -14801,9 +15464,243 @@
   <p:timing>
     <p:tnLst>
       <p:par>
-        <p:cTn id="1" dur="indefinite" restart="never" nodeType="tmRoot"/>
+        <p:cTn id="1" dur="indefinite" restart="never" nodeType="tmRoot">
+          <p:childTnLst>
+            <p:seq concurrent="1" nextAc="seek">
+              <p:cTn id="2" dur="indefinite" nodeType="mainSeq">
+                <p:childTnLst>
+                  <p:par>
+                    <p:cTn id="3" fill="hold">
+                      <p:stCondLst>
+                        <p:cond delay="indefinite"/>
+                      </p:stCondLst>
+                      <p:childTnLst>
+                        <p:par>
+                          <p:cTn id="4" fill="hold">
+                            <p:stCondLst>
+                              <p:cond delay="0"/>
+                            </p:stCondLst>
+                            <p:childTnLst>
+                              <p:par>
+                                <p:cTn id="5" presetID="10" presetClass="entr" presetSubtype="0" fill="hold" grpId="0" nodeType="clickEffect">
+                                  <p:stCondLst>
+                                    <p:cond delay="0"/>
+                                  </p:stCondLst>
+                                  <p:childTnLst>
+                                    <p:set>
+                                      <p:cBhvr>
+                                        <p:cTn id="6" dur="1" fill="hold">
+                                          <p:stCondLst>
+                                            <p:cond delay="0"/>
+                                          </p:stCondLst>
+                                        </p:cTn>
+                                        <p:tgtEl>
+                                          <p:spTgt spid="6">
+                                            <p:txEl>
+                                              <p:pRg st="0" end="0"/>
+                                            </p:txEl>
+                                          </p:spTgt>
+                                        </p:tgtEl>
+                                        <p:attrNameLst>
+                                          <p:attrName>style.visibility</p:attrName>
+                                        </p:attrNameLst>
+                                      </p:cBhvr>
+                                      <p:to>
+                                        <p:strVal val="visible"/>
+                                      </p:to>
+                                    </p:set>
+                                    <p:animEffect transition="in" filter="fade">
+                                      <p:cBhvr>
+                                        <p:cTn id="7" dur="500"/>
+                                        <p:tgtEl>
+                                          <p:spTgt spid="6">
+                                            <p:txEl>
+                                              <p:pRg st="0" end="0"/>
+                                            </p:txEl>
+                                          </p:spTgt>
+                                        </p:tgtEl>
+                                      </p:cBhvr>
+                                    </p:animEffect>
+                                  </p:childTnLst>
+                                </p:cTn>
+                              </p:par>
+                              <p:par>
+                                <p:cTn id="8" presetID="10" presetClass="entr" presetSubtype="0" fill="hold" grpId="0" nodeType="withEffect">
+                                  <p:stCondLst>
+                                    <p:cond delay="0"/>
+                                  </p:stCondLst>
+                                  <p:childTnLst>
+                                    <p:set>
+                                      <p:cBhvr>
+                                        <p:cTn id="9" dur="1" fill="hold">
+                                          <p:stCondLst>
+                                            <p:cond delay="0"/>
+                                          </p:stCondLst>
+                                        </p:cTn>
+                                        <p:tgtEl>
+                                          <p:spTgt spid="6">
+                                            <p:txEl>
+                                              <p:pRg st="1" end="1"/>
+                                            </p:txEl>
+                                          </p:spTgt>
+                                        </p:tgtEl>
+                                        <p:attrNameLst>
+                                          <p:attrName>style.visibility</p:attrName>
+                                        </p:attrNameLst>
+                                      </p:cBhvr>
+                                      <p:to>
+                                        <p:strVal val="visible"/>
+                                      </p:to>
+                                    </p:set>
+                                    <p:animEffect transition="in" filter="fade">
+                                      <p:cBhvr>
+                                        <p:cTn id="10" dur="500"/>
+                                        <p:tgtEl>
+                                          <p:spTgt spid="6">
+                                            <p:txEl>
+                                              <p:pRg st="1" end="1"/>
+                                            </p:txEl>
+                                          </p:spTgt>
+                                        </p:tgtEl>
+                                      </p:cBhvr>
+                                    </p:animEffect>
+                                  </p:childTnLst>
+                                </p:cTn>
+                              </p:par>
+                              <p:par>
+                                <p:cTn id="11" presetID="10" presetClass="entr" presetSubtype="0" fill="hold" grpId="0" nodeType="withEffect">
+                                  <p:stCondLst>
+                                    <p:cond delay="0"/>
+                                  </p:stCondLst>
+                                  <p:childTnLst>
+                                    <p:set>
+                                      <p:cBhvr>
+                                        <p:cTn id="12" dur="1" fill="hold">
+                                          <p:stCondLst>
+                                            <p:cond delay="0"/>
+                                          </p:stCondLst>
+                                        </p:cTn>
+                                        <p:tgtEl>
+                                          <p:spTgt spid="6">
+                                            <p:txEl>
+                                              <p:pRg st="2" end="2"/>
+                                            </p:txEl>
+                                          </p:spTgt>
+                                        </p:tgtEl>
+                                        <p:attrNameLst>
+                                          <p:attrName>style.visibility</p:attrName>
+                                        </p:attrNameLst>
+                                      </p:cBhvr>
+                                      <p:to>
+                                        <p:strVal val="visible"/>
+                                      </p:to>
+                                    </p:set>
+                                    <p:animEffect transition="in" filter="fade">
+                                      <p:cBhvr>
+                                        <p:cTn id="13" dur="500"/>
+                                        <p:tgtEl>
+                                          <p:spTgt spid="6">
+                                            <p:txEl>
+                                              <p:pRg st="2" end="2"/>
+                                            </p:txEl>
+                                          </p:spTgt>
+                                        </p:tgtEl>
+                                      </p:cBhvr>
+                                    </p:animEffect>
+                                  </p:childTnLst>
+                                </p:cTn>
+                              </p:par>
+                            </p:childTnLst>
+                          </p:cTn>
+                        </p:par>
+                      </p:childTnLst>
+                    </p:cTn>
+                  </p:par>
+                  <p:par>
+                    <p:cTn id="14" fill="hold">
+                      <p:stCondLst>
+                        <p:cond delay="indefinite"/>
+                      </p:stCondLst>
+                      <p:childTnLst>
+                        <p:par>
+                          <p:cTn id="15" fill="hold">
+                            <p:stCondLst>
+                              <p:cond delay="0"/>
+                            </p:stCondLst>
+                            <p:childTnLst>
+                              <p:par>
+                                <p:cTn id="16" presetID="10" presetClass="entr" presetSubtype="0" fill="hold" grpId="0" nodeType="clickEffect">
+                                  <p:stCondLst>
+                                    <p:cond delay="0"/>
+                                  </p:stCondLst>
+                                  <p:childTnLst>
+                                    <p:set>
+                                      <p:cBhvr>
+                                        <p:cTn id="17" dur="1" fill="hold">
+                                          <p:stCondLst>
+                                            <p:cond delay="0"/>
+                                          </p:stCondLst>
+                                        </p:cTn>
+                                        <p:tgtEl>
+                                          <p:spTgt spid="6">
+                                            <p:txEl>
+                                              <p:pRg st="3" end="3"/>
+                                            </p:txEl>
+                                          </p:spTgt>
+                                        </p:tgtEl>
+                                        <p:attrNameLst>
+                                          <p:attrName>style.visibility</p:attrName>
+                                        </p:attrNameLst>
+                                      </p:cBhvr>
+                                      <p:to>
+                                        <p:strVal val="visible"/>
+                                      </p:to>
+                                    </p:set>
+                                    <p:animEffect transition="in" filter="fade">
+                                      <p:cBhvr>
+                                        <p:cTn id="18" dur="500"/>
+                                        <p:tgtEl>
+                                          <p:spTgt spid="6">
+                                            <p:txEl>
+                                              <p:pRg st="3" end="3"/>
+                                            </p:txEl>
+                                          </p:spTgt>
+                                        </p:tgtEl>
+                                      </p:cBhvr>
+                                    </p:animEffect>
+                                  </p:childTnLst>
+                                </p:cTn>
+                              </p:par>
+                            </p:childTnLst>
+                          </p:cTn>
+                        </p:par>
+                      </p:childTnLst>
+                    </p:cTn>
+                  </p:par>
+                </p:childTnLst>
+              </p:cTn>
+              <p:prevCondLst>
+                <p:cond evt="onPrev" delay="0">
+                  <p:tgtEl>
+                    <p:sldTgt/>
+                  </p:tgtEl>
+                </p:cond>
+              </p:prevCondLst>
+              <p:nextCondLst>
+                <p:cond evt="onNext" delay="0">
+                  <p:tgtEl>
+                    <p:sldTgt/>
+                  </p:tgtEl>
+                </p:cond>
+              </p:nextCondLst>
+            </p:seq>
+          </p:childTnLst>
+        </p:cTn>
       </p:par>
     </p:tnLst>
+    <p:bldLst>
+      <p:bldP spid="6" grpId="0" build="p"/>
+    </p:bldLst>
   </p:timing>
 </p:sld>
 </file>
@@ -14865,8 +15762,8 @@
         </p:blipFill>
         <p:spPr>
           <a:xfrm>
-            <a:off x="2559656" y="2132856"/>
-            <a:ext cx="4024688" cy="3412534"/>
+            <a:off x="2559655" y="2132856"/>
+            <a:ext cx="4755805" cy="4032448"/>
           </a:xfrm>
           <a:prstGeom prst="rect">
             <a:avLst/>
@@ -14883,13 +15780,6 @@
   <p:clrMapOvr>
     <a:masterClrMapping/>
   </p:clrMapOvr>
-  <p:timing>
-    <p:tnLst>
-      <p:par>
-        <p:cTn id="1" dur="indefinite" restart="never" nodeType="tmRoot"/>
-      </p:par>
-    </p:tnLst>
-  </p:timing>
 </p:sld>
 </file>
 
@@ -16631,9 +17521,329 @@
   <p:timing>
     <p:tnLst>
       <p:par>
-        <p:cTn id="1" dur="indefinite" restart="never" nodeType="tmRoot"/>
+        <p:cTn id="1" dur="indefinite" restart="never" nodeType="tmRoot">
+          <p:childTnLst>
+            <p:seq concurrent="1" nextAc="seek">
+              <p:cTn id="2" dur="indefinite" nodeType="mainSeq">
+                <p:childTnLst>
+                  <p:par>
+                    <p:cTn id="3" fill="hold">
+                      <p:stCondLst>
+                        <p:cond delay="indefinite"/>
+                      </p:stCondLst>
+                      <p:childTnLst>
+                        <p:par>
+                          <p:cTn id="4" fill="hold">
+                            <p:stCondLst>
+                              <p:cond delay="0"/>
+                            </p:stCondLst>
+                            <p:childTnLst>
+                              <p:par>
+                                <p:cTn id="5" presetID="10" presetClass="entr" presetSubtype="0" fill="hold" grpId="0" nodeType="clickEffect">
+                                  <p:stCondLst>
+                                    <p:cond delay="0"/>
+                                  </p:stCondLst>
+                                  <p:childTnLst>
+                                    <p:set>
+                                      <p:cBhvr>
+                                        <p:cTn id="6" dur="1" fill="hold">
+                                          <p:stCondLst>
+                                            <p:cond delay="0"/>
+                                          </p:stCondLst>
+                                        </p:cTn>
+                                        <p:tgtEl>
+                                          <p:spTgt spid="3">
+                                            <p:txEl>
+                                              <p:pRg st="0" end="0"/>
+                                            </p:txEl>
+                                          </p:spTgt>
+                                        </p:tgtEl>
+                                        <p:attrNameLst>
+                                          <p:attrName>style.visibility</p:attrName>
+                                        </p:attrNameLst>
+                                      </p:cBhvr>
+                                      <p:to>
+                                        <p:strVal val="visible"/>
+                                      </p:to>
+                                    </p:set>
+                                    <p:animEffect transition="in" filter="fade">
+                                      <p:cBhvr>
+                                        <p:cTn id="7" dur="500"/>
+                                        <p:tgtEl>
+                                          <p:spTgt spid="3">
+                                            <p:txEl>
+                                              <p:pRg st="0" end="0"/>
+                                            </p:txEl>
+                                          </p:spTgt>
+                                        </p:tgtEl>
+                                      </p:cBhvr>
+                                    </p:animEffect>
+                                  </p:childTnLst>
+                                </p:cTn>
+                              </p:par>
+                              <p:par>
+                                <p:cTn id="8" presetID="10" presetClass="entr" presetSubtype="0" fill="hold" grpId="0" nodeType="withEffect">
+                                  <p:stCondLst>
+                                    <p:cond delay="0"/>
+                                  </p:stCondLst>
+                                  <p:childTnLst>
+                                    <p:set>
+                                      <p:cBhvr>
+                                        <p:cTn id="9" dur="1" fill="hold">
+                                          <p:stCondLst>
+                                            <p:cond delay="0"/>
+                                          </p:stCondLst>
+                                        </p:cTn>
+                                        <p:tgtEl>
+                                          <p:spTgt spid="3">
+                                            <p:txEl>
+                                              <p:pRg st="1" end="1"/>
+                                            </p:txEl>
+                                          </p:spTgt>
+                                        </p:tgtEl>
+                                        <p:attrNameLst>
+                                          <p:attrName>style.visibility</p:attrName>
+                                        </p:attrNameLst>
+                                      </p:cBhvr>
+                                      <p:to>
+                                        <p:strVal val="visible"/>
+                                      </p:to>
+                                    </p:set>
+                                    <p:animEffect transition="in" filter="fade">
+                                      <p:cBhvr>
+                                        <p:cTn id="10" dur="500"/>
+                                        <p:tgtEl>
+                                          <p:spTgt spid="3">
+                                            <p:txEl>
+                                              <p:pRg st="1" end="1"/>
+                                            </p:txEl>
+                                          </p:spTgt>
+                                        </p:tgtEl>
+                                      </p:cBhvr>
+                                    </p:animEffect>
+                                  </p:childTnLst>
+                                </p:cTn>
+                              </p:par>
+                              <p:par>
+                                <p:cTn id="11" presetID="10" presetClass="entr" presetSubtype="0" fill="hold" grpId="0" nodeType="withEffect">
+                                  <p:stCondLst>
+                                    <p:cond delay="0"/>
+                                  </p:stCondLst>
+                                  <p:childTnLst>
+                                    <p:set>
+                                      <p:cBhvr>
+                                        <p:cTn id="12" dur="1" fill="hold">
+                                          <p:stCondLst>
+                                            <p:cond delay="0"/>
+                                          </p:stCondLst>
+                                        </p:cTn>
+                                        <p:tgtEl>
+                                          <p:spTgt spid="3">
+                                            <p:txEl>
+                                              <p:pRg st="2" end="2"/>
+                                            </p:txEl>
+                                          </p:spTgt>
+                                        </p:tgtEl>
+                                        <p:attrNameLst>
+                                          <p:attrName>style.visibility</p:attrName>
+                                        </p:attrNameLst>
+                                      </p:cBhvr>
+                                      <p:to>
+                                        <p:strVal val="visible"/>
+                                      </p:to>
+                                    </p:set>
+                                    <p:animEffect transition="in" filter="fade">
+                                      <p:cBhvr>
+                                        <p:cTn id="13" dur="500"/>
+                                        <p:tgtEl>
+                                          <p:spTgt spid="3">
+                                            <p:txEl>
+                                              <p:pRg st="2" end="2"/>
+                                            </p:txEl>
+                                          </p:spTgt>
+                                        </p:tgtEl>
+                                      </p:cBhvr>
+                                    </p:animEffect>
+                                  </p:childTnLst>
+                                </p:cTn>
+                              </p:par>
+                            </p:childTnLst>
+                          </p:cTn>
+                        </p:par>
+                      </p:childTnLst>
+                    </p:cTn>
+                  </p:par>
+                  <p:par>
+                    <p:cTn id="14" fill="hold">
+                      <p:stCondLst>
+                        <p:cond delay="indefinite"/>
+                      </p:stCondLst>
+                      <p:childTnLst>
+                        <p:par>
+                          <p:cTn id="15" fill="hold">
+                            <p:stCondLst>
+                              <p:cond delay="0"/>
+                            </p:stCondLst>
+                            <p:childTnLst>
+                              <p:par>
+                                <p:cTn id="16" presetID="10" presetClass="entr" presetSubtype="0" fill="hold" grpId="0" nodeType="clickEffect">
+                                  <p:stCondLst>
+                                    <p:cond delay="0"/>
+                                  </p:stCondLst>
+                                  <p:childTnLst>
+                                    <p:set>
+                                      <p:cBhvr>
+                                        <p:cTn id="17" dur="1" fill="hold">
+                                          <p:stCondLst>
+                                            <p:cond delay="0"/>
+                                          </p:stCondLst>
+                                        </p:cTn>
+                                        <p:tgtEl>
+                                          <p:spTgt spid="3">
+                                            <p:txEl>
+                                              <p:pRg st="3" end="3"/>
+                                            </p:txEl>
+                                          </p:spTgt>
+                                        </p:tgtEl>
+                                        <p:attrNameLst>
+                                          <p:attrName>style.visibility</p:attrName>
+                                        </p:attrNameLst>
+                                      </p:cBhvr>
+                                      <p:to>
+                                        <p:strVal val="visible"/>
+                                      </p:to>
+                                    </p:set>
+                                    <p:animEffect transition="in" filter="fade">
+                                      <p:cBhvr>
+                                        <p:cTn id="18" dur="500"/>
+                                        <p:tgtEl>
+                                          <p:spTgt spid="3">
+                                            <p:txEl>
+                                              <p:pRg st="3" end="3"/>
+                                            </p:txEl>
+                                          </p:spTgt>
+                                        </p:tgtEl>
+                                      </p:cBhvr>
+                                    </p:animEffect>
+                                  </p:childTnLst>
+                                </p:cTn>
+                              </p:par>
+                              <p:par>
+                                <p:cTn id="19" presetID="10" presetClass="entr" presetSubtype="0" fill="hold" grpId="0" nodeType="withEffect">
+                                  <p:stCondLst>
+                                    <p:cond delay="0"/>
+                                  </p:stCondLst>
+                                  <p:childTnLst>
+                                    <p:set>
+                                      <p:cBhvr>
+                                        <p:cTn id="20" dur="1" fill="hold">
+                                          <p:stCondLst>
+                                            <p:cond delay="0"/>
+                                          </p:stCondLst>
+                                        </p:cTn>
+                                        <p:tgtEl>
+                                          <p:spTgt spid="3">
+                                            <p:txEl>
+                                              <p:pRg st="4" end="4"/>
+                                            </p:txEl>
+                                          </p:spTgt>
+                                        </p:tgtEl>
+                                        <p:attrNameLst>
+                                          <p:attrName>style.visibility</p:attrName>
+                                        </p:attrNameLst>
+                                      </p:cBhvr>
+                                      <p:to>
+                                        <p:strVal val="visible"/>
+                                      </p:to>
+                                    </p:set>
+                                    <p:animEffect transition="in" filter="fade">
+                                      <p:cBhvr>
+                                        <p:cTn id="21" dur="500"/>
+                                        <p:tgtEl>
+                                          <p:spTgt spid="3">
+                                            <p:txEl>
+                                              <p:pRg st="4" end="4"/>
+                                            </p:txEl>
+                                          </p:spTgt>
+                                        </p:tgtEl>
+                                      </p:cBhvr>
+                                    </p:animEffect>
+                                  </p:childTnLst>
+                                </p:cTn>
+                              </p:par>
+                              <p:par>
+                                <p:cTn id="22" presetID="10" presetClass="entr" presetSubtype="0" fill="hold" grpId="0" nodeType="withEffect">
+                                  <p:stCondLst>
+                                    <p:cond delay="0"/>
+                                  </p:stCondLst>
+                                  <p:childTnLst>
+                                    <p:set>
+                                      <p:cBhvr>
+                                        <p:cTn id="23" dur="1" fill="hold">
+                                          <p:stCondLst>
+                                            <p:cond delay="0"/>
+                                          </p:stCondLst>
+                                        </p:cTn>
+                                        <p:tgtEl>
+                                          <p:spTgt spid="3">
+                                            <p:txEl>
+                                              <p:pRg st="5" end="5"/>
+                                            </p:txEl>
+                                          </p:spTgt>
+                                        </p:tgtEl>
+                                        <p:attrNameLst>
+                                          <p:attrName>style.visibility</p:attrName>
+                                        </p:attrNameLst>
+                                      </p:cBhvr>
+                                      <p:to>
+                                        <p:strVal val="visible"/>
+                                      </p:to>
+                                    </p:set>
+                                    <p:animEffect transition="in" filter="fade">
+                                      <p:cBhvr>
+                                        <p:cTn id="24" dur="500"/>
+                                        <p:tgtEl>
+                                          <p:spTgt spid="3">
+                                            <p:txEl>
+                                              <p:pRg st="5" end="5"/>
+                                            </p:txEl>
+                                          </p:spTgt>
+                                        </p:tgtEl>
+                                      </p:cBhvr>
+                                    </p:animEffect>
+                                  </p:childTnLst>
+                                </p:cTn>
+                              </p:par>
+                            </p:childTnLst>
+                          </p:cTn>
+                        </p:par>
+                      </p:childTnLst>
+                    </p:cTn>
+                  </p:par>
+                </p:childTnLst>
+              </p:cTn>
+              <p:prevCondLst>
+                <p:cond evt="onPrev" delay="0">
+                  <p:tgtEl>
+                    <p:sldTgt/>
+                  </p:tgtEl>
+                </p:cond>
+              </p:prevCondLst>
+              <p:nextCondLst>
+                <p:cond evt="onNext" delay="0">
+                  <p:tgtEl>
+                    <p:sldTgt/>
+                  </p:tgtEl>
+                </p:cond>
+              </p:nextCondLst>
+            </p:seq>
+          </p:childTnLst>
+        </p:cTn>
       </p:par>
     </p:tnLst>
+    <p:bldLst>
+      <p:bldP spid="3" grpId="0" build="p"/>
+    </p:bldLst>
   </p:timing>
 </p:sld>
 </file>
@@ -16712,21 +17922,16 @@
             <a:pPr lvl="1"/>
             <a:r>
               <a:rPr lang="ru-RU" dirty="0"/>
-              <a:t>Имеет некоторую ширину и </a:t>
-            </a:r>
-            <a:r>
-              <a:rPr lang="ru-RU" dirty="0" smtClean="0"/>
-              <a:t>высоту</a:t>
-            </a:r>
-            <a:endParaRPr lang="en-US" dirty="0" smtClean="0"/>
+              <a:t>Имеет некоторую ширину и высоту</a:t>
+            </a:r>
+            <a:endParaRPr lang="en-US" dirty="0"/>
           </a:p>
           <a:p>
             <a:pPr lvl="1"/>
             <a:r>
-              <a:rPr lang="ru-RU" dirty="0" smtClean="0"/>
+              <a:rPr lang="ru-RU" dirty="0"/>
               <a:t>Имеет некоторый цвет фона</a:t>
             </a:r>
-            <a:endParaRPr lang="ru-RU" dirty="0"/>
           </a:p>
           <a:p>
             <a:r>
@@ -16775,9 +17980,415 @@
   <p:timing>
     <p:tnLst>
       <p:par>
-        <p:cTn id="1" dur="indefinite" restart="never" nodeType="tmRoot"/>
+        <p:cTn id="1" dur="indefinite" restart="never" nodeType="tmRoot">
+          <p:childTnLst>
+            <p:seq concurrent="1" nextAc="seek">
+              <p:cTn id="2" dur="indefinite" nodeType="mainSeq">
+                <p:childTnLst>
+                  <p:par>
+                    <p:cTn id="3" fill="hold">
+                      <p:stCondLst>
+                        <p:cond delay="indefinite"/>
+                      </p:stCondLst>
+                      <p:childTnLst>
+                        <p:par>
+                          <p:cTn id="4" fill="hold">
+                            <p:stCondLst>
+                              <p:cond delay="0"/>
+                            </p:stCondLst>
+                            <p:childTnLst>
+                              <p:par>
+                                <p:cTn id="5" presetID="10" presetClass="entr" presetSubtype="0" fill="hold" grpId="0" nodeType="clickEffect">
+                                  <p:stCondLst>
+                                    <p:cond delay="0"/>
+                                  </p:stCondLst>
+                                  <p:childTnLst>
+                                    <p:set>
+                                      <p:cBhvr>
+                                        <p:cTn id="6" dur="1" fill="hold">
+                                          <p:stCondLst>
+                                            <p:cond delay="0"/>
+                                          </p:stCondLst>
+                                        </p:cTn>
+                                        <p:tgtEl>
+                                          <p:spTgt spid="3">
+                                            <p:txEl>
+                                              <p:pRg st="0" end="0"/>
+                                            </p:txEl>
+                                          </p:spTgt>
+                                        </p:tgtEl>
+                                        <p:attrNameLst>
+                                          <p:attrName>style.visibility</p:attrName>
+                                        </p:attrNameLst>
+                                      </p:cBhvr>
+                                      <p:to>
+                                        <p:strVal val="visible"/>
+                                      </p:to>
+                                    </p:set>
+                                    <p:animEffect transition="in" filter="fade">
+                                      <p:cBhvr>
+                                        <p:cTn id="7" dur="500"/>
+                                        <p:tgtEl>
+                                          <p:spTgt spid="3">
+                                            <p:txEl>
+                                              <p:pRg st="0" end="0"/>
+                                            </p:txEl>
+                                          </p:spTgt>
+                                        </p:tgtEl>
+                                      </p:cBhvr>
+                                    </p:animEffect>
+                                  </p:childTnLst>
+                                </p:cTn>
+                              </p:par>
+                              <p:par>
+                                <p:cTn id="8" presetID="10" presetClass="entr" presetSubtype="0" fill="hold" grpId="0" nodeType="withEffect">
+                                  <p:stCondLst>
+                                    <p:cond delay="0"/>
+                                  </p:stCondLst>
+                                  <p:childTnLst>
+                                    <p:set>
+                                      <p:cBhvr>
+                                        <p:cTn id="9" dur="1" fill="hold">
+                                          <p:stCondLst>
+                                            <p:cond delay="0"/>
+                                          </p:stCondLst>
+                                        </p:cTn>
+                                        <p:tgtEl>
+                                          <p:spTgt spid="3">
+                                            <p:txEl>
+                                              <p:pRg st="1" end="1"/>
+                                            </p:txEl>
+                                          </p:spTgt>
+                                        </p:tgtEl>
+                                        <p:attrNameLst>
+                                          <p:attrName>style.visibility</p:attrName>
+                                        </p:attrNameLst>
+                                      </p:cBhvr>
+                                      <p:to>
+                                        <p:strVal val="visible"/>
+                                      </p:to>
+                                    </p:set>
+                                    <p:animEffect transition="in" filter="fade">
+                                      <p:cBhvr>
+                                        <p:cTn id="10" dur="500"/>
+                                        <p:tgtEl>
+                                          <p:spTgt spid="3">
+                                            <p:txEl>
+                                              <p:pRg st="1" end="1"/>
+                                            </p:txEl>
+                                          </p:spTgt>
+                                        </p:tgtEl>
+                                      </p:cBhvr>
+                                    </p:animEffect>
+                                  </p:childTnLst>
+                                </p:cTn>
+                              </p:par>
+                              <p:par>
+                                <p:cTn id="11" presetID="10" presetClass="entr" presetSubtype="0" fill="hold" grpId="0" nodeType="withEffect">
+                                  <p:stCondLst>
+                                    <p:cond delay="0"/>
+                                  </p:stCondLst>
+                                  <p:childTnLst>
+                                    <p:set>
+                                      <p:cBhvr>
+                                        <p:cTn id="12" dur="1" fill="hold">
+                                          <p:stCondLst>
+                                            <p:cond delay="0"/>
+                                          </p:stCondLst>
+                                        </p:cTn>
+                                        <p:tgtEl>
+                                          <p:spTgt spid="3">
+                                            <p:txEl>
+                                              <p:pRg st="2" end="2"/>
+                                            </p:txEl>
+                                          </p:spTgt>
+                                        </p:tgtEl>
+                                        <p:attrNameLst>
+                                          <p:attrName>style.visibility</p:attrName>
+                                        </p:attrNameLst>
+                                      </p:cBhvr>
+                                      <p:to>
+                                        <p:strVal val="visible"/>
+                                      </p:to>
+                                    </p:set>
+                                    <p:animEffect transition="in" filter="fade">
+                                      <p:cBhvr>
+                                        <p:cTn id="13" dur="500"/>
+                                        <p:tgtEl>
+                                          <p:spTgt spid="3">
+                                            <p:txEl>
+                                              <p:pRg st="2" end="2"/>
+                                            </p:txEl>
+                                          </p:spTgt>
+                                        </p:tgtEl>
+                                      </p:cBhvr>
+                                    </p:animEffect>
+                                  </p:childTnLst>
+                                </p:cTn>
+                              </p:par>
+                              <p:par>
+                                <p:cTn id="14" presetID="10" presetClass="entr" presetSubtype="0" fill="hold" grpId="0" nodeType="withEffect">
+                                  <p:stCondLst>
+                                    <p:cond delay="0"/>
+                                  </p:stCondLst>
+                                  <p:childTnLst>
+                                    <p:set>
+                                      <p:cBhvr>
+                                        <p:cTn id="15" dur="1" fill="hold">
+                                          <p:stCondLst>
+                                            <p:cond delay="0"/>
+                                          </p:stCondLst>
+                                        </p:cTn>
+                                        <p:tgtEl>
+                                          <p:spTgt spid="3">
+                                            <p:txEl>
+                                              <p:pRg st="3" end="3"/>
+                                            </p:txEl>
+                                          </p:spTgt>
+                                        </p:tgtEl>
+                                        <p:attrNameLst>
+                                          <p:attrName>style.visibility</p:attrName>
+                                        </p:attrNameLst>
+                                      </p:cBhvr>
+                                      <p:to>
+                                        <p:strVal val="visible"/>
+                                      </p:to>
+                                    </p:set>
+                                    <p:animEffect transition="in" filter="fade">
+                                      <p:cBhvr>
+                                        <p:cTn id="16" dur="500"/>
+                                        <p:tgtEl>
+                                          <p:spTgt spid="3">
+                                            <p:txEl>
+                                              <p:pRg st="3" end="3"/>
+                                            </p:txEl>
+                                          </p:spTgt>
+                                        </p:tgtEl>
+                                      </p:cBhvr>
+                                    </p:animEffect>
+                                  </p:childTnLst>
+                                </p:cTn>
+                              </p:par>
+                            </p:childTnLst>
+                          </p:cTn>
+                        </p:par>
+                      </p:childTnLst>
+                    </p:cTn>
+                  </p:par>
+                  <p:par>
+                    <p:cTn id="17" fill="hold">
+                      <p:stCondLst>
+                        <p:cond delay="indefinite"/>
+                      </p:stCondLst>
+                      <p:childTnLst>
+                        <p:par>
+                          <p:cTn id="18" fill="hold">
+                            <p:stCondLst>
+                              <p:cond delay="0"/>
+                            </p:stCondLst>
+                            <p:childTnLst>
+                              <p:par>
+                                <p:cTn id="19" presetID="10" presetClass="entr" presetSubtype="0" fill="hold" grpId="0" nodeType="clickEffect">
+                                  <p:stCondLst>
+                                    <p:cond delay="0"/>
+                                  </p:stCondLst>
+                                  <p:childTnLst>
+                                    <p:set>
+                                      <p:cBhvr>
+                                        <p:cTn id="20" dur="1" fill="hold">
+                                          <p:stCondLst>
+                                            <p:cond delay="0"/>
+                                          </p:stCondLst>
+                                        </p:cTn>
+                                        <p:tgtEl>
+                                          <p:spTgt spid="3">
+                                            <p:txEl>
+                                              <p:pRg st="4" end="4"/>
+                                            </p:txEl>
+                                          </p:spTgt>
+                                        </p:tgtEl>
+                                        <p:attrNameLst>
+                                          <p:attrName>style.visibility</p:attrName>
+                                        </p:attrNameLst>
+                                      </p:cBhvr>
+                                      <p:to>
+                                        <p:strVal val="visible"/>
+                                      </p:to>
+                                    </p:set>
+                                    <p:animEffect transition="in" filter="fade">
+                                      <p:cBhvr>
+                                        <p:cTn id="21" dur="500"/>
+                                        <p:tgtEl>
+                                          <p:spTgt spid="3">
+                                            <p:txEl>
+                                              <p:pRg st="4" end="4"/>
+                                            </p:txEl>
+                                          </p:spTgt>
+                                        </p:tgtEl>
+                                      </p:cBhvr>
+                                    </p:animEffect>
+                                  </p:childTnLst>
+                                </p:cTn>
+                              </p:par>
+                              <p:par>
+                                <p:cTn id="22" presetID="10" presetClass="entr" presetSubtype="0" fill="hold" grpId="0" nodeType="withEffect">
+                                  <p:stCondLst>
+                                    <p:cond delay="0"/>
+                                  </p:stCondLst>
+                                  <p:childTnLst>
+                                    <p:set>
+                                      <p:cBhvr>
+                                        <p:cTn id="23" dur="1" fill="hold">
+                                          <p:stCondLst>
+                                            <p:cond delay="0"/>
+                                          </p:stCondLst>
+                                        </p:cTn>
+                                        <p:tgtEl>
+                                          <p:spTgt spid="3">
+                                            <p:txEl>
+                                              <p:pRg st="5" end="5"/>
+                                            </p:txEl>
+                                          </p:spTgt>
+                                        </p:tgtEl>
+                                        <p:attrNameLst>
+                                          <p:attrName>style.visibility</p:attrName>
+                                        </p:attrNameLst>
+                                      </p:cBhvr>
+                                      <p:to>
+                                        <p:strVal val="visible"/>
+                                      </p:to>
+                                    </p:set>
+                                    <p:animEffect transition="in" filter="fade">
+                                      <p:cBhvr>
+                                        <p:cTn id="24" dur="500"/>
+                                        <p:tgtEl>
+                                          <p:spTgt spid="3">
+                                            <p:txEl>
+                                              <p:pRg st="5" end="5"/>
+                                            </p:txEl>
+                                          </p:spTgt>
+                                        </p:tgtEl>
+                                      </p:cBhvr>
+                                    </p:animEffect>
+                                  </p:childTnLst>
+                                </p:cTn>
+                              </p:par>
+                              <p:par>
+                                <p:cTn id="25" presetID="10" presetClass="entr" presetSubtype="0" fill="hold" grpId="0" nodeType="withEffect">
+                                  <p:stCondLst>
+                                    <p:cond delay="0"/>
+                                  </p:stCondLst>
+                                  <p:childTnLst>
+                                    <p:set>
+                                      <p:cBhvr>
+                                        <p:cTn id="26" dur="1" fill="hold">
+                                          <p:stCondLst>
+                                            <p:cond delay="0"/>
+                                          </p:stCondLst>
+                                        </p:cTn>
+                                        <p:tgtEl>
+                                          <p:spTgt spid="3">
+                                            <p:txEl>
+                                              <p:pRg st="6" end="6"/>
+                                            </p:txEl>
+                                          </p:spTgt>
+                                        </p:tgtEl>
+                                        <p:attrNameLst>
+                                          <p:attrName>style.visibility</p:attrName>
+                                        </p:attrNameLst>
+                                      </p:cBhvr>
+                                      <p:to>
+                                        <p:strVal val="visible"/>
+                                      </p:to>
+                                    </p:set>
+                                    <p:animEffect transition="in" filter="fade">
+                                      <p:cBhvr>
+                                        <p:cTn id="27" dur="500"/>
+                                        <p:tgtEl>
+                                          <p:spTgt spid="3">
+                                            <p:txEl>
+                                              <p:pRg st="6" end="6"/>
+                                            </p:txEl>
+                                          </p:spTgt>
+                                        </p:tgtEl>
+                                      </p:cBhvr>
+                                    </p:animEffect>
+                                  </p:childTnLst>
+                                </p:cTn>
+                              </p:par>
+                              <p:par>
+                                <p:cTn id="28" presetID="10" presetClass="entr" presetSubtype="0" fill="hold" grpId="0" nodeType="withEffect">
+                                  <p:stCondLst>
+                                    <p:cond delay="0"/>
+                                  </p:stCondLst>
+                                  <p:childTnLst>
+                                    <p:set>
+                                      <p:cBhvr>
+                                        <p:cTn id="29" dur="1" fill="hold">
+                                          <p:stCondLst>
+                                            <p:cond delay="0"/>
+                                          </p:stCondLst>
+                                        </p:cTn>
+                                        <p:tgtEl>
+                                          <p:spTgt spid="3">
+                                            <p:txEl>
+                                              <p:pRg st="7" end="7"/>
+                                            </p:txEl>
+                                          </p:spTgt>
+                                        </p:tgtEl>
+                                        <p:attrNameLst>
+                                          <p:attrName>style.visibility</p:attrName>
+                                        </p:attrNameLst>
+                                      </p:cBhvr>
+                                      <p:to>
+                                        <p:strVal val="visible"/>
+                                      </p:to>
+                                    </p:set>
+                                    <p:animEffect transition="in" filter="fade">
+                                      <p:cBhvr>
+                                        <p:cTn id="30" dur="500"/>
+                                        <p:tgtEl>
+                                          <p:spTgt spid="3">
+                                            <p:txEl>
+                                              <p:pRg st="7" end="7"/>
+                                            </p:txEl>
+                                          </p:spTgt>
+                                        </p:tgtEl>
+                                      </p:cBhvr>
+                                    </p:animEffect>
+                                  </p:childTnLst>
+                                </p:cTn>
+                              </p:par>
+                            </p:childTnLst>
+                          </p:cTn>
+                        </p:par>
+                      </p:childTnLst>
+                    </p:cTn>
+                  </p:par>
+                </p:childTnLst>
+              </p:cTn>
+              <p:prevCondLst>
+                <p:cond evt="onPrev" delay="0">
+                  <p:tgtEl>
+                    <p:sldTgt/>
+                  </p:tgtEl>
+                </p:cond>
+              </p:prevCondLst>
+              <p:nextCondLst>
+                <p:cond evt="onNext" delay="0">
+                  <p:tgtEl>
+                    <p:sldTgt/>
+                  </p:tgtEl>
+                </p:cond>
+              </p:nextCondLst>
+            </p:seq>
+          </p:childTnLst>
+        </p:cTn>
       </p:par>
     </p:tnLst>
+    <p:bldLst>
+      <p:bldP spid="3" grpId="0" build="p"/>
+    </p:bldLst>
   </p:timing>
 </p:sld>
 </file>
@@ -16870,13 +18481,6 @@
   <p:clrMapOvr>
     <a:masterClrMapping/>
   </p:clrMapOvr>
-  <p:timing>
-    <p:tnLst>
-      <p:par>
-        <p:cTn id="1" dur="indefinite" restart="never" nodeType="tmRoot"/>
-      </p:par>
-    </p:tnLst>
-  </p:timing>
 </p:sld>
 </file>
 
@@ -17022,9 +18626,329 @@
   <p:timing>
     <p:tnLst>
       <p:par>
-        <p:cTn id="1" dur="indefinite" restart="never" nodeType="tmRoot"/>
+        <p:cTn id="1" dur="indefinite" restart="never" nodeType="tmRoot">
+          <p:childTnLst>
+            <p:seq concurrent="1" nextAc="seek">
+              <p:cTn id="2" dur="indefinite" nodeType="mainSeq">
+                <p:childTnLst>
+                  <p:par>
+                    <p:cTn id="3" fill="hold">
+                      <p:stCondLst>
+                        <p:cond delay="indefinite"/>
+                      </p:stCondLst>
+                      <p:childTnLst>
+                        <p:par>
+                          <p:cTn id="4" fill="hold">
+                            <p:stCondLst>
+                              <p:cond delay="0"/>
+                            </p:stCondLst>
+                            <p:childTnLst>
+                              <p:par>
+                                <p:cTn id="5" presetID="10" presetClass="entr" presetSubtype="0" fill="hold" grpId="0" nodeType="clickEffect">
+                                  <p:stCondLst>
+                                    <p:cond delay="0"/>
+                                  </p:stCondLst>
+                                  <p:childTnLst>
+                                    <p:set>
+                                      <p:cBhvr>
+                                        <p:cTn id="6" dur="1" fill="hold">
+                                          <p:stCondLst>
+                                            <p:cond delay="0"/>
+                                          </p:stCondLst>
+                                        </p:cTn>
+                                        <p:tgtEl>
+                                          <p:spTgt spid="3">
+                                            <p:txEl>
+                                              <p:pRg st="0" end="0"/>
+                                            </p:txEl>
+                                          </p:spTgt>
+                                        </p:tgtEl>
+                                        <p:attrNameLst>
+                                          <p:attrName>style.visibility</p:attrName>
+                                        </p:attrNameLst>
+                                      </p:cBhvr>
+                                      <p:to>
+                                        <p:strVal val="visible"/>
+                                      </p:to>
+                                    </p:set>
+                                    <p:animEffect transition="in" filter="fade">
+                                      <p:cBhvr>
+                                        <p:cTn id="7" dur="500"/>
+                                        <p:tgtEl>
+                                          <p:spTgt spid="3">
+                                            <p:txEl>
+                                              <p:pRg st="0" end="0"/>
+                                            </p:txEl>
+                                          </p:spTgt>
+                                        </p:tgtEl>
+                                      </p:cBhvr>
+                                    </p:animEffect>
+                                  </p:childTnLst>
+                                </p:cTn>
+                              </p:par>
+                              <p:par>
+                                <p:cTn id="8" presetID="10" presetClass="entr" presetSubtype="0" fill="hold" grpId="0" nodeType="withEffect">
+                                  <p:stCondLst>
+                                    <p:cond delay="0"/>
+                                  </p:stCondLst>
+                                  <p:childTnLst>
+                                    <p:set>
+                                      <p:cBhvr>
+                                        <p:cTn id="9" dur="1" fill="hold">
+                                          <p:stCondLst>
+                                            <p:cond delay="0"/>
+                                          </p:stCondLst>
+                                        </p:cTn>
+                                        <p:tgtEl>
+                                          <p:spTgt spid="3">
+                                            <p:txEl>
+                                              <p:pRg st="1" end="1"/>
+                                            </p:txEl>
+                                          </p:spTgt>
+                                        </p:tgtEl>
+                                        <p:attrNameLst>
+                                          <p:attrName>style.visibility</p:attrName>
+                                        </p:attrNameLst>
+                                      </p:cBhvr>
+                                      <p:to>
+                                        <p:strVal val="visible"/>
+                                      </p:to>
+                                    </p:set>
+                                    <p:animEffect transition="in" filter="fade">
+                                      <p:cBhvr>
+                                        <p:cTn id="10" dur="500"/>
+                                        <p:tgtEl>
+                                          <p:spTgt spid="3">
+                                            <p:txEl>
+                                              <p:pRg st="1" end="1"/>
+                                            </p:txEl>
+                                          </p:spTgt>
+                                        </p:tgtEl>
+                                      </p:cBhvr>
+                                    </p:animEffect>
+                                  </p:childTnLst>
+                                </p:cTn>
+                              </p:par>
+                              <p:par>
+                                <p:cTn id="11" presetID="10" presetClass="entr" presetSubtype="0" fill="hold" grpId="0" nodeType="withEffect">
+                                  <p:stCondLst>
+                                    <p:cond delay="0"/>
+                                  </p:stCondLst>
+                                  <p:childTnLst>
+                                    <p:set>
+                                      <p:cBhvr>
+                                        <p:cTn id="12" dur="1" fill="hold">
+                                          <p:stCondLst>
+                                            <p:cond delay="0"/>
+                                          </p:stCondLst>
+                                        </p:cTn>
+                                        <p:tgtEl>
+                                          <p:spTgt spid="3">
+                                            <p:txEl>
+                                              <p:pRg st="2" end="2"/>
+                                            </p:txEl>
+                                          </p:spTgt>
+                                        </p:tgtEl>
+                                        <p:attrNameLst>
+                                          <p:attrName>style.visibility</p:attrName>
+                                        </p:attrNameLst>
+                                      </p:cBhvr>
+                                      <p:to>
+                                        <p:strVal val="visible"/>
+                                      </p:to>
+                                    </p:set>
+                                    <p:animEffect transition="in" filter="fade">
+                                      <p:cBhvr>
+                                        <p:cTn id="13" dur="500"/>
+                                        <p:tgtEl>
+                                          <p:spTgt spid="3">
+                                            <p:txEl>
+                                              <p:pRg st="2" end="2"/>
+                                            </p:txEl>
+                                          </p:spTgt>
+                                        </p:tgtEl>
+                                      </p:cBhvr>
+                                    </p:animEffect>
+                                  </p:childTnLst>
+                                </p:cTn>
+                              </p:par>
+                            </p:childTnLst>
+                          </p:cTn>
+                        </p:par>
+                      </p:childTnLst>
+                    </p:cTn>
+                  </p:par>
+                  <p:par>
+                    <p:cTn id="14" fill="hold">
+                      <p:stCondLst>
+                        <p:cond delay="indefinite"/>
+                      </p:stCondLst>
+                      <p:childTnLst>
+                        <p:par>
+                          <p:cTn id="15" fill="hold">
+                            <p:stCondLst>
+                              <p:cond delay="0"/>
+                            </p:stCondLst>
+                            <p:childTnLst>
+                              <p:par>
+                                <p:cTn id="16" presetID="10" presetClass="entr" presetSubtype="0" fill="hold" grpId="0" nodeType="clickEffect">
+                                  <p:stCondLst>
+                                    <p:cond delay="0"/>
+                                  </p:stCondLst>
+                                  <p:childTnLst>
+                                    <p:set>
+                                      <p:cBhvr>
+                                        <p:cTn id="17" dur="1" fill="hold">
+                                          <p:stCondLst>
+                                            <p:cond delay="0"/>
+                                          </p:stCondLst>
+                                        </p:cTn>
+                                        <p:tgtEl>
+                                          <p:spTgt spid="3">
+                                            <p:txEl>
+                                              <p:pRg st="3" end="3"/>
+                                            </p:txEl>
+                                          </p:spTgt>
+                                        </p:tgtEl>
+                                        <p:attrNameLst>
+                                          <p:attrName>style.visibility</p:attrName>
+                                        </p:attrNameLst>
+                                      </p:cBhvr>
+                                      <p:to>
+                                        <p:strVal val="visible"/>
+                                      </p:to>
+                                    </p:set>
+                                    <p:animEffect transition="in" filter="fade">
+                                      <p:cBhvr>
+                                        <p:cTn id="18" dur="500"/>
+                                        <p:tgtEl>
+                                          <p:spTgt spid="3">
+                                            <p:txEl>
+                                              <p:pRg st="3" end="3"/>
+                                            </p:txEl>
+                                          </p:spTgt>
+                                        </p:tgtEl>
+                                      </p:cBhvr>
+                                    </p:animEffect>
+                                  </p:childTnLst>
+                                </p:cTn>
+                              </p:par>
+                              <p:par>
+                                <p:cTn id="19" presetID="10" presetClass="entr" presetSubtype="0" fill="hold" grpId="0" nodeType="withEffect">
+                                  <p:stCondLst>
+                                    <p:cond delay="0"/>
+                                  </p:stCondLst>
+                                  <p:childTnLst>
+                                    <p:set>
+                                      <p:cBhvr>
+                                        <p:cTn id="20" dur="1" fill="hold">
+                                          <p:stCondLst>
+                                            <p:cond delay="0"/>
+                                          </p:stCondLst>
+                                        </p:cTn>
+                                        <p:tgtEl>
+                                          <p:spTgt spid="3">
+                                            <p:txEl>
+                                              <p:pRg st="4" end="4"/>
+                                            </p:txEl>
+                                          </p:spTgt>
+                                        </p:tgtEl>
+                                        <p:attrNameLst>
+                                          <p:attrName>style.visibility</p:attrName>
+                                        </p:attrNameLst>
+                                      </p:cBhvr>
+                                      <p:to>
+                                        <p:strVal val="visible"/>
+                                      </p:to>
+                                    </p:set>
+                                    <p:animEffect transition="in" filter="fade">
+                                      <p:cBhvr>
+                                        <p:cTn id="21" dur="500"/>
+                                        <p:tgtEl>
+                                          <p:spTgt spid="3">
+                                            <p:txEl>
+                                              <p:pRg st="4" end="4"/>
+                                            </p:txEl>
+                                          </p:spTgt>
+                                        </p:tgtEl>
+                                      </p:cBhvr>
+                                    </p:animEffect>
+                                  </p:childTnLst>
+                                </p:cTn>
+                              </p:par>
+                              <p:par>
+                                <p:cTn id="22" presetID="10" presetClass="entr" presetSubtype="0" fill="hold" grpId="0" nodeType="withEffect">
+                                  <p:stCondLst>
+                                    <p:cond delay="0"/>
+                                  </p:stCondLst>
+                                  <p:childTnLst>
+                                    <p:set>
+                                      <p:cBhvr>
+                                        <p:cTn id="23" dur="1" fill="hold">
+                                          <p:stCondLst>
+                                            <p:cond delay="0"/>
+                                          </p:stCondLst>
+                                        </p:cTn>
+                                        <p:tgtEl>
+                                          <p:spTgt spid="3">
+                                            <p:txEl>
+                                              <p:pRg st="5" end="5"/>
+                                            </p:txEl>
+                                          </p:spTgt>
+                                        </p:tgtEl>
+                                        <p:attrNameLst>
+                                          <p:attrName>style.visibility</p:attrName>
+                                        </p:attrNameLst>
+                                      </p:cBhvr>
+                                      <p:to>
+                                        <p:strVal val="visible"/>
+                                      </p:to>
+                                    </p:set>
+                                    <p:animEffect transition="in" filter="fade">
+                                      <p:cBhvr>
+                                        <p:cTn id="24" dur="500"/>
+                                        <p:tgtEl>
+                                          <p:spTgt spid="3">
+                                            <p:txEl>
+                                              <p:pRg st="5" end="5"/>
+                                            </p:txEl>
+                                          </p:spTgt>
+                                        </p:tgtEl>
+                                      </p:cBhvr>
+                                    </p:animEffect>
+                                  </p:childTnLst>
+                                </p:cTn>
+                              </p:par>
+                            </p:childTnLst>
+                          </p:cTn>
+                        </p:par>
+                      </p:childTnLst>
+                    </p:cTn>
+                  </p:par>
+                </p:childTnLst>
+              </p:cTn>
+              <p:prevCondLst>
+                <p:cond evt="onPrev" delay="0">
+                  <p:tgtEl>
+                    <p:sldTgt/>
+                  </p:tgtEl>
+                </p:cond>
+              </p:prevCondLst>
+              <p:nextCondLst>
+                <p:cond evt="onNext" delay="0">
+                  <p:tgtEl>
+                    <p:sldTgt/>
+                  </p:tgtEl>
+                </p:cond>
+              </p:nextCondLst>
+            </p:seq>
+          </p:childTnLst>
+        </p:cTn>
       </p:par>
     </p:tnLst>
+    <p:bldLst>
+      <p:bldP spid="3" grpId="0" build="p"/>
+    </p:bldLst>
   </p:timing>
 </p:sld>
 </file>
@@ -17141,13 +19065,6 @@
   <p:clrMapOvr>
     <a:masterClrMapping/>
   </p:clrMapOvr>
-  <p:timing>
-    <p:tnLst>
-      <p:par>
-        <p:cTn id="1" dur="indefinite" restart="never" nodeType="tmRoot"/>
-      </p:par>
-    </p:tnLst>
-  </p:timing>
 </p:sld>
 </file>
 
@@ -17308,9 +19225,329 @@
   <p:timing>
     <p:tnLst>
       <p:par>
-        <p:cTn id="1" dur="indefinite" restart="never" nodeType="tmRoot"/>
+        <p:cTn id="1" dur="indefinite" restart="never" nodeType="tmRoot">
+          <p:childTnLst>
+            <p:seq concurrent="1" nextAc="seek">
+              <p:cTn id="2" dur="indefinite" nodeType="mainSeq">
+                <p:childTnLst>
+                  <p:par>
+                    <p:cTn id="3" fill="hold">
+                      <p:stCondLst>
+                        <p:cond delay="indefinite"/>
+                      </p:stCondLst>
+                      <p:childTnLst>
+                        <p:par>
+                          <p:cTn id="4" fill="hold">
+                            <p:stCondLst>
+                              <p:cond delay="0"/>
+                            </p:stCondLst>
+                            <p:childTnLst>
+                              <p:par>
+                                <p:cTn id="5" presetID="10" presetClass="entr" presetSubtype="0" fill="hold" grpId="0" nodeType="clickEffect">
+                                  <p:stCondLst>
+                                    <p:cond delay="0"/>
+                                  </p:stCondLst>
+                                  <p:childTnLst>
+                                    <p:set>
+                                      <p:cBhvr>
+                                        <p:cTn id="6" dur="1" fill="hold">
+                                          <p:stCondLst>
+                                            <p:cond delay="0"/>
+                                          </p:stCondLst>
+                                        </p:cTn>
+                                        <p:tgtEl>
+                                          <p:spTgt spid="5">
+                                            <p:txEl>
+                                              <p:pRg st="0" end="0"/>
+                                            </p:txEl>
+                                          </p:spTgt>
+                                        </p:tgtEl>
+                                        <p:attrNameLst>
+                                          <p:attrName>style.visibility</p:attrName>
+                                        </p:attrNameLst>
+                                      </p:cBhvr>
+                                      <p:to>
+                                        <p:strVal val="visible"/>
+                                      </p:to>
+                                    </p:set>
+                                    <p:animEffect transition="in" filter="fade">
+                                      <p:cBhvr>
+                                        <p:cTn id="7" dur="500"/>
+                                        <p:tgtEl>
+                                          <p:spTgt spid="5">
+                                            <p:txEl>
+                                              <p:pRg st="0" end="0"/>
+                                            </p:txEl>
+                                          </p:spTgt>
+                                        </p:tgtEl>
+                                      </p:cBhvr>
+                                    </p:animEffect>
+                                  </p:childTnLst>
+                                </p:cTn>
+                              </p:par>
+                            </p:childTnLst>
+                          </p:cTn>
+                        </p:par>
+                      </p:childTnLst>
+                    </p:cTn>
+                  </p:par>
+                  <p:par>
+                    <p:cTn id="8" fill="hold">
+                      <p:stCondLst>
+                        <p:cond delay="indefinite"/>
+                      </p:stCondLst>
+                      <p:childTnLst>
+                        <p:par>
+                          <p:cTn id="9" fill="hold">
+                            <p:stCondLst>
+                              <p:cond delay="0"/>
+                            </p:stCondLst>
+                            <p:childTnLst>
+                              <p:par>
+                                <p:cTn id="10" presetID="10" presetClass="entr" presetSubtype="0" fill="hold" grpId="0" nodeType="clickEffect">
+                                  <p:stCondLst>
+                                    <p:cond delay="0"/>
+                                  </p:stCondLst>
+                                  <p:childTnLst>
+                                    <p:set>
+                                      <p:cBhvr>
+                                        <p:cTn id="11" dur="1" fill="hold">
+                                          <p:stCondLst>
+                                            <p:cond delay="0"/>
+                                          </p:stCondLst>
+                                        </p:cTn>
+                                        <p:tgtEl>
+                                          <p:spTgt spid="5">
+                                            <p:txEl>
+                                              <p:pRg st="1" end="1"/>
+                                            </p:txEl>
+                                          </p:spTgt>
+                                        </p:tgtEl>
+                                        <p:attrNameLst>
+                                          <p:attrName>style.visibility</p:attrName>
+                                        </p:attrNameLst>
+                                      </p:cBhvr>
+                                      <p:to>
+                                        <p:strVal val="visible"/>
+                                      </p:to>
+                                    </p:set>
+                                    <p:animEffect transition="in" filter="fade">
+                                      <p:cBhvr>
+                                        <p:cTn id="12" dur="500"/>
+                                        <p:tgtEl>
+                                          <p:spTgt spid="5">
+                                            <p:txEl>
+                                              <p:pRg st="1" end="1"/>
+                                            </p:txEl>
+                                          </p:spTgt>
+                                        </p:tgtEl>
+                                      </p:cBhvr>
+                                    </p:animEffect>
+                                  </p:childTnLst>
+                                </p:cTn>
+                              </p:par>
+                              <p:par>
+                                <p:cTn id="13" presetID="10" presetClass="entr" presetSubtype="0" fill="hold" grpId="0" nodeType="withEffect">
+                                  <p:stCondLst>
+                                    <p:cond delay="0"/>
+                                  </p:stCondLst>
+                                  <p:childTnLst>
+                                    <p:set>
+                                      <p:cBhvr>
+                                        <p:cTn id="14" dur="1" fill="hold">
+                                          <p:stCondLst>
+                                            <p:cond delay="0"/>
+                                          </p:stCondLst>
+                                        </p:cTn>
+                                        <p:tgtEl>
+                                          <p:spTgt spid="5">
+                                            <p:txEl>
+                                              <p:pRg st="2" end="2"/>
+                                            </p:txEl>
+                                          </p:spTgt>
+                                        </p:tgtEl>
+                                        <p:attrNameLst>
+                                          <p:attrName>style.visibility</p:attrName>
+                                        </p:attrNameLst>
+                                      </p:cBhvr>
+                                      <p:to>
+                                        <p:strVal val="visible"/>
+                                      </p:to>
+                                    </p:set>
+                                    <p:animEffect transition="in" filter="fade">
+                                      <p:cBhvr>
+                                        <p:cTn id="15" dur="500"/>
+                                        <p:tgtEl>
+                                          <p:spTgt spid="5">
+                                            <p:txEl>
+                                              <p:pRg st="2" end="2"/>
+                                            </p:txEl>
+                                          </p:spTgt>
+                                        </p:tgtEl>
+                                      </p:cBhvr>
+                                    </p:animEffect>
+                                  </p:childTnLst>
+                                </p:cTn>
+                              </p:par>
+                              <p:par>
+                                <p:cTn id="16" presetID="10" presetClass="entr" presetSubtype="0" fill="hold" grpId="0" nodeType="withEffect">
+                                  <p:stCondLst>
+                                    <p:cond delay="0"/>
+                                  </p:stCondLst>
+                                  <p:childTnLst>
+                                    <p:set>
+                                      <p:cBhvr>
+                                        <p:cTn id="17" dur="1" fill="hold">
+                                          <p:stCondLst>
+                                            <p:cond delay="0"/>
+                                          </p:stCondLst>
+                                        </p:cTn>
+                                        <p:tgtEl>
+                                          <p:spTgt spid="5">
+                                            <p:txEl>
+                                              <p:pRg st="3" end="3"/>
+                                            </p:txEl>
+                                          </p:spTgt>
+                                        </p:tgtEl>
+                                        <p:attrNameLst>
+                                          <p:attrName>style.visibility</p:attrName>
+                                        </p:attrNameLst>
+                                      </p:cBhvr>
+                                      <p:to>
+                                        <p:strVal val="visible"/>
+                                      </p:to>
+                                    </p:set>
+                                    <p:animEffect transition="in" filter="fade">
+                                      <p:cBhvr>
+                                        <p:cTn id="18" dur="500"/>
+                                        <p:tgtEl>
+                                          <p:spTgt spid="5">
+                                            <p:txEl>
+                                              <p:pRg st="3" end="3"/>
+                                            </p:txEl>
+                                          </p:spTgt>
+                                        </p:tgtEl>
+                                      </p:cBhvr>
+                                    </p:animEffect>
+                                  </p:childTnLst>
+                                </p:cTn>
+                              </p:par>
+                              <p:par>
+                                <p:cTn id="19" presetID="10" presetClass="entr" presetSubtype="0" fill="hold" grpId="0" nodeType="withEffect">
+                                  <p:stCondLst>
+                                    <p:cond delay="0"/>
+                                  </p:stCondLst>
+                                  <p:childTnLst>
+                                    <p:set>
+                                      <p:cBhvr>
+                                        <p:cTn id="20" dur="1" fill="hold">
+                                          <p:stCondLst>
+                                            <p:cond delay="0"/>
+                                          </p:stCondLst>
+                                        </p:cTn>
+                                        <p:tgtEl>
+                                          <p:spTgt spid="5">
+                                            <p:txEl>
+                                              <p:pRg st="4" end="4"/>
+                                            </p:txEl>
+                                          </p:spTgt>
+                                        </p:tgtEl>
+                                        <p:attrNameLst>
+                                          <p:attrName>style.visibility</p:attrName>
+                                        </p:attrNameLst>
+                                      </p:cBhvr>
+                                      <p:to>
+                                        <p:strVal val="visible"/>
+                                      </p:to>
+                                    </p:set>
+                                    <p:animEffect transition="in" filter="fade">
+                                      <p:cBhvr>
+                                        <p:cTn id="21" dur="500"/>
+                                        <p:tgtEl>
+                                          <p:spTgt spid="5">
+                                            <p:txEl>
+                                              <p:pRg st="4" end="4"/>
+                                            </p:txEl>
+                                          </p:spTgt>
+                                        </p:tgtEl>
+                                      </p:cBhvr>
+                                    </p:animEffect>
+                                  </p:childTnLst>
+                                </p:cTn>
+                              </p:par>
+                              <p:par>
+                                <p:cTn id="22" presetID="10" presetClass="entr" presetSubtype="0" fill="hold" grpId="0" nodeType="withEffect">
+                                  <p:stCondLst>
+                                    <p:cond delay="0"/>
+                                  </p:stCondLst>
+                                  <p:childTnLst>
+                                    <p:set>
+                                      <p:cBhvr>
+                                        <p:cTn id="23" dur="1" fill="hold">
+                                          <p:stCondLst>
+                                            <p:cond delay="0"/>
+                                          </p:stCondLst>
+                                        </p:cTn>
+                                        <p:tgtEl>
+                                          <p:spTgt spid="5">
+                                            <p:txEl>
+                                              <p:pRg st="5" end="5"/>
+                                            </p:txEl>
+                                          </p:spTgt>
+                                        </p:tgtEl>
+                                        <p:attrNameLst>
+                                          <p:attrName>style.visibility</p:attrName>
+                                        </p:attrNameLst>
+                                      </p:cBhvr>
+                                      <p:to>
+                                        <p:strVal val="visible"/>
+                                      </p:to>
+                                    </p:set>
+                                    <p:animEffect transition="in" filter="fade">
+                                      <p:cBhvr>
+                                        <p:cTn id="24" dur="500"/>
+                                        <p:tgtEl>
+                                          <p:spTgt spid="5">
+                                            <p:txEl>
+                                              <p:pRg st="5" end="5"/>
+                                            </p:txEl>
+                                          </p:spTgt>
+                                        </p:tgtEl>
+                                      </p:cBhvr>
+                                    </p:animEffect>
+                                  </p:childTnLst>
+                                </p:cTn>
+                              </p:par>
+                            </p:childTnLst>
+                          </p:cTn>
+                        </p:par>
+                      </p:childTnLst>
+                    </p:cTn>
+                  </p:par>
+                </p:childTnLst>
+              </p:cTn>
+              <p:prevCondLst>
+                <p:cond evt="onPrev" delay="0">
+                  <p:tgtEl>
+                    <p:sldTgt/>
+                  </p:tgtEl>
+                </p:cond>
+              </p:prevCondLst>
+              <p:nextCondLst>
+                <p:cond evt="onNext" delay="0">
+                  <p:tgtEl>
+                    <p:sldTgt/>
+                  </p:tgtEl>
+                </p:cond>
+              </p:nextCondLst>
+            </p:seq>
+          </p:childTnLst>
+        </p:cTn>
       </p:par>
     </p:tnLst>
+    <p:bldLst>
+      <p:bldP spid="5" grpId="0" build="p"/>
+    </p:bldLst>
   </p:timing>
 </p:sld>
 </file>
@@ -17462,9 +19699,458 @@
   <p:timing>
     <p:tnLst>
       <p:par>
-        <p:cTn id="1" dur="indefinite" restart="never" nodeType="tmRoot"/>
+        <p:cTn id="1" dur="indefinite" restart="never" nodeType="tmRoot">
+          <p:childTnLst>
+            <p:seq concurrent="1" nextAc="seek">
+              <p:cTn id="2" dur="indefinite" nodeType="mainSeq">
+                <p:childTnLst>
+                  <p:par>
+                    <p:cTn id="3" fill="hold">
+                      <p:stCondLst>
+                        <p:cond delay="indefinite"/>
+                      </p:stCondLst>
+                      <p:childTnLst>
+                        <p:par>
+                          <p:cTn id="4" fill="hold">
+                            <p:stCondLst>
+                              <p:cond delay="0"/>
+                            </p:stCondLst>
+                            <p:childTnLst>
+                              <p:par>
+                                <p:cTn id="5" presetID="10" presetClass="entr" presetSubtype="0" fill="hold" grpId="0" nodeType="clickEffect">
+                                  <p:stCondLst>
+                                    <p:cond delay="0"/>
+                                  </p:stCondLst>
+                                  <p:childTnLst>
+                                    <p:set>
+                                      <p:cBhvr>
+                                        <p:cTn id="6" dur="1" fill="hold">
+                                          <p:stCondLst>
+                                            <p:cond delay="0"/>
+                                          </p:stCondLst>
+                                        </p:cTn>
+                                        <p:tgtEl>
+                                          <p:spTgt spid="3">
+                                            <p:txEl>
+                                              <p:pRg st="0" end="0"/>
+                                            </p:txEl>
+                                          </p:spTgt>
+                                        </p:tgtEl>
+                                        <p:attrNameLst>
+                                          <p:attrName>style.visibility</p:attrName>
+                                        </p:attrNameLst>
+                                      </p:cBhvr>
+                                      <p:to>
+                                        <p:strVal val="visible"/>
+                                      </p:to>
+                                    </p:set>
+                                    <p:animEffect transition="in" filter="fade">
+                                      <p:cBhvr>
+                                        <p:cTn id="7" dur="500"/>
+                                        <p:tgtEl>
+                                          <p:spTgt spid="3">
+                                            <p:txEl>
+                                              <p:pRg st="0" end="0"/>
+                                            </p:txEl>
+                                          </p:spTgt>
+                                        </p:tgtEl>
+                                      </p:cBhvr>
+                                    </p:animEffect>
+                                  </p:childTnLst>
+                                </p:cTn>
+                              </p:par>
+                              <p:par>
+                                <p:cTn id="8" presetID="10" presetClass="entr" presetSubtype="0" fill="hold" grpId="0" nodeType="withEffect">
+                                  <p:stCondLst>
+                                    <p:cond delay="0"/>
+                                  </p:stCondLst>
+                                  <p:childTnLst>
+                                    <p:set>
+                                      <p:cBhvr>
+                                        <p:cTn id="9" dur="1" fill="hold">
+                                          <p:stCondLst>
+                                            <p:cond delay="0"/>
+                                          </p:stCondLst>
+                                        </p:cTn>
+                                        <p:tgtEl>
+                                          <p:spTgt spid="3">
+                                            <p:txEl>
+                                              <p:pRg st="1" end="1"/>
+                                            </p:txEl>
+                                          </p:spTgt>
+                                        </p:tgtEl>
+                                        <p:attrNameLst>
+                                          <p:attrName>style.visibility</p:attrName>
+                                        </p:attrNameLst>
+                                      </p:cBhvr>
+                                      <p:to>
+                                        <p:strVal val="visible"/>
+                                      </p:to>
+                                    </p:set>
+                                    <p:animEffect transition="in" filter="fade">
+                                      <p:cBhvr>
+                                        <p:cTn id="10" dur="500"/>
+                                        <p:tgtEl>
+                                          <p:spTgt spid="3">
+                                            <p:txEl>
+                                              <p:pRg st="1" end="1"/>
+                                            </p:txEl>
+                                          </p:spTgt>
+                                        </p:tgtEl>
+                                      </p:cBhvr>
+                                    </p:animEffect>
+                                  </p:childTnLst>
+                                </p:cTn>
+                              </p:par>
+                              <p:par>
+                                <p:cTn id="11" presetID="10" presetClass="entr" presetSubtype="0" fill="hold" grpId="0" nodeType="withEffect">
+                                  <p:stCondLst>
+                                    <p:cond delay="0"/>
+                                  </p:stCondLst>
+                                  <p:childTnLst>
+                                    <p:set>
+                                      <p:cBhvr>
+                                        <p:cTn id="12" dur="1" fill="hold">
+                                          <p:stCondLst>
+                                            <p:cond delay="0"/>
+                                          </p:stCondLst>
+                                        </p:cTn>
+                                        <p:tgtEl>
+                                          <p:spTgt spid="3">
+                                            <p:txEl>
+                                              <p:pRg st="2" end="2"/>
+                                            </p:txEl>
+                                          </p:spTgt>
+                                        </p:tgtEl>
+                                        <p:attrNameLst>
+                                          <p:attrName>style.visibility</p:attrName>
+                                        </p:attrNameLst>
+                                      </p:cBhvr>
+                                      <p:to>
+                                        <p:strVal val="visible"/>
+                                      </p:to>
+                                    </p:set>
+                                    <p:animEffect transition="in" filter="fade">
+                                      <p:cBhvr>
+                                        <p:cTn id="13" dur="500"/>
+                                        <p:tgtEl>
+                                          <p:spTgt spid="3">
+                                            <p:txEl>
+                                              <p:pRg st="2" end="2"/>
+                                            </p:txEl>
+                                          </p:spTgt>
+                                        </p:tgtEl>
+                                      </p:cBhvr>
+                                    </p:animEffect>
+                                  </p:childTnLst>
+                                </p:cTn>
+                              </p:par>
+                              <p:par>
+                                <p:cTn id="14" presetID="10" presetClass="entr" presetSubtype="0" fill="hold" grpId="0" nodeType="withEffect">
+                                  <p:stCondLst>
+                                    <p:cond delay="0"/>
+                                  </p:stCondLst>
+                                  <p:childTnLst>
+                                    <p:set>
+                                      <p:cBhvr>
+                                        <p:cTn id="15" dur="1" fill="hold">
+                                          <p:stCondLst>
+                                            <p:cond delay="0"/>
+                                          </p:stCondLst>
+                                        </p:cTn>
+                                        <p:tgtEl>
+                                          <p:spTgt spid="3">
+                                            <p:txEl>
+                                              <p:pRg st="3" end="3"/>
+                                            </p:txEl>
+                                          </p:spTgt>
+                                        </p:tgtEl>
+                                        <p:attrNameLst>
+                                          <p:attrName>style.visibility</p:attrName>
+                                        </p:attrNameLst>
+                                      </p:cBhvr>
+                                      <p:to>
+                                        <p:strVal val="visible"/>
+                                      </p:to>
+                                    </p:set>
+                                    <p:animEffect transition="in" filter="fade">
+                                      <p:cBhvr>
+                                        <p:cTn id="16" dur="500"/>
+                                        <p:tgtEl>
+                                          <p:spTgt spid="3">
+                                            <p:txEl>
+                                              <p:pRg st="3" end="3"/>
+                                            </p:txEl>
+                                          </p:spTgt>
+                                        </p:tgtEl>
+                                      </p:cBhvr>
+                                    </p:animEffect>
+                                  </p:childTnLst>
+                                </p:cTn>
+                              </p:par>
+                            </p:childTnLst>
+                          </p:cTn>
+                        </p:par>
+                      </p:childTnLst>
+                    </p:cTn>
+                  </p:par>
+                  <p:par>
+                    <p:cTn id="17" fill="hold">
+                      <p:stCondLst>
+                        <p:cond delay="indefinite"/>
+                      </p:stCondLst>
+                      <p:childTnLst>
+                        <p:par>
+                          <p:cTn id="18" fill="hold">
+                            <p:stCondLst>
+                              <p:cond delay="0"/>
+                            </p:stCondLst>
+                            <p:childTnLst>
+                              <p:par>
+                                <p:cTn id="19" presetID="10" presetClass="entr" presetSubtype="0" fill="hold" grpId="0" nodeType="clickEffect">
+                                  <p:stCondLst>
+                                    <p:cond delay="0"/>
+                                  </p:stCondLst>
+                                  <p:childTnLst>
+                                    <p:set>
+                                      <p:cBhvr>
+                                        <p:cTn id="20" dur="1" fill="hold">
+                                          <p:stCondLst>
+                                            <p:cond delay="0"/>
+                                          </p:stCondLst>
+                                        </p:cTn>
+                                        <p:tgtEl>
+                                          <p:spTgt spid="3">
+                                            <p:txEl>
+                                              <p:pRg st="4" end="4"/>
+                                            </p:txEl>
+                                          </p:spTgt>
+                                        </p:tgtEl>
+                                        <p:attrNameLst>
+                                          <p:attrName>style.visibility</p:attrName>
+                                        </p:attrNameLst>
+                                      </p:cBhvr>
+                                      <p:to>
+                                        <p:strVal val="visible"/>
+                                      </p:to>
+                                    </p:set>
+                                    <p:animEffect transition="in" filter="fade">
+                                      <p:cBhvr>
+                                        <p:cTn id="21" dur="500"/>
+                                        <p:tgtEl>
+                                          <p:spTgt spid="3">
+                                            <p:txEl>
+                                              <p:pRg st="4" end="4"/>
+                                            </p:txEl>
+                                          </p:spTgt>
+                                        </p:tgtEl>
+                                      </p:cBhvr>
+                                    </p:animEffect>
+                                  </p:childTnLst>
+                                </p:cTn>
+                              </p:par>
+                              <p:par>
+                                <p:cTn id="22" presetID="10" presetClass="entr" presetSubtype="0" fill="hold" grpId="0" nodeType="withEffect">
+                                  <p:stCondLst>
+                                    <p:cond delay="0"/>
+                                  </p:stCondLst>
+                                  <p:childTnLst>
+                                    <p:set>
+                                      <p:cBhvr>
+                                        <p:cTn id="23" dur="1" fill="hold">
+                                          <p:stCondLst>
+                                            <p:cond delay="0"/>
+                                          </p:stCondLst>
+                                        </p:cTn>
+                                        <p:tgtEl>
+                                          <p:spTgt spid="3">
+                                            <p:txEl>
+                                              <p:pRg st="5" end="5"/>
+                                            </p:txEl>
+                                          </p:spTgt>
+                                        </p:tgtEl>
+                                        <p:attrNameLst>
+                                          <p:attrName>style.visibility</p:attrName>
+                                        </p:attrNameLst>
+                                      </p:cBhvr>
+                                      <p:to>
+                                        <p:strVal val="visible"/>
+                                      </p:to>
+                                    </p:set>
+                                    <p:animEffect transition="in" filter="fade">
+                                      <p:cBhvr>
+                                        <p:cTn id="24" dur="500"/>
+                                        <p:tgtEl>
+                                          <p:spTgt spid="3">
+                                            <p:txEl>
+                                              <p:pRg st="5" end="5"/>
+                                            </p:txEl>
+                                          </p:spTgt>
+                                        </p:tgtEl>
+                                      </p:cBhvr>
+                                    </p:animEffect>
+                                  </p:childTnLst>
+                                </p:cTn>
+                              </p:par>
+                              <p:par>
+                                <p:cTn id="25" presetID="10" presetClass="entr" presetSubtype="0" fill="hold" grpId="0" nodeType="withEffect">
+                                  <p:stCondLst>
+                                    <p:cond delay="0"/>
+                                  </p:stCondLst>
+                                  <p:childTnLst>
+                                    <p:set>
+                                      <p:cBhvr>
+                                        <p:cTn id="26" dur="1" fill="hold">
+                                          <p:stCondLst>
+                                            <p:cond delay="0"/>
+                                          </p:stCondLst>
+                                        </p:cTn>
+                                        <p:tgtEl>
+                                          <p:spTgt spid="3">
+                                            <p:txEl>
+                                              <p:pRg st="6" end="6"/>
+                                            </p:txEl>
+                                          </p:spTgt>
+                                        </p:tgtEl>
+                                        <p:attrNameLst>
+                                          <p:attrName>style.visibility</p:attrName>
+                                        </p:attrNameLst>
+                                      </p:cBhvr>
+                                      <p:to>
+                                        <p:strVal val="visible"/>
+                                      </p:to>
+                                    </p:set>
+                                    <p:animEffect transition="in" filter="fade">
+                                      <p:cBhvr>
+                                        <p:cTn id="27" dur="500"/>
+                                        <p:tgtEl>
+                                          <p:spTgt spid="3">
+                                            <p:txEl>
+                                              <p:pRg st="6" end="6"/>
+                                            </p:txEl>
+                                          </p:spTgt>
+                                        </p:tgtEl>
+                                      </p:cBhvr>
+                                    </p:animEffect>
+                                  </p:childTnLst>
+                                </p:cTn>
+                              </p:par>
+                              <p:par>
+                                <p:cTn id="28" presetID="10" presetClass="entr" presetSubtype="0" fill="hold" grpId="0" nodeType="withEffect">
+                                  <p:stCondLst>
+                                    <p:cond delay="0"/>
+                                  </p:stCondLst>
+                                  <p:childTnLst>
+                                    <p:set>
+                                      <p:cBhvr>
+                                        <p:cTn id="29" dur="1" fill="hold">
+                                          <p:stCondLst>
+                                            <p:cond delay="0"/>
+                                          </p:stCondLst>
+                                        </p:cTn>
+                                        <p:tgtEl>
+                                          <p:spTgt spid="3">
+                                            <p:txEl>
+                                              <p:pRg st="7" end="7"/>
+                                            </p:txEl>
+                                          </p:spTgt>
+                                        </p:tgtEl>
+                                        <p:attrNameLst>
+                                          <p:attrName>style.visibility</p:attrName>
+                                        </p:attrNameLst>
+                                      </p:cBhvr>
+                                      <p:to>
+                                        <p:strVal val="visible"/>
+                                      </p:to>
+                                    </p:set>
+                                    <p:animEffect transition="in" filter="fade">
+                                      <p:cBhvr>
+                                        <p:cTn id="30" dur="500"/>
+                                        <p:tgtEl>
+                                          <p:spTgt spid="3">
+                                            <p:txEl>
+                                              <p:pRg st="7" end="7"/>
+                                            </p:txEl>
+                                          </p:spTgt>
+                                        </p:tgtEl>
+                                      </p:cBhvr>
+                                    </p:animEffect>
+                                  </p:childTnLst>
+                                </p:cTn>
+                              </p:par>
+                              <p:par>
+                                <p:cTn id="31" presetID="10" presetClass="entr" presetSubtype="0" fill="hold" grpId="0" nodeType="withEffect">
+                                  <p:stCondLst>
+                                    <p:cond delay="0"/>
+                                  </p:stCondLst>
+                                  <p:childTnLst>
+                                    <p:set>
+                                      <p:cBhvr>
+                                        <p:cTn id="32" dur="1" fill="hold">
+                                          <p:stCondLst>
+                                            <p:cond delay="0"/>
+                                          </p:stCondLst>
+                                        </p:cTn>
+                                        <p:tgtEl>
+                                          <p:spTgt spid="3">
+                                            <p:txEl>
+                                              <p:pRg st="8" end="8"/>
+                                            </p:txEl>
+                                          </p:spTgt>
+                                        </p:tgtEl>
+                                        <p:attrNameLst>
+                                          <p:attrName>style.visibility</p:attrName>
+                                        </p:attrNameLst>
+                                      </p:cBhvr>
+                                      <p:to>
+                                        <p:strVal val="visible"/>
+                                      </p:to>
+                                    </p:set>
+                                    <p:animEffect transition="in" filter="fade">
+                                      <p:cBhvr>
+                                        <p:cTn id="33" dur="500"/>
+                                        <p:tgtEl>
+                                          <p:spTgt spid="3">
+                                            <p:txEl>
+                                              <p:pRg st="8" end="8"/>
+                                            </p:txEl>
+                                          </p:spTgt>
+                                        </p:tgtEl>
+                                      </p:cBhvr>
+                                    </p:animEffect>
+                                  </p:childTnLst>
+                                </p:cTn>
+                              </p:par>
+                            </p:childTnLst>
+                          </p:cTn>
+                        </p:par>
+                      </p:childTnLst>
+                    </p:cTn>
+                  </p:par>
+                </p:childTnLst>
+              </p:cTn>
+              <p:prevCondLst>
+                <p:cond evt="onPrev" delay="0">
+                  <p:tgtEl>
+                    <p:sldTgt/>
+                  </p:tgtEl>
+                </p:cond>
+              </p:prevCondLst>
+              <p:nextCondLst>
+                <p:cond evt="onNext" delay="0">
+                  <p:tgtEl>
+                    <p:sldTgt/>
+                  </p:tgtEl>
+                </p:cond>
+              </p:nextCondLst>
+            </p:seq>
+          </p:childTnLst>
+        </p:cTn>
       </p:par>
     </p:tnLst>
+    <p:bldLst>
+      <p:bldP spid="3" grpId="0" build="p"/>
+    </p:bldLst>
   </p:timing>
 </p:sld>
 </file>
@@ -17603,9 +20289,286 @@
   <p:timing>
     <p:tnLst>
       <p:par>
-        <p:cTn id="1" dur="indefinite" restart="never" nodeType="tmRoot"/>
+        <p:cTn id="1" dur="indefinite" restart="never" nodeType="tmRoot">
+          <p:childTnLst>
+            <p:seq concurrent="1" nextAc="seek">
+              <p:cTn id="2" dur="indefinite" nodeType="mainSeq">
+                <p:childTnLst>
+                  <p:par>
+                    <p:cTn id="3" fill="hold">
+                      <p:stCondLst>
+                        <p:cond delay="indefinite"/>
+                      </p:stCondLst>
+                      <p:childTnLst>
+                        <p:par>
+                          <p:cTn id="4" fill="hold">
+                            <p:stCondLst>
+                              <p:cond delay="0"/>
+                            </p:stCondLst>
+                            <p:childTnLst>
+                              <p:par>
+                                <p:cTn id="5" presetID="10" presetClass="entr" presetSubtype="0" fill="hold" grpId="0" nodeType="clickEffect">
+                                  <p:stCondLst>
+                                    <p:cond delay="0"/>
+                                  </p:stCondLst>
+                                  <p:childTnLst>
+                                    <p:set>
+                                      <p:cBhvr>
+                                        <p:cTn id="6" dur="1" fill="hold">
+                                          <p:stCondLst>
+                                            <p:cond delay="0"/>
+                                          </p:stCondLst>
+                                        </p:cTn>
+                                        <p:tgtEl>
+                                          <p:spTgt spid="3">
+                                            <p:txEl>
+                                              <p:pRg st="0" end="0"/>
+                                            </p:txEl>
+                                          </p:spTgt>
+                                        </p:tgtEl>
+                                        <p:attrNameLst>
+                                          <p:attrName>style.visibility</p:attrName>
+                                        </p:attrNameLst>
+                                      </p:cBhvr>
+                                      <p:to>
+                                        <p:strVal val="visible"/>
+                                      </p:to>
+                                    </p:set>
+                                    <p:animEffect transition="in" filter="fade">
+                                      <p:cBhvr>
+                                        <p:cTn id="7" dur="500"/>
+                                        <p:tgtEl>
+                                          <p:spTgt spid="3">
+                                            <p:txEl>
+                                              <p:pRg st="0" end="0"/>
+                                            </p:txEl>
+                                          </p:spTgt>
+                                        </p:tgtEl>
+                                      </p:cBhvr>
+                                    </p:animEffect>
+                                  </p:childTnLst>
+                                </p:cTn>
+                              </p:par>
+                              <p:par>
+                                <p:cTn id="8" presetID="10" presetClass="entr" presetSubtype="0" fill="hold" grpId="0" nodeType="withEffect">
+                                  <p:stCondLst>
+                                    <p:cond delay="0"/>
+                                  </p:stCondLst>
+                                  <p:childTnLst>
+                                    <p:set>
+                                      <p:cBhvr>
+                                        <p:cTn id="9" dur="1" fill="hold">
+                                          <p:stCondLst>
+                                            <p:cond delay="0"/>
+                                          </p:stCondLst>
+                                        </p:cTn>
+                                        <p:tgtEl>
+                                          <p:spTgt spid="3">
+                                            <p:txEl>
+                                              <p:pRg st="1" end="1"/>
+                                            </p:txEl>
+                                          </p:spTgt>
+                                        </p:tgtEl>
+                                        <p:attrNameLst>
+                                          <p:attrName>style.visibility</p:attrName>
+                                        </p:attrNameLst>
+                                      </p:cBhvr>
+                                      <p:to>
+                                        <p:strVal val="visible"/>
+                                      </p:to>
+                                    </p:set>
+                                    <p:animEffect transition="in" filter="fade">
+                                      <p:cBhvr>
+                                        <p:cTn id="10" dur="500"/>
+                                        <p:tgtEl>
+                                          <p:spTgt spid="3">
+                                            <p:txEl>
+                                              <p:pRg st="1" end="1"/>
+                                            </p:txEl>
+                                          </p:spTgt>
+                                        </p:tgtEl>
+                                      </p:cBhvr>
+                                    </p:animEffect>
+                                  </p:childTnLst>
+                                </p:cTn>
+                              </p:par>
+                              <p:par>
+                                <p:cTn id="11" presetID="10" presetClass="entr" presetSubtype="0" fill="hold" grpId="0" nodeType="withEffect">
+                                  <p:stCondLst>
+                                    <p:cond delay="0"/>
+                                  </p:stCondLst>
+                                  <p:childTnLst>
+                                    <p:set>
+                                      <p:cBhvr>
+                                        <p:cTn id="12" dur="1" fill="hold">
+                                          <p:stCondLst>
+                                            <p:cond delay="0"/>
+                                          </p:stCondLst>
+                                        </p:cTn>
+                                        <p:tgtEl>
+                                          <p:spTgt spid="3">
+                                            <p:txEl>
+                                              <p:pRg st="2" end="2"/>
+                                            </p:txEl>
+                                          </p:spTgt>
+                                        </p:tgtEl>
+                                        <p:attrNameLst>
+                                          <p:attrName>style.visibility</p:attrName>
+                                        </p:attrNameLst>
+                                      </p:cBhvr>
+                                      <p:to>
+                                        <p:strVal val="visible"/>
+                                      </p:to>
+                                    </p:set>
+                                    <p:animEffect transition="in" filter="fade">
+                                      <p:cBhvr>
+                                        <p:cTn id="13" dur="500"/>
+                                        <p:tgtEl>
+                                          <p:spTgt spid="3">
+                                            <p:txEl>
+                                              <p:pRg st="2" end="2"/>
+                                            </p:txEl>
+                                          </p:spTgt>
+                                        </p:tgtEl>
+                                      </p:cBhvr>
+                                    </p:animEffect>
+                                  </p:childTnLst>
+                                </p:cTn>
+                              </p:par>
+                            </p:childTnLst>
+                          </p:cTn>
+                        </p:par>
+                      </p:childTnLst>
+                    </p:cTn>
+                  </p:par>
+                  <p:par>
+                    <p:cTn id="14" fill="hold">
+                      <p:stCondLst>
+                        <p:cond delay="indefinite"/>
+                      </p:stCondLst>
+                      <p:childTnLst>
+                        <p:par>
+                          <p:cTn id="15" fill="hold">
+                            <p:stCondLst>
+                              <p:cond delay="0"/>
+                            </p:stCondLst>
+                            <p:childTnLst>
+                              <p:par>
+                                <p:cTn id="16" presetID="10" presetClass="entr" presetSubtype="0" fill="hold" grpId="0" nodeType="clickEffect">
+                                  <p:stCondLst>
+                                    <p:cond delay="0"/>
+                                  </p:stCondLst>
+                                  <p:childTnLst>
+                                    <p:set>
+                                      <p:cBhvr>
+                                        <p:cTn id="17" dur="1" fill="hold">
+                                          <p:stCondLst>
+                                            <p:cond delay="0"/>
+                                          </p:stCondLst>
+                                        </p:cTn>
+                                        <p:tgtEl>
+                                          <p:spTgt spid="3">
+                                            <p:txEl>
+                                              <p:pRg st="3" end="3"/>
+                                            </p:txEl>
+                                          </p:spTgt>
+                                        </p:tgtEl>
+                                        <p:attrNameLst>
+                                          <p:attrName>style.visibility</p:attrName>
+                                        </p:attrNameLst>
+                                      </p:cBhvr>
+                                      <p:to>
+                                        <p:strVal val="visible"/>
+                                      </p:to>
+                                    </p:set>
+                                    <p:animEffect transition="in" filter="fade">
+                                      <p:cBhvr>
+                                        <p:cTn id="18" dur="500"/>
+                                        <p:tgtEl>
+                                          <p:spTgt spid="3">
+                                            <p:txEl>
+                                              <p:pRg st="3" end="3"/>
+                                            </p:txEl>
+                                          </p:spTgt>
+                                        </p:tgtEl>
+                                      </p:cBhvr>
+                                    </p:animEffect>
+                                  </p:childTnLst>
+                                </p:cTn>
+                              </p:par>
+                              <p:par>
+                                <p:cTn id="19" presetID="10" presetClass="entr" presetSubtype="0" fill="hold" grpId="0" nodeType="withEffect">
+                                  <p:stCondLst>
+                                    <p:cond delay="0"/>
+                                  </p:stCondLst>
+                                  <p:childTnLst>
+                                    <p:set>
+                                      <p:cBhvr>
+                                        <p:cTn id="20" dur="1" fill="hold">
+                                          <p:stCondLst>
+                                            <p:cond delay="0"/>
+                                          </p:stCondLst>
+                                        </p:cTn>
+                                        <p:tgtEl>
+                                          <p:spTgt spid="3">
+                                            <p:txEl>
+                                              <p:pRg st="4" end="4"/>
+                                            </p:txEl>
+                                          </p:spTgt>
+                                        </p:tgtEl>
+                                        <p:attrNameLst>
+                                          <p:attrName>style.visibility</p:attrName>
+                                        </p:attrNameLst>
+                                      </p:cBhvr>
+                                      <p:to>
+                                        <p:strVal val="visible"/>
+                                      </p:to>
+                                    </p:set>
+                                    <p:animEffect transition="in" filter="fade">
+                                      <p:cBhvr>
+                                        <p:cTn id="21" dur="500"/>
+                                        <p:tgtEl>
+                                          <p:spTgt spid="3">
+                                            <p:txEl>
+                                              <p:pRg st="4" end="4"/>
+                                            </p:txEl>
+                                          </p:spTgt>
+                                        </p:tgtEl>
+                                      </p:cBhvr>
+                                    </p:animEffect>
+                                  </p:childTnLst>
+                                </p:cTn>
+                              </p:par>
+                            </p:childTnLst>
+                          </p:cTn>
+                        </p:par>
+                      </p:childTnLst>
+                    </p:cTn>
+                  </p:par>
+                </p:childTnLst>
+              </p:cTn>
+              <p:prevCondLst>
+                <p:cond evt="onPrev" delay="0">
+                  <p:tgtEl>
+                    <p:sldTgt/>
+                  </p:tgtEl>
+                </p:cond>
+              </p:prevCondLst>
+              <p:nextCondLst>
+                <p:cond evt="onNext" delay="0">
+                  <p:tgtEl>
+                    <p:sldTgt/>
+                  </p:tgtEl>
+                </p:cond>
+              </p:nextCondLst>
+            </p:seq>
+          </p:childTnLst>
+        </p:cTn>
       </p:par>
     </p:tnLst>
+    <p:bldLst>
+      <p:bldP spid="3" grpId="0" build="p"/>
+    </p:bldLst>
   </p:timing>
 </p:sld>
 </file>
@@ -17683,13 +20646,6 @@
   <p:clrMapOvr>
     <a:masterClrMapping/>
   </p:clrMapOvr>
-  <p:timing>
-    <p:tnLst>
-      <p:par>
-        <p:cTn id="1" dur="indefinite" restart="never" nodeType="tmRoot"/>
-      </p:par>
-    </p:tnLst>
-  </p:timing>
 </p:sld>
 </file>
 
@@ -17747,7 +20703,7 @@
         <p:spPr/>
         <p:txBody>
           <a:bodyPr>
-            <a:normAutofit/>
+            <a:normAutofit lnSpcReduction="10000"/>
           </a:bodyPr>
           <a:lstStyle/>
           <a:p>
@@ -17772,14 +20728,13 @@
             </a:r>
           </a:p>
           <a:p>
-            <a:pPr lvl="1"/>
             <a:r>
               <a:rPr lang="ru-RU" dirty="0"/>
               <a:t>В некоторых ситуациях можно отказаться от понятия листовых объектов вообще</a:t>
             </a:r>
           </a:p>
           <a:p>
-            <a:pPr lvl="2"/>
+            <a:pPr lvl="1"/>
             <a:r>
               <a:rPr lang="ru-RU" dirty="0"/>
               <a:t>Реализации </a:t>
@@ -17799,7 +20754,7 @@
             <a:endParaRPr lang="ru-RU" dirty="0"/>
           </a:p>
           <a:p>
-            <a:pPr lvl="2"/>
+            <a:pPr lvl="1"/>
             <a:r>
               <a:rPr lang="ru-RU" dirty="0"/>
               <a:t>Лист – узел, не содержащий дочерних узлов</a:t>
@@ -17820,9 +20775,286 @@
   <p:timing>
     <p:tnLst>
       <p:par>
-        <p:cTn id="1" dur="indefinite" restart="never" nodeType="tmRoot"/>
+        <p:cTn id="1" dur="indefinite" restart="never" nodeType="tmRoot">
+          <p:childTnLst>
+            <p:seq concurrent="1" nextAc="seek">
+              <p:cTn id="2" dur="indefinite" nodeType="mainSeq">
+                <p:childTnLst>
+                  <p:par>
+                    <p:cTn id="3" fill="hold">
+                      <p:stCondLst>
+                        <p:cond delay="indefinite"/>
+                      </p:stCondLst>
+                      <p:childTnLst>
+                        <p:par>
+                          <p:cTn id="4" fill="hold">
+                            <p:stCondLst>
+                              <p:cond delay="0"/>
+                            </p:stCondLst>
+                            <p:childTnLst>
+                              <p:par>
+                                <p:cTn id="5" presetID="10" presetClass="entr" presetSubtype="0" fill="hold" grpId="0" nodeType="clickEffect">
+                                  <p:stCondLst>
+                                    <p:cond delay="0"/>
+                                  </p:stCondLst>
+                                  <p:childTnLst>
+                                    <p:set>
+                                      <p:cBhvr>
+                                        <p:cTn id="6" dur="1" fill="hold">
+                                          <p:stCondLst>
+                                            <p:cond delay="0"/>
+                                          </p:stCondLst>
+                                        </p:cTn>
+                                        <p:tgtEl>
+                                          <p:spTgt spid="3">
+                                            <p:txEl>
+                                              <p:pRg st="0" end="0"/>
+                                            </p:txEl>
+                                          </p:spTgt>
+                                        </p:tgtEl>
+                                        <p:attrNameLst>
+                                          <p:attrName>style.visibility</p:attrName>
+                                        </p:attrNameLst>
+                                      </p:cBhvr>
+                                      <p:to>
+                                        <p:strVal val="visible"/>
+                                      </p:to>
+                                    </p:set>
+                                    <p:animEffect transition="in" filter="fade">
+                                      <p:cBhvr>
+                                        <p:cTn id="7" dur="500"/>
+                                        <p:tgtEl>
+                                          <p:spTgt spid="3">
+                                            <p:txEl>
+                                              <p:pRg st="0" end="0"/>
+                                            </p:txEl>
+                                          </p:spTgt>
+                                        </p:tgtEl>
+                                      </p:cBhvr>
+                                    </p:animEffect>
+                                  </p:childTnLst>
+                                </p:cTn>
+                              </p:par>
+                              <p:par>
+                                <p:cTn id="8" presetID="10" presetClass="entr" presetSubtype="0" fill="hold" grpId="0" nodeType="withEffect">
+                                  <p:stCondLst>
+                                    <p:cond delay="0"/>
+                                  </p:stCondLst>
+                                  <p:childTnLst>
+                                    <p:set>
+                                      <p:cBhvr>
+                                        <p:cTn id="9" dur="1" fill="hold">
+                                          <p:stCondLst>
+                                            <p:cond delay="0"/>
+                                          </p:stCondLst>
+                                        </p:cTn>
+                                        <p:tgtEl>
+                                          <p:spTgt spid="3">
+                                            <p:txEl>
+                                              <p:pRg st="1" end="1"/>
+                                            </p:txEl>
+                                          </p:spTgt>
+                                        </p:tgtEl>
+                                        <p:attrNameLst>
+                                          <p:attrName>style.visibility</p:attrName>
+                                        </p:attrNameLst>
+                                      </p:cBhvr>
+                                      <p:to>
+                                        <p:strVal val="visible"/>
+                                      </p:to>
+                                    </p:set>
+                                    <p:animEffect transition="in" filter="fade">
+                                      <p:cBhvr>
+                                        <p:cTn id="10" dur="500"/>
+                                        <p:tgtEl>
+                                          <p:spTgt spid="3">
+                                            <p:txEl>
+                                              <p:pRg st="1" end="1"/>
+                                            </p:txEl>
+                                          </p:spTgt>
+                                        </p:tgtEl>
+                                      </p:cBhvr>
+                                    </p:animEffect>
+                                  </p:childTnLst>
+                                </p:cTn>
+                              </p:par>
+                            </p:childTnLst>
+                          </p:cTn>
+                        </p:par>
+                      </p:childTnLst>
+                    </p:cTn>
+                  </p:par>
+                  <p:par>
+                    <p:cTn id="11" fill="hold">
+                      <p:stCondLst>
+                        <p:cond delay="indefinite"/>
+                      </p:stCondLst>
+                      <p:childTnLst>
+                        <p:par>
+                          <p:cTn id="12" fill="hold">
+                            <p:stCondLst>
+                              <p:cond delay="0"/>
+                            </p:stCondLst>
+                            <p:childTnLst>
+                              <p:par>
+                                <p:cTn id="13" presetID="10" presetClass="entr" presetSubtype="0" fill="hold" grpId="0" nodeType="clickEffect">
+                                  <p:stCondLst>
+                                    <p:cond delay="0"/>
+                                  </p:stCondLst>
+                                  <p:childTnLst>
+                                    <p:set>
+                                      <p:cBhvr>
+                                        <p:cTn id="14" dur="1" fill="hold">
+                                          <p:stCondLst>
+                                            <p:cond delay="0"/>
+                                          </p:stCondLst>
+                                        </p:cTn>
+                                        <p:tgtEl>
+                                          <p:spTgt spid="3">
+                                            <p:txEl>
+                                              <p:pRg st="2" end="2"/>
+                                            </p:txEl>
+                                          </p:spTgt>
+                                        </p:tgtEl>
+                                        <p:attrNameLst>
+                                          <p:attrName>style.visibility</p:attrName>
+                                        </p:attrNameLst>
+                                      </p:cBhvr>
+                                      <p:to>
+                                        <p:strVal val="visible"/>
+                                      </p:to>
+                                    </p:set>
+                                    <p:animEffect transition="in" filter="fade">
+                                      <p:cBhvr>
+                                        <p:cTn id="15" dur="500"/>
+                                        <p:tgtEl>
+                                          <p:spTgt spid="3">
+                                            <p:txEl>
+                                              <p:pRg st="2" end="2"/>
+                                            </p:txEl>
+                                          </p:spTgt>
+                                        </p:tgtEl>
+                                      </p:cBhvr>
+                                    </p:animEffect>
+                                  </p:childTnLst>
+                                </p:cTn>
+                              </p:par>
+                              <p:par>
+                                <p:cTn id="16" presetID="10" presetClass="entr" presetSubtype="0" fill="hold" grpId="0" nodeType="withEffect">
+                                  <p:stCondLst>
+                                    <p:cond delay="0"/>
+                                  </p:stCondLst>
+                                  <p:childTnLst>
+                                    <p:set>
+                                      <p:cBhvr>
+                                        <p:cTn id="17" dur="1" fill="hold">
+                                          <p:stCondLst>
+                                            <p:cond delay="0"/>
+                                          </p:stCondLst>
+                                        </p:cTn>
+                                        <p:tgtEl>
+                                          <p:spTgt spid="3">
+                                            <p:txEl>
+                                              <p:pRg st="3" end="3"/>
+                                            </p:txEl>
+                                          </p:spTgt>
+                                        </p:tgtEl>
+                                        <p:attrNameLst>
+                                          <p:attrName>style.visibility</p:attrName>
+                                        </p:attrNameLst>
+                                      </p:cBhvr>
+                                      <p:to>
+                                        <p:strVal val="visible"/>
+                                      </p:to>
+                                    </p:set>
+                                    <p:animEffect transition="in" filter="fade">
+                                      <p:cBhvr>
+                                        <p:cTn id="18" dur="500"/>
+                                        <p:tgtEl>
+                                          <p:spTgt spid="3">
+                                            <p:txEl>
+                                              <p:pRg st="3" end="3"/>
+                                            </p:txEl>
+                                          </p:spTgt>
+                                        </p:tgtEl>
+                                      </p:cBhvr>
+                                    </p:animEffect>
+                                  </p:childTnLst>
+                                </p:cTn>
+                              </p:par>
+                              <p:par>
+                                <p:cTn id="19" presetID="10" presetClass="entr" presetSubtype="0" fill="hold" grpId="0" nodeType="withEffect">
+                                  <p:stCondLst>
+                                    <p:cond delay="0"/>
+                                  </p:stCondLst>
+                                  <p:childTnLst>
+                                    <p:set>
+                                      <p:cBhvr>
+                                        <p:cTn id="20" dur="1" fill="hold">
+                                          <p:stCondLst>
+                                            <p:cond delay="0"/>
+                                          </p:stCondLst>
+                                        </p:cTn>
+                                        <p:tgtEl>
+                                          <p:spTgt spid="3">
+                                            <p:txEl>
+                                              <p:pRg st="4" end="4"/>
+                                            </p:txEl>
+                                          </p:spTgt>
+                                        </p:tgtEl>
+                                        <p:attrNameLst>
+                                          <p:attrName>style.visibility</p:attrName>
+                                        </p:attrNameLst>
+                                      </p:cBhvr>
+                                      <p:to>
+                                        <p:strVal val="visible"/>
+                                      </p:to>
+                                    </p:set>
+                                    <p:animEffect transition="in" filter="fade">
+                                      <p:cBhvr>
+                                        <p:cTn id="21" dur="500"/>
+                                        <p:tgtEl>
+                                          <p:spTgt spid="3">
+                                            <p:txEl>
+                                              <p:pRg st="4" end="4"/>
+                                            </p:txEl>
+                                          </p:spTgt>
+                                        </p:tgtEl>
+                                      </p:cBhvr>
+                                    </p:animEffect>
+                                  </p:childTnLst>
+                                </p:cTn>
+                              </p:par>
+                            </p:childTnLst>
+                          </p:cTn>
+                        </p:par>
+                      </p:childTnLst>
+                    </p:cTn>
+                  </p:par>
+                </p:childTnLst>
+              </p:cTn>
+              <p:prevCondLst>
+                <p:cond evt="onPrev" delay="0">
+                  <p:tgtEl>
+                    <p:sldTgt/>
+                  </p:tgtEl>
+                </p:cond>
+              </p:prevCondLst>
+              <p:nextCondLst>
+                <p:cond evt="onNext" delay="0">
+                  <p:tgtEl>
+                    <p:sldTgt/>
+                  </p:tgtEl>
+                </p:cond>
+              </p:nextCondLst>
+            </p:seq>
+          </p:childTnLst>
+        </p:cTn>
       </p:par>
     </p:tnLst>
+    <p:bldLst>
+      <p:bldP spid="3" grpId="0" build="p"/>
+    </p:bldLst>
   </p:timing>
 </p:sld>
 </file>
@@ -17927,13 +21159,6 @@
   <p:clrMapOvr>
     <a:masterClrMapping/>
   </p:clrMapOvr>
-  <p:timing>
-    <p:tnLst>
-      <p:par>
-        <p:cTn id="1" dur="indefinite" restart="never" nodeType="tmRoot"/>
-      </p:par>
-    </p:tnLst>
-  </p:timing>
 </p:sld>
 </file>
 
@@ -18057,13 +21282,6 @@
   <p:clrMapOvr>
     <a:masterClrMapping/>
   </p:clrMapOvr>
-  <p:timing>
-    <p:tnLst>
-      <p:par>
-        <p:cTn id="1" dur="indefinite" restart="never" nodeType="tmRoot"/>
-      </p:par>
-    </p:tnLst>
-  </p:timing>
 </p:sld>
 </file>
 
@@ -19384,13 +22602,6 @@
   <p:clrMapOvr>
     <a:masterClrMapping/>
   </p:clrMapOvr>
-  <p:timing>
-    <p:tnLst>
-      <p:par>
-        <p:cTn id="1" dur="indefinite" restart="never" nodeType="tmRoot"/>
-      </p:par>
-    </p:tnLst>
-  </p:timing>
 </p:sld>
 </file>
 
@@ -19474,13 +22685,6 @@
   <p:clrMapOvr>
     <a:masterClrMapping/>
   </p:clrMapOvr>
-  <p:timing>
-    <p:tnLst>
-      <p:par>
-        <p:cTn id="1" dur="indefinite" restart="never" nodeType="tmRoot"/>
-      </p:par>
-    </p:tnLst>
-  </p:timing>
 </p:sld>
 </file>
 
@@ -19620,9 +22824,243 @@
   <p:timing>
     <p:tnLst>
       <p:par>
-        <p:cTn id="1" dur="indefinite" restart="never" nodeType="tmRoot"/>
+        <p:cTn id="1" dur="indefinite" restart="never" nodeType="tmRoot">
+          <p:childTnLst>
+            <p:seq concurrent="1" nextAc="seek">
+              <p:cTn id="2" dur="indefinite" nodeType="mainSeq">
+                <p:childTnLst>
+                  <p:par>
+                    <p:cTn id="3" fill="hold">
+                      <p:stCondLst>
+                        <p:cond delay="indefinite"/>
+                      </p:stCondLst>
+                      <p:childTnLst>
+                        <p:par>
+                          <p:cTn id="4" fill="hold">
+                            <p:stCondLst>
+                              <p:cond delay="0"/>
+                            </p:stCondLst>
+                            <p:childTnLst>
+                              <p:par>
+                                <p:cTn id="5" presetID="10" presetClass="entr" presetSubtype="0" fill="hold" grpId="0" nodeType="clickEffect">
+                                  <p:stCondLst>
+                                    <p:cond delay="0"/>
+                                  </p:stCondLst>
+                                  <p:childTnLst>
+                                    <p:set>
+                                      <p:cBhvr>
+                                        <p:cTn id="6" dur="1" fill="hold">
+                                          <p:stCondLst>
+                                            <p:cond delay="0"/>
+                                          </p:stCondLst>
+                                        </p:cTn>
+                                        <p:tgtEl>
+                                          <p:spTgt spid="4">
+                                            <p:txEl>
+                                              <p:pRg st="0" end="0"/>
+                                            </p:txEl>
+                                          </p:spTgt>
+                                        </p:tgtEl>
+                                        <p:attrNameLst>
+                                          <p:attrName>style.visibility</p:attrName>
+                                        </p:attrNameLst>
+                                      </p:cBhvr>
+                                      <p:to>
+                                        <p:strVal val="visible"/>
+                                      </p:to>
+                                    </p:set>
+                                    <p:animEffect transition="in" filter="fade">
+                                      <p:cBhvr>
+                                        <p:cTn id="7" dur="500"/>
+                                        <p:tgtEl>
+                                          <p:spTgt spid="4">
+                                            <p:txEl>
+                                              <p:pRg st="0" end="0"/>
+                                            </p:txEl>
+                                          </p:spTgt>
+                                        </p:tgtEl>
+                                      </p:cBhvr>
+                                    </p:animEffect>
+                                  </p:childTnLst>
+                                </p:cTn>
+                              </p:par>
+                              <p:par>
+                                <p:cTn id="8" presetID="10" presetClass="entr" presetSubtype="0" fill="hold" grpId="0" nodeType="withEffect">
+                                  <p:stCondLst>
+                                    <p:cond delay="0"/>
+                                  </p:stCondLst>
+                                  <p:childTnLst>
+                                    <p:set>
+                                      <p:cBhvr>
+                                        <p:cTn id="9" dur="1" fill="hold">
+                                          <p:stCondLst>
+                                            <p:cond delay="0"/>
+                                          </p:stCondLst>
+                                        </p:cTn>
+                                        <p:tgtEl>
+                                          <p:spTgt spid="4">
+                                            <p:txEl>
+                                              <p:pRg st="1" end="1"/>
+                                            </p:txEl>
+                                          </p:spTgt>
+                                        </p:tgtEl>
+                                        <p:attrNameLst>
+                                          <p:attrName>style.visibility</p:attrName>
+                                        </p:attrNameLst>
+                                      </p:cBhvr>
+                                      <p:to>
+                                        <p:strVal val="visible"/>
+                                      </p:to>
+                                    </p:set>
+                                    <p:animEffect transition="in" filter="fade">
+                                      <p:cBhvr>
+                                        <p:cTn id="10" dur="500"/>
+                                        <p:tgtEl>
+                                          <p:spTgt spid="4">
+                                            <p:txEl>
+                                              <p:pRg st="1" end="1"/>
+                                            </p:txEl>
+                                          </p:spTgt>
+                                        </p:tgtEl>
+                                      </p:cBhvr>
+                                    </p:animEffect>
+                                  </p:childTnLst>
+                                </p:cTn>
+                              </p:par>
+                            </p:childTnLst>
+                          </p:cTn>
+                        </p:par>
+                      </p:childTnLst>
+                    </p:cTn>
+                  </p:par>
+                  <p:par>
+                    <p:cTn id="11" fill="hold">
+                      <p:stCondLst>
+                        <p:cond delay="indefinite"/>
+                      </p:stCondLst>
+                      <p:childTnLst>
+                        <p:par>
+                          <p:cTn id="12" fill="hold">
+                            <p:stCondLst>
+                              <p:cond delay="0"/>
+                            </p:stCondLst>
+                            <p:childTnLst>
+                              <p:par>
+                                <p:cTn id="13" presetID="10" presetClass="entr" presetSubtype="0" fill="hold" grpId="0" nodeType="clickEffect">
+                                  <p:stCondLst>
+                                    <p:cond delay="0"/>
+                                  </p:stCondLst>
+                                  <p:childTnLst>
+                                    <p:set>
+                                      <p:cBhvr>
+                                        <p:cTn id="14" dur="1" fill="hold">
+                                          <p:stCondLst>
+                                            <p:cond delay="0"/>
+                                          </p:stCondLst>
+                                        </p:cTn>
+                                        <p:tgtEl>
+                                          <p:spTgt spid="4">
+                                            <p:txEl>
+                                              <p:pRg st="2" end="2"/>
+                                            </p:txEl>
+                                          </p:spTgt>
+                                        </p:tgtEl>
+                                        <p:attrNameLst>
+                                          <p:attrName>style.visibility</p:attrName>
+                                        </p:attrNameLst>
+                                      </p:cBhvr>
+                                      <p:to>
+                                        <p:strVal val="visible"/>
+                                      </p:to>
+                                    </p:set>
+                                    <p:animEffect transition="in" filter="fade">
+                                      <p:cBhvr>
+                                        <p:cTn id="15" dur="500"/>
+                                        <p:tgtEl>
+                                          <p:spTgt spid="4">
+                                            <p:txEl>
+                                              <p:pRg st="2" end="2"/>
+                                            </p:txEl>
+                                          </p:spTgt>
+                                        </p:tgtEl>
+                                      </p:cBhvr>
+                                    </p:animEffect>
+                                  </p:childTnLst>
+                                </p:cTn>
+                              </p:par>
+                              <p:par>
+                                <p:cTn id="16" presetID="10" presetClass="entr" presetSubtype="0" fill="hold" grpId="0" nodeType="withEffect">
+                                  <p:stCondLst>
+                                    <p:cond delay="0"/>
+                                  </p:stCondLst>
+                                  <p:childTnLst>
+                                    <p:set>
+                                      <p:cBhvr>
+                                        <p:cTn id="17" dur="1" fill="hold">
+                                          <p:stCondLst>
+                                            <p:cond delay="0"/>
+                                          </p:stCondLst>
+                                        </p:cTn>
+                                        <p:tgtEl>
+                                          <p:spTgt spid="4">
+                                            <p:txEl>
+                                              <p:pRg st="3" end="3"/>
+                                            </p:txEl>
+                                          </p:spTgt>
+                                        </p:tgtEl>
+                                        <p:attrNameLst>
+                                          <p:attrName>style.visibility</p:attrName>
+                                        </p:attrNameLst>
+                                      </p:cBhvr>
+                                      <p:to>
+                                        <p:strVal val="visible"/>
+                                      </p:to>
+                                    </p:set>
+                                    <p:animEffect transition="in" filter="fade">
+                                      <p:cBhvr>
+                                        <p:cTn id="18" dur="500"/>
+                                        <p:tgtEl>
+                                          <p:spTgt spid="4">
+                                            <p:txEl>
+                                              <p:pRg st="3" end="3"/>
+                                            </p:txEl>
+                                          </p:spTgt>
+                                        </p:tgtEl>
+                                      </p:cBhvr>
+                                    </p:animEffect>
+                                  </p:childTnLst>
+                                </p:cTn>
+                              </p:par>
+                            </p:childTnLst>
+                          </p:cTn>
+                        </p:par>
+                      </p:childTnLst>
+                    </p:cTn>
+                  </p:par>
+                </p:childTnLst>
+              </p:cTn>
+              <p:prevCondLst>
+                <p:cond evt="onPrev" delay="0">
+                  <p:tgtEl>
+                    <p:sldTgt/>
+                  </p:tgtEl>
+                </p:cond>
+              </p:prevCondLst>
+              <p:nextCondLst>
+                <p:cond evt="onNext" delay="0">
+                  <p:tgtEl>
+                    <p:sldTgt/>
+                  </p:tgtEl>
+                </p:cond>
+              </p:nextCondLst>
+            </p:seq>
+          </p:childTnLst>
+        </p:cTn>
       </p:par>
     </p:tnLst>
+    <p:bldLst>
+      <p:bldP spid="4" grpId="0" build="p"/>
+    </p:bldLst>
   </p:timing>
 </p:sld>
 </file>
@@ -20427,23 +23865,23 @@
           <a:lstStyle/>
           <a:p>
             <a:r>
-              <a:rPr lang="ru-RU" dirty="0" smtClean="0"/>
+              <a:rPr lang="ru-RU" dirty="0"/>
               <a:t>Способы реализации </a:t>
             </a:r>
             <a:r>
-              <a:rPr lang="en-US" dirty="0" err="1" smtClean="0"/>
+              <a:rPr lang="en-US" dirty="0" err="1"/>
               <a:t>GetLineStyle</a:t>
             </a:r>
             <a:r>
-              <a:rPr lang="en-US" dirty="0" smtClean="0"/>
+              <a:rPr lang="en-US" dirty="0"/>
               <a:t>()/</a:t>
             </a:r>
             <a:r>
-              <a:rPr lang="en-US" dirty="0" err="1" smtClean="0"/>
+              <a:rPr lang="en-US" dirty="0" err="1"/>
               <a:t>GetFillStyle</a:t>
             </a:r>
             <a:r>
-              <a:rPr lang="en-US" dirty="0" smtClean="0"/>
+              <a:rPr lang="en-US" dirty="0"/>
               <a:t>()</a:t>
             </a:r>
             <a:endParaRPr lang="ru-RU" dirty="0"/>
@@ -20468,224 +23906,203 @@
           <a:lstStyle/>
           <a:p>
             <a:r>
-              <a:rPr lang="ru-RU" dirty="0" smtClean="0"/>
-              <a:t>Если все фигуры имеют одинаковый стиль, вернуть его, </a:t>
-            </a:r>
-            <a:r>
               <a:rPr lang="ru-RU" dirty="0"/>
-              <a:t>и</a:t>
-            </a:r>
-            <a:r>
-              <a:rPr lang="ru-RU" dirty="0" smtClean="0"/>
-              <a:t>наче</a:t>
-            </a:r>
-            <a:r>
-              <a:rPr lang="en-US" dirty="0" smtClean="0"/>
+              <a:t>Если все фигуры имеют одинаковый стиль, вернуть его, иначе</a:t>
+            </a:r>
+            <a:r>
+              <a:rPr lang="en-US" dirty="0"/>
               <a:t> </a:t>
             </a:r>
             <a:r>
-              <a:rPr lang="ru-RU" dirty="0" smtClean="0"/>
+              <a:rPr lang="ru-RU" dirty="0"/>
               <a:t>вернуть </a:t>
             </a:r>
             <a:r>
-              <a:rPr lang="en-US" dirty="0" smtClean="0"/>
+              <a:rPr lang="en-US" dirty="0"/>
               <a:t>null</a:t>
             </a:r>
           </a:p>
           <a:p>
             <a:pPr lvl="1"/>
             <a:r>
-              <a:rPr lang="ru-RU" dirty="0" smtClean="0"/>
+              <a:rPr lang="ru-RU" dirty="0"/>
               <a:t>В </a:t>
             </a:r>
             <a:r>
-              <a:rPr lang="en-US" dirty="0" smtClean="0"/>
+              <a:rPr lang="en-US" dirty="0"/>
               <a:t>C++:</a:t>
             </a:r>
             <a:r>
-              <a:rPr lang="ru-RU" dirty="0" smtClean="0"/>
+              <a:rPr lang="ru-RU" dirty="0"/>
               <a:t> использовать </a:t>
             </a:r>
             <a:r>
-              <a:rPr lang="en-US" dirty="0" smtClean="0"/>
+              <a:rPr lang="en-US" dirty="0"/>
               <a:t>boost::optional</a:t>
             </a:r>
           </a:p>
           <a:p>
             <a:r>
-              <a:rPr lang="en-US" dirty="0" err="1" smtClean="0"/>
+              <a:rPr lang="en-US" dirty="0" err="1"/>
               <a:t>CGroup</a:t>
             </a:r>
             <a:r>
-              <a:rPr lang="en-US" dirty="0" smtClean="0"/>
+              <a:rPr lang="en-US" dirty="0"/>
               <a:t>::</a:t>
             </a:r>
             <a:r>
-              <a:rPr lang="en-US" dirty="0" err="1" smtClean="0"/>
+              <a:rPr lang="en-US" dirty="0" err="1"/>
               <a:t>GetLineStyle</a:t>
             </a:r>
             <a:r>
-              <a:rPr lang="en-US" dirty="0" smtClean="0"/>
+              <a:rPr lang="en-US" dirty="0"/>
               <a:t> </a:t>
             </a:r>
             <a:r>
-              <a:rPr lang="ru-RU" dirty="0" smtClean="0"/>
+              <a:rPr lang="ru-RU" dirty="0"/>
               <a:t>возвращает интерфейс </a:t>
             </a:r>
             <a:r>
-              <a:rPr lang="en-US" dirty="0" err="1" smtClean="0"/>
+              <a:rPr lang="en-US" dirty="0" err="1"/>
               <a:t>IStyle</a:t>
             </a:r>
-            <a:endParaRPr lang="en-US" dirty="0" smtClean="0"/>
+            <a:endParaRPr lang="en-US" dirty="0"/>
           </a:p>
           <a:p>
             <a:pPr lvl="1"/>
             <a:r>
-              <a:rPr lang="ru-RU" dirty="0" smtClean="0"/>
+              <a:rPr lang="ru-RU" dirty="0"/>
               <a:t>Реализация </a:t>
             </a:r>
             <a:r>
-              <a:rPr lang="en-US" dirty="0" err="1" smtClean="0"/>
+              <a:rPr lang="en-US" dirty="0" err="1"/>
               <a:t>IStyle</a:t>
             </a:r>
             <a:r>
-              <a:rPr lang="en-US" dirty="0" smtClean="0"/>
+              <a:rPr lang="en-US" dirty="0"/>
               <a:t>::</a:t>
             </a:r>
             <a:r>
-              <a:rPr lang="en-US" dirty="0" err="1" smtClean="0"/>
+              <a:rPr lang="en-US" dirty="0" err="1"/>
               <a:t>GetColor</a:t>
             </a:r>
             <a:r>
-              <a:rPr lang="en-US" dirty="0" smtClean="0"/>
+              <a:rPr lang="en-US" dirty="0"/>
               <a:t>() </a:t>
             </a:r>
             <a:r>
-              <a:rPr lang="ru-RU" dirty="0" smtClean="0"/>
+              <a:rPr lang="ru-RU" dirty="0"/>
               <a:t>возвращает </a:t>
             </a:r>
             <a:r>
-              <a:rPr lang="en-US" dirty="0" smtClean="0"/>
+              <a:rPr lang="en-US" dirty="0"/>
               <a:t>optional&lt;</a:t>
             </a:r>
             <a:r>
-              <a:rPr lang="en-US" dirty="0" err="1" smtClean="0"/>
+              <a:rPr lang="en-US" dirty="0" err="1"/>
               <a:t>RGBAColor</a:t>
             </a:r>
             <a:r>
-              <a:rPr lang="en-US" dirty="0" smtClean="0"/>
+              <a:rPr lang="en-US" dirty="0"/>
               <a:t>&gt;</a:t>
             </a:r>
           </a:p>
           <a:p>
             <a:pPr lvl="2"/>
             <a:r>
-              <a:rPr lang="en-US" dirty="0" smtClean="0"/>
+              <a:rPr lang="en-US" dirty="0"/>
               <a:t>none</a:t>
             </a:r>
             <a:r>
-              <a:rPr lang="ru-RU" dirty="0" smtClean="0"/>
+              <a:rPr lang="ru-RU" dirty="0"/>
               <a:t>: цвет линий у фигур внутри группы различается</a:t>
             </a:r>
           </a:p>
           <a:p>
             <a:pPr lvl="2"/>
             <a:r>
-              <a:rPr lang="ru-RU" dirty="0" smtClean="0"/>
+              <a:rPr lang="ru-RU" dirty="0"/>
               <a:t>цвет: цвет линий у фигур внутри группы одинаковый</a:t>
             </a:r>
           </a:p>
           <a:p>
             <a:pPr lvl="2"/>
             <a:r>
-              <a:rPr lang="ru-RU" dirty="0" smtClean="0"/>
+              <a:rPr lang="ru-RU" dirty="0"/>
               <a:t>Альтернативы</a:t>
             </a:r>
           </a:p>
           <a:p>
             <a:pPr lvl="3"/>
             <a:r>
-              <a:rPr lang="ru-RU" dirty="0" smtClean="0"/>
+              <a:rPr lang="ru-RU" dirty="0"/>
               <a:t>Нулевой/ненулевой указатель на цвет</a:t>
             </a:r>
           </a:p>
           <a:p>
             <a:pPr lvl="3"/>
             <a:r>
-              <a:rPr lang="ru-RU" dirty="0" smtClean="0"/>
+              <a:rPr lang="ru-RU" dirty="0"/>
               <a:t>Зарезервированное значение для представления неопределенного цвета</a:t>
             </a:r>
           </a:p>
           <a:p>
             <a:pPr lvl="3"/>
             <a:r>
-              <a:rPr lang="en-US" dirty="0" err="1" smtClean="0"/>
+              <a:rPr lang="en-US" dirty="0" err="1"/>
               <a:t>std</a:t>
             </a:r>
             <a:r>
-              <a:rPr lang="en-US" dirty="0" smtClean="0"/>
-              <a:t>::variant/boost</a:t>
-            </a:r>
-            <a:r>
-              <a:rPr lang="en-US" dirty="0" smtClean="0"/>
-              <a:t>::</a:t>
-            </a:r>
-            <a:r>
-              <a:rPr lang="en-US" dirty="0" smtClean="0"/>
-              <a:t>variant</a:t>
-            </a:r>
-            <a:endParaRPr lang="ru-RU" dirty="0" smtClean="0"/>
+              <a:rPr lang="en-US" dirty="0"/>
+              <a:t>::variant/boost::variant</a:t>
+            </a:r>
+            <a:endParaRPr lang="ru-RU" dirty="0"/>
           </a:p>
           <a:p>
             <a:pPr lvl="3"/>
             <a:r>
-              <a:rPr lang="ru-RU" dirty="0" smtClean="0"/>
+              <a:rPr lang="ru-RU" dirty="0"/>
               <a:t>Методы, вроде </a:t>
             </a:r>
             <a:r>
-              <a:rPr lang="en-US" dirty="0" err="1" smtClean="0"/>
+              <a:rPr lang="en-US" dirty="0" err="1"/>
               <a:t>IsColorInitialized</a:t>
             </a:r>
             <a:r>
-              <a:rPr lang="en-US" dirty="0" smtClean="0"/>
+              <a:rPr lang="en-US" dirty="0"/>
               <a:t>()</a:t>
             </a:r>
           </a:p>
           <a:p>
             <a:pPr lvl="1"/>
             <a:r>
-              <a:rPr lang="ru-RU" dirty="0" smtClean="0"/>
+              <a:rPr lang="ru-RU" dirty="0"/>
               <a:t>Другие методы </a:t>
             </a:r>
             <a:r>
-              <a:rPr lang="en-US" dirty="0" err="1" smtClean="0"/>
+              <a:rPr lang="en-US" dirty="0" err="1"/>
               <a:t>IStyle</a:t>
             </a:r>
             <a:r>
-              <a:rPr lang="en-US" dirty="0" smtClean="0"/>
+              <a:rPr lang="en-US" dirty="0"/>
               <a:t> </a:t>
             </a:r>
             <a:r>
-              <a:rPr lang="ru-RU" dirty="0" smtClean="0"/>
-              <a:t>должны быть аналогичным </a:t>
-            </a:r>
-            <a:r>
-              <a:rPr lang="ru-RU" dirty="0" smtClean="0"/>
-              <a:t>образом</a:t>
-            </a:r>
-            <a:endParaRPr lang="ru-RU" dirty="0" smtClean="0"/>
-          </a:p>
-          <a:p>
-            <a:r>
-              <a:rPr lang="ru-RU" dirty="0" smtClean="0"/>
+              <a:rPr lang="ru-RU" dirty="0"/>
+              <a:t>должны быть аналогичным образом</a:t>
+            </a:r>
+          </a:p>
+          <a:p>
+            <a:r>
+              <a:rPr lang="ru-RU" dirty="0"/>
               <a:t>Аналогично – для </a:t>
             </a:r>
             <a:r>
-              <a:rPr lang="en-US" dirty="0" err="1" smtClean="0"/>
+              <a:rPr lang="en-US" dirty="0" err="1"/>
               <a:t>GetFillStyle</a:t>
             </a:r>
             <a:r>
-              <a:rPr lang="en-US" dirty="0" smtClean="0"/>
+              <a:rPr lang="en-US" dirty="0"/>
               <a:t>()</a:t>
             </a:r>
             <a:endParaRPr lang="ru-RU" dirty="0"/>
@@ -20705,9 +24122,648 @@
   <p:timing>
     <p:tnLst>
       <p:par>
-        <p:cTn id="1" dur="indefinite" restart="never" nodeType="tmRoot"/>
+        <p:cTn id="1" dur="indefinite" restart="never" nodeType="tmRoot">
+          <p:childTnLst>
+            <p:seq concurrent="1" nextAc="seek">
+              <p:cTn id="2" dur="indefinite" nodeType="mainSeq">
+                <p:childTnLst>
+                  <p:par>
+                    <p:cTn id="3" fill="hold">
+                      <p:stCondLst>
+                        <p:cond delay="indefinite"/>
+                      </p:stCondLst>
+                      <p:childTnLst>
+                        <p:par>
+                          <p:cTn id="4" fill="hold">
+                            <p:stCondLst>
+                              <p:cond delay="0"/>
+                            </p:stCondLst>
+                            <p:childTnLst>
+                              <p:par>
+                                <p:cTn id="5" presetID="10" presetClass="entr" presetSubtype="0" fill="hold" grpId="0" nodeType="clickEffect">
+                                  <p:stCondLst>
+                                    <p:cond delay="0"/>
+                                  </p:stCondLst>
+                                  <p:childTnLst>
+                                    <p:set>
+                                      <p:cBhvr>
+                                        <p:cTn id="6" dur="1" fill="hold">
+                                          <p:stCondLst>
+                                            <p:cond delay="0"/>
+                                          </p:stCondLst>
+                                        </p:cTn>
+                                        <p:tgtEl>
+                                          <p:spTgt spid="3">
+                                            <p:txEl>
+                                              <p:pRg st="0" end="0"/>
+                                            </p:txEl>
+                                          </p:spTgt>
+                                        </p:tgtEl>
+                                        <p:attrNameLst>
+                                          <p:attrName>style.visibility</p:attrName>
+                                        </p:attrNameLst>
+                                      </p:cBhvr>
+                                      <p:to>
+                                        <p:strVal val="visible"/>
+                                      </p:to>
+                                    </p:set>
+                                    <p:animEffect transition="in" filter="fade">
+                                      <p:cBhvr>
+                                        <p:cTn id="7" dur="500"/>
+                                        <p:tgtEl>
+                                          <p:spTgt spid="3">
+                                            <p:txEl>
+                                              <p:pRg st="0" end="0"/>
+                                            </p:txEl>
+                                          </p:spTgt>
+                                        </p:tgtEl>
+                                      </p:cBhvr>
+                                    </p:animEffect>
+                                  </p:childTnLst>
+                                </p:cTn>
+                              </p:par>
+                              <p:par>
+                                <p:cTn id="8" presetID="10" presetClass="entr" presetSubtype="0" fill="hold" grpId="0" nodeType="withEffect">
+                                  <p:stCondLst>
+                                    <p:cond delay="0"/>
+                                  </p:stCondLst>
+                                  <p:childTnLst>
+                                    <p:set>
+                                      <p:cBhvr>
+                                        <p:cTn id="9" dur="1" fill="hold">
+                                          <p:stCondLst>
+                                            <p:cond delay="0"/>
+                                          </p:stCondLst>
+                                        </p:cTn>
+                                        <p:tgtEl>
+                                          <p:spTgt spid="3">
+                                            <p:txEl>
+                                              <p:pRg st="1" end="1"/>
+                                            </p:txEl>
+                                          </p:spTgt>
+                                        </p:tgtEl>
+                                        <p:attrNameLst>
+                                          <p:attrName>style.visibility</p:attrName>
+                                        </p:attrNameLst>
+                                      </p:cBhvr>
+                                      <p:to>
+                                        <p:strVal val="visible"/>
+                                      </p:to>
+                                    </p:set>
+                                    <p:animEffect transition="in" filter="fade">
+                                      <p:cBhvr>
+                                        <p:cTn id="10" dur="500"/>
+                                        <p:tgtEl>
+                                          <p:spTgt spid="3">
+                                            <p:txEl>
+                                              <p:pRg st="1" end="1"/>
+                                            </p:txEl>
+                                          </p:spTgt>
+                                        </p:tgtEl>
+                                      </p:cBhvr>
+                                    </p:animEffect>
+                                  </p:childTnLst>
+                                </p:cTn>
+                              </p:par>
+                            </p:childTnLst>
+                          </p:cTn>
+                        </p:par>
+                      </p:childTnLst>
+                    </p:cTn>
+                  </p:par>
+                  <p:par>
+                    <p:cTn id="11" fill="hold">
+                      <p:stCondLst>
+                        <p:cond delay="indefinite"/>
+                      </p:stCondLst>
+                      <p:childTnLst>
+                        <p:par>
+                          <p:cTn id="12" fill="hold">
+                            <p:stCondLst>
+                              <p:cond delay="0"/>
+                            </p:stCondLst>
+                            <p:childTnLst>
+                              <p:par>
+                                <p:cTn id="13" presetID="10" presetClass="entr" presetSubtype="0" fill="hold" grpId="0" nodeType="clickEffect">
+                                  <p:stCondLst>
+                                    <p:cond delay="0"/>
+                                  </p:stCondLst>
+                                  <p:childTnLst>
+                                    <p:set>
+                                      <p:cBhvr>
+                                        <p:cTn id="14" dur="1" fill="hold">
+                                          <p:stCondLst>
+                                            <p:cond delay="0"/>
+                                          </p:stCondLst>
+                                        </p:cTn>
+                                        <p:tgtEl>
+                                          <p:spTgt spid="3">
+                                            <p:txEl>
+                                              <p:pRg st="2" end="2"/>
+                                            </p:txEl>
+                                          </p:spTgt>
+                                        </p:tgtEl>
+                                        <p:attrNameLst>
+                                          <p:attrName>style.visibility</p:attrName>
+                                        </p:attrNameLst>
+                                      </p:cBhvr>
+                                      <p:to>
+                                        <p:strVal val="visible"/>
+                                      </p:to>
+                                    </p:set>
+                                    <p:animEffect transition="in" filter="fade">
+                                      <p:cBhvr>
+                                        <p:cTn id="15" dur="500"/>
+                                        <p:tgtEl>
+                                          <p:spTgt spid="3">
+                                            <p:txEl>
+                                              <p:pRg st="2" end="2"/>
+                                            </p:txEl>
+                                          </p:spTgt>
+                                        </p:tgtEl>
+                                      </p:cBhvr>
+                                    </p:animEffect>
+                                  </p:childTnLst>
+                                </p:cTn>
+                              </p:par>
+                              <p:par>
+                                <p:cTn id="16" presetID="10" presetClass="entr" presetSubtype="0" fill="hold" grpId="0" nodeType="withEffect">
+                                  <p:stCondLst>
+                                    <p:cond delay="0"/>
+                                  </p:stCondLst>
+                                  <p:childTnLst>
+                                    <p:set>
+                                      <p:cBhvr>
+                                        <p:cTn id="17" dur="1" fill="hold">
+                                          <p:stCondLst>
+                                            <p:cond delay="0"/>
+                                          </p:stCondLst>
+                                        </p:cTn>
+                                        <p:tgtEl>
+                                          <p:spTgt spid="3">
+                                            <p:txEl>
+                                              <p:pRg st="3" end="3"/>
+                                            </p:txEl>
+                                          </p:spTgt>
+                                        </p:tgtEl>
+                                        <p:attrNameLst>
+                                          <p:attrName>style.visibility</p:attrName>
+                                        </p:attrNameLst>
+                                      </p:cBhvr>
+                                      <p:to>
+                                        <p:strVal val="visible"/>
+                                      </p:to>
+                                    </p:set>
+                                    <p:animEffect transition="in" filter="fade">
+                                      <p:cBhvr>
+                                        <p:cTn id="18" dur="500"/>
+                                        <p:tgtEl>
+                                          <p:spTgt spid="3">
+                                            <p:txEl>
+                                              <p:pRg st="3" end="3"/>
+                                            </p:txEl>
+                                          </p:spTgt>
+                                        </p:tgtEl>
+                                      </p:cBhvr>
+                                    </p:animEffect>
+                                  </p:childTnLst>
+                                </p:cTn>
+                              </p:par>
+                              <p:par>
+                                <p:cTn id="19" presetID="10" presetClass="entr" presetSubtype="0" fill="hold" grpId="0" nodeType="withEffect">
+                                  <p:stCondLst>
+                                    <p:cond delay="0"/>
+                                  </p:stCondLst>
+                                  <p:childTnLst>
+                                    <p:set>
+                                      <p:cBhvr>
+                                        <p:cTn id="20" dur="1" fill="hold">
+                                          <p:stCondLst>
+                                            <p:cond delay="0"/>
+                                          </p:stCondLst>
+                                        </p:cTn>
+                                        <p:tgtEl>
+                                          <p:spTgt spid="3">
+                                            <p:txEl>
+                                              <p:pRg st="4" end="4"/>
+                                            </p:txEl>
+                                          </p:spTgt>
+                                        </p:tgtEl>
+                                        <p:attrNameLst>
+                                          <p:attrName>style.visibility</p:attrName>
+                                        </p:attrNameLst>
+                                      </p:cBhvr>
+                                      <p:to>
+                                        <p:strVal val="visible"/>
+                                      </p:to>
+                                    </p:set>
+                                    <p:animEffect transition="in" filter="fade">
+                                      <p:cBhvr>
+                                        <p:cTn id="21" dur="500"/>
+                                        <p:tgtEl>
+                                          <p:spTgt spid="3">
+                                            <p:txEl>
+                                              <p:pRg st="4" end="4"/>
+                                            </p:txEl>
+                                          </p:spTgt>
+                                        </p:tgtEl>
+                                      </p:cBhvr>
+                                    </p:animEffect>
+                                  </p:childTnLst>
+                                </p:cTn>
+                              </p:par>
+                              <p:par>
+                                <p:cTn id="22" presetID="10" presetClass="entr" presetSubtype="0" fill="hold" grpId="0" nodeType="withEffect">
+                                  <p:stCondLst>
+                                    <p:cond delay="0"/>
+                                  </p:stCondLst>
+                                  <p:childTnLst>
+                                    <p:set>
+                                      <p:cBhvr>
+                                        <p:cTn id="23" dur="1" fill="hold">
+                                          <p:stCondLst>
+                                            <p:cond delay="0"/>
+                                          </p:stCondLst>
+                                        </p:cTn>
+                                        <p:tgtEl>
+                                          <p:spTgt spid="3">
+                                            <p:txEl>
+                                              <p:pRg st="5" end="5"/>
+                                            </p:txEl>
+                                          </p:spTgt>
+                                        </p:tgtEl>
+                                        <p:attrNameLst>
+                                          <p:attrName>style.visibility</p:attrName>
+                                        </p:attrNameLst>
+                                      </p:cBhvr>
+                                      <p:to>
+                                        <p:strVal val="visible"/>
+                                      </p:to>
+                                    </p:set>
+                                    <p:animEffect transition="in" filter="fade">
+                                      <p:cBhvr>
+                                        <p:cTn id="24" dur="500"/>
+                                        <p:tgtEl>
+                                          <p:spTgt spid="3">
+                                            <p:txEl>
+                                              <p:pRg st="5" end="5"/>
+                                            </p:txEl>
+                                          </p:spTgt>
+                                        </p:tgtEl>
+                                      </p:cBhvr>
+                                    </p:animEffect>
+                                  </p:childTnLst>
+                                </p:cTn>
+                              </p:par>
+                              <p:par>
+                                <p:cTn id="25" presetID="10" presetClass="entr" presetSubtype="0" fill="hold" grpId="0" nodeType="withEffect">
+                                  <p:stCondLst>
+                                    <p:cond delay="0"/>
+                                  </p:stCondLst>
+                                  <p:childTnLst>
+                                    <p:set>
+                                      <p:cBhvr>
+                                        <p:cTn id="26" dur="1" fill="hold">
+                                          <p:stCondLst>
+                                            <p:cond delay="0"/>
+                                          </p:stCondLst>
+                                        </p:cTn>
+                                        <p:tgtEl>
+                                          <p:spTgt spid="3">
+                                            <p:txEl>
+                                              <p:pRg st="6" end="6"/>
+                                            </p:txEl>
+                                          </p:spTgt>
+                                        </p:tgtEl>
+                                        <p:attrNameLst>
+                                          <p:attrName>style.visibility</p:attrName>
+                                        </p:attrNameLst>
+                                      </p:cBhvr>
+                                      <p:to>
+                                        <p:strVal val="visible"/>
+                                      </p:to>
+                                    </p:set>
+                                    <p:animEffect transition="in" filter="fade">
+                                      <p:cBhvr>
+                                        <p:cTn id="27" dur="500"/>
+                                        <p:tgtEl>
+                                          <p:spTgt spid="3">
+                                            <p:txEl>
+                                              <p:pRg st="6" end="6"/>
+                                            </p:txEl>
+                                          </p:spTgt>
+                                        </p:tgtEl>
+                                      </p:cBhvr>
+                                    </p:animEffect>
+                                  </p:childTnLst>
+                                </p:cTn>
+                              </p:par>
+                              <p:par>
+                                <p:cTn id="28" presetID="10" presetClass="entr" presetSubtype="0" fill="hold" grpId="0" nodeType="withEffect">
+                                  <p:stCondLst>
+                                    <p:cond delay="0"/>
+                                  </p:stCondLst>
+                                  <p:childTnLst>
+                                    <p:set>
+                                      <p:cBhvr>
+                                        <p:cTn id="29" dur="1" fill="hold">
+                                          <p:stCondLst>
+                                            <p:cond delay="0"/>
+                                          </p:stCondLst>
+                                        </p:cTn>
+                                        <p:tgtEl>
+                                          <p:spTgt spid="3">
+                                            <p:txEl>
+                                              <p:pRg st="7" end="7"/>
+                                            </p:txEl>
+                                          </p:spTgt>
+                                        </p:tgtEl>
+                                        <p:attrNameLst>
+                                          <p:attrName>style.visibility</p:attrName>
+                                        </p:attrNameLst>
+                                      </p:cBhvr>
+                                      <p:to>
+                                        <p:strVal val="visible"/>
+                                      </p:to>
+                                    </p:set>
+                                    <p:animEffect transition="in" filter="fade">
+                                      <p:cBhvr>
+                                        <p:cTn id="30" dur="500"/>
+                                        <p:tgtEl>
+                                          <p:spTgt spid="3">
+                                            <p:txEl>
+                                              <p:pRg st="7" end="7"/>
+                                            </p:txEl>
+                                          </p:spTgt>
+                                        </p:tgtEl>
+                                      </p:cBhvr>
+                                    </p:animEffect>
+                                  </p:childTnLst>
+                                </p:cTn>
+                              </p:par>
+                              <p:par>
+                                <p:cTn id="31" presetID="10" presetClass="entr" presetSubtype="0" fill="hold" grpId="0" nodeType="withEffect">
+                                  <p:stCondLst>
+                                    <p:cond delay="0"/>
+                                  </p:stCondLst>
+                                  <p:childTnLst>
+                                    <p:set>
+                                      <p:cBhvr>
+                                        <p:cTn id="32" dur="1" fill="hold">
+                                          <p:stCondLst>
+                                            <p:cond delay="0"/>
+                                          </p:stCondLst>
+                                        </p:cTn>
+                                        <p:tgtEl>
+                                          <p:spTgt spid="3">
+                                            <p:txEl>
+                                              <p:pRg st="8" end="8"/>
+                                            </p:txEl>
+                                          </p:spTgt>
+                                        </p:tgtEl>
+                                        <p:attrNameLst>
+                                          <p:attrName>style.visibility</p:attrName>
+                                        </p:attrNameLst>
+                                      </p:cBhvr>
+                                      <p:to>
+                                        <p:strVal val="visible"/>
+                                      </p:to>
+                                    </p:set>
+                                    <p:animEffect transition="in" filter="fade">
+                                      <p:cBhvr>
+                                        <p:cTn id="33" dur="500"/>
+                                        <p:tgtEl>
+                                          <p:spTgt spid="3">
+                                            <p:txEl>
+                                              <p:pRg st="8" end="8"/>
+                                            </p:txEl>
+                                          </p:spTgt>
+                                        </p:tgtEl>
+                                      </p:cBhvr>
+                                    </p:animEffect>
+                                  </p:childTnLst>
+                                </p:cTn>
+                              </p:par>
+                              <p:par>
+                                <p:cTn id="34" presetID="10" presetClass="entr" presetSubtype="0" fill="hold" grpId="0" nodeType="withEffect">
+                                  <p:stCondLst>
+                                    <p:cond delay="0"/>
+                                  </p:stCondLst>
+                                  <p:childTnLst>
+                                    <p:set>
+                                      <p:cBhvr>
+                                        <p:cTn id="35" dur="1" fill="hold">
+                                          <p:stCondLst>
+                                            <p:cond delay="0"/>
+                                          </p:stCondLst>
+                                        </p:cTn>
+                                        <p:tgtEl>
+                                          <p:spTgt spid="3">
+                                            <p:txEl>
+                                              <p:pRg st="9" end="9"/>
+                                            </p:txEl>
+                                          </p:spTgt>
+                                        </p:tgtEl>
+                                        <p:attrNameLst>
+                                          <p:attrName>style.visibility</p:attrName>
+                                        </p:attrNameLst>
+                                      </p:cBhvr>
+                                      <p:to>
+                                        <p:strVal val="visible"/>
+                                      </p:to>
+                                    </p:set>
+                                    <p:animEffect transition="in" filter="fade">
+                                      <p:cBhvr>
+                                        <p:cTn id="36" dur="500"/>
+                                        <p:tgtEl>
+                                          <p:spTgt spid="3">
+                                            <p:txEl>
+                                              <p:pRg st="9" end="9"/>
+                                            </p:txEl>
+                                          </p:spTgt>
+                                        </p:tgtEl>
+                                      </p:cBhvr>
+                                    </p:animEffect>
+                                  </p:childTnLst>
+                                </p:cTn>
+                              </p:par>
+                              <p:par>
+                                <p:cTn id="37" presetID="10" presetClass="entr" presetSubtype="0" fill="hold" grpId="0" nodeType="withEffect">
+                                  <p:stCondLst>
+                                    <p:cond delay="0"/>
+                                  </p:stCondLst>
+                                  <p:childTnLst>
+                                    <p:set>
+                                      <p:cBhvr>
+                                        <p:cTn id="38" dur="1" fill="hold">
+                                          <p:stCondLst>
+                                            <p:cond delay="0"/>
+                                          </p:stCondLst>
+                                        </p:cTn>
+                                        <p:tgtEl>
+                                          <p:spTgt spid="3">
+                                            <p:txEl>
+                                              <p:pRg st="10" end="10"/>
+                                            </p:txEl>
+                                          </p:spTgt>
+                                        </p:tgtEl>
+                                        <p:attrNameLst>
+                                          <p:attrName>style.visibility</p:attrName>
+                                        </p:attrNameLst>
+                                      </p:cBhvr>
+                                      <p:to>
+                                        <p:strVal val="visible"/>
+                                      </p:to>
+                                    </p:set>
+                                    <p:animEffect transition="in" filter="fade">
+                                      <p:cBhvr>
+                                        <p:cTn id="39" dur="500"/>
+                                        <p:tgtEl>
+                                          <p:spTgt spid="3">
+                                            <p:txEl>
+                                              <p:pRg st="10" end="10"/>
+                                            </p:txEl>
+                                          </p:spTgt>
+                                        </p:tgtEl>
+                                      </p:cBhvr>
+                                    </p:animEffect>
+                                  </p:childTnLst>
+                                </p:cTn>
+                              </p:par>
+                              <p:par>
+                                <p:cTn id="40" presetID="10" presetClass="entr" presetSubtype="0" fill="hold" grpId="0" nodeType="withEffect">
+                                  <p:stCondLst>
+                                    <p:cond delay="0"/>
+                                  </p:stCondLst>
+                                  <p:childTnLst>
+                                    <p:set>
+                                      <p:cBhvr>
+                                        <p:cTn id="41" dur="1" fill="hold">
+                                          <p:stCondLst>
+                                            <p:cond delay="0"/>
+                                          </p:stCondLst>
+                                        </p:cTn>
+                                        <p:tgtEl>
+                                          <p:spTgt spid="3">
+                                            <p:txEl>
+                                              <p:pRg st="11" end="11"/>
+                                            </p:txEl>
+                                          </p:spTgt>
+                                        </p:tgtEl>
+                                        <p:attrNameLst>
+                                          <p:attrName>style.visibility</p:attrName>
+                                        </p:attrNameLst>
+                                      </p:cBhvr>
+                                      <p:to>
+                                        <p:strVal val="visible"/>
+                                      </p:to>
+                                    </p:set>
+                                    <p:animEffect transition="in" filter="fade">
+                                      <p:cBhvr>
+                                        <p:cTn id="42" dur="500"/>
+                                        <p:tgtEl>
+                                          <p:spTgt spid="3">
+                                            <p:txEl>
+                                              <p:pRg st="11" end="11"/>
+                                            </p:txEl>
+                                          </p:spTgt>
+                                        </p:tgtEl>
+                                      </p:cBhvr>
+                                    </p:animEffect>
+                                  </p:childTnLst>
+                                </p:cTn>
+                              </p:par>
+                            </p:childTnLst>
+                          </p:cTn>
+                        </p:par>
+                      </p:childTnLst>
+                    </p:cTn>
+                  </p:par>
+                  <p:par>
+                    <p:cTn id="43" fill="hold">
+                      <p:stCondLst>
+                        <p:cond delay="indefinite"/>
+                      </p:stCondLst>
+                      <p:childTnLst>
+                        <p:par>
+                          <p:cTn id="44" fill="hold">
+                            <p:stCondLst>
+                              <p:cond delay="0"/>
+                            </p:stCondLst>
+                            <p:childTnLst>
+                              <p:par>
+                                <p:cTn id="45" presetID="10" presetClass="entr" presetSubtype="0" fill="hold" grpId="0" nodeType="clickEffect">
+                                  <p:stCondLst>
+                                    <p:cond delay="0"/>
+                                  </p:stCondLst>
+                                  <p:childTnLst>
+                                    <p:set>
+                                      <p:cBhvr>
+                                        <p:cTn id="46" dur="1" fill="hold">
+                                          <p:stCondLst>
+                                            <p:cond delay="0"/>
+                                          </p:stCondLst>
+                                        </p:cTn>
+                                        <p:tgtEl>
+                                          <p:spTgt spid="3">
+                                            <p:txEl>
+                                              <p:pRg st="12" end="12"/>
+                                            </p:txEl>
+                                          </p:spTgt>
+                                        </p:tgtEl>
+                                        <p:attrNameLst>
+                                          <p:attrName>style.visibility</p:attrName>
+                                        </p:attrNameLst>
+                                      </p:cBhvr>
+                                      <p:to>
+                                        <p:strVal val="visible"/>
+                                      </p:to>
+                                    </p:set>
+                                    <p:animEffect transition="in" filter="fade">
+                                      <p:cBhvr>
+                                        <p:cTn id="47" dur="500"/>
+                                        <p:tgtEl>
+                                          <p:spTgt spid="3">
+                                            <p:txEl>
+                                              <p:pRg st="12" end="12"/>
+                                            </p:txEl>
+                                          </p:spTgt>
+                                        </p:tgtEl>
+                                      </p:cBhvr>
+                                    </p:animEffect>
+                                  </p:childTnLst>
+                                </p:cTn>
+                              </p:par>
+                            </p:childTnLst>
+                          </p:cTn>
+                        </p:par>
+                      </p:childTnLst>
+                    </p:cTn>
+                  </p:par>
+                </p:childTnLst>
+              </p:cTn>
+              <p:prevCondLst>
+                <p:cond evt="onPrev" delay="0">
+                  <p:tgtEl>
+                    <p:sldTgt/>
+                  </p:tgtEl>
+                </p:cond>
+              </p:prevCondLst>
+              <p:nextCondLst>
+                <p:cond evt="onNext" delay="0">
+                  <p:tgtEl>
+                    <p:sldTgt/>
+                  </p:tgtEl>
+                </p:cond>
+              </p:nextCondLst>
+            </p:seq>
+          </p:childTnLst>
+        </p:cTn>
       </p:par>
     </p:tnLst>
+    <p:bldLst>
+      <p:bldP spid="3" grpId="0" build="p"/>
+    </p:bldLst>
   </p:timing>
 </p:sld>
 </file>
@@ -20747,23 +24803,23 @@
           <a:lstStyle/>
           <a:p>
             <a:r>
-              <a:rPr lang="ru-RU" dirty="0" smtClean="0"/>
+              <a:rPr lang="ru-RU" dirty="0"/>
               <a:t>Способы реализации </a:t>
             </a:r>
             <a:r>
-              <a:rPr lang="en-US" dirty="0" err="1" smtClean="0"/>
+              <a:rPr lang="en-US" dirty="0" err="1"/>
               <a:t>SetFillStyle</a:t>
             </a:r>
             <a:r>
-              <a:rPr lang="en-US" dirty="0" smtClean="0"/>
+              <a:rPr lang="en-US" dirty="0"/>
               <a:t>()/</a:t>
             </a:r>
             <a:r>
-              <a:rPr lang="en-US" dirty="0" err="1" smtClean="0"/>
+              <a:rPr lang="en-US" dirty="0" err="1"/>
               <a:t>SetLineStyle</a:t>
             </a:r>
             <a:r>
-              <a:rPr lang="en-US" dirty="0" smtClean="0"/>
+              <a:rPr lang="en-US" dirty="0"/>
               <a:t>()</a:t>
             </a:r>
             <a:endParaRPr lang="ru-RU" dirty="0"/>
@@ -20788,56 +24844,52 @@
           <a:lstStyle/>
           <a:p>
             <a:r>
-              <a:rPr lang="ru-RU" dirty="0" smtClean="0"/>
+              <a:rPr lang="ru-RU" dirty="0"/>
               <a:t>Заменить стиль заливки/линий фигур внутри группы</a:t>
             </a:r>
-            <a:endParaRPr lang="en-US" dirty="0" smtClean="0"/>
+            <a:endParaRPr lang="en-US" dirty="0"/>
           </a:p>
           <a:p>
             <a:pPr lvl="1"/>
             <a:r>
-              <a:rPr lang="ru-RU" dirty="0" smtClean="0"/>
+              <a:rPr lang="ru-RU" dirty="0"/>
               <a:t>Минусы – заменяет стиль целиком, а не его часть</a:t>
             </a:r>
           </a:p>
           <a:p>
             <a:r>
-              <a:rPr lang="ru-RU" dirty="0" smtClean="0"/>
+              <a:rPr lang="ru-RU" dirty="0"/>
               <a:t>Отказаться от </a:t>
             </a:r>
             <a:r>
-              <a:rPr lang="en-US" dirty="0" smtClean="0"/>
+              <a:rPr lang="en-US" dirty="0"/>
               <a:t>Set*Style</a:t>
             </a:r>
             <a:r>
-              <a:rPr lang="ru-RU" dirty="0" smtClean="0"/>
+              <a:rPr lang="ru-RU" dirty="0"/>
               <a:t>, использовать для этих целей </a:t>
             </a:r>
             <a:r>
-              <a:rPr lang="en-US" dirty="0" smtClean="0"/>
+              <a:rPr lang="en-US" dirty="0"/>
               <a:t>setter-</a:t>
             </a:r>
             <a:r>
-              <a:rPr lang="ru-RU" dirty="0" smtClean="0"/>
+              <a:rPr lang="ru-RU" dirty="0"/>
               <a:t>ы полученного у фигуры </a:t>
             </a:r>
             <a:r>
-              <a:rPr lang="en-US" dirty="0" err="1" smtClean="0"/>
+              <a:rPr lang="en-US" dirty="0" err="1"/>
               <a:t>IStyle</a:t>
             </a:r>
-            <a:endParaRPr lang="ru-RU" dirty="0" smtClean="0"/>
+            <a:endParaRPr lang="ru-RU" dirty="0"/>
           </a:p>
           <a:p>
             <a:pPr lvl="1"/>
             <a:r>
-              <a:rPr lang="ru-RU" dirty="0" smtClean="0"/>
-              <a:t>Позволяет более точно управлять компонентами стилей – цвет, толщина линий, включение/отключение </a:t>
-            </a:r>
-            <a:r>
-              <a:rPr lang="ru-RU" dirty="0" smtClean="0"/>
-              <a:t>заливки</a:t>
-            </a:r>
-            <a:endParaRPr lang="en-US" dirty="0" smtClean="0"/>
+              <a:rPr lang="ru-RU" dirty="0"/>
+              <a:t>Позволяет более точно управлять компонентами стилей – цвет, толщина линий, включение/отключение заливки</a:t>
+            </a:r>
+            <a:endParaRPr lang="en-US" dirty="0"/>
           </a:p>
         </p:txBody>
       </p:sp>
@@ -20854,9 +24906,243 @@
   <p:timing>
     <p:tnLst>
       <p:par>
-        <p:cTn id="1" dur="indefinite" restart="never" nodeType="tmRoot"/>
+        <p:cTn id="1" dur="indefinite" restart="never" nodeType="tmRoot">
+          <p:childTnLst>
+            <p:seq concurrent="1" nextAc="seek">
+              <p:cTn id="2" dur="indefinite" nodeType="mainSeq">
+                <p:childTnLst>
+                  <p:par>
+                    <p:cTn id="3" fill="hold">
+                      <p:stCondLst>
+                        <p:cond delay="indefinite"/>
+                      </p:stCondLst>
+                      <p:childTnLst>
+                        <p:par>
+                          <p:cTn id="4" fill="hold">
+                            <p:stCondLst>
+                              <p:cond delay="0"/>
+                            </p:stCondLst>
+                            <p:childTnLst>
+                              <p:par>
+                                <p:cTn id="5" presetID="10" presetClass="entr" presetSubtype="0" fill="hold" grpId="0" nodeType="clickEffect">
+                                  <p:stCondLst>
+                                    <p:cond delay="0"/>
+                                  </p:stCondLst>
+                                  <p:childTnLst>
+                                    <p:set>
+                                      <p:cBhvr>
+                                        <p:cTn id="6" dur="1" fill="hold">
+                                          <p:stCondLst>
+                                            <p:cond delay="0"/>
+                                          </p:stCondLst>
+                                        </p:cTn>
+                                        <p:tgtEl>
+                                          <p:spTgt spid="3">
+                                            <p:txEl>
+                                              <p:pRg st="0" end="0"/>
+                                            </p:txEl>
+                                          </p:spTgt>
+                                        </p:tgtEl>
+                                        <p:attrNameLst>
+                                          <p:attrName>style.visibility</p:attrName>
+                                        </p:attrNameLst>
+                                      </p:cBhvr>
+                                      <p:to>
+                                        <p:strVal val="visible"/>
+                                      </p:to>
+                                    </p:set>
+                                    <p:animEffect transition="in" filter="fade">
+                                      <p:cBhvr>
+                                        <p:cTn id="7" dur="500"/>
+                                        <p:tgtEl>
+                                          <p:spTgt spid="3">
+                                            <p:txEl>
+                                              <p:pRg st="0" end="0"/>
+                                            </p:txEl>
+                                          </p:spTgt>
+                                        </p:tgtEl>
+                                      </p:cBhvr>
+                                    </p:animEffect>
+                                  </p:childTnLst>
+                                </p:cTn>
+                              </p:par>
+                              <p:par>
+                                <p:cTn id="8" presetID="10" presetClass="entr" presetSubtype="0" fill="hold" grpId="0" nodeType="withEffect">
+                                  <p:stCondLst>
+                                    <p:cond delay="0"/>
+                                  </p:stCondLst>
+                                  <p:childTnLst>
+                                    <p:set>
+                                      <p:cBhvr>
+                                        <p:cTn id="9" dur="1" fill="hold">
+                                          <p:stCondLst>
+                                            <p:cond delay="0"/>
+                                          </p:stCondLst>
+                                        </p:cTn>
+                                        <p:tgtEl>
+                                          <p:spTgt spid="3">
+                                            <p:txEl>
+                                              <p:pRg st="1" end="1"/>
+                                            </p:txEl>
+                                          </p:spTgt>
+                                        </p:tgtEl>
+                                        <p:attrNameLst>
+                                          <p:attrName>style.visibility</p:attrName>
+                                        </p:attrNameLst>
+                                      </p:cBhvr>
+                                      <p:to>
+                                        <p:strVal val="visible"/>
+                                      </p:to>
+                                    </p:set>
+                                    <p:animEffect transition="in" filter="fade">
+                                      <p:cBhvr>
+                                        <p:cTn id="10" dur="500"/>
+                                        <p:tgtEl>
+                                          <p:spTgt spid="3">
+                                            <p:txEl>
+                                              <p:pRg st="1" end="1"/>
+                                            </p:txEl>
+                                          </p:spTgt>
+                                        </p:tgtEl>
+                                      </p:cBhvr>
+                                    </p:animEffect>
+                                  </p:childTnLst>
+                                </p:cTn>
+                              </p:par>
+                            </p:childTnLst>
+                          </p:cTn>
+                        </p:par>
+                      </p:childTnLst>
+                    </p:cTn>
+                  </p:par>
+                  <p:par>
+                    <p:cTn id="11" fill="hold">
+                      <p:stCondLst>
+                        <p:cond delay="indefinite"/>
+                      </p:stCondLst>
+                      <p:childTnLst>
+                        <p:par>
+                          <p:cTn id="12" fill="hold">
+                            <p:stCondLst>
+                              <p:cond delay="0"/>
+                            </p:stCondLst>
+                            <p:childTnLst>
+                              <p:par>
+                                <p:cTn id="13" presetID="10" presetClass="entr" presetSubtype="0" fill="hold" grpId="0" nodeType="clickEffect">
+                                  <p:stCondLst>
+                                    <p:cond delay="0"/>
+                                  </p:stCondLst>
+                                  <p:childTnLst>
+                                    <p:set>
+                                      <p:cBhvr>
+                                        <p:cTn id="14" dur="1" fill="hold">
+                                          <p:stCondLst>
+                                            <p:cond delay="0"/>
+                                          </p:stCondLst>
+                                        </p:cTn>
+                                        <p:tgtEl>
+                                          <p:spTgt spid="3">
+                                            <p:txEl>
+                                              <p:pRg st="2" end="2"/>
+                                            </p:txEl>
+                                          </p:spTgt>
+                                        </p:tgtEl>
+                                        <p:attrNameLst>
+                                          <p:attrName>style.visibility</p:attrName>
+                                        </p:attrNameLst>
+                                      </p:cBhvr>
+                                      <p:to>
+                                        <p:strVal val="visible"/>
+                                      </p:to>
+                                    </p:set>
+                                    <p:animEffect transition="in" filter="fade">
+                                      <p:cBhvr>
+                                        <p:cTn id="15" dur="500"/>
+                                        <p:tgtEl>
+                                          <p:spTgt spid="3">
+                                            <p:txEl>
+                                              <p:pRg st="2" end="2"/>
+                                            </p:txEl>
+                                          </p:spTgt>
+                                        </p:tgtEl>
+                                      </p:cBhvr>
+                                    </p:animEffect>
+                                  </p:childTnLst>
+                                </p:cTn>
+                              </p:par>
+                              <p:par>
+                                <p:cTn id="16" presetID="10" presetClass="entr" presetSubtype="0" fill="hold" grpId="0" nodeType="withEffect">
+                                  <p:stCondLst>
+                                    <p:cond delay="0"/>
+                                  </p:stCondLst>
+                                  <p:childTnLst>
+                                    <p:set>
+                                      <p:cBhvr>
+                                        <p:cTn id="17" dur="1" fill="hold">
+                                          <p:stCondLst>
+                                            <p:cond delay="0"/>
+                                          </p:stCondLst>
+                                        </p:cTn>
+                                        <p:tgtEl>
+                                          <p:spTgt spid="3">
+                                            <p:txEl>
+                                              <p:pRg st="3" end="3"/>
+                                            </p:txEl>
+                                          </p:spTgt>
+                                        </p:tgtEl>
+                                        <p:attrNameLst>
+                                          <p:attrName>style.visibility</p:attrName>
+                                        </p:attrNameLst>
+                                      </p:cBhvr>
+                                      <p:to>
+                                        <p:strVal val="visible"/>
+                                      </p:to>
+                                    </p:set>
+                                    <p:animEffect transition="in" filter="fade">
+                                      <p:cBhvr>
+                                        <p:cTn id="18" dur="500"/>
+                                        <p:tgtEl>
+                                          <p:spTgt spid="3">
+                                            <p:txEl>
+                                              <p:pRg st="3" end="3"/>
+                                            </p:txEl>
+                                          </p:spTgt>
+                                        </p:tgtEl>
+                                      </p:cBhvr>
+                                    </p:animEffect>
+                                  </p:childTnLst>
+                                </p:cTn>
+                              </p:par>
+                            </p:childTnLst>
+                          </p:cTn>
+                        </p:par>
+                      </p:childTnLst>
+                    </p:cTn>
+                  </p:par>
+                </p:childTnLst>
+              </p:cTn>
+              <p:prevCondLst>
+                <p:cond evt="onPrev" delay="0">
+                  <p:tgtEl>
+                    <p:sldTgt/>
+                  </p:tgtEl>
+                </p:cond>
+              </p:prevCondLst>
+              <p:nextCondLst>
+                <p:cond evt="onNext" delay="0">
+                  <p:tgtEl>
+                    <p:sldTgt/>
+                  </p:tgtEl>
+                </p:cond>
+              </p:nextCondLst>
+            </p:seq>
+          </p:childTnLst>
+        </p:cTn>
       </p:par>
     </p:tnLst>
+    <p:bldLst>
+      <p:bldP spid="3" grpId="0" build="p"/>
+    </p:bldLst>
   </p:timing>
 </p:sld>
 </file>
@@ -20896,10 +25182,9 @@
           <a:lstStyle/>
           <a:p>
             <a:r>
-              <a:rPr lang="ru-RU" dirty="0" smtClean="0"/>
+              <a:rPr lang="ru-RU" dirty="0"/>
               <a:t>Не все так просто</a:t>
             </a:r>
-            <a:endParaRPr lang="ru-RU" dirty="0"/>
           </a:p>
         </p:txBody>
       </p:sp>
@@ -20916,59 +25201,54 @@
         <p:spPr/>
         <p:txBody>
           <a:bodyPr>
-            <a:normAutofit fontScale="92500"/>
+            <a:normAutofit fontScale="92500" lnSpcReduction="20000"/>
           </a:bodyPr>
           <a:lstStyle/>
           <a:p>
             <a:r>
-              <a:rPr lang="ru-RU" dirty="0" smtClean="0"/>
+              <a:rPr lang="ru-RU" dirty="0"/>
               <a:t>Некоторые операции могут потребовать хранения доп. информации в самой группе</a:t>
             </a:r>
           </a:p>
           <a:p>
+            <a:r>
+              <a:rPr lang="ru-RU" dirty="0"/>
+              <a:t>Вращение группы</a:t>
+            </a:r>
+          </a:p>
+          <a:p>
             <a:pPr lvl="1"/>
             <a:r>
-              <a:rPr lang="ru-RU" dirty="0" smtClean="0"/>
-              <a:t>Вращение группы</a:t>
-            </a:r>
+              <a:rPr lang="ru-RU" dirty="0"/>
+              <a:t>Группа хранит угол поворота, не изменяя угол поворота и координаты фигур внутри себя</a:t>
+            </a:r>
+          </a:p>
+          <a:p>
+            <a:pPr lvl="1"/>
+            <a:r>
+              <a:rPr lang="ru-RU" dirty="0"/>
+              <a:t>Перед рисованием своих фигур группа может настроить необходимые геометрические преобразования в </a:t>
+            </a:r>
+            <a:r>
+              <a:rPr lang="en-US" dirty="0"/>
+              <a:t>canvas</a:t>
+            </a:r>
+            <a:endParaRPr lang="ru-RU" dirty="0"/>
           </a:p>
           <a:p>
             <a:pPr lvl="2"/>
             <a:r>
-              <a:rPr lang="ru-RU" dirty="0" smtClean="0"/>
-              <a:t>Группа хранит угол поворота, не изменяя угол поворота и координаты фигур внутри себя</a:t>
-            </a:r>
-          </a:p>
-          <a:p>
-            <a:pPr lvl="2"/>
-            <a:r>
-              <a:rPr lang="ru-RU" dirty="0" smtClean="0"/>
-              <a:t>Перед рисованием своих фигур группа может настроить необходимые геометрические преобразования в </a:t>
-            </a:r>
-            <a:r>
-              <a:rPr lang="en-US" dirty="0" smtClean="0"/>
-              <a:t>canvas</a:t>
-            </a:r>
-            <a:endParaRPr lang="ru-RU" dirty="0" smtClean="0"/>
-          </a:p>
-          <a:p>
-            <a:pPr lvl="3"/>
-            <a:r>
-              <a:rPr lang="ru-RU" dirty="0" smtClean="0"/>
+              <a:rPr lang="ru-RU" dirty="0"/>
               <a:t>Альтернатива – дочерние элементы запрашивают базовую трансформацию о своего родителя</a:t>
             </a:r>
           </a:p>
           <a:p>
-            <a:pPr lvl="2"/>
-            <a:r>
-              <a:rPr lang="ru-RU" dirty="0" smtClean="0"/>
-              <a:t>При разгруппировании фигура пересчитывает координаты фигур, чтобы они заняли нужное положение </a:t>
-            </a:r>
-            <a:r>
-              <a:rPr lang="ru-RU" smtClean="0"/>
-              <a:t>на слайде</a:t>
-            </a:r>
-            <a:endParaRPr lang="en-US" dirty="0" smtClean="0"/>
+            <a:pPr lvl="1"/>
+            <a:r>
+              <a:rPr lang="ru-RU" dirty="0"/>
+              <a:t>При разгруппировании фигура пересчитывает координаты фигур, чтобы они заняли нужное положение на слайде</a:t>
+            </a:r>
+            <a:endParaRPr lang="en-US" dirty="0"/>
           </a:p>
           <a:p>
             <a:pPr lvl="2"/>
@@ -20989,10 +25269,413 @@
   <p:timing>
     <p:tnLst>
       <p:par>
-        <p:cTn id="1" dur="indefinite" restart="never" nodeType="tmRoot"/>
+        <p:cTn id="1" dur="indefinite" restart="never" nodeType="tmRoot">
+          <p:childTnLst>
+            <p:seq concurrent="1" nextAc="seek">
+              <p:cTn id="2" dur="indefinite" nodeType="mainSeq">
+                <p:childTnLst>
+                  <p:par>
+                    <p:cTn id="3" fill="hold">
+                      <p:stCondLst>
+                        <p:cond delay="indefinite"/>
+                      </p:stCondLst>
+                      <p:childTnLst>
+                        <p:par>
+                          <p:cTn id="4" fill="hold">
+                            <p:stCondLst>
+                              <p:cond delay="0"/>
+                            </p:stCondLst>
+                            <p:childTnLst>
+                              <p:par>
+                                <p:cTn id="5" presetID="10" presetClass="entr" presetSubtype="0" fill="hold" grpId="0" nodeType="clickEffect">
+                                  <p:stCondLst>
+                                    <p:cond delay="0"/>
+                                  </p:stCondLst>
+                                  <p:childTnLst>
+                                    <p:set>
+                                      <p:cBhvr>
+                                        <p:cTn id="6" dur="1" fill="hold">
+                                          <p:stCondLst>
+                                            <p:cond delay="0"/>
+                                          </p:stCondLst>
+                                        </p:cTn>
+                                        <p:tgtEl>
+                                          <p:spTgt spid="3">
+                                            <p:txEl>
+                                              <p:pRg st="0" end="0"/>
+                                            </p:txEl>
+                                          </p:spTgt>
+                                        </p:tgtEl>
+                                        <p:attrNameLst>
+                                          <p:attrName>style.visibility</p:attrName>
+                                        </p:attrNameLst>
+                                      </p:cBhvr>
+                                      <p:to>
+                                        <p:strVal val="visible"/>
+                                      </p:to>
+                                    </p:set>
+                                    <p:animEffect transition="in" filter="fade">
+                                      <p:cBhvr>
+                                        <p:cTn id="7" dur="500"/>
+                                        <p:tgtEl>
+                                          <p:spTgt spid="3">
+                                            <p:txEl>
+                                              <p:pRg st="0" end="0"/>
+                                            </p:txEl>
+                                          </p:spTgt>
+                                        </p:tgtEl>
+                                      </p:cBhvr>
+                                    </p:animEffect>
+                                  </p:childTnLst>
+                                </p:cTn>
+                              </p:par>
+                            </p:childTnLst>
+                          </p:cTn>
+                        </p:par>
+                      </p:childTnLst>
+                    </p:cTn>
+                  </p:par>
+                  <p:par>
+                    <p:cTn id="8" fill="hold">
+                      <p:stCondLst>
+                        <p:cond delay="indefinite"/>
+                      </p:stCondLst>
+                      <p:childTnLst>
+                        <p:par>
+                          <p:cTn id="9" fill="hold">
+                            <p:stCondLst>
+                              <p:cond delay="0"/>
+                            </p:stCondLst>
+                            <p:childTnLst>
+                              <p:par>
+                                <p:cTn id="10" presetID="10" presetClass="entr" presetSubtype="0" fill="hold" grpId="0" nodeType="clickEffect">
+                                  <p:stCondLst>
+                                    <p:cond delay="0"/>
+                                  </p:stCondLst>
+                                  <p:childTnLst>
+                                    <p:set>
+                                      <p:cBhvr>
+                                        <p:cTn id="11" dur="1" fill="hold">
+                                          <p:stCondLst>
+                                            <p:cond delay="0"/>
+                                          </p:stCondLst>
+                                        </p:cTn>
+                                        <p:tgtEl>
+                                          <p:spTgt spid="3">
+                                            <p:txEl>
+                                              <p:pRg st="1" end="1"/>
+                                            </p:txEl>
+                                          </p:spTgt>
+                                        </p:tgtEl>
+                                        <p:attrNameLst>
+                                          <p:attrName>style.visibility</p:attrName>
+                                        </p:attrNameLst>
+                                      </p:cBhvr>
+                                      <p:to>
+                                        <p:strVal val="visible"/>
+                                      </p:to>
+                                    </p:set>
+                                    <p:animEffect transition="in" filter="fade">
+                                      <p:cBhvr>
+                                        <p:cTn id="12" dur="500"/>
+                                        <p:tgtEl>
+                                          <p:spTgt spid="3">
+                                            <p:txEl>
+                                              <p:pRg st="1" end="1"/>
+                                            </p:txEl>
+                                          </p:spTgt>
+                                        </p:tgtEl>
+                                      </p:cBhvr>
+                                    </p:animEffect>
+                                  </p:childTnLst>
+                                </p:cTn>
+                              </p:par>
+                              <p:par>
+                                <p:cTn id="13" presetID="10" presetClass="entr" presetSubtype="0" fill="hold" grpId="0" nodeType="withEffect">
+                                  <p:stCondLst>
+                                    <p:cond delay="0"/>
+                                  </p:stCondLst>
+                                  <p:childTnLst>
+                                    <p:set>
+                                      <p:cBhvr>
+                                        <p:cTn id="14" dur="1" fill="hold">
+                                          <p:stCondLst>
+                                            <p:cond delay="0"/>
+                                          </p:stCondLst>
+                                        </p:cTn>
+                                        <p:tgtEl>
+                                          <p:spTgt spid="3">
+                                            <p:txEl>
+                                              <p:pRg st="2" end="2"/>
+                                            </p:txEl>
+                                          </p:spTgt>
+                                        </p:tgtEl>
+                                        <p:attrNameLst>
+                                          <p:attrName>style.visibility</p:attrName>
+                                        </p:attrNameLst>
+                                      </p:cBhvr>
+                                      <p:to>
+                                        <p:strVal val="visible"/>
+                                      </p:to>
+                                    </p:set>
+                                    <p:animEffect transition="in" filter="fade">
+                                      <p:cBhvr>
+                                        <p:cTn id="15" dur="500"/>
+                                        <p:tgtEl>
+                                          <p:spTgt spid="3">
+                                            <p:txEl>
+                                              <p:pRg st="2" end="2"/>
+                                            </p:txEl>
+                                          </p:spTgt>
+                                        </p:tgtEl>
+                                      </p:cBhvr>
+                                    </p:animEffect>
+                                  </p:childTnLst>
+                                </p:cTn>
+                              </p:par>
+                              <p:par>
+                                <p:cTn id="16" presetID="10" presetClass="entr" presetSubtype="0" fill="hold" grpId="0" nodeType="withEffect">
+                                  <p:stCondLst>
+                                    <p:cond delay="0"/>
+                                  </p:stCondLst>
+                                  <p:childTnLst>
+                                    <p:set>
+                                      <p:cBhvr>
+                                        <p:cTn id="17" dur="1" fill="hold">
+                                          <p:stCondLst>
+                                            <p:cond delay="0"/>
+                                          </p:stCondLst>
+                                        </p:cTn>
+                                        <p:tgtEl>
+                                          <p:spTgt spid="3">
+                                            <p:txEl>
+                                              <p:pRg st="3" end="3"/>
+                                            </p:txEl>
+                                          </p:spTgt>
+                                        </p:tgtEl>
+                                        <p:attrNameLst>
+                                          <p:attrName>style.visibility</p:attrName>
+                                        </p:attrNameLst>
+                                      </p:cBhvr>
+                                      <p:to>
+                                        <p:strVal val="visible"/>
+                                      </p:to>
+                                    </p:set>
+                                    <p:animEffect transition="in" filter="fade">
+                                      <p:cBhvr>
+                                        <p:cTn id="18" dur="500"/>
+                                        <p:tgtEl>
+                                          <p:spTgt spid="3">
+                                            <p:txEl>
+                                              <p:pRg st="3" end="3"/>
+                                            </p:txEl>
+                                          </p:spTgt>
+                                        </p:tgtEl>
+                                      </p:cBhvr>
+                                    </p:animEffect>
+                                  </p:childTnLst>
+                                </p:cTn>
+                              </p:par>
+                              <p:par>
+                                <p:cTn id="19" presetID="10" presetClass="entr" presetSubtype="0" fill="hold" grpId="0" nodeType="withEffect">
+                                  <p:stCondLst>
+                                    <p:cond delay="0"/>
+                                  </p:stCondLst>
+                                  <p:childTnLst>
+                                    <p:set>
+                                      <p:cBhvr>
+                                        <p:cTn id="20" dur="1" fill="hold">
+                                          <p:stCondLst>
+                                            <p:cond delay="0"/>
+                                          </p:stCondLst>
+                                        </p:cTn>
+                                        <p:tgtEl>
+                                          <p:spTgt spid="3">
+                                            <p:txEl>
+                                              <p:pRg st="4" end="4"/>
+                                            </p:txEl>
+                                          </p:spTgt>
+                                        </p:tgtEl>
+                                        <p:attrNameLst>
+                                          <p:attrName>style.visibility</p:attrName>
+                                        </p:attrNameLst>
+                                      </p:cBhvr>
+                                      <p:to>
+                                        <p:strVal val="visible"/>
+                                      </p:to>
+                                    </p:set>
+                                    <p:animEffect transition="in" filter="fade">
+                                      <p:cBhvr>
+                                        <p:cTn id="21" dur="500"/>
+                                        <p:tgtEl>
+                                          <p:spTgt spid="3">
+                                            <p:txEl>
+                                              <p:pRg st="4" end="4"/>
+                                            </p:txEl>
+                                          </p:spTgt>
+                                        </p:tgtEl>
+                                      </p:cBhvr>
+                                    </p:animEffect>
+                                  </p:childTnLst>
+                                </p:cTn>
+                              </p:par>
+                              <p:par>
+                                <p:cTn id="22" presetID="10" presetClass="entr" presetSubtype="0" fill="hold" grpId="0" nodeType="withEffect">
+                                  <p:stCondLst>
+                                    <p:cond delay="0"/>
+                                  </p:stCondLst>
+                                  <p:childTnLst>
+                                    <p:set>
+                                      <p:cBhvr>
+                                        <p:cTn id="23" dur="1" fill="hold">
+                                          <p:stCondLst>
+                                            <p:cond delay="0"/>
+                                          </p:stCondLst>
+                                        </p:cTn>
+                                        <p:tgtEl>
+                                          <p:spTgt spid="3">
+                                            <p:txEl>
+                                              <p:pRg st="5" end="5"/>
+                                            </p:txEl>
+                                          </p:spTgt>
+                                        </p:tgtEl>
+                                        <p:attrNameLst>
+                                          <p:attrName>style.visibility</p:attrName>
+                                        </p:attrNameLst>
+                                      </p:cBhvr>
+                                      <p:to>
+                                        <p:strVal val="visible"/>
+                                      </p:to>
+                                    </p:set>
+                                    <p:animEffect transition="in" filter="fade">
+                                      <p:cBhvr>
+                                        <p:cTn id="24" dur="500"/>
+                                        <p:tgtEl>
+                                          <p:spTgt spid="3">
+                                            <p:txEl>
+                                              <p:pRg st="5" end="5"/>
+                                            </p:txEl>
+                                          </p:spTgt>
+                                        </p:tgtEl>
+                                      </p:cBhvr>
+                                    </p:animEffect>
+                                  </p:childTnLst>
+                                </p:cTn>
+                              </p:par>
+                            </p:childTnLst>
+                          </p:cTn>
+                        </p:par>
+                      </p:childTnLst>
+                    </p:cTn>
+                  </p:par>
+                </p:childTnLst>
+              </p:cTn>
+              <p:prevCondLst>
+                <p:cond evt="onPrev" delay="0">
+                  <p:tgtEl>
+                    <p:sldTgt/>
+                  </p:tgtEl>
+                </p:cond>
+              </p:prevCondLst>
+              <p:nextCondLst>
+                <p:cond evt="onNext" delay="0">
+                  <p:tgtEl>
+                    <p:sldTgt/>
+                  </p:tgtEl>
+                </p:cond>
+              </p:nextCondLst>
+            </p:seq>
+          </p:childTnLst>
+        </p:cTn>
       </p:par>
     </p:tnLst>
+    <p:bldLst>
+      <p:bldP spid="3" grpId="0" build="p"/>
+    </p:bldLst>
   </p:timing>
+</p:sld>
+</file>
+
+<file path=ppt/slides/slide37.xml><?xml version="1.0" encoding="utf-8"?>
+<p:sld xmlns:a="http://schemas.openxmlformats.org/drawingml/2006/main" xmlns:r="http://schemas.openxmlformats.org/officeDocument/2006/relationships" xmlns:p="http://schemas.openxmlformats.org/presentationml/2006/main">
+  <p:cSld>
+    <p:spTree>
+      <p:nvGrpSpPr>
+        <p:cNvPr id="1" name=""/>
+        <p:cNvGrpSpPr/>
+        <p:nvPr/>
+      </p:nvGrpSpPr>
+      <p:grpSpPr>
+        <a:xfrm>
+          <a:off x="0" y="0"/>
+          <a:ext cx="0" cy="0"/>
+          <a:chOff x="0" y="0"/>
+          <a:chExt cx="0" cy="0"/>
+        </a:xfrm>
+      </p:grpSpPr>
+      <p:sp>
+        <p:nvSpPr>
+          <p:cNvPr id="2" name="Title 1">
+            <a:extLst>
+              <a:ext uri="{FF2B5EF4-FFF2-40B4-BE49-F238E27FC236}">
+                <a16:creationId xmlns:a16="http://schemas.microsoft.com/office/drawing/2014/main" id="{C0737C1B-D1B5-4EE3-9ECB-8A52C2C01B1B}"/>
+              </a:ext>
+            </a:extLst>
+          </p:cNvPr>
+          <p:cNvSpPr>
+            <a:spLocks noGrp="1"/>
+          </p:cNvSpPr>
+          <p:nvPr>
+            <p:ph type="ctrTitle"/>
+          </p:nvPr>
+        </p:nvSpPr>
+        <p:spPr/>
+        <p:txBody>
+          <a:bodyPr/>
+          <a:lstStyle/>
+          <a:p>
+            <a:r>
+              <a:rPr lang="ru-RU" dirty="0"/>
+              <a:t>Спасибо за внимание</a:t>
+            </a:r>
+          </a:p>
+        </p:txBody>
+      </p:sp>
+      <p:sp>
+        <p:nvSpPr>
+          <p:cNvPr id="4" name="Subtitle 3">
+            <a:extLst>
+              <a:ext uri="{FF2B5EF4-FFF2-40B4-BE49-F238E27FC236}">
+                <a16:creationId xmlns:a16="http://schemas.microsoft.com/office/drawing/2014/main" id="{EEC16847-B2F4-44B9-92B1-4D000CB13EAF}"/>
+              </a:ext>
+            </a:extLst>
+          </p:cNvPr>
+          <p:cNvSpPr>
+            <a:spLocks noGrp="1"/>
+          </p:cNvSpPr>
+          <p:nvPr>
+            <p:ph type="subTitle" idx="1"/>
+          </p:nvPr>
+        </p:nvSpPr>
+        <p:spPr/>
+        <p:txBody>
+          <a:bodyPr/>
+          <a:lstStyle/>
+          <a:p>
+            <a:endParaRPr lang="ru-RU"/>
+          </a:p>
+        </p:txBody>
+      </p:sp>
+    </p:spTree>
+    <p:extLst>
+      <p:ext uri="{BB962C8B-B14F-4D97-AF65-F5344CB8AC3E}">
+        <p14:creationId xmlns:p14="http://schemas.microsoft.com/office/powerpoint/2010/main" val="3057664741"/>
+      </p:ext>
+    </p:extLst>
+  </p:cSld>
+  <p:clrMapOvr>
+    <a:masterClrMapping/>
+  </p:clrMapOvr>
 </p:sld>
 </file>
 
@@ -21110,9 +25793,347 @@
   <p:timing>
     <p:tnLst>
       <p:par>
-        <p:cTn id="1" dur="indefinite" restart="never" nodeType="tmRoot"/>
+        <p:cTn id="1" dur="indefinite" restart="never" nodeType="tmRoot">
+          <p:childTnLst>
+            <p:seq concurrent="1" nextAc="seek">
+              <p:cTn id="2" dur="indefinite" nodeType="mainSeq">
+                <p:childTnLst>
+                  <p:par>
+                    <p:cTn id="3" fill="hold">
+                      <p:stCondLst>
+                        <p:cond delay="indefinite"/>
+                      </p:stCondLst>
+                      <p:childTnLst>
+                        <p:par>
+                          <p:cTn id="4" fill="hold">
+                            <p:stCondLst>
+                              <p:cond delay="0"/>
+                            </p:stCondLst>
+                            <p:childTnLst>
+                              <p:par>
+                                <p:cTn id="5" presetID="10" presetClass="entr" presetSubtype="0" fill="hold" grpId="0" nodeType="clickEffect">
+                                  <p:stCondLst>
+                                    <p:cond delay="0"/>
+                                  </p:stCondLst>
+                                  <p:childTnLst>
+                                    <p:set>
+                                      <p:cBhvr>
+                                        <p:cTn id="6" dur="1" fill="hold">
+                                          <p:stCondLst>
+                                            <p:cond delay="0"/>
+                                          </p:stCondLst>
+                                        </p:cTn>
+                                        <p:tgtEl>
+                                          <p:spTgt spid="3">
+                                            <p:txEl>
+                                              <p:pRg st="0" end="0"/>
+                                            </p:txEl>
+                                          </p:spTgt>
+                                        </p:tgtEl>
+                                        <p:attrNameLst>
+                                          <p:attrName>style.visibility</p:attrName>
+                                        </p:attrNameLst>
+                                      </p:cBhvr>
+                                      <p:to>
+                                        <p:strVal val="visible"/>
+                                      </p:to>
+                                    </p:set>
+                                    <p:animEffect transition="in" filter="fade">
+                                      <p:cBhvr>
+                                        <p:cTn id="7" dur="500"/>
+                                        <p:tgtEl>
+                                          <p:spTgt spid="3">
+                                            <p:txEl>
+                                              <p:pRg st="0" end="0"/>
+                                            </p:txEl>
+                                          </p:spTgt>
+                                        </p:tgtEl>
+                                      </p:cBhvr>
+                                    </p:animEffect>
+                                  </p:childTnLst>
+                                </p:cTn>
+                              </p:par>
+                            </p:childTnLst>
+                          </p:cTn>
+                        </p:par>
+                      </p:childTnLst>
+                    </p:cTn>
+                  </p:par>
+                  <p:par>
+                    <p:cTn id="8" fill="hold">
+                      <p:stCondLst>
+                        <p:cond delay="indefinite"/>
+                      </p:stCondLst>
+                      <p:childTnLst>
+                        <p:par>
+                          <p:cTn id="9" fill="hold">
+                            <p:stCondLst>
+                              <p:cond delay="0"/>
+                            </p:stCondLst>
+                            <p:childTnLst>
+                              <p:par>
+                                <p:cTn id="10" presetID="10" presetClass="entr" presetSubtype="0" fill="hold" grpId="0" nodeType="clickEffect">
+                                  <p:stCondLst>
+                                    <p:cond delay="0"/>
+                                  </p:stCondLst>
+                                  <p:childTnLst>
+                                    <p:set>
+                                      <p:cBhvr>
+                                        <p:cTn id="11" dur="1" fill="hold">
+                                          <p:stCondLst>
+                                            <p:cond delay="0"/>
+                                          </p:stCondLst>
+                                        </p:cTn>
+                                        <p:tgtEl>
+                                          <p:spTgt spid="3">
+                                            <p:txEl>
+                                              <p:pRg st="1" end="1"/>
+                                            </p:txEl>
+                                          </p:spTgt>
+                                        </p:tgtEl>
+                                        <p:attrNameLst>
+                                          <p:attrName>style.visibility</p:attrName>
+                                        </p:attrNameLst>
+                                      </p:cBhvr>
+                                      <p:to>
+                                        <p:strVal val="visible"/>
+                                      </p:to>
+                                    </p:set>
+                                    <p:animEffect transition="in" filter="fade">
+                                      <p:cBhvr>
+                                        <p:cTn id="12" dur="500"/>
+                                        <p:tgtEl>
+                                          <p:spTgt spid="3">
+                                            <p:txEl>
+                                              <p:pRg st="1" end="1"/>
+                                            </p:txEl>
+                                          </p:spTgt>
+                                        </p:tgtEl>
+                                      </p:cBhvr>
+                                    </p:animEffect>
+                                  </p:childTnLst>
+                                </p:cTn>
+                              </p:par>
+                              <p:par>
+                                <p:cTn id="13" presetID="10" presetClass="entr" presetSubtype="0" fill="hold" grpId="0" nodeType="withEffect">
+                                  <p:stCondLst>
+                                    <p:cond delay="0"/>
+                                  </p:stCondLst>
+                                  <p:childTnLst>
+                                    <p:set>
+                                      <p:cBhvr>
+                                        <p:cTn id="14" dur="1" fill="hold">
+                                          <p:stCondLst>
+                                            <p:cond delay="0"/>
+                                          </p:stCondLst>
+                                        </p:cTn>
+                                        <p:tgtEl>
+                                          <p:spTgt spid="3">
+                                            <p:txEl>
+                                              <p:pRg st="2" end="2"/>
+                                            </p:txEl>
+                                          </p:spTgt>
+                                        </p:tgtEl>
+                                        <p:attrNameLst>
+                                          <p:attrName>style.visibility</p:attrName>
+                                        </p:attrNameLst>
+                                      </p:cBhvr>
+                                      <p:to>
+                                        <p:strVal val="visible"/>
+                                      </p:to>
+                                    </p:set>
+                                    <p:animEffect transition="in" filter="fade">
+                                      <p:cBhvr>
+                                        <p:cTn id="15" dur="500"/>
+                                        <p:tgtEl>
+                                          <p:spTgt spid="3">
+                                            <p:txEl>
+                                              <p:pRg st="2" end="2"/>
+                                            </p:txEl>
+                                          </p:spTgt>
+                                        </p:tgtEl>
+                                      </p:cBhvr>
+                                    </p:animEffect>
+                                  </p:childTnLst>
+                                </p:cTn>
+                              </p:par>
+                              <p:par>
+                                <p:cTn id="16" presetID="10" presetClass="entr" presetSubtype="0" fill="hold" grpId="0" nodeType="withEffect">
+                                  <p:stCondLst>
+                                    <p:cond delay="0"/>
+                                  </p:stCondLst>
+                                  <p:childTnLst>
+                                    <p:set>
+                                      <p:cBhvr>
+                                        <p:cTn id="17" dur="1" fill="hold">
+                                          <p:stCondLst>
+                                            <p:cond delay="0"/>
+                                          </p:stCondLst>
+                                        </p:cTn>
+                                        <p:tgtEl>
+                                          <p:spTgt spid="3">
+                                            <p:txEl>
+                                              <p:pRg st="3" end="3"/>
+                                            </p:txEl>
+                                          </p:spTgt>
+                                        </p:tgtEl>
+                                        <p:attrNameLst>
+                                          <p:attrName>style.visibility</p:attrName>
+                                        </p:attrNameLst>
+                                      </p:cBhvr>
+                                      <p:to>
+                                        <p:strVal val="visible"/>
+                                      </p:to>
+                                    </p:set>
+                                    <p:animEffect transition="in" filter="fade">
+                                      <p:cBhvr>
+                                        <p:cTn id="18" dur="500"/>
+                                        <p:tgtEl>
+                                          <p:spTgt spid="3">
+                                            <p:txEl>
+                                              <p:pRg st="3" end="3"/>
+                                            </p:txEl>
+                                          </p:spTgt>
+                                        </p:tgtEl>
+                                      </p:cBhvr>
+                                    </p:animEffect>
+                                  </p:childTnLst>
+                                </p:cTn>
+                              </p:par>
+                              <p:par>
+                                <p:cTn id="19" presetID="10" presetClass="entr" presetSubtype="0" fill="hold" grpId="0" nodeType="withEffect">
+                                  <p:stCondLst>
+                                    <p:cond delay="0"/>
+                                  </p:stCondLst>
+                                  <p:childTnLst>
+                                    <p:set>
+                                      <p:cBhvr>
+                                        <p:cTn id="20" dur="1" fill="hold">
+                                          <p:stCondLst>
+                                            <p:cond delay="0"/>
+                                          </p:stCondLst>
+                                        </p:cTn>
+                                        <p:tgtEl>
+                                          <p:spTgt spid="3">
+                                            <p:txEl>
+                                              <p:pRg st="4" end="4"/>
+                                            </p:txEl>
+                                          </p:spTgt>
+                                        </p:tgtEl>
+                                        <p:attrNameLst>
+                                          <p:attrName>style.visibility</p:attrName>
+                                        </p:attrNameLst>
+                                      </p:cBhvr>
+                                      <p:to>
+                                        <p:strVal val="visible"/>
+                                      </p:to>
+                                    </p:set>
+                                    <p:animEffect transition="in" filter="fade">
+                                      <p:cBhvr>
+                                        <p:cTn id="21" dur="500"/>
+                                        <p:tgtEl>
+                                          <p:spTgt spid="3">
+                                            <p:txEl>
+                                              <p:pRg st="4" end="4"/>
+                                            </p:txEl>
+                                          </p:spTgt>
+                                        </p:tgtEl>
+                                      </p:cBhvr>
+                                    </p:animEffect>
+                                  </p:childTnLst>
+                                </p:cTn>
+                              </p:par>
+                            </p:childTnLst>
+                          </p:cTn>
+                        </p:par>
+                      </p:childTnLst>
+                    </p:cTn>
+                  </p:par>
+                  <p:par>
+                    <p:cTn id="22" fill="hold">
+                      <p:stCondLst>
+                        <p:cond delay="indefinite"/>
+                      </p:stCondLst>
+                      <p:childTnLst>
+                        <p:par>
+                          <p:cTn id="23" fill="hold">
+                            <p:stCondLst>
+                              <p:cond delay="0"/>
+                            </p:stCondLst>
+                            <p:childTnLst>
+                              <p:par>
+                                <p:cTn id="24" presetID="10" presetClass="entr" presetSubtype="0" fill="hold" grpId="0" nodeType="clickEffect">
+                                  <p:stCondLst>
+                                    <p:cond delay="0"/>
+                                  </p:stCondLst>
+                                  <p:childTnLst>
+                                    <p:set>
+                                      <p:cBhvr>
+                                        <p:cTn id="25" dur="1" fill="hold">
+                                          <p:stCondLst>
+                                            <p:cond delay="0"/>
+                                          </p:stCondLst>
+                                        </p:cTn>
+                                        <p:tgtEl>
+                                          <p:spTgt spid="3">
+                                            <p:txEl>
+                                              <p:pRg st="5" end="5"/>
+                                            </p:txEl>
+                                          </p:spTgt>
+                                        </p:tgtEl>
+                                        <p:attrNameLst>
+                                          <p:attrName>style.visibility</p:attrName>
+                                        </p:attrNameLst>
+                                      </p:cBhvr>
+                                      <p:to>
+                                        <p:strVal val="visible"/>
+                                      </p:to>
+                                    </p:set>
+                                    <p:animEffect transition="in" filter="fade">
+                                      <p:cBhvr>
+                                        <p:cTn id="26" dur="500"/>
+                                        <p:tgtEl>
+                                          <p:spTgt spid="3">
+                                            <p:txEl>
+                                              <p:pRg st="5" end="5"/>
+                                            </p:txEl>
+                                          </p:spTgt>
+                                        </p:tgtEl>
+                                      </p:cBhvr>
+                                    </p:animEffect>
+                                  </p:childTnLst>
+                                </p:cTn>
+                              </p:par>
+                            </p:childTnLst>
+                          </p:cTn>
+                        </p:par>
+                      </p:childTnLst>
+                    </p:cTn>
+                  </p:par>
+                </p:childTnLst>
+              </p:cTn>
+              <p:prevCondLst>
+                <p:cond evt="onPrev" delay="0">
+                  <p:tgtEl>
+                    <p:sldTgt/>
+                  </p:tgtEl>
+                </p:cond>
+              </p:prevCondLst>
+              <p:nextCondLst>
+                <p:cond evt="onNext" delay="0">
+                  <p:tgtEl>
+                    <p:sldTgt/>
+                  </p:tgtEl>
+                </p:cond>
+              </p:nextCondLst>
+            </p:seq>
+          </p:childTnLst>
+        </p:cTn>
       </p:par>
     </p:tnLst>
+    <p:bldLst>
+      <p:bldP spid="3" grpId="0" build="p"/>
+    </p:bldLst>
   </p:timing>
 </p:sld>
 </file>
@@ -21242,9 +26263,372 @@
   <p:timing>
     <p:tnLst>
       <p:par>
-        <p:cTn id="1" dur="indefinite" restart="never" nodeType="tmRoot"/>
+        <p:cTn id="1" dur="indefinite" restart="never" nodeType="tmRoot">
+          <p:childTnLst>
+            <p:seq concurrent="1" nextAc="seek">
+              <p:cTn id="2" dur="indefinite" nodeType="mainSeq">
+                <p:childTnLst>
+                  <p:par>
+                    <p:cTn id="3" fill="hold">
+                      <p:stCondLst>
+                        <p:cond delay="indefinite"/>
+                      </p:stCondLst>
+                      <p:childTnLst>
+                        <p:par>
+                          <p:cTn id="4" fill="hold">
+                            <p:stCondLst>
+                              <p:cond delay="0"/>
+                            </p:stCondLst>
+                            <p:childTnLst>
+                              <p:par>
+                                <p:cTn id="5" presetID="10" presetClass="entr" presetSubtype="0" fill="hold" grpId="0" nodeType="clickEffect">
+                                  <p:stCondLst>
+                                    <p:cond delay="0"/>
+                                  </p:stCondLst>
+                                  <p:childTnLst>
+                                    <p:set>
+                                      <p:cBhvr>
+                                        <p:cTn id="6" dur="1" fill="hold">
+                                          <p:stCondLst>
+                                            <p:cond delay="0"/>
+                                          </p:stCondLst>
+                                        </p:cTn>
+                                        <p:tgtEl>
+                                          <p:spTgt spid="3">
+                                            <p:txEl>
+                                              <p:pRg st="0" end="0"/>
+                                            </p:txEl>
+                                          </p:spTgt>
+                                        </p:tgtEl>
+                                        <p:attrNameLst>
+                                          <p:attrName>style.visibility</p:attrName>
+                                        </p:attrNameLst>
+                                      </p:cBhvr>
+                                      <p:to>
+                                        <p:strVal val="visible"/>
+                                      </p:to>
+                                    </p:set>
+                                    <p:animEffect transition="in" filter="fade">
+                                      <p:cBhvr>
+                                        <p:cTn id="7" dur="500"/>
+                                        <p:tgtEl>
+                                          <p:spTgt spid="3">
+                                            <p:txEl>
+                                              <p:pRg st="0" end="0"/>
+                                            </p:txEl>
+                                          </p:spTgt>
+                                        </p:tgtEl>
+                                      </p:cBhvr>
+                                    </p:animEffect>
+                                  </p:childTnLst>
+                                </p:cTn>
+                              </p:par>
+                              <p:par>
+                                <p:cTn id="8" presetID="10" presetClass="entr" presetSubtype="0" fill="hold" grpId="0" nodeType="withEffect">
+                                  <p:stCondLst>
+                                    <p:cond delay="0"/>
+                                  </p:stCondLst>
+                                  <p:childTnLst>
+                                    <p:set>
+                                      <p:cBhvr>
+                                        <p:cTn id="9" dur="1" fill="hold">
+                                          <p:stCondLst>
+                                            <p:cond delay="0"/>
+                                          </p:stCondLst>
+                                        </p:cTn>
+                                        <p:tgtEl>
+                                          <p:spTgt spid="3">
+                                            <p:txEl>
+                                              <p:pRg st="1" end="1"/>
+                                            </p:txEl>
+                                          </p:spTgt>
+                                        </p:tgtEl>
+                                        <p:attrNameLst>
+                                          <p:attrName>style.visibility</p:attrName>
+                                        </p:attrNameLst>
+                                      </p:cBhvr>
+                                      <p:to>
+                                        <p:strVal val="visible"/>
+                                      </p:to>
+                                    </p:set>
+                                    <p:animEffect transition="in" filter="fade">
+                                      <p:cBhvr>
+                                        <p:cTn id="10" dur="500"/>
+                                        <p:tgtEl>
+                                          <p:spTgt spid="3">
+                                            <p:txEl>
+                                              <p:pRg st="1" end="1"/>
+                                            </p:txEl>
+                                          </p:spTgt>
+                                        </p:tgtEl>
+                                      </p:cBhvr>
+                                    </p:animEffect>
+                                  </p:childTnLst>
+                                </p:cTn>
+                              </p:par>
+                              <p:par>
+                                <p:cTn id="11" presetID="10" presetClass="entr" presetSubtype="0" fill="hold" grpId="0" nodeType="withEffect">
+                                  <p:stCondLst>
+                                    <p:cond delay="0"/>
+                                  </p:stCondLst>
+                                  <p:childTnLst>
+                                    <p:set>
+                                      <p:cBhvr>
+                                        <p:cTn id="12" dur="1" fill="hold">
+                                          <p:stCondLst>
+                                            <p:cond delay="0"/>
+                                          </p:stCondLst>
+                                        </p:cTn>
+                                        <p:tgtEl>
+                                          <p:spTgt spid="3">
+                                            <p:txEl>
+                                              <p:pRg st="2" end="2"/>
+                                            </p:txEl>
+                                          </p:spTgt>
+                                        </p:tgtEl>
+                                        <p:attrNameLst>
+                                          <p:attrName>style.visibility</p:attrName>
+                                        </p:attrNameLst>
+                                      </p:cBhvr>
+                                      <p:to>
+                                        <p:strVal val="visible"/>
+                                      </p:to>
+                                    </p:set>
+                                    <p:animEffect transition="in" filter="fade">
+                                      <p:cBhvr>
+                                        <p:cTn id="13" dur="500"/>
+                                        <p:tgtEl>
+                                          <p:spTgt spid="3">
+                                            <p:txEl>
+                                              <p:pRg st="2" end="2"/>
+                                            </p:txEl>
+                                          </p:spTgt>
+                                        </p:tgtEl>
+                                      </p:cBhvr>
+                                    </p:animEffect>
+                                  </p:childTnLst>
+                                </p:cTn>
+                              </p:par>
+                              <p:par>
+                                <p:cTn id="14" presetID="10" presetClass="entr" presetSubtype="0" fill="hold" grpId="0" nodeType="withEffect">
+                                  <p:stCondLst>
+                                    <p:cond delay="0"/>
+                                  </p:stCondLst>
+                                  <p:childTnLst>
+                                    <p:set>
+                                      <p:cBhvr>
+                                        <p:cTn id="15" dur="1" fill="hold">
+                                          <p:stCondLst>
+                                            <p:cond delay="0"/>
+                                          </p:stCondLst>
+                                        </p:cTn>
+                                        <p:tgtEl>
+                                          <p:spTgt spid="3">
+                                            <p:txEl>
+                                              <p:pRg st="3" end="3"/>
+                                            </p:txEl>
+                                          </p:spTgt>
+                                        </p:tgtEl>
+                                        <p:attrNameLst>
+                                          <p:attrName>style.visibility</p:attrName>
+                                        </p:attrNameLst>
+                                      </p:cBhvr>
+                                      <p:to>
+                                        <p:strVal val="visible"/>
+                                      </p:to>
+                                    </p:set>
+                                    <p:animEffect transition="in" filter="fade">
+                                      <p:cBhvr>
+                                        <p:cTn id="16" dur="500"/>
+                                        <p:tgtEl>
+                                          <p:spTgt spid="3">
+                                            <p:txEl>
+                                              <p:pRg st="3" end="3"/>
+                                            </p:txEl>
+                                          </p:spTgt>
+                                        </p:tgtEl>
+                                      </p:cBhvr>
+                                    </p:animEffect>
+                                  </p:childTnLst>
+                                </p:cTn>
+                              </p:par>
+                              <p:par>
+                                <p:cTn id="17" presetID="10" presetClass="entr" presetSubtype="0" fill="hold" grpId="0" nodeType="withEffect">
+                                  <p:stCondLst>
+                                    <p:cond delay="0"/>
+                                  </p:stCondLst>
+                                  <p:childTnLst>
+                                    <p:set>
+                                      <p:cBhvr>
+                                        <p:cTn id="18" dur="1" fill="hold">
+                                          <p:stCondLst>
+                                            <p:cond delay="0"/>
+                                          </p:stCondLst>
+                                        </p:cTn>
+                                        <p:tgtEl>
+                                          <p:spTgt spid="3">
+                                            <p:txEl>
+                                              <p:pRg st="4" end="4"/>
+                                            </p:txEl>
+                                          </p:spTgt>
+                                        </p:tgtEl>
+                                        <p:attrNameLst>
+                                          <p:attrName>style.visibility</p:attrName>
+                                        </p:attrNameLst>
+                                      </p:cBhvr>
+                                      <p:to>
+                                        <p:strVal val="visible"/>
+                                      </p:to>
+                                    </p:set>
+                                    <p:animEffect transition="in" filter="fade">
+                                      <p:cBhvr>
+                                        <p:cTn id="19" dur="500"/>
+                                        <p:tgtEl>
+                                          <p:spTgt spid="3">
+                                            <p:txEl>
+                                              <p:pRg st="4" end="4"/>
+                                            </p:txEl>
+                                          </p:spTgt>
+                                        </p:tgtEl>
+                                      </p:cBhvr>
+                                    </p:animEffect>
+                                  </p:childTnLst>
+                                </p:cTn>
+                              </p:par>
+                            </p:childTnLst>
+                          </p:cTn>
+                        </p:par>
+                      </p:childTnLst>
+                    </p:cTn>
+                  </p:par>
+                  <p:par>
+                    <p:cTn id="20" fill="hold">
+                      <p:stCondLst>
+                        <p:cond delay="indefinite"/>
+                      </p:stCondLst>
+                      <p:childTnLst>
+                        <p:par>
+                          <p:cTn id="21" fill="hold">
+                            <p:stCondLst>
+                              <p:cond delay="0"/>
+                            </p:stCondLst>
+                            <p:childTnLst>
+                              <p:par>
+                                <p:cTn id="22" presetID="10" presetClass="entr" presetSubtype="0" fill="hold" grpId="0" nodeType="clickEffect">
+                                  <p:stCondLst>
+                                    <p:cond delay="0"/>
+                                  </p:stCondLst>
+                                  <p:childTnLst>
+                                    <p:set>
+                                      <p:cBhvr>
+                                        <p:cTn id="23" dur="1" fill="hold">
+                                          <p:stCondLst>
+                                            <p:cond delay="0"/>
+                                          </p:stCondLst>
+                                        </p:cTn>
+                                        <p:tgtEl>
+                                          <p:spTgt spid="3">
+                                            <p:txEl>
+                                              <p:pRg st="5" end="5"/>
+                                            </p:txEl>
+                                          </p:spTgt>
+                                        </p:tgtEl>
+                                        <p:attrNameLst>
+                                          <p:attrName>style.visibility</p:attrName>
+                                        </p:attrNameLst>
+                                      </p:cBhvr>
+                                      <p:to>
+                                        <p:strVal val="visible"/>
+                                      </p:to>
+                                    </p:set>
+                                    <p:animEffect transition="in" filter="fade">
+                                      <p:cBhvr>
+                                        <p:cTn id="24" dur="500"/>
+                                        <p:tgtEl>
+                                          <p:spTgt spid="3">
+                                            <p:txEl>
+                                              <p:pRg st="5" end="5"/>
+                                            </p:txEl>
+                                          </p:spTgt>
+                                        </p:tgtEl>
+                                      </p:cBhvr>
+                                    </p:animEffect>
+                                  </p:childTnLst>
+                                </p:cTn>
+                              </p:par>
+                              <p:par>
+                                <p:cTn id="25" presetID="10" presetClass="entr" presetSubtype="0" fill="hold" grpId="0" nodeType="withEffect">
+                                  <p:stCondLst>
+                                    <p:cond delay="0"/>
+                                  </p:stCondLst>
+                                  <p:childTnLst>
+                                    <p:set>
+                                      <p:cBhvr>
+                                        <p:cTn id="26" dur="1" fill="hold">
+                                          <p:stCondLst>
+                                            <p:cond delay="0"/>
+                                          </p:stCondLst>
+                                        </p:cTn>
+                                        <p:tgtEl>
+                                          <p:spTgt spid="3">
+                                            <p:txEl>
+                                              <p:pRg st="6" end="6"/>
+                                            </p:txEl>
+                                          </p:spTgt>
+                                        </p:tgtEl>
+                                        <p:attrNameLst>
+                                          <p:attrName>style.visibility</p:attrName>
+                                        </p:attrNameLst>
+                                      </p:cBhvr>
+                                      <p:to>
+                                        <p:strVal val="visible"/>
+                                      </p:to>
+                                    </p:set>
+                                    <p:animEffect transition="in" filter="fade">
+                                      <p:cBhvr>
+                                        <p:cTn id="27" dur="500"/>
+                                        <p:tgtEl>
+                                          <p:spTgt spid="3">
+                                            <p:txEl>
+                                              <p:pRg st="6" end="6"/>
+                                            </p:txEl>
+                                          </p:spTgt>
+                                        </p:tgtEl>
+                                      </p:cBhvr>
+                                    </p:animEffect>
+                                  </p:childTnLst>
+                                </p:cTn>
+                              </p:par>
+                            </p:childTnLst>
+                          </p:cTn>
+                        </p:par>
+                      </p:childTnLst>
+                    </p:cTn>
+                  </p:par>
+                </p:childTnLst>
+              </p:cTn>
+              <p:prevCondLst>
+                <p:cond evt="onPrev" delay="0">
+                  <p:tgtEl>
+                    <p:sldTgt/>
+                  </p:tgtEl>
+                </p:cond>
+              </p:prevCondLst>
+              <p:nextCondLst>
+                <p:cond evt="onNext" delay="0">
+                  <p:tgtEl>
+                    <p:sldTgt/>
+                  </p:tgtEl>
+                </p:cond>
+              </p:nextCondLst>
+            </p:seq>
+          </p:childTnLst>
+        </p:cTn>
       </p:par>
     </p:tnLst>
+    <p:bldLst>
+      <p:bldP spid="3" grpId="0" build="p"/>
+    </p:bldLst>
   </p:timing>
 </p:sld>
 </file>
@@ -24333,7 +29717,7 @@
               <a:t> </a:t>
             </a:r>
             <a:r>
-              <a:rPr lang="en-US" sz="1400" dirty="0" err="1" smtClean="0">
+              <a:rPr lang="en-US" sz="1400" dirty="0" err="1">
                 <a:solidFill>
                   <a:srgbClr val="000000"/>
                 </a:solidFill>
@@ -25884,9 +31268,866 @@
   <p:timing>
     <p:tnLst>
       <p:par>
-        <p:cTn id="1" dur="indefinite" restart="never" nodeType="tmRoot"/>
+        <p:cTn id="1" dur="indefinite" restart="never" nodeType="tmRoot">
+          <p:childTnLst>
+            <p:seq concurrent="1" nextAc="seek">
+              <p:cTn id="2" dur="indefinite" nodeType="mainSeq">
+                <p:childTnLst>
+                  <p:par>
+                    <p:cTn id="3" fill="hold">
+                      <p:stCondLst>
+                        <p:cond delay="indefinite"/>
+                      </p:stCondLst>
+                      <p:childTnLst>
+                        <p:par>
+                          <p:cTn id="4" fill="hold">
+                            <p:stCondLst>
+                              <p:cond delay="0"/>
+                            </p:stCondLst>
+                            <p:childTnLst>
+                              <p:par>
+                                <p:cTn id="5" presetID="10" presetClass="entr" presetSubtype="0" fill="hold" nodeType="clickEffect">
+                                  <p:stCondLst>
+                                    <p:cond delay="0"/>
+                                  </p:stCondLst>
+                                  <p:childTnLst>
+                                    <p:set>
+                                      <p:cBhvr>
+                                        <p:cTn id="6" dur="1" fill="hold">
+                                          <p:stCondLst>
+                                            <p:cond delay="0"/>
+                                          </p:stCondLst>
+                                        </p:cTn>
+                                        <p:tgtEl>
+                                          <p:spTgt spid="3">
+                                            <p:txEl>
+                                              <p:pRg st="0" end="0"/>
+                                            </p:txEl>
+                                          </p:spTgt>
+                                        </p:tgtEl>
+                                        <p:attrNameLst>
+                                          <p:attrName>style.visibility</p:attrName>
+                                        </p:attrNameLst>
+                                      </p:cBhvr>
+                                      <p:to>
+                                        <p:strVal val="visible"/>
+                                      </p:to>
+                                    </p:set>
+                                    <p:animEffect transition="in" filter="fade">
+                                      <p:cBhvr>
+                                        <p:cTn id="7" dur="500"/>
+                                        <p:tgtEl>
+                                          <p:spTgt spid="3">
+                                            <p:txEl>
+                                              <p:pRg st="0" end="0"/>
+                                            </p:txEl>
+                                          </p:spTgt>
+                                        </p:tgtEl>
+                                      </p:cBhvr>
+                                    </p:animEffect>
+                                  </p:childTnLst>
+                                </p:cTn>
+                              </p:par>
+                              <p:par>
+                                <p:cTn id="8" presetID="10" presetClass="entr" presetSubtype="0" fill="hold" nodeType="withEffect">
+                                  <p:stCondLst>
+                                    <p:cond delay="0"/>
+                                  </p:stCondLst>
+                                  <p:childTnLst>
+                                    <p:set>
+                                      <p:cBhvr>
+                                        <p:cTn id="9" dur="1" fill="hold">
+                                          <p:stCondLst>
+                                            <p:cond delay="0"/>
+                                          </p:stCondLst>
+                                        </p:cTn>
+                                        <p:tgtEl>
+                                          <p:spTgt spid="3">
+                                            <p:txEl>
+                                              <p:pRg st="1" end="1"/>
+                                            </p:txEl>
+                                          </p:spTgt>
+                                        </p:tgtEl>
+                                        <p:attrNameLst>
+                                          <p:attrName>style.visibility</p:attrName>
+                                        </p:attrNameLst>
+                                      </p:cBhvr>
+                                      <p:to>
+                                        <p:strVal val="visible"/>
+                                      </p:to>
+                                    </p:set>
+                                    <p:animEffect transition="in" filter="fade">
+                                      <p:cBhvr>
+                                        <p:cTn id="10" dur="500"/>
+                                        <p:tgtEl>
+                                          <p:spTgt spid="3">
+                                            <p:txEl>
+                                              <p:pRg st="1" end="1"/>
+                                            </p:txEl>
+                                          </p:spTgt>
+                                        </p:tgtEl>
+                                      </p:cBhvr>
+                                    </p:animEffect>
+                                  </p:childTnLst>
+                                </p:cTn>
+                              </p:par>
+                              <p:par>
+                                <p:cTn id="11" presetID="10" presetClass="entr" presetSubtype="0" fill="hold" nodeType="withEffect">
+                                  <p:stCondLst>
+                                    <p:cond delay="0"/>
+                                  </p:stCondLst>
+                                  <p:childTnLst>
+                                    <p:set>
+                                      <p:cBhvr>
+                                        <p:cTn id="12" dur="1" fill="hold">
+                                          <p:stCondLst>
+                                            <p:cond delay="0"/>
+                                          </p:stCondLst>
+                                        </p:cTn>
+                                        <p:tgtEl>
+                                          <p:spTgt spid="3">
+                                            <p:txEl>
+                                              <p:pRg st="2" end="2"/>
+                                            </p:txEl>
+                                          </p:spTgt>
+                                        </p:tgtEl>
+                                        <p:attrNameLst>
+                                          <p:attrName>style.visibility</p:attrName>
+                                        </p:attrNameLst>
+                                      </p:cBhvr>
+                                      <p:to>
+                                        <p:strVal val="visible"/>
+                                      </p:to>
+                                    </p:set>
+                                    <p:animEffect transition="in" filter="fade">
+                                      <p:cBhvr>
+                                        <p:cTn id="13" dur="500"/>
+                                        <p:tgtEl>
+                                          <p:spTgt spid="3">
+                                            <p:txEl>
+                                              <p:pRg st="2" end="2"/>
+                                            </p:txEl>
+                                          </p:spTgt>
+                                        </p:tgtEl>
+                                      </p:cBhvr>
+                                    </p:animEffect>
+                                  </p:childTnLst>
+                                </p:cTn>
+                              </p:par>
+                              <p:par>
+                                <p:cTn id="14" presetID="10" presetClass="entr" presetSubtype="0" fill="hold" nodeType="withEffect">
+                                  <p:stCondLst>
+                                    <p:cond delay="0"/>
+                                  </p:stCondLst>
+                                  <p:childTnLst>
+                                    <p:set>
+                                      <p:cBhvr>
+                                        <p:cTn id="15" dur="1" fill="hold">
+                                          <p:stCondLst>
+                                            <p:cond delay="0"/>
+                                          </p:stCondLst>
+                                        </p:cTn>
+                                        <p:tgtEl>
+                                          <p:spTgt spid="3">
+                                            <p:txEl>
+                                              <p:pRg st="3" end="3"/>
+                                            </p:txEl>
+                                          </p:spTgt>
+                                        </p:tgtEl>
+                                        <p:attrNameLst>
+                                          <p:attrName>style.visibility</p:attrName>
+                                        </p:attrNameLst>
+                                      </p:cBhvr>
+                                      <p:to>
+                                        <p:strVal val="visible"/>
+                                      </p:to>
+                                    </p:set>
+                                    <p:animEffect transition="in" filter="fade">
+                                      <p:cBhvr>
+                                        <p:cTn id="16" dur="500"/>
+                                        <p:tgtEl>
+                                          <p:spTgt spid="3">
+                                            <p:txEl>
+                                              <p:pRg st="3" end="3"/>
+                                            </p:txEl>
+                                          </p:spTgt>
+                                        </p:tgtEl>
+                                      </p:cBhvr>
+                                    </p:animEffect>
+                                  </p:childTnLst>
+                                </p:cTn>
+                              </p:par>
+                              <p:par>
+                                <p:cTn id="17" presetID="10" presetClass="entr" presetSubtype="0" fill="hold" nodeType="withEffect">
+                                  <p:stCondLst>
+                                    <p:cond delay="0"/>
+                                  </p:stCondLst>
+                                  <p:childTnLst>
+                                    <p:set>
+                                      <p:cBhvr>
+                                        <p:cTn id="18" dur="1" fill="hold">
+                                          <p:stCondLst>
+                                            <p:cond delay="0"/>
+                                          </p:stCondLst>
+                                        </p:cTn>
+                                        <p:tgtEl>
+                                          <p:spTgt spid="3">
+                                            <p:txEl>
+                                              <p:pRg st="4" end="4"/>
+                                            </p:txEl>
+                                          </p:spTgt>
+                                        </p:tgtEl>
+                                        <p:attrNameLst>
+                                          <p:attrName>style.visibility</p:attrName>
+                                        </p:attrNameLst>
+                                      </p:cBhvr>
+                                      <p:to>
+                                        <p:strVal val="visible"/>
+                                      </p:to>
+                                    </p:set>
+                                    <p:animEffect transition="in" filter="fade">
+                                      <p:cBhvr>
+                                        <p:cTn id="19" dur="500"/>
+                                        <p:tgtEl>
+                                          <p:spTgt spid="3">
+                                            <p:txEl>
+                                              <p:pRg st="4" end="4"/>
+                                            </p:txEl>
+                                          </p:spTgt>
+                                        </p:tgtEl>
+                                      </p:cBhvr>
+                                    </p:animEffect>
+                                  </p:childTnLst>
+                                </p:cTn>
+                              </p:par>
+                              <p:par>
+                                <p:cTn id="20" presetID="10" presetClass="entr" presetSubtype="0" fill="hold" nodeType="withEffect">
+                                  <p:stCondLst>
+                                    <p:cond delay="0"/>
+                                  </p:stCondLst>
+                                  <p:childTnLst>
+                                    <p:set>
+                                      <p:cBhvr>
+                                        <p:cTn id="21" dur="1" fill="hold">
+                                          <p:stCondLst>
+                                            <p:cond delay="0"/>
+                                          </p:stCondLst>
+                                        </p:cTn>
+                                        <p:tgtEl>
+                                          <p:spTgt spid="3">
+                                            <p:txEl>
+                                              <p:pRg st="5" end="5"/>
+                                            </p:txEl>
+                                          </p:spTgt>
+                                        </p:tgtEl>
+                                        <p:attrNameLst>
+                                          <p:attrName>style.visibility</p:attrName>
+                                        </p:attrNameLst>
+                                      </p:cBhvr>
+                                      <p:to>
+                                        <p:strVal val="visible"/>
+                                      </p:to>
+                                    </p:set>
+                                    <p:animEffect transition="in" filter="fade">
+                                      <p:cBhvr>
+                                        <p:cTn id="22" dur="500"/>
+                                        <p:tgtEl>
+                                          <p:spTgt spid="3">
+                                            <p:txEl>
+                                              <p:pRg st="5" end="5"/>
+                                            </p:txEl>
+                                          </p:spTgt>
+                                        </p:tgtEl>
+                                      </p:cBhvr>
+                                    </p:animEffect>
+                                  </p:childTnLst>
+                                </p:cTn>
+                              </p:par>
+                              <p:par>
+                                <p:cTn id="23" presetID="10" presetClass="entr" presetSubtype="0" fill="hold" nodeType="withEffect">
+                                  <p:stCondLst>
+                                    <p:cond delay="0"/>
+                                  </p:stCondLst>
+                                  <p:childTnLst>
+                                    <p:set>
+                                      <p:cBhvr>
+                                        <p:cTn id="24" dur="1" fill="hold">
+                                          <p:stCondLst>
+                                            <p:cond delay="0"/>
+                                          </p:stCondLst>
+                                        </p:cTn>
+                                        <p:tgtEl>
+                                          <p:spTgt spid="3">
+                                            <p:txEl>
+                                              <p:pRg st="6" end="6"/>
+                                            </p:txEl>
+                                          </p:spTgt>
+                                        </p:tgtEl>
+                                        <p:attrNameLst>
+                                          <p:attrName>style.visibility</p:attrName>
+                                        </p:attrNameLst>
+                                      </p:cBhvr>
+                                      <p:to>
+                                        <p:strVal val="visible"/>
+                                      </p:to>
+                                    </p:set>
+                                    <p:animEffect transition="in" filter="fade">
+                                      <p:cBhvr>
+                                        <p:cTn id="25" dur="500"/>
+                                        <p:tgtEl>
+                                          <p:spTgt spid="3">
+                                            <p:txEl>
+                                              <p:pRg st="6" end="6"/>
+                                            </p:txEl>
+                                          </p:spTgt>
+                                        </p:tgtEl>
+                                      </p:cBhvr>
+                                    </p:animEffect>
+                                  </p:childTnLst>
+                                </p:cTn>
+                              </p:par>
+                              <p:par>
+                                <p:cTn id="26" presetID="10" presetClass="entr" presetSubtype="0" fill="hold" nodeType="withEffect">
+                                  <p:stCondLst>
+                                    <p:cond delay="0"/>
+                                  </p:stCondLst>
+                                  <p:childTnLst>
+                                    <p:set>
+                                      <p:cBhvr>
+                                        <p:cTn id="27" dur="1" fill="hold">
+                                          <p:stCondLst>
+                                            <p:cond delay="0"/>
+                                          </p:stCondLst>
+                                        </p:cTn>
+                                        <p:tgtEl>
+                                          <p:spTgt spid="3">
+                                            <p:txEl>
+                                              <p:pRg st="7" end="7"/>
+                                            </p:txEl>
+                                          </p:spTgt>
+                                        </p:tgtEl>
+                                        <p:attrNameLst>
+                                          <p:attrName>style.visibility</p:attrName>
+                                        </p:attrNameLst>
+                                      </p:cBhvr>
+                                      <p:to>
+                                        <p:strVal val="visible"/>
+                                      </p:to>
+                                    </p:set>
+                                    <p:animEffect transition="in" filter="fade">
+                                      <p:cBhvr>
+                                        <p:cTn id="28" dur="500"/>
+                                        <p:tgtEl>
+                                          <p:spTgt spid="3">
+                                            <p:txEl>
+                                              <p:pRg st="7" end="7"/>
+                                            </p:txEl>
+                                          </p:spTgt>
+                                        </p:tgtEl>
+                                      </p:cBhvr>
+                                    </p:animEffect>
+                                  </p:childTnLst>
+                                </p:cTn>
+                              </p:par>
+                              <p:par>
+                                <p:cTn id="29" presetID="10" presetClass="entr" presetSubtype="0" fill="hold" nodeType="withEffect">
+                                  <p:stCondLst>
+                                    <p:cond delay="0"/>
+                                  </p:stCondLst>
+                                  <p:childTnLst>
+                                    <p:set>
+                                      <p:cBhvr>
+                                        <p:cTn id="30" dur="1" fill="hold">
+                                          <p:stCondLst>
+                                            <p:cond delay="0"/>
+                                          </p:stCondLst>
+                                        </p:cTn>
+                                        <p:tgtEl>
+                                          <p:spTgt spid="3">
+                                            <p:txEl>
+                                              <p:pRg st="8" end="8"/>
+                                            </p:txEl>
+                                          </p:spTgt>
+                                        </p:tgtEl>
+                                        <p:attrNameLst>
+                                          <p:attrName>style.visibility</p:attrName>
+                                        </p:attrNameLst>
+                                      </p:cBhvr>
+                                      <p:to>
+                                        <p:strVal val="visible"/>
+                                      </p:to>
+                                    </p:set>
+                                    <p:animEffect transition="in" filter="fade">
+                                      <p:cBhvr>
+                                        <p:cTn id="31" dur="500"/>
+                                        <p:tgtEl>
+                                          <p:spTgt spid="3">
+                                            <p:txEl>
+                                              <p:pRg st="8" end="8"/>
+                                            </p:txEl>
+                                          </p:spTgt>
+                                        </p:tgtEl>
+                                      </p:cBhvr>
+                                    </p:animEffect>
+                                  </p:childTnLst>
+                                </p:cTn>
+                              </p:par>
+                            </p:childTnLst>
+                          </p:cTn>
+                        </p:par>
+                      </p:childTnLst>
+                    </p:cTn>
+                  </p:par>
+                  <p:par>
+                    <p:cTn id="32" fill="hold">
+                      <p:stCondLst>
+                        <p:cond delay="indefinite"/>
+                      </p:stCondLst>
+                      <p:childTnLst>
+                        <p:par>
+                          <p:cTn id="33" fill="hold">
+                            <p:stCondLst>
+                              <p:cond delay="0"/>
+                            </p:stCondLst>
+                            <p:childTnLst>
+                              <p:par>
+                                <p:cTn id="34" presetID="10" presetClass="entr" presetSubtype="0" fill="hold" nodeType="clickEffect">
+                                  <p:stCondLst>
+                                    <p:cond delay="0"/>
+                                  </p:stCondLst>
+                                  <p:childTnLst>
+                                    <p:set>
+                                      <p:cBhvr>
+                                        <p:cTn id="35" dur="1" fill="hold">
+                                          <p:stCondLst>
+                                            <p:cond delay="0"/>
+                                          </p:stCondLst>
+                                        </p:cTn>
+                                        <p:tgtEl>
+                                          <p:spTgt spid="3">
+                                            <p:txEl>
+                                              <p:pRg st="13" end="13"/>
+                                            </p:txEl>
+                                          </p:spTgt>
+                                        </p:tgtEl>
+                                        <p:attrNameLst>
+                                          <p:attrName>style.visibility</p:attrName>
+                                        </p:attrNameLst>
+                                      </p:cBhvr>
+                                      <p:to>
+                                        <p:strVal val="visible"/>
+                                      </p:to>
+                                    </p:set>
+                                    <p:animEffect transition="in" filter="fade">
+                                      <p:cBhvr>
+                                        <p:cTn id="36" dur="500"/>
+                                        <p:tgtEl>
+                                          <p:spTgt spid="3">
+                                            <p:txEl>
+                                              <p:pRg st="13" end="13"/>
+                                            </p:txEl>
+                                          </p:spTgt>
+                                        </p:tgtEl>
+                                      </p:cBhvr>
+                                    </p:animEffect>
+                                  </p:childTnLst>
+                                </p:cTn>
+                              </p:par>
+                              <p:par>
+                                <p:cTn id="37" presetID="10" presetClass="entr" presetSubtype="0" fill="hold" nodeType="withEffect">
+                                  <p:stCondLst>
+                                    <p:cond delay="0"/>
+                                  </p:stCondLst>
+                                  <p:childTnLst>
+                                    <p:set>
+                                      <p:cBhvr>
+                                        <p:cTn id="38" dur="1" fill="hold">
+                                          <p:stCondLst>
+                                            <p:cond delay="0"/>
+                                          </p:stCondLst>
+                                        </p:cTn>
+                                        <p:tgtEl>
+                                          <p:spTgt spid="3">
+                                            <p:txEl>
+                                              <p:pRg st="14" end="14"/>
+                                            </p:txEl>
+                                          </p:spTgt>
+                                        </p:tgtEl>
+                                        <p:attrNameLst>
+                                          <p:attrName>style.visibility</p:attrName>
+                                        </p:attrNameLst>
+                                      </p:cBhvr>
+                                      <p:to>
+                                        <p:strVal val="visible"/>
+                                      </p:to>
+                                    </p:set>
+                                    <p:animEffect transition="in" filter="fade">
+                                      <p:cBhvr>
+                                        <p:cTn id="39" dur="500"/>
+                                        <p:tgtEl>
+                                          <p:spTgt spid="3">
+                                            <p:txEl>
+                                              <p:pRg st="14" end="14"/>
+                                            </p:txEl>
+                                          </p:spTgt>
+                                        </p:tgtEl>
+                                      </p:cBhvr>
+                                    </p:animEffect>
+                                  </p:childTnLst>
+                                </p:cTn>
+                              </p:par>
+                            </p:childTnLst>
+                          </p:cTn>
+                        </p:par>
+                      </p:childTnLst>
+                    </p:cTn>
+                  </p:par>
+                  <p:par>
+                    <p:cTn id="40" fill="hold">
+                      <p:stCondLst>
+                        <p:cond delay="indefinite"/>
+                      </p:stCondLst>
+                      <p:childTnLst>
+                        <p:par>
+                          <p:cTn id="41" fill="hold">
+                            <p:stCondLst>
+                              <p:cond delay="0"/>
+                            </p:stCondLst>
+                            <p:childTnLst>
+                              <p:par>
+                                <p:cTn id="42" presetID="10" presetClass="entr" presetSubtype="0" fill="hold" nodeType="clickEffect">
+                                  <p:stCondLst>
+                                    <p:cond delay="0"/>
+                                  </p:stCondLst>
+                                  <p:childTnLst>
+                                    <p:set>
+                                      <p:cBhvr>
+                                        <p:cTn id="43" dur="1" fill="hold">
+                                          <p:stCondLst>
+                                            <p:cond delay="0"/>
+                                          </p:stCondLst>
+                                        </p:cTn>
+                                        <p:tgtEl>
+                                          <p:spTgt spid="3">
+                                            <p:txEl>
+                                              <p:pRg st="16" end="16"/>
+                                            </p:txEl>
+                                          </p:spTgt>
+                                        </p:tgtEl>
+                                        <p:attrNameLst>
+                                          <p:attrName>style.visibility</p:attrName>
+                                        </p:attrNameLst>
+                                      </p:cBhvr>
+                                      <p:to>
+                                        <p:strVal val="visible"/>
+                                      </p:to>
+                                    </p:set>
+                                    <p:animEffect transition="in" filter="fade">
+                                      <p:cBhvr>
+                                        <p:cTn id="44" dur="500"/>
+                                        <p:tgtEl>
+                                          <p:spTgt spid="3">
+                                            <p:txEl>
+                                              <p:pRg st="16" end="16"/>
+                                            </p:txEl>
+                                          </p:spTgt>
+                                        </p:tgtEl>
+                                      </p:cBhvr>
+                                    </p:animEffect>
+                                  </p:childTnLst>
+                                </p:cTn>
+                              </p:par>
+                              <p:par>
+                                <p:cTn id="45" presetID="10" presetClass="entr" presetSubtype="0" fill="hold" nodeType="withEffect">
+                                  <p:stCondLst>
+                                    <p:cond delay="0"/>
+                                  </p:stCondLst>
+                                  <p:childTnLst>
+                                    <p:set>
+                                      <p:cBhvr>
+                                        <p:cTn id="46" dur="1" fill="hold">
+                                          <p:stCondLst>
+                                            <p:cond delay="0"/>
+                                          </p:stCondLst>
+                                        </p:cTn>
+                                        <p:tgtEl>
+                                          <p:spTgt spid="3">
+                                            <p:txEl>
+                                              <p:pRg st="17" end="17"/>
+                                            </p:txEl>
+                                          </p:spTgt>
+                                        </p:tgtEl>
+                                        <p:attrNameLst>
+                                          <p:attrName>style.visibility</p:attrName>
+                                        </p:attrNameLst>
+                                      </p:cBhvr>
+                                      <p:to>
+                                        <p:strVal val="visible"/>
+                                      </p:to>
+                                    </p:set>
+                                    <p:animEffect transition="in" filter="fade">
+                                      <p:cBhvr>
+                                        <p:cTn id="47" dur="500"/>
+                                        <p:tgtEl>
+                                          <p:spTgt spid="3">
+                                            <p:txEl>
+                                              <p:pRg st="17" end="17"/>
+                                            </p:txEl>
+                                          </p:spTgt>
+                                        </p:tgtEl>
+                                      </p:cBhvr>
+                                    </p:animEffect>
+                                  </p:childTnLst>
+                                </p:cTn>
+                              </p:par>
+                            </p:childTnLst>
+                          </p:cTn>
+                        </p:par>
+                      </p:childTnLst>
+                    </p:cTn>
+                  </p:par>
+                  <p:par>
+                    <p:cTn id="48" fill="hold">
+                      <p:stCondLst>
+                        <p:cond delay="indefinite"/>
+                      </p:stCondLst>
+                      <p:childTnLst>
+                        <p:par>
+                          <p:cTn id="49" fill="hold">
+                            <p:stCondLst>
+                              <p:cond delay="0"/>
+                            </p:stCondLst>
+                            <p:childTnLst>
+                              <p:par>
+                                <p:cTn id="50" presetID="10" presetClass="entr" presetSubtype="0" fill="hold" nodeType="clickEffect">
+                                  <p:stCondLst>
+                                    <p:cond delay="0"/>
+                                  </p:stCondLst>
+                                  <p:childTnLst>
+                                    <p:set>
+                                      <p:cBhvr>
+                                        <p:cTn id="51" dur="1" fill="hold">
+                                          <p:stCondLst>
+                                            <p:cond delay="0"/>
+                                          </p:stCondLst>
+                                        </p:cTn>
+                                        <p:tgtEl>
+                                          <p:spTgt spid="3">
+                                            <p:txEl>
+                                              <p:pRg st="19" end="19"/>
+                                            </p:txEl>
+                                          </p:spTgt>
+                                        </p:tgtEl>
+                                        <p:attrNameLst>
+                                          <p:attrName>style.visibility</p:attrName>
+                                        </p:attrNameLst>
+                                      </p:cBhvr>
+                                      <p:to>
+                                        <p:strVal val="visible"/>
+                                      </p:to>
+                                    </p:set>
+                                    <p:animEffect transition="in" filter="fade">
+                                      <p:cBhvr>
+                                        <p:cTn id="52" dur="500"/>
+                                        <p:tgtEl>
+                                          <p:spTgt spid="3">
+                                            <p:txEl>
+                                              <p:pRg st="19" end="19"/>
+                                            </p:txEl>
+                                          </p:spTgt>
+                                        </p:tgtEl>
+                                      </p:cBhvr>
+                                    </p:animEffect>
+                                  </p:childTnLst>
+                                </p:cTn>
+                              </p:par>
+                              <p:par>
+                                <p:cTn id="53" presetID="10" presetClass="entr" presetSubtype="0" fill="hold" nodeType="withEffect">
+                                  <p:stCondLst>
+                                    <p:cond delay="0"/>
+                                  </p:stCondLst>
+                                  <p:childTnLst>
+                                    <p:set>
+                                      <p:cBhvr>
+                                        <p:cTn id="54" dur="1" fill="hold">
+                                          <p:stCondLst>
+                                            <p:cond delay="0"/>
+                                          </p:stCondLst>
+                                        </p:cTn>
+                                        <p:tgtEl>
+                                          <p:spTgt spid="3">
+                                            <p:txEl>
+                                              <p:pRg st="20" end="20"/>
+                                            </p:txEl>
+                                          </p:spTgt>
+                                        </p:tgtEl>
+                                        <p:attrNameLst>
+                                          <p:attrName>style.visibility</p:attrName>
+                                        </p:attrNameLst>
+                                      </p:cBhvr>
+                                      <p:to>
+                                        <p:strVal val="visible"/>
+                                      </p:to>
+                                    </p:set>
+                                    <p:animEffect transition="in" filter="fade">
+                                      <p:cBhvr>
+                                        <p:cTn id="55" dur="500"/>
+                                        <p:tgtEl>
+                                          <p:spTgt spid="3">
+                                            <p:txEl>
+                                              <p:pRg st="20" end="20"/>
+                                            </p:txEl>
+                                          </p:spTgt>
+                                        </p:tgtEl>
+                                      </p:cBhvr>
+                                    </p:animEffect>
+                                  </p:childTnLst>
+                                </p:cTn>
+                              </p:par>
+                            </p:childTnLst>
+                          </p:cTn>
+                        </p:par>
+                      </p:childTnLst>
+                    </p:cTn>
+                  </p:par>
+                  <p:par>
+                    <p:cTn id="56" fill="hold">
+                      <p:stCondLst>
+                        <p:cond delay="indefinite"/>
+                      </p:stCondLst>
+                      <p:childTnLst>
+                        <p:par>
+                          <p:cTn id="57" fill="hold">
+                            <p:stCondLst>
+                              <p:cond delay="0"/>
+                            </p:stCondLst>
+                            <p:childTnLst>
+                              <p:par>
+                                <p:cTn id="58" presetID="10" presetClass="entr" presetSubtype="0" fill="hold" nodeType="clickEffect">
+                                  <p:stCondLst>
+                                    <p:cond delay="0"/>
+                                  </p:stCondLst>
+                                  <p:childTnLst>
+                                    <p:set>
+                                      <p:cBhvr>
+                                        <p:cTn id="59" dur="1" fill="hold">
+                                          <p:stCondLst>
+                                            <p:cond delay="0"/>
+                                          </p:stCondLst>
+                                        </p:cTn>
+                                        <p:tgtEl>
+                                          <p:spTgt spid="3">
+                                            <p:txEl>
+                                              <p:pRg st="22" end="22"/>
+                                            </p:txEl>
+                                          </p:spTgt>
+                                        </p:tgtEl>
+                                        <p:attrNameLst>
+                                          <p:attrName>style.visibility</p:attrName>
+                                        </p:attrNameLst>
+                                      </p:cBhvr>
+                                      <p:to>
+                                        <p:strVal val="visible"/>
+                                      </p:to>
+                                    </p:set>
+                                    <p:animEffect transition="in" filter="fade">
+                                      <p:cBhvr>
+                                        <p:cTn id="60" dur="500"/>
+                                        <p:tgtEl>
+                                          <p:spTgt spid="3">
+                                            <p:txEl>
+                                              <p:pRg st="22" end="22"/>
+                                            </p:txEl>
+                                          </p:spTgt>
+                                        </p:tgtEl>
+                                      </p:cBhvr>
+                                    </p:animEffect>
+                                  </p:childTnLst>
+                                </p:cTn>
+                              </p:par>
+                            </p:childTnLst>
+                          </p:cTn>
+                        </p:par>
+                      </p:childTnLst>
+                    </p:cTn>
+                  </p:par>
+                  <p:par>
+                    <p:cTn id="61" fill="hold">
+                      <p:stCondLst>
+                        <p:cond delay="indefinite"/>
+                      </p:stCondLst>
+                      <p:childTnLst>
+                        <p:par>
+                          <p:cTn id="62" fill="hold">
+                            <p:stCondLst>
+                              <p:cond delay="0"/>
+                            </p:stCondLst>
+                            <p:childTnLst>
+                              <p:par>
+                                <p:cTn id="63" presetID="10" presetClass="entr" presetSubtype="0" fill="hold" grpId="0" nodeType="clickEffect">
+                                  <p:stCondLst>
+                                    <p:cond delay="0"/>
+                                  </p:stCondLst>
+                                  <p:childTnLst>
+                                    <p:set>
+                                      <p:cBhvr>
+                                        <p:cTn id="64" dur="1" fill="hold">
+                                          <p:stCondLst>
+                                            <p:cond delay="0"/>
+                                          </p:stCondLst>
+                                        </p:cTn>
+                                        <p:tgtEl>
+                                          <p:spTgt spid="4"/>
+                                        </p:tgtEl>
+                                        <p:attrNameLst>
+                                          <p:attrName>style.visibility</p:attrName>
+                                        </p:attrNameLst>
+                                      </p:cBhvr>
+                                      <p:to>
+                                        <p:strVal val="visible"/>
+                                      </p:to>
+                                    </p:set>
+                                    <p:animEffect transition="in" filter="fade">
+                                      <p:cBhvr>
+                                        <p:cTn id="65" dur="500"/>
+                                        <p:tgtEl>
+                                          <p:spTgt spid="4"/>
+                                        </p:tgtEl>
+                                      </p:cBhvr>
+                                    </p:animEffect>
+                                  </p:childTnLst>
+                                </p:cTn>
+                              </p:par>
+                            </p:childTnLst>
+                          </p:cTn>
+                        </p:par>
+                      </p:childTnLst>
+                    </p:cTn>
+                  </p:par>
+                </p:childTnLst>
+              </p:cTn>
+              <p:prevCondLst>
+                <p:cond evt="onPrev" delay="0">
+                  <p:tgtEl>
+                    <p:sldTgt/>
+                  </p:tgtEl>
+                </p:cond>
+              </p:prevCondLst>
+              <p:nextCondLst>
+                <p:cond evt="onNext" delay="0">
+                  <p:tgtEl>
+                    <p:sldTgt/>
+                  </p:tgtEl>
+                </p:cond>
+              </p:nextCondLst>
+            </p:seq>
+          </p:childTnLst>
+        </p:cTn>
       </p:par>
     </p:tnLst>
+    <p:bldLst>
+      <p:bldP spid="4" grpId="0"/>
+    </p:bldLst>
   </p:timing>
 </p:sld>
 </file>
@@ -27134,7 +33375,532 @@
   <p:timing>
     <p:tnLst>
       <p:par>
-        <p:cTn id="1" dur="indefinite" restart="never" nodeType="tmRoot"/>
+        <p:cTn id="1" dur="indefinite" restart="never" nodeType="tmRoot">
+          <p:childTnLst>
+            <p:seq concurrent="1" nextAc="seek">
+              <p:cTn id="2" dur="indefinite" nodeType="mainSeq">
+                <p:childTnLst>
+                  <p:par>
+                    <p:cTn id="3" fill="hold">
+                      <p:stCondLst>
+                        <p:cond delay="indefinite"/>
+                      </p:stCondLst>
+                      <p:childTnLst>
+                        <p:par>
+                          <p:cTn id="4" fill="hold">
+                            <p:stCondLst>
+                              <p:cond delay="0"/>
+                            </p:stCondLst>
+                            <p:childTnLst>
+                              <p:par>
+                                <p:cTn id="5" presetID="10" presetClass="entr" presetSubtype="0" fill="hold" nodeType="clickEffect">
+                                  <p:stCondLst>
+                                    <p:cond delay="0"/>
+                                  </p:stCondLst>
+                                  <p:childTnLst>
+                                    <p:set>
+                                      <p:cBhvr>
+                                        <p:cTn id="6" dur="1" fill="hold">
+                                          <p:stCondLst>
+                                            <p:cond delay="0"/>
+                                          </p:stCondLst>
+                                        </p:cTn>
+                                        <p:tgtEl>
+                                          <p:spTgt spid="2">
+                                            <p:txEl>
+                                              <p:pRg st="3" end="3"/>
+                                            </p:txEl>
+                                          </p:spTgt>
+                                        </p:tgtEl>
+                                        <p:attrNameLst>
+                                          <p:attrName>style.visibility</p:attrName>
+                                        </p:attrNameLst>
+                                      </p:cBhvr>
+                                      <p:to>
+                                        <p:strVal val="visible"/>
+                                      </p:to>
+                                    </p:set>
+                                    <p:animEffect transition="in" filter="fade">
+                                      <p:cBhvr>
+                                        <p:cTn id="7" dur="500"/>
+                                        <p:tgtEl>
+                                          <p:spTgt spid="2">
+                                            <p:txEl>
+                                              <p:pRg st="3" end="3"/>
+                                            </p:txEl>
+                                          </p:spTgt>
+                                        </p:tgtEl>
+                                      </p:cBhvr>
+                                    </p:animEffect>
+                                  </p:childTnLst>
+                                </p:cTn>
+                              </p:par>
+                              <p:par>
+                                <p:cTn id="8" presetID="10" presetClass="entr" presetSubtype="0" fill="hold" nodeType="withEffect">
+                                  <p:stCondLst>
+                                    <p:cond delay="0"/>
+                                  </p:stCondLst>
+                                  <p:childTnLst>
+                                    <p:set>
+                                      <p:cBhvr>
+                                        <p:cTn id="9" dur="1" fill="hold">
+                                          <p:stCondLst>
+                                            <p:cond delay="0"/>
+                                          </p:stCondLst>
+                                        </p:cTn>
+                                        <p:tgtEl>
+                                          <p:spTgt spid="2">
+                                            <p:txEl>
+                                              <p:pRg st="4" end="4"/>
+                                            </p:txEl>
+                                          </p:spTgt>
+                                        </p:tgtEl>
+                                        <p:attrNameLst>
+                                          <p:attrName>style.visibility</p:attrName>
+                                        </p:attrNameLst>
+                                      </p:cBhvr>
+                                      <p:to>
+                                        <p:strVal val="visible"/>
+                                      </p:to>
+                                    </p:set>
+                                    <p:animEffect transition="in" filter="fade">
+                                      <p:cBhvr>
+                                        <p:cTn id="10" dur="500"/>
+                                        <p:tgtEl>
+                                          <p:spTgt spid="2">
+                                            <p:txEl>
+                                              <p:pRg st="4" end="4"/>
+                                            </p:txEl>
+                                          </p:spTgt>
+                                        </p:tgtEl>
+                                      </p:cBhvr>
+                                    </p:animEffect>
+                                  </p:childTnLst>
+                                </p:cTn>
+                              </p:par>
+                            </p:childTnLst>
+                          </p:cTn>
+                        </p:par>
+                      </p:childTnLst>
+                    </p:cTn>
+                  </p:par>
+                  <p:par>
+                    <p:cTn id="11" fill="hold">
+                      <p:stCondLst>
+                        <p:cond delay="indefinite"/>
+                      </p:stCondLst>
+                      <p:childTnLst>
+                        <p:par>
+                          <p:cTn id="12" fill="hold">
+                            <p:stCondLst>
+                              <p:cond delay="0"/>
+                            </p:stCondLst>
+                            <p:childTnLst>
+                              <p:par>
+                                <p:cTn id="13" presetID="10" presetClass="entr" presetSubtype="0" fill="hold" nodeType="clickEffect">
+                                  <p:stCondLst>
+                                    <p:cond delay="0"/>
+                                  </p:stCondLst>
+                                  <p:childTnLst>
+                                    <p:set>
+                                      <p:cBhvr>
+                                        <p:cTn id="14" dur="1" fill="hold">
+                                          <p:stCondLst>
+                                            <p:cond delay="0"/>
+                                          </p:stCondLst>
+                                        </p:cTn>
+                                        <p:tgtEl>
+                                          <p:spTgt spid="2">
+                                            <p:txEl>
+                                              <p:pRg st="6" end="6"/>
+                                            </p:txEl>
+                                          </p:spTgt>
+                                        </p:tgtEl>
+                                        <p:attrNameLst>
+                                          <p:attrName>style.visibility</p:attrName>
+                                        </p:attrNameLst>
+                                      </p:cBhvr>
+                                      <p:to>
+                                        <p:strVal val="visible"/>
+                                      </p:to>
+                                    </p:set>
+                                    <p:animEffect transition="in" filter="fade">
+                                      <p:cBhvr>
+                                        <p:cTn id="15" dur="500"/>
+                                        <p:tgtEl>
+                                          <p:spTgt spid="2">
+                                            <p:txEl>
+                                              <p:pRg st="6" end="6"/>
+                                            </p:txEl>
+                                          </p:spTgt>
+                                        </p:tgtEl>
+                                      </p:cBhvr>
+                                    </p:animEffect>
+                                  </p:childTnLst>
+                                </p:cTn>
+                              </p:par>
+                              <p:par>
+                                <p:cTn id="16" presetID="10" presetClass="entr" presetSubtype="0" fill="hold" nodeType="withEffect">
+                                  <p:stCondLst>
+                                    <p:cond delay="0"/>
+                                  </p:stCondLst>
+                                  <p:childTnLst>
+                                    <p:set>
+                                      <p:cBhvr>
+                                        <p:cTn id="17" dur="1" fill="hold">
+                                          <p:stCondLst>
+                                            <p:cond delay="0"/>
+                                          </p:stCondLst>
+                                        </p:cTn>
+                                        <p:tgtEl>
+                                          <p:spTgt spid="2">
+                                            <p:txEl>
+                                              <p:pRg st="7" end="7"/>
+                                            </p:txEl>
+                                          </p:spTgt>
+                                        </p:tgtEl>
+                                        <p:attrNameLst>
+                                          <p:attrName>style.visibility</p:attrName>
+                                        </p:attrNameLst>
+                                      </p:cBhvr>
+                                      <p:to>
+                                        <p:strVal val="visible"/>
+                                      </p:to>
+                                    </p:set>
+                                    <p:animEffect transition="in" filter="fade">
+                                      <p:cBhvr>
+                                        <p:cTn id="18" dur="500"/>
+                                        <p:tgtEl>
+                                          <p:spTgt spid="2">
+                                            <p:txEl>
+                                              <p:pRg st="7" end="7"/>
+                                            </p:txEl>
+                                          </p:spTgt>
+                                        </p:tgtEl>
+                                      </p:cBhvr>
+                                    </p:animEffect>
+                                  </p:childTnLst>
+                                </p:cTn>
+                              </p:par>
+                              <p:par>
+                                <p:cTn id="19" presetID="10" presetClass="entr" presetSubtype="0" fill="hold" nodeType="withEffect">
+                                  <p:stCondLst>
+                                    <p:cond delay="0"/>
+                                  </p:stCondLst>
+                                  <p:childTnLst>
+                                    <p:set>
+                                      <p:cBhvr>
+                                        <p:cTn id="20" dur="1" fill="hold">
+                                          <p:stCondLst>
+                                            <p:cond delay="0"/>
+                                          </p:stCondLst>
+                                        </p:cTn>
+                                        <p:tgtEl>
+                                          <p:spTgt spid="2">
+                                            <p:txEl>
+                                              <p:pRg st="8" end="8"/>
+                                            </p:txEl>
+                                          </p:spTgt>
+                                        </p:tgtEl>
+                                        <p:attrNameLst>
+                                          <p:attrName>style.visibility</p:attrName>
+                                        </p:attrNameLst>
+                                      </p:cBhvr>
+                                      <p:to>
+                                        <p:strVal val="visible"/>
+                                      </p:to>
+                                    </p:set>
+                                    <p:animEffect transition="in" filter="fade">
+                                      <p:cBhvr>
+                                        <p:cTn id="21" dur="500"/>
+                                        <p:tgtEl>
+                                          <p:spTgt spid="2">
+                                            <p:txEl>
+                                              <p:pRg st="8" end="8"/>
+                                            </p:txEl>
+                                          </p:spTgt>
+                                        </p:tgtEl>
+                                      </p:cBhvr>
+                                    </p:animEffect>
+                                  </p:childTnLst>
+                                </p:cTn>
+                              </p:par>
+                              <p:par>
+                                <p:cTn id="22" presetID="10" presetClass="entr" presetSubtype="0" fill="hold" nodeType="withEffect">
+                                  <p:stCondLst>
+                                    <p:cond delay="0"/>
+                                  </p:stCondLst>
+                                  <p:childTnLst>
+                                    <p:set>
+                                      <p:cBhvr>
+                                        <p:cTn id="23" dur="1" fill="hold">
+                                          <p:stCondLst>
+                                            <p:cond delay="0"/>
+                                          </p:stCondLst>
+                                        </p:cTn>
+                                        <p:tgtEl>
+                                          <p:spTgt spid="2">
+                                            <p:txEl>
+                                              <p:pRg st="9" end="9"/>
+                                            </p:txEl>
+                                          </p:spTgt>
+                                        </p:tgtEl>
+                                        <p:attrNameLst>
+                                          <p:attrName>style.visibility</p:attrName>
+                                        </p:attrNameLst>
+                                      </p:cBhvr>
+                                      <p:to>
+                                        <p:strVal val="visible"/>
+                                      </p:to>
+                                    </p:set>
+                                    <p:animEffect transition="in" filter="fade">
+                                      <p:cBhvr>
+                                        <p:cTn id="24" dur="500"/>
+                                        <p:tgtEl>
+                                          <p:spTgt spid="2">
+                                            <p:txEl>
+                                              <p:pRg st="9" end="9"/>
+                                            </p:txEl>
+                                          </p:spTgt>
+                                        </p:tgtEl>
+                                      </p:cBhvr>
+                                    </p:animEffect>
+                                  </p:childTnLst>
+                                </p:cTn>
+                              </p:par>
+                              <p:par>
+                                <p:cTn id="25" presetID="10" presetClass="entr" presetSubtype="0" fill="hold" nodeType="withEffect">
+                                  <p:stCondLst>
+                                    <p:cond delay="0"/>
+                                  </p:stCondLst>
+                                  <p:childTnLst>
+                                    <p:set>
+                                      <p:cBhvr>
+                                        <p:cTn id="26" dur="1" fill="hold">
+                                          <p:stCondLst>
+                                            <p:cond delay="0"/>
+                                          </p:stCondLst>
+                                        </p:cTn>
+                                        <p:tgtEl>
+                                          <p:spTgt spid="2">
+                                            <p:txEl>
+                                              <p:pRg st="10" end="10"/>
+                                            </p:txEl>
+                                          </p:spTgt>
+                                        </p:tgtEl>
+                                        <p:attrNameLst>
+                                          <p:attrName>style.visibility</p:attrName>
+                                        </p:attrNameLst>
+                                      </p:cBhvr>
+                                      <p:to>
+                                        <p:strVal val="visible"/>
+                                      </p:to>
+                                    </p:set>
+                                    <p:animEffect transition="in" filter="fade">
+                                      <p:cBhvr>
+                                        <p:cTn id="27" dur="500"/>
+                                        <p:tgtEl>
+                                          <p:spTgt spid="2">
+                                            <p:txEl>
+                                              <p:pRg st="10" end="10"/>
+                                            </p:txEl>
+                                          </p:spTgt>
+                                        </p:tgtEl>
+                                      </p:cBhvr>
+                                    </p:animEffect>
+                                  </p:childTnLst>
+                                </p:cTn>
+                              </p:par>
+                            </p:childTnLst>
+                          </p:cTn>
+                        </p:par>
+                      </p:childTnLst>
+                    </p:cTn>
+                  </p:par>
+                  <p:par>
+                    <p:cTn id="28" fill="hold">
+                      <p:stCondLst>
+                        <p:cond delay="indefinite"/>
+                      </p:stCondLst>
+                      <p:childTnLst>
+                        <p:par>
+                          <p:cTn id="29" fill="hold">
+                            <p:stCondLst>
+                              <p:cond delay="0"/>
+                            </p:stCondLst>
+                            <p:childTnLst>
+                              <p:par>
+                                <p:cTn id="30" presetID="10" presetClass="entr" presetSubtype="0" fill="hold" nodeType="clickEffect">
+                                  <p:stCondLst>
+                                    <p:cond delay="0"/>
+                                  </p:stCondLst>
+                                  <p:childTnLst>
+                                    <p:set>
+                                      <p:cBhvr>
+                                        <p:cTn id="31" dur="1" fill="hold">
+                                          <p:stCondLst>
+                                            <p:cond delay="0"/>
+                                          </p:stCondLst>
+                                        </p:cTn>
+                                        <p:tgtEl>
+                                          <p:spTgt spid="2">
+                                            <p:txEl>
+                                              <p:pRg st="12" end="12"/>
+                                            </p:txEl>
+                                          </p:spTgt>
+                                        </p:tgtEl>
+                                        <p:attrNameLst>
+                                          <p:attrName>style.visibility</p:attrName>
+                                        </p:attrNameLst>
+                                      </p:cBhvr>
+                                      <p:to>
+                                        <p:strVal val="visible"/>
+                                      </p:to>
+                                    </p:set>
+                                    <p:animEffect transition="in" filter="fade">
+                                      <p:cBhvr>
+                                        <p:cTn id="32" dur="500"/>
+                                        <p:tgtEl>
+                                          <p:spTgt spid="2">
+                                            <p:txEl>
+                                              <p:pRg st="12" end="12"/>
+                                            </p:txEl>
+                                          </p:spTgt>
+                                        </p:tgtEl>
+                                      </p:cBhvr>
+                                    </p:animEffect>
+                                  </p:childTnLst>
+                                </p:cTn>
+                              </p:par>
+                              <p:par>
+                                <p:cTn id="33" presetID="10" presetClass="entr" presetSubtype="0" fill="hold" nodeType="withEffect">
+                                  <p:stCondLst>
+                                    <p:cond delay="0"/>
+                                  </p:stCondLst>
+                                  <p:childTnLst>
+                                    <p:set>
+                                      <p:cBhvr>
+                                        <p:cTn id="34" dur="1" fill="hold">
+                                          <p:stCondLst>
+                                            <p:cond delay="0"/>
+                                          </p:stCondLst>
+                                        </p:cTn>
+                                        <p:tgtEl>
+                                          <p:spTgt spid="2">
+                                            <p:txEl>
+                                              <p:pRg st="13" end="13"/>
+                                            </p:txEl>
+                                          </p:spTgt>
+                                        </p:tgtEl>
+                                        <p:attrNameLst>
+                                          <p:attrName>style.visibility</p:attrName>
+                                        </p:attrNameLst>
+                                      </p:cBhvr>
+                                      <p:to>
+                                        <p:strVal val="visible"/>
+                                      </p:to>
+                                    </p:set>
+                                    <p:animEffect transition="in" filter="fade">
+                                      <p:cBhvr>
+                                        <p:cTn id="35" dur="500"/>
+                                        <p:tgtEl>
+                                          <p:spTgt spid="2">
+                                            <p:txEl>
+                                              <p:pRg st="13" end="13"/>
+                                            </p:txEl>
+                                          </p:spTgt>
+                                        </p:tgtEl>
+                                      </p:cBhvr>
+                                    </p:animEffect>
+                                  </p:childTnLst>
+                                </p:cTn>
+                              </p:par>
+                            </p:childTnLst>
+                          </p:cTn>
+                        </p:par>
+                      </p:childTnLst>
+                    </p:cTn>
+                  </p:par>
+                  <p:par>
+                    <p:cTn id="36" fill="hold">
+                      <p:stCondLst>
+                        <p:cond delay="indefinite"/>
+                      </p:stCondLst>
+                      <p:childTnLst>
+                        <p:par>
+                          <p:cTn id="37" fill="hold">
+                            <p:stCondLst>
+                              <p:cond delay="0"/>
+                            </p:stCondLst>
+                            <p:childTnLst>
+                              <p:par>
+                                <p:cTn id="38" presetID="10" presetClass="entr" presetSubtype="0" fill="hold" nodeType="clickEffect">
+                                  <p:stCondLst>
+                                    <p:cond delay="0"/>
+                                  </p:stCondLst>
+                                  <p:childTnLst>
+                                    <p:set>
+                                      <p:cBhvr>
+                                        <p:cTn id="39" dur="1" fill="hold">
+                                          <p:stCondLst>
+                                            <p:cond delay="0"/>
+                                          </p:stCondLst>
+                                        </p:cTn>
+                                        <p:tgtEl>
+                                          <p:spTgt spid="2">
+                                            <p:txEl>
+                                              <p:pRg st="15" end="15"/>
+                                            </p:txEl>
+                                          </p:spTgt>
+                                        </p:tgtEl>
+                                        <p:attrNameLst>
+                                          <p:attrName>style.visibility</p:attrName>
+                                        </p:attrNameLst>
+                                      </p:cBhvr>
+                                      <p:to>
+                                        <p:strVal val="visible"/>
+                                      </p:to>
+                                    </p:set>
+                                    <p:animEffect transition="in" filter="fade">
+                                      <p:cBhvr>
+                                        <p:cTn id="40" dur="500"/>
+                                        <p:tgtEl>
+                                          <p:spTgt spid="2">
+                                            <p:txEl>
+                                              <p:pRg st="15" end="15"/>
+                                            </p:txEl>
+                                          </p:spTgt>
+                                        </p:tgtEl>
+                                      </p:cBhvr>
+                                    </p:animEffect>
+                                  </p:childTnLst>
+                                </p:cTn>
+                              </p:par>
+                            </p:childTnLst>
+                          </p:cTn>
+                        </p:par>
+                      </p:childTnLst>
+                    </p:cTn>
+                  </p:par>
+                </p:childTnLst>
+              </p:cTn>
+              <p:prevCondLst>
+                <p:cond evt="onPrev" delay="0">
+                  <p:tgtEl>
+                    <p:sldTgt/>
+                  </p:tgtEl>
+                </p:cond>
+              </p:prevCondLst>
+              <p:nextCondLst>
+                <p:cond evt="onNext" delay="0">
+                  <p:tgtEl>
+                    <p:sldTgt/>
+                  </p:tgtEl>
+                </p:cond>
+              </p:nextCondLst>
+            </p:seq>
+          </p:childTnLst>
+        </p:cTn>
       </p:par>
     </p:tnLst>
   </p:timing>

--- a/lectures/10.composite/composite.pptx
+++ b/lectures/10.composite/composite.pptx
@@ -5,7 +5,7 @@
     <p:sldMasterId id="2147483672" r:id="rId1"/>
   </p:sldMasterIdLst>
   <p:notesMasterIdLst>
-    <p:notesMasterId r:id="rId39"/>
+    <p:notesMasterId r:id="rId40"/>
   </p:notesMasterIdLst>
   <p:sldIdLst>
     <p:sldId id="256" r:id="rId2"/>
@@ -44,12 +44,13 @@
     <p:sldId id="291" r:id="rId35"/>
     <p:sldId id="292" r:id="rId36"/>
     <p:sldId id="293" r:id="rId37"/>
-    <p:sldId id="294" r:id="rId38"/>
+    <p:sldId id="295" r:id="rId38"/>
+    <p:sldId id="294" r:id="rId39"/>
   </p:sldIdLst>
   <p:sldSz cx="9144000" cy="6858000" type="screen4x3"/>
   <p:notesSz cx="6858000" cy="9144000"/>
   <p:custDataLst>
-    <p:tags r:id="rId40"/>
+    <p:tags r:id="rId41"/>
   </p:custDataLst>
   <p:defaultTextStyle>
     <a:defPPr>
@@ -1978,13 +1979,13 @@
         <a:p>
           <a:r>
             <a:rPr lang="ru-RU" dirty="0"/>
-            <a:t>Треугольник</a:t>
+            <a:t>Прямоугольник</a:t>
           </a:r>
         </a:p>
         <a:p>
           <a:r>
             <a:rPr lang="ru-RU" dirty="0"/>
-            <a:t>(крыша)</a:t>
+            <a:t>(труба)</a:t>
           </a:r>
         </a:p>
       </dgm:t>
@@ -2011,7 +2012,7 @@
         </a:p>
       </dgm:t>
     </dgm:pt>
-    <dgm:pt modelId="{D3521F05-9530-4F27-B535-6163B31B1D06}">
+    <dgm:pt modelId="{8D58FA3B-33BE-4453-9C5B-9BB7A66E81E9}">
       <dgm:prSet phldrT="[Текст]"/>
       <dgm:spPr/>
       <dgm:t>
@@ -2019,19 +2020,20 @@
         <a:lstStyle/>
         <a:p>
           <a:r>
-            <a:rPr lang="ru-RU" dirty="0"/>
-            <a:t>Прямоугольник</a:t>
+            <a:rPr lang="ru-RU"/>
+            <a:t>Треугольник</a:t>
           </a:r>
+          <a:endParaRPr lang="ru-RU" dirty="0"/>
         </a:p>
         <a:p>
           <a:r>
             <a:rPr lang="ru-RU" dirty="0"/>
-            <a:t>(труба)</a:t>
+            <a:t>(крыша)</a:t>
           </a:r>
         </a:p>
       </dgm:t>
     </dgm:pt>
-    <dgm:pt modelId="{2C8FE63D-E993-4A3E-8A33-B8D29403A613}" type="parTrans" cxnId="{66EF825E-869C-444E-86C5-A2FB964E959B}">
+    <dgm:pt modelId="{FA312F87-3F53-4EC6-9191-E08BCD1BE668}" type="parTrans" cxnId="{B20B8A7B-D6AC-4011-AA7F-E889E83F0C5E}">
       <dgm:prSet/>
       <dgm:spPr/>
       <dgm:t>
@@ -2042,7 +2044,7 @@
         </a:p>
       </dgm:t>
     </dgm:pt>
-    <dgm:pt modelId="{29F4312B-202F-4540-81E8-4EB10F854B13}" type="sibTrans" cxnId="{66EF825E-869C-444E-86C5-A2FB964E959B}">
+    <dgm:pt modelId="{DEBB937F-90FD-49E1-A26D-33F02B4FAA2E}" type="sibTrans" cxnId="{B20B8A7B-D6AC-4011-AA7F-E889E83F0C5E}">
       <dgm:prSet/>
       <dgm:spPr/>
       <dgm:t>
@@ -2229,32 +2231,32 @@
       <dgm:prSet presAssocID="{6555935B-51AA-431D-A353-A0EACD8CAB99}" presName="hierChild5" presStyleCnt="0"/>
       <dgm:spPr/>
     </dgm:pt>
-    <dgm:pt modelId="{586EC18B-A953-4CB0-A438-6555E84C2D98}" type="pres">
-      <dgm:prSet presAssocID="{2C8FE63D-E993-4A3E-8A33-B8D29403A613}" presName="Name23" presStyleLbl="parChTrans1D4" presStyleIdx="1" presStyleCnt="2"/>
+    <dgm:pt modelId="{7AEDC4B6-F3B3-4AEC-91E2-6AD08D728D09}" type="pres">
+      <dgm:prSet presAssocID="{FA312F87-3F53-4EC6-9191-E08BCD1BE668}" presName="Name23" presStyleLbl="parChTrans1D4" presStyleIdx="1" presStyleCnt="2"/>
       <dgm:spPr/>
     </dgm:pt>
-    <dgm:pt modelId="{2267C5D9-924D-4C62-A1CA-5956C903FC46}" type="pres">
-      <dgm:prSet presAssocID="{D3521F05-9530-4F27-B535-6163B31B1D06}" presName="hierRoot4" presStyleCnt="0"/>
+    <dgm:pt modelId="{366B93B9-BDF4-47AE-ADE9-B2DBB0AB1B7F}" type="pres">
+      <dgm:prSet presAssocID="{8D58FA3B-33BE-4453-9C5B-9BB7A66E81E9}" presName="hierRoot4" presStyleCnt="0"/>
       <dgm:spPr/>
     </dgm:pt>
-    <dgm:pt modelId="{177DC89A-CB56-4E03-808B-118D817C6EB7}" type="pres">
-      <dgm:prSet presAssocID="{D3521F05-9530-4F27-B535-6163B31B1D06}" presName="composite4" presStyleCnt="0"/>
+    <dgm:pt modelId="{64A50602-B15B-406E-BA58-2A7BF72B0A0E}" type="pres">
+      <dgm:prSet presAssocID="{8D58FA3B-33BE-4453-9C5B-9BB7A66E81E9}" presName="composite4" presStyleCnt="0"/>
       <dgm:spPr/>
     </dgm:pt>
-    <dgm:pt modelId="{F584569A-BD67-4DE6-9BD8-92BEFFC41A9E}" type="pres">
-      <dgm:prSet presAssocID="{D3521F05-9530-4F27-B535-6163B31B1D06}" presName="background4" presStyleLbl="node4" presStyleIdx="1" presStyleCnt="2"/>
+    <dgm:pt modelId="{B7828111-37CD-4929-81D1-A7DED3473E60}" type="pres">
+      <dgm:prSet presAssocID="{8D58FA3B-33BE-4453-9C5B-9BB7A66E81E9}" presName="background4" presStyleLbl="node4" presStyleIdx="1" presStyleCnt="2"/>
       <dgm:spPr/>
     </dgm:pt>
-    <dgm:pt modelId="{752CF616-9D73-48CE-A1A3-D0C38D8A1D16}" type="pres">
-      <dgm:prSet presAssocID="{D3521F05-9530-4F27-B535-6163B31B1D06}" presName="text4" presStyleLbl="fgAcc4" presStyleIdx="1" presStyleCnt="2">
+    <dgm:pt modelId="{1FDFDAC8-A22E-489E-9599-A9783BB6D1CD}" type="pres">
+      <dgm:prSet presAssocID="{8D58FA3B-33BE-4453-9C5B-9BB7A66E81E9}" presName="text4" presStyleLbl="fgAcc4" presStyleIdx="1" presStyleCnt="2">
         <dgm:presLayoutVars>
           <dgm:chPref val="3"/>
         </dgm:presLayoutVars>
       </dgm:prSet>
       <dgm:spPr/>
     </dgm:pt>
-    <dgm:pt modelId="{55AC045A-A82E-4F03-8EFF-CC06575D85A6}" type="pres">
-      <dgm:prSet presAssocID="{D3521F05-9530-4F27-B535-6163B31B1D06}" presName="hierChild5" presStyleCnt="0"/>
+    <dgm:pt modelId="{02BDA709-E2DF-4C41-9B22-AA237F256EC0}" type="pres">
+      <dgm:prSet presAssocID="{8D58FA3B-33BE-4453-9C5B-9BB7A66E81E9}" presName="hierChild5" presStyleCnt="0"/>
       <dgm:spPr/>
     </dgm:pt>
     <dgm:pt modelId="{9C03654A-D2E9-48A1-8824-985293A634AD}" type="pres">
@@ -2323,24 +2325,24 @@
     <dgm:cxn modelId="{7937BB26-F365-4482-B489-E2DBE680936C}" srcId="{0DEB1E9A-F126-437E-A44A-9445D528B89E}" destId="{8CD4D78B-8D92-41E1-BA73-49839FA78406}" srcOrd="2" destOrd="0" parTransId="{F822929D-036A-4265-9563-F86822B85C0A}" sibTransId="{7EDC8ACD-C08F-4AFF-8981-3E5F17627E34}"/>
     <dgm:cxn modelId="{A596EB29-B55B-4192-BABA-42750CBF3D0D}" srcId="{A602BA63-AA24-4A6F-B3D2-05C932DA0A16}" destId="{58D26165-62A9-41A5-88D9-2BBF9D00665E}" srcOrd="1" destOrd="0" parTransId="{C510D7E2-03C4-4E78-A225-98E31F7E4A1F}" sibTransId="{E067B458-F003-497E-B795-5E146ED35A59}"/>
     <dgm:cxn modelId="{5B8EBE40-544E-4E4D-8A84-97F884886614}" type="presOf" srcId="{8B283A49-F3EF-4C56-814B-DD5D4A9F1B8A}" destId="{262FA5A4-1E5F-485A-A515-37B15E26B460}" srcOrd="0" destOrd="0" presId="urn:microsoft.com/office/officeart/2005/8/layout/hierarchy1"/>
-    <dgm:cxn modelId="{FBD7635B-828A-4B45-81B2-47FEBA24E41B}" type="presOf" srcId="{D3521F05-9530-4F27-B535-6163B31B1D06}" destId="{752CF616-9D73-48CE-A1A3-D0C38D8A1D16}" srcOrd="0" destOrd="0" presId="urn:microsoft.com/office/officeart/2005/8/layout/hierarchy1"/>
-    <dgm:cxn modelId="{66EF825E-869C-444E-86C5-A2FB964E959B}" srcId="{58D26165-62A9-41A5-88D9-2BBF9D00665E}" destId="{D3521F05-9530-4F27-B535-6163B31B1D06}" srcOrd="1" destOrd="0" parTransId="{2C8FE63D-E993-4A3E-8A33-B8D29403A613}" sibTransId="{29F4312B-202F-4540-81E8-4EB10F854B13}"/>
+    <dgm:cxn modelId="{19E8045D-6C55-4CB8-A3F3-B04F62AFA64E}" type="presOf" srcId="{FA312F87-3F53-4EC6-9191-E08BCD1BE668}" destId="{7AEDC4B6-F3B3-4AEC-91E2-6AD08D728D09}" srcOrd="0" destOrd="0" presId="urn:microsoft.com/office/officeart/2005/8/layout/hierarchy1"/>
     <dgm:cxn modelId="{1DE69D5F-35AA-4BCC-BA07-EE3B1A4F1F8B}" type="presOf" srcId="{A602BA63-AA24-4A6F-B3D2-05C932DA0A16}" destId="{377245DE-1A0D-4671-B71C-65FA4C2509BE}" srcOrd="0" destOrd="0" presId="urn:microsoft.com/office/officeart/2005/8/layout/hierarchy1"/>
     <dgm:cxn modelId="{D206DA62-A457-4144-8B2F-A73FD3666AAD}" type="presOf" srcId="{B947A450-AD82-42A5-8A7C-02A4474B94FA}" destId="{F8D61C7F-1C88-4EC9-B0E7-7A0DDD50A51E}" srcOrd="0" destOrd="0" presId="urn:microsoft.com/office/officeart/2005/8/layout/hierarchy1"/>
     <dgm:cxn modelId="{5A6A336F-648A-4636-AF79-FBA521904B00}" srcId="{0DEB1E9A-F126-437E-A44A-9445D528B89E}" destId="{A602BA63-AA24-4A6F-B3D2-05C932DA0A16}" srcOrd="1" destOrd="0" parTransId="{CD1A2284-5014-43C5-B67D-4E5E972A1C9A}" sibTransId="{1E12BEBE-1B42-46FC-BF35-5445DE60636F}"/>
     <dgm:cxn modelId="{A50F3C51-DDAA-4243-B0D9-C3097F0ACD62}" type="presOf" srcId="{C510D7E2-03C4-4E78-A225-98E31F7E4A1F}" destId="{728B99D5-059F-4BB8-8D8D-3B64156841C3}" srcOrd="0" destOrd="0" presId="urn:microsoft.com/office/officeart/2005/8/layout/hierarchy1"/>
     <dgm:cxn modelId="{22687C77-16A2-401A-B403-A94BE067FEED}" type="presOf" srcId="{8CD4D78B-8D92-41E1-BA73-49839FA78406}" destId="{7D1A2BF0-D3B4-4DFA-931B-7AC05DC9880E}" srcOrd="0" destOrd="0" presId="urn:microsoft.com/office/officeart/2005/8/layout/hierarchy1"/>
+    <dgm:cxn modelId="{B20B8A7B-D6AC-4011-AA7F-E889E83F0C5E}" srcId="{58D26165-62A9-41A5-88D9-2BBF9D00665E}" destId="{8D58FA3B-33BE-4453-9C5B-9BB7A66E81E9}" srcOrd="1" destOrd="0" parTransId="{FA312F87-3F53-4EC6-9191-E08BCD1BE668}" sibTransId="{DEBB937F-90FD-49E1-A26D-33F02B4FAA2E}"/>
     <dgm:cxn modelId="{D5911096-5D52-4946-A569-E0797FCEEF19}" type="presOf" srcId="{749E8053-43B6-47F3-B816-491B2A755C9B}" destId="{9BE78821-B8F2-4EFF-9C47-2DEEEADF3A25}" srcOrd="0" destOrd="0" presId="urn:microsoft.com/office/officeart/2005/8/layout/hierarchy1"/>
     <dgm:cxn modelId="{6310B69A-58FC-4E25-9E7E-E155D2277CDC}" srcId="{0DEB1E9A-F126-437E-A44A-9445D528B89E}" destId="{4B19359C-1B6F-4558-9DAD-1F888FE92920}" srcOrd="3" destOrd="0" parTransId="{5496CF39-E0C3-4F61-9D99-7639CF8451B9}" sibTransId="{4D1F4591-6362-461C-A5F0-71D439C63E45}"/>
     <dgm:cxn modelId="{E1DAE3AE-D5E8-4D14-AC1B-E9D825ABA076}" srcId="{0DEB1E9A-F126-437E-A44A-9445D528B89E}" destId="{C50F471A-8114-4DE4-91D0-E53321B00F58}" srcOrd="0" destOrd="0" parTransId="{B947A450-AD82-42A5-8A7C-02A4474B94FA}" sibTransId="{BB976397-E7F7-48A8-AE92-1A71CF30ACEA}"/>
     <dgm:cxn modelId="{772312BC-7DB3-4BBF-9283-60EF56A5AB7F}" type="presOf" srcId="{5496CF39-E0C3-4F61-9D99-7639CF8451B9}" destId="{8F0BB622-90CD-40E4-BDEA-C232B0A438B0}" srcOrd="0" destOrd="0" presId="urn:microsoft.com/office/officeart/2005/8/layout/hierarchy1"/>
-    <dgm:cxn modelId="{2C74D8BF-5DE4-4277-BBDD-5D2A88BE5B43}" type="presOf" srcId="{2C8FE63D-E993-4A3E-8A33-B8D29403A613}" destId="{586EC18B-A953-4CB0-A438-6555E84C2D98}" srcOrd="0" destOrd="0" presId="urn:microsoft.com/office/officeart/2005/8/layout/hierarchy1"/>
     <dgm:cxn modelId="{772E08C5-D1A2-4F7E-A273-0C78122ABC90}" srcId="{A602BA63-AA24-4A6F-B3D2-05C932DA0A16}" destId="{8B283A49-F3EF-4C56-814B-DD5D4A9F1B8A}" srcOrd="0" destOrd="0" parTransId="{40A15830-B140-44BF-BBCB-02F5DD0A30D8}" sibTransId="{C0F2A5AB-7AF9-47EB-A3A8-90303DC57A04}"/>
     <dgm:cxn modelId="{488FECD0-F08B-4770-89A4-474F09DA6C4E}" type="presOf" srcId="{CD1A2284-5014-43C5-B67D-4E5E972A1C9A}" destId="{2E337E27-9E53-4D8B-A76D-03B0C04670D4}" srcOrd="0" destOrd="0" presId="urn:microsoft.com/office/officeart/2005/8/layout/hierarchy1"/>
     <dgm:cxn modelId="{E1B1EFD0-7788-459F-999D-2DB88E2FFBAA}" type="presOf" srcId="{40A15830-B140-44BF-BBCB-02F5DD0A30D8}" destId="{8DC9F229-E839-4BE6-AE76-947D4DD8369D}" srcOrd="0" destOrd="0" presId="urn:microsoft.com/office/officeart/2005/8/layout/hierarchy1"/>
     <dgm:cxn modelId="{0FEB99DF-485A-4590-BB3E-439A395CA224}" srcId="{00E31F5A-C3FD-45C1-A8C9-FADBA9648CA3}" destId="{0DEB1E9A-F126-437E-A44A-9445D528B89E}" srcOrd="0" destOrd="0" parTransId="{A4978033-C23B-4AEB-A9C2-076C3DB37158}" sibTransId="{716ACED6-2CE6-41C3-9BDF-7473020E347C}"/>
     <dgm:cxn modelId="{3732D0E0-8034-4CF5-B66B-10622D2E1136}" type="presOf" srcId="{6555935B-51AA-431D-A353-A0EACD8CAB99}" destId="{D2DC1C43-BC55-4BEA-9F41-F71F114320AD}" srcOrd="0" destOrd="0" presId="urn:microsoft.com/office/officeart/2005/8/layout/hierarchy1"/>
     <dgm:cxn modelId="{A963FFE6-C129-4EE6-8834-A6BB56BB0066}" type="presOf" srcId="{F822929D-036A-4265-9563-F86822B85C0A}" destId="{9C03654A-D2E9-48A1-8824-985293A634AD}" srcOrd="0" destOrd="0" presId="urn:microsoft.com/office/officeart/2005/8/layout/hierarchy1"/>
+    <dgm:cxn modelId="{41A422E7-0B37-4A8D-B433-5269567D0FF8}" type="presOf" srcId="{8D58FA3B-33BE-4453-9C5B-9BB7A66E81E9}" destId="{1FDFDAC8-A22E-489E-9599-A9783BB6D1CD}" srcOrd="0" destOrd="0" presId="urn:microsoft.com/office/officeart/2005/8/layout/hierarchy1"/>
     <dgm:cxn modelId="{C6A68AF3-9B34-4829-B518-CC33004BA8FA}" type="presOf" srcId="{00E31F5A-C3FD-45C1-A8C9-FADBA9648CA3}" destId="{D0DCE88D-3FA0-477D-9757-53979494EBE3}" srcOrd="0" destOrd="0" presId="urn:microsoft.com/office/officeart/2005/8/layout/hierarchy1"/>
     <dgm:cxn modelId="{2464634C-063E-44BC-9E46-B13BF356510B}" type="presParOf" srcId="{D0DCE88D-3FA0-477D-9757-53979494EBE3}" destId="{78233411-2E54-4C20-A8E0-558D9C7B85B7}" srcOrd="0" destOrd="0" presId="urn:microsoft.com/office/officeart/2005/8/layout/hierarchy1"/>
     <dgm:cxn modelId="{F431E517-AE11-49EF-92E2-63CB35DD6165}" type="presParOf" srcId="{78233411-2E54-4C20-A8E0-558D9C7B85B7}" destId="{6ACAFEF6-BE8F-4120-ABE7-EF37A1D3C8BA}" srcOrd="0" destOrd="0" presId="urn:microsoft.com/office/officeart/2005/8/layout/hierarchy1"/>
@@ -2377,12 +2379,12 @@
     <dgm:cxn modelId="{C5D60CC9-71DA-4AAD-ADA1-41955D91EAF8}" type="presParOf" srcId="{7BC34C25-496F-46AE-93F3-A20A33BA6823}" destId="{DB0E2FC0-D3E0-4E35-94C0-7A6DC9BA417A}" srcOrd="0" destOrd="0" presId="urn:microsoft.com/office/officeart/2005/8/layout/hierarchy1"/>
     <dgm:cxn modelId="{662F680A-54B6-4879-9257-7E1B09DC34B7}" type="presParOf" srcId="{7BC34C25-496F-46AE-93F3-A20A33BA6823}" destId="{D2DC1C43-BC55-4BEA-9F41-F71F114320AD}" srcOrd="1" destOrd="0" presId="urn:microsoft.com/office/officeart/2005/8/layout/hierarchy1"/>
     <dgm:cxn modelId="{209EBB01-43B5-4819-97D6-4E412247C823}" type="presParOf" srcId="{C4A3C9A8-E758-48C1-BE02-79EFE77F7476}" destId="{ADEF3962-DAF3-4B46-BF21-47EF089A6D50}" srcOrd="1" destOrd="0" presId="urn:microsoft.com/office/officeart/2005/8/layout/hierarchy1"/>
-    <dgm:cxn modelId="{920C5C8F-A4E3-49FA-96A8-0583F6A5C383}" type="presParOf" srcId="{A62C9B9E-207A-4B03-A2EF-A12934E9B274}" destId="{586EC18B-A953-4CB0-A438-6555E84C2D98}" srcOrd="2" destOrd="0" presId="urn:microsoft.com/office/officeart/2005/8/layout/hierarchy1"/>
-    <dgm:cxn modelId="{DC0D2C7C-F127-4410-A29F-A4361FA89B0F}" type="presParOf" srcId="{A62C9B9E-207A-4B03-A2EF-A12934E9B274}" destId="{2267C5D9-924D-4C62-A1CA-5956C903FC46}" srcOrd="3" destOrd="0" presId="urn:microsoft.com/office/officeart/2005/8/layout/hierarchy1"/>
-    <dgm:cxn modelId="{8DEE4FF9-B20A-4B54-9680-A438BDFA8EB6}" type="presParOf" srcId="{2267C5D9-924D-4C62-A1CA-5956C903FC46}" destId="{177DC89A-CB56-4E03-808B-118D817C6EB7}" srcOrd="0" destOrd="0" presId="urn:microsoft.com/office/officeart/2005/8/layout/hierarchy1"/>
-    <dgm:cxn modelId="{DDB0DFB1-2E04-4969-A732-A0D4751F65D3}" type="presParOf" srcId="{177DC89A-CB56-4E03-808B-118D817C6EB7}" destId="{F584569A-BD67-4DE6-9BD8-92BEFFC41A9E}" srcOrd="0" destOrd="0" presId="urn:microsoft.com/office/officeart/2005/8/layout/hierarchy1"/>
-    <dgm:cxn modelId="{F9431125-1B36-44A5-B0DB-2526033848AA}" type="presParOf" srcId="{177DC89A-CB56-4E03-808B-118D817C6EB7}" destId="{752CF616-9D73-48CE-A1A3-D0C38D8A1D16}" srcOrd="1" destOrd="0" presId="urn:microsoft.com/office/officeart/2005/8/layout/hierarchy1"/>
-    <dgm:cxn modelId="{6CE111E5-7D78-4D6A-AD8E-E32FAF956648}" type="presParOf" srcId="{2267C5D9-924D-4C62-A1CA-5956C903FC46}" destId="{55AC045A-A82E-4F03-8EFF-CC06575D85A6}" srcOrd="1" destOrd="0" presId="urn:microsoft.com/office/officeart/2005/8/layout/hierarchy1"/>
+    <dgm:cxn modelId="{DCB7670C-C183-45F1-BE12-88D40F93120D}" type="presParOf" srcId="{A62C9B9E-207A-4B03-A2EF-A12934E9B274}" destId="{7AEDC4B6-F3B3-4AEC-91E2-6AD08D728D09}" srcOrd="2" destOrd="0" presId="urn:microsoft.com/office/officeart/2005/8/layout/hierarchy1"/>
+    <dgm:cxn modelId="{462F93D4-EE8D-4DAE-BB8A-D6DE647DFF5A}" type="presParOf" srcId="{A62C9B9E-207A-4B03-A2EF-A12934E9B274}" destId="{366B93B9-BDF4-47AE-ADE9-B2DBB0AB1B7F}" srcOrd="3" destOrd="0" presId="urn:microsoft.com/office/officeart/2005/8/layout/hierarchy1"/>
+    <dgm:cxn modelId="{C8F127B7-E82E-4158-A66C-2C7D573F8300}" type="presParOf" srcId="{366B93B9-BDF4-47AE-ADE9-B2DBB0AB1B7F}" destId="{64A50602-B15B-406E-BA58-2A7BF72B0A0E}" srcOrd="0" destOrd="0" presId="urn:microsoft.com/office/officeart/2005/8/layout/hierarchy1"/>
+    <dgm:cxn modelId="{E3555B90-64DF-4375-BF2C-FB2C941AEFDA}" type="presParOf" srcId="{64A50602-B15B-406E-BA58-2A7BF72B0A0E}" destId="{B7828111-37CD-4929-81D1-A7DED3473E60}" srcOrd="0" destOrd="0" presId="urn:microsoft.com/office/officeart/2005/8/layout/hierarchy1"/>
+    <dgm:cxn modelId="{A81ECD28-2F20-4732-A196-116D236BD331}" type="presParOf" srcId="{64A50602-B15B-406E-BA58-2A7BF72B0A0E}" destId="{1FDFDAC8-A22E-489E-9599-A9783BB6D1CD}" srcOrd="1" destOrd="0" presId="urn:microsoft.com/office/officeart/2005/8/layout/hierarchy1"/>
+    <dgm:cxn modelId="{C32EDBB0-5DAC-4D78-A5DD-BA19CA812D9D}" type="presParOf" srcId="{366B93B9-BDF4-47AE-ADE9-B2DBB0AB1B7F}" destId="{02BDA709-E2DF-4C41-9B22-AA237F256EC0}" srcOrd="1" destOrd="0" presId="urn:microsoft.com/office/officeart/2005/8/layout/hierarchy1"/>
     <dgm:cxn modelId="{ECD03249-00CC-4764-B73C-3FF588E747C8}" type="presParOf" srcId="{A35C5655-3F55-4B5F-AFBF-C37116D442A4}" destId="{9C03654A-D2E9-48A1-8824-985293A634AD}" srcOrd="4" destOrd="0" presId="urn:microsoft.com/office/officeart/2005/8/layout/hierarchy1"/>
     <dgm:cxn modelId="{40CA92F7-0045-4FD2-A3B2-8890F17400B6}" type="presParOf" srcId="{A35C5655-3F55-4B5F-AFBF-C37116D442A4}" destId="{FDC49B8E-262F-44A4-9010-8EDCE756F81F}" srcOrd="5" destOrd="0" presId="urn:microsoft.com/office/officeart/2005/8/layout/hierarchy1"/>
     <dgm:cxn modelId="{266C76ED-3F06-4BEC-81CD-0D8CEE69F94A}" type="presParOf" srcId="{FDC49B8E-262F-44A4-9010-8EDCE756F81F}" destId="{2AC358FF-6EF3-4265-90BA-71DAA21D2F40}" srcOrd="0" destOrd="0" presId="urn:microsoft.com/office/officeart/2005/8/layout/hierarchy1"/>
@@ -3111,7 +3113,7 @@
         <a:fontRef idx="minor"/>
       </dsp:style>
     </dsp:sp>
-    <dsp:sp modelId="{586EC18B-A953-4CB0-A438-6555E84C2D98}">
+    <dsp:sp modelId="{7AEDC4B6-F3B3-4AEC-91E2-6AD08D728D09}">
       <dsp:nvSpPr>
         <dsp:cNvPr id="0" name=""/>
         <dsp:cNvSpPr/>
@@ -4514,7 +4516,7 @@
           </a:pPr>
           <a:r>
             <a:rPr lang="ru-RU" sz="1300" kern="1200" dirty="0"/>
-            <a:t>Треугольник</a:t>
+            <a:t>Прямоугольник</a:t>
           </a:r>
         </a:p>
         <a:p>
@@ -4532,7 +4534,7 @@
           </a:pPr>
           <a:r>
             <a:rPr lang="ru-RU" sz="1300" kern="1200" dirty="0"/>
-            <a:t>(крыша)</a:t>
+            <a:t>(труба)</a:t>
           </a:r>
         </a:p>
       </dsp:txBody>
@@ -4541,7 +4543,7 @@
         <a:ext cx="1265706" cy="785874"/>
       </dsp:txXfrm>
     </dsp:sp>
-    <dsp:sp modelId="{F584569A-BD67-4DE6-9BD8-92BEFFC41A9E}">
+    <dsp:sp modelId="{B7828111-37CD-4929-81D1-A7DED3473E60}">
       <dsp:nvSpPr>
         <dsp:cNvPr id="0" name=""/>
         <dsp:cNvSpPr/>
@@ -4624,7 +4626,7 @@
         </a:fontRef>
       </dsp:style>
     </dsp:sp>
-    <dsp:sp modelId="{752CF616-9D73-48CE-A1A3-D0C38D8A1D16}">
+    <dsp:sp modelId="{1FDFDAC8-A22E-489E-9599-A9783BB6D1CD}">
       <dsp:nvSpPr>
         <dsp:cNvPr id="0" name=""/>
         <dsp:cNvSpPr/>
@@ -4692,9 +4694,10 @@
             <a:buNone/>
           </a:pPr>
           <a:r>
-            <a:rPr lang="ru-RU" sz="1300" kern="1200" dirty="0"/>
-            <a:t>Прямоугольник</a:t>
+            <a:rPr lang="ru-RU" sz="1300" kern="1200"/>
+            <a:t>Треугольник</a:t>
           </a:r>
+          <a:endParaRPr lang="ru-RU" sz="1300" kern="1200" dirty="0"/>
         </a:p>
         <a:p>
           <a:pPr marL="0" lvl="0" indent="0" algn="ctr" defTabSz="577850">
@@ -4711,7 +4714,7 @@
           </a:pPr>
           <a:r>
             <a:rPr lang="ru-RU" sz="1300" kern="1200" dirty="0"/>
-            <a:t>(труба)</a:t>
+            <a:t>(крыша)</a:t>
           </a:r>
         </a:p>
       </dsp:txBody>
@@ -9693,7 +9696,7 @@
           <a:p>
             <a:fld id="{2F3DCB6D-0B48-4A3D-B663-06C3F903A9D3}" type="datetimeFigureOut">
               <a:rPr lang="ru-RU" smtClean="0"/>
-              <a:t>22.10.2020</a:t>
+              <a:t>17.11.2021</a:t>
             </a:fld>
             <a:endParaRPr lang="ru-RU"/>
           </a:p>
@@ -10290,7 +10293,7 @@
           <a:p>
             <a:fld id="{2590F9C9-AB92-4E86-B698-DEC9BF4350FF}" type="datetimeFigureOut">
               <a:rPr lang="ru-RU" smtClean="0"/>
-              <a:t>22.10.2020</a:t>
+              <a:t>17.11.2021</a:t>
             </a:fld>
             <a:endParaRPr lang="ru-RU"/>
           </a:p>
@@ -10507,7 +10510,7 @@
           <a:p>
             <a:fld id="{2590F9C9-AB92-4E86-B698-DEC9BF4350FF}" type="datetimeFigureOut">
               <a:rPr lang="ru-RU" smtClean="0"/>
-              <a:t>22.10.2020</a:t>
+              <a:t>17.11.2021</a:t>
             </a:fld>
             <a:endParaRPr lang="ru-RU"/>
           </a:p>
@@ -10779,7 +10782,7 @@
           <a:p>
             <a:fld id="{2590F9C9-AB92-4E86-B698-DEC9BF4350FF}" type="datetimeFigureOut">
               <a:rPr lang="ru-RU" smtClean="0"/>
-              <a:t>22.10.2020</a:t>
+              <a:t>17.11.2021</a:t>
             </a:fld>
             <a:endParaRPr lang="ru-RU"/>
           </a:p>
@@ -10954,7 +10957,7 @@
           <a:p>
             <a:fld id="{2590F9C9-AB92-4E86-B698-DEC9BF4350FF}" type="datetimeFigureOut">
               <a:rPr lang="ru-RU" smtClean="0"/>
-              <a:t>22.10.2020</a:t>
+              <a:t>17.11.2021</a:t>
             </a:fld>
             <a:endParaRPr lang="ru-RU"/>
           </a:p>
@@ -11308,7 +11311,7 @@
           <a:p>
             <a:fld id="{2590F9C9-AB92-4E86-B698-DEC9BF4350FF}" type="datetimeFigureOut">
               <a:rPr lang="ru-RU" smtClean="0"/>
-              <a:t>22.10.2020</a:t>
+              <a:t>17.11.2021</a:t>
             </a:fld>
             <a:endParaRPr lang="ru-RU"/>
           </a:p>
@@ -11593,7 +11596,7 @@
           <a:p>
             <a:fld id="{2590F9C9-AB92-4E86-B698-DEC9BF4350FF}" type="datetimeFigureOut">
               <a:rPr lang="ru-RU" smtClean="0"/>
-              <a:t>22.10.2020</a:t>
+              <a:t>17.11.2021</a:t>
             </a:fld>
             <a:endParaRPr lang="ru-RU"/>
           </a:p>
@@ -12015,7 +12018,7 @@
           <a:p>
             <a:fld id="{2590F9C9-AB92-4E86-B698-DEC9BF4350FF}" type="datetimeFigureOut">
               <a:rPr lang="ru-RU" smtClean="0"/>
-              <a:t>22.10.2020</a:t>
+              <a:t>17.11.2021</a:t>
             </a:fld>
             <a:endParaRPr lang="ru-RU"/>
           </a:p>
@@ -12128,7 +12131,7 @@
           <a:p>
             <a:fld id="{2590F9C9-AB92-4E86-B698-DEC9BF4350FF}" type="datetimeFigureOut">
               <a:rPr lang="ru-RU" smtClean="0"/>
-              <a:t>22.10.2020</a:t>
+              <a:t>17.11.2021</a:t>
             </a:fld>
             <a:endParaRPr lang="ru-RU"/>
           </a:p>
@@ -12218,7 +12221,7 @@
           <a:p>
             <a:fld id="{2590F9C9-AB92-4E86-B698-DEC9BF4350FF}" type="datetimeFigureOut">
               <a:rPr lang="ru-RU" smtClean="0"/>
-              <a:t>22.10.2020</a:t>
+              <a:t>17.11.2021</a:t>
             </a:fld>
             <a:endParaRPr lang="ru-RU"/>
           </a:p>
@@ -12496,7 +12499,7 @@
           <a:p>
             <a:fld id="{2590F9C9-AB92-4E86-B698-DEC9BF4350FF}" type="datetimeFigureOut">
               <a:rPr lang="ru-RU" smtClean="0"/>
-              <a:t>22.10.2020</a:t>
+              <a:t>17.11.2021</a:t>
             </a:fld>
             <a:endParaRPr lang="ru-RU"/>
           </a:p>
@@ -12858,7 +12861,7 @@
           <a:p>
             <a:fld id="{2590F9C9-AB92-4E86-B698-DEC9BF4350FF}" type="datetimeFigureOut">
               <a:rPr lang="ru-RU" smtClean="0"/>
-              <a:t>22.10.2020</a:t>
+              <a:t>17.11.2021</a:t>
             </a:fld>
             <a:endParaRPr lang="ru-RU"/>
           </a:p>
@@ -13283,7 +13286,7 @@
           <a:p>
             <a:fld id="{2590F9C9-AB92-4E86-B698-DEC9BF4350FF}" type="datetimeFigureOut">
               <a:rPr lang="ru-RU" smtClean="0"/>
-              <a:t>22.10.2020</a:t>
+              <a:t>17.11.2021</a:t>
             </a:fld>
             <a:endParaRPr lang="ru-RU"/>
           </a:p>
@@ -14837,7 +14840,7 @@
             <p:ph idx="1"/>
             <p:extLst>
               <p:ext uri="{D42A27DB-BD31-4B8C-83A1-F6EECF244321}">
-                <p14:modId xmlns:p14="http://schemas.microsoft.com/office/powerpoint/2010/main" val="2110782692"/>
+                <p14:modId xmlns:p14="http://schemas.microsoft.com/office/powerpoint/2010/main" val="2979825798"/>
               </p:ext>
             </p:extLst>
           </p:nvPr>
@@ -25615,6 +25618,96 @@
       </p:grpSpPr>
       <p:sp>
         <p:nvSpPr>
+          <p:cNvPr id="2" name="Заголовок 1">
+            <a:extLst>
+              <a:ext uri="{FF2B5EF4-FFF2-40B4-BE49-F238E27FC236}">
+                <a16:creationId xmlns:a16="http://schemas.microsoft.com/office/drawing/2014/main" id="{53A02BF9-92B4-4025-997C-7D7E2919ADD0}"/>
+              </a:ext>
+            </a:extLst>
+          </p:cNvPr>
+          <p:cNvSpPr>
+            <a:spLocks noGrp="1"/>
+          </p:cNvSpPr>
+          <p:nvPr>
+            <p:ph type="title"/>
+          </p:nvPr>
+        </p:nvSpPr>
+        <p:spPr/>
+        <p:txBody>
+          <a:bodyPr>
+            <a:normAutofit fontScale="90000"/>
+          </a:bodyPr>
+          <a:lstStyle/>
+          <a:p>
+            <a:r>
+              <a:rPr lang="ru-RU" dirty="0"/>
+              <a:t>Вариант реализации стилей у групп</a:t>
+            </a:r>
+          </a:p>
+        </p:txBody>
+      </p:sp>
+      <p:pic>
+        <p:nvPicPr>
+          <p:cNvPr id="5" name="Объект 4">
+            <a:extLst>
+              <a:ext uri="{FF2B5EF4-FFF2-40B4-BE49-F238E27FC236}">
+                <a16:creationId xmlns:a16="http://schemas.microsoft.com/office/drawing/2014/main" id="{2F1BE4D6-5181-4234-8D63-FE942E04539F}"/>
+              </a:ext>
+            </a:extLst>
+          </p:cNvPr>
+          <p:cNvPicPr>
+            <a:picLocks noGrp="1" noChangeAspect="1"/>
+          </p:cNvPicPr>
+          <p:nvPr>
+            <p:ph idx="1"/>
+          </p:nvPr>
+        </p:nvPicPr>
+        <p:blipFill>
+          <a:blip r:embed="rId2" cstate="print">
+            <a:extLst>
+              <a:ext uri="{28A0092B-C50C-407E-A947-70E740481C1C}">
+                <a14:useLocalDpi xmlns:a14="http://schemas.microsoft.com/office/drawing/2010/main" val="0"/>
+              </a:ext>
+            </a:extLst>
+          </a:blip>
+          <a:stretch>
+            <a:fillRect/>
+          </a:stretch>
+        </p:blipFill>
+        <p:spPr/>
+      </p:pic>
+    </p:spTree>
+    <p:extLst>
+      <p:ext uri="{BB962C8B-B14F-4D97-AF65-F5344CB8AC3E}">
+        <p14:creationId xmlns:p14="http://schemas.microsoft.com/office/powerpoint/2010/main" val="3350976447"/>
+      </p:ext>
+    </p:extLst>
+  </p:cSld>
+  <p:clrMapOvr>
+    <a:masterClrMapping/>
+  </p:clrMapOvr>
+</p:sld>
+</file>
+
+<file path=ppt/slides/slide38.xml><?xml version="1.0" encoding="utf-8"?>
+<p:sld xmlns:a="http://schemas.openxmlformats.org/drawingml/2006/main" xmlns:r="http://schemas.openxmlformats.org/officeDocument/2006/relationships" xmlns:p="http://schemas.openxmlformats.org/presentationml/2006/main">
+  <p:cSld>
+    <p:spTree>
+      <p:nvGrpSpPr>
+        <p:cNvPr id="1" name=""/>
+        <p:cNvGrpSpPr/>
+        <p:nvPr/>
+      </p:nvGrpSpPr>
+      <p:grpSpPr>
+        <a:xfrm>
+          <a:off x="0" y="0"/>
+          <a:ext cx="0" cy="0"/>
+          <a:chOff x="0" y="0"/>
+          <a:chExt cx="0" cy="0"/>
+        </a:xfrm>
+      </p:grpSpPr>
+      <p:sp>
+        <p:nvSpPr>
           <p:cNvPr id="2" name="Title 1">
             <a:extLst>
               <a:ext uri="{FF2B5EF4-FFF2-40B4-BE49-F238E27FC236}">

--- a/lectures/10.composite/composite.pptx
+++ b/lectures/10.composite/composite.pptx
@@ -5,7 +5,7 @@
     <p:sldMasterId id="2147483672" r:id="rId1"/>
   </p:sldMasterIdLst>
   <p:notesMasterIdLst>
-    <p:notesMasterId r:id="rId40"/>
+    <p:notesMasterId r:id="rId44"/>
   </p:notesMasterIdLst>
   <p:sldIdLst>
     <p:sldId id="256" r:id="rId2"/>
@@ -27,30 +27,34 @@
     <p:sldId id="274" r:id="rId18"/>
     <p:sldId id="275" r:id="rId19"/>
     <p:sldId id="276" r:id="rId20"/>
-    <p:sldId id="285" r:id="rId21"/>
-    <p:sldId id="277" r:id="rId22"/>
-    <p:sldId id="278" r:id="rId23"/>
-    <p:sldId id="279" r:id="rId24"/>
-    <p:sldId id="281" r:id="rId25"/>
-    <p:sldId id="282" r:id="rId26"/>
-    <p:sldId id="283" r:id="rId27"/>
-    <p:sldId id="284" r:id="rId28"/>
-    <p:sldId id="280" r:id="rId29"/>
-    <p:sldId id="286" r:id="rId30"/>
-    <p:sldId id="287" r:id="rId31"/>
-    <p:sldId id="288" r:id="rId32"/>
-    <p:sldId id="289" r:id="rId33"/>
-    <p:sldId id="290" r:id="rId34"/>
-    <p:sldId id="291" r:id="rId35"/>
-    <p:sldId id="292" r:id="rId36"/>
-    <p:sldId id="293" r:id="rId37"/>
-    <p:sldId id="295" r:id="rId38"/>
-    <p:sldId id="294" r:id="rId39"/>
+    <p:sldId id="296" r:id="rId21"/>
+    <p:sldId id="297" r:id="rId22"/>
+    <p:sldId id="277" r:id="rId23"/>
+    <p:sldId id="278" r:id="rId24"/>
+    <p:sldId id="279" r:id="rId25"/>
+    <p:sldId id="281" r:id="rId26"/>
+    <p:sldId id="282" r:id="rId27"/>
+    <p:sldId id="283" r:id="rId28"/>
+    <p:sldId id="284" r:id="rId29"/>
+    <p:sldId id="298" r:id="rId30"/>
+    <p:sldId id="299" r:id="rId31"/>
+    <p:sldId id="285" r:id="rId32"/>
+    <p:sldId id="286" r:id="rId33"/>
+    <p:sldId id="280" r:id="rId34"/>
+    <p:sldId id="287" r:id="rId35"/>
+    <p:sldId id="288" r:id="rId36"/>
+    <p:sldId id="289" r:id="rId37"/>
+    <p:sldId id="290" r:id="rId38"/>
+    <p:sldId id="291" r:id="rId39"/>
+    <p:sldId id="292" r:id="rId40"/>
+    <p:sldId id="293" r:id="rId41"/>
+    <p:sldId id="295" r:id="rId42"/>
+    <p:sldId id="294" r:id="rId43"/>
   </p:sldIdLst>
   <p:sldSz cx="9144000" cy="6858000" type="screen4x3"/>
   <p:notesSz cx="6858000" cy="9144000"/>
   <p:custDataLst>
-    <p:tags r:id="rId41"/>
+    <p:tags r:id="rId45"/>
   </p:custDataLst>
   <p:defaultTextStyle>
     <a:defPPr>
@@ -9696,7 +9700,7 @@
           <a:p>
             <a:fld id="{2F3DCB6D-0B48-4A3D-B663-06C3F903A9D3}" type="datetimeFigureOut">
               <a:rPr lang="ru-RU" smtClean="0"/>
-              <a:t>17.11.2021</a:t>
+              <a:t>03.11.2023</a:t>
             </a:fld>
             <a:endParaRPr lang="ru-RU"/>
           </a:p>
@@ -10047,6 +10051,470 @@
 </p:notes>
 </file>
 
+<file path=ppt/notesSlides/notesSlide2.xml><?xml version="1.0" encoding="utf-8"?>
+<p:notes xmlns:a="http://schemas.openxmlformats.org/drawingml/2006/main" xmlns:r="http://schemas.openxmlformats.org/officeDocument/2006/relationships" xmlns:p="http://schemas.openxmlformats.org/presentationml/2006/main">
+  <p:cSld>
+    <p:spTree>
+      <p:nvGrpSpPr>
+        <p:cNvPr id="1" name=""/>
+        <p:cNvGrpSpPr/>
+        <p:nvPr/>
+      </p:nvGrpSpPr>
+      <p:grpSpPr>
+        <a:xfrm>
+          <a:off x="0" y="0"/>
+          <a:ext cx="0" cy="0"/>
+          <a:chOff x="0" y="0"/>
+          <a:chExt cx="0" cy="0"/>
+        </a:xfrm>
+      </p:grpSpPr>
+      <p:sp>
+        <p:nvSpPr>
+          <p:cNvPr id="2" name="Slide Image Placeholder 1"/>
+          <p:cNvSpPr>
+            <a:spLocks noGrp="1" noRot="1" noChangeAspect="1"/>
+          </p:cNvSpPr>
+          <p:nvPr>
+            <p:ph type="sldImg"/>
+          </p:nvPr>
+        </p:nvSpPr>
+        <p:spPr/>
+      </p:sp>
+      <p:sp>
+        <p:nvSpPr>
+          <p:cNvPr id="3" name="Notes Placeholder 2"/>
+          <p:cNvSpPr>
+            <a:spLocks noGrp="1"/>
+          </p:cNvSpPr>
+          <p:nvPr>
+            <p:ph type="body" idx="1"/>
+          </p:nvPr>
+        </p:nvSpPr>
+        <p:spPr/>
+        <p:txBody>
+          <a:bodyPr/>
+          <a:lstStyle/>
+          <a:p>
+            <a:r>
+              <a:rPr lang="ru-RU" dirty="0"/>
+              <a:t>В паттерне компоновщик мы придаем особое значение прозрачности, а не безопасности. Если для вас важнее безопасность, будьте готовы к тому, что в некоторых случаях вы можете потерять информацию о типе, и компонент придется преобразовывать к типу составного объекта.</a:t>
+            </a:r>
+          </a:p>
+          <a:p>
+            <a:r>
+              <a:rPr lang="ru-RU" dirty="0"/>
+              <a:t>Можно, например, объявить в классе </a:t>
+            </a:r>
+            <a:r>
+              <a:rPr lang="ru-RU" dirty="0" err="1"/>
+              <a:t>Component</a:t>
+            </a:r>
+            <a:r>
+              <a:rPr lang="ru-RU" dirty="0"/>
+              <a:t> операцию </a:t>
+            </a:r>
+            <a:r>
+              <a:rPr lang="ru-RU" dirty="0" err="1"/>
+              <a:t>Composite</a:t>
+            </a:r>
+            <a:r>
+              <a:rPr lang="ru-RU" dirty="0"/>
+              <a:t>* </a:t>
+            </a:r>
+            <a:r>
+              <a:rPr lang="ru-RU" dirty="0" err="1"/>
+              <a:t>GetComposite</a:t>
+            </a:r>
+            <a:r>
+              <a:rPr lang="ru-RU" dirty="0"/>
+              <a:t>(). Класс </a:t>
+            </a:r>
+            <a:r>
+              <a:rPr lang="ru-RU" dirty="0" err="1"/>
+              <a:t>Component</a:t>
+            </a:r>
+            <a:r>
+              <a:rPr lang="ru-RU" dirty="0"/>
+              <a:t> реализует ее по умолчанию, возвращая </a:t>
+            </a:r>
+            <a:r>
+              <a:rPr lang="ru-RU" dirty="0" err="1"/>
+              <a:t>null</a:t>
+            </a:r>
+            <a:r>
+              <a:rPr lang="ru-RU" dirty="0"/>
+              <a:t>-указатель. А в классе </a:t>
+            </a:r>
+            <a:r>
+              <a:rPr lang="ru-RU" dirty="0" err="1"/>
+              <a:t>Composite</a:t>
+            </a:r>
+            <a:r>
+              <a:rPr lang="ru-RU" dirty="0"/>
+              <a:t> эта операция переопределена, чтобы она возвращала текущий объект в виде указателя </a:t>
+            </a:r>
+            <a:r>
+              <a:rPr lang="ru-RU" dirty="0" err="1"/>
+              <a:t>this</a:t>
+            </a:r>
+            <a:endParaRPr lang="ru-RU" dirty="0"/>
+          </a:p>
+        </p:txBody>
+      </p:sp>
+      <p:sp>
+        <p:nvSpPr>
+          <p:cNvPr id="4" name="Slide Number Placeholder 3"/>
+          <p:cNvSpPr>
+            <a:spLocks noGrp="1"/>
+          </p:cNvSpPr>
+          <p:nvPr>
+            <p:ph type="sldNum" sz="quarter" idx="5"/>
+          </p:nvPr>
+        </p:nvSpPr>
+        <p:spPr/>
+        <p:txBody>
+          <a:bodyPr/>
+          <a:lstStyle/>
+          <a:p>
+            <a:fld id="{C72A1285-F988-4153-B7C5-B887A867730D}" type="slidenum">
+              <a:rPr lang="ru-RU" smtClean="0"/>
+              <a:t>26</a:t>
+            </a:fld>
+            <a:endParaRPr lang="ru-RU"/>
+          </a:p>
+        </p:txBody>
+      </p:sp>
+    </p:spTree>
+    <p:extLst>
+      <p:ext uri="{BB962C8B-B14F-4D97-AF65-F5344CB8AC3E}">
+        <p14:creationId xmlns:p14="http://schemas.microsoft.com/office/powerpoint/2010/main" val="1183854881"/>
+      </p:ext>
+    </p:extLst>
+  </p:cSld>
+  <p:clrMapOvr>
+    <a:masterClrMapping/>
+  </p:clrMapOvr>
+</p:notes>
+</file>
+
+<file path=ppt/notesSlides/notesSlide3.xml><?xml version="1.0" encoding="utf-8"?>
+<p:notes xmlns:a="http://schemas.openxmlformats.org/drawingml/2006/main" xmlns:r="http://schemas.openxmlformats.org/officeDocument/2006/relationships" xmlns:p="http://schemas.openxmlformats.org/presentationml/2006/main">
+  <p:cSld>
+    <p:spTree>
+      <p:nvGrpSpPr>
+        <p:cNvPr id="1" name=""/>
+        <p:cNvGrpSpPr/>
+        <p:nvPr/>
+      </p:nvGrpSpPr>
+      <p:grpSpPr>
+        <a:xfrm>
+          <a:off x="0" y="0"/>
+          <a:ext cx="0" cy="0"/>
+          <a:chOff x="0" y="0"/>
+          <a:chExt cx="0" cy="0"/>
+        </a:xfrm>
+      </p:grpSpPr>
+      <p:sp>
+        <p:nvSpPr>
+          <p:cNvPr id="2" name="Slide Image Placeholder 1"/>
+          <p:cNvSpPr>
+            <a:spLocks noGrp="1" noRot="1" noChangeAspect="1"/>
+          </p:cNvSpPr>
+          <p:nvPr>
+            <p:ph type="sldImg"/>
+          </p:nvPr>
+        </p:nvSpPr>
+        <p:spPr/>
+      </p:sp>
+      <p:sp>
+        <p:nvSpPr>
+          <p:cNvPr id="3" name="Notes Placeholder 2"/>
+          <p:cNvSpPr>
+            <a:spLocks noGrp="1"/>
+          </p:cNvSpPr>
+          <p:nvPr>
+            <p:ph type="body" idx="1"/>
+          </p:nvPr>
+        </p:nvSpPr>
+        <p:spPr/>
+        <p:txBody>
+          <a:bodyPr/>
+          <a:lstStyle/>
+          <a:p>
+            <a:r>
+              <a:rPr lang="ru-RU" dirty="0"/>
+              <a:t>Благодаря операции </a:t>
+            </a:r>
+            <a:r>
+              <a:rPr lang="ru-RU" dirty="0" err="1"/>
+              <a:t>GetComposite</a:t>
+            </a:r>
+            <a:r>
+              <a:rPr lang="ru-RU" dirty="0"/>
+              <a:t> можно спросить у компонента, является ли он составным. К возвращаемому этой операцией составному объекту допустимо безопасно применять операции </a:t>
+            </a:r>
+            <a:r>
+              <a:rPr lang="ru-RU" dirty="0" err="1"/>
+              <a:t>Add</a:t>
+            </a:r>
+            <a:r>
+              <a:rPr lang="ru-RU" dirty="0"/>
+              <a:t> и </a:t>
+            </a:r>
+            <a:r>
+              <a:rPr lang="ru-RU" dirty="0" err="1"/>
+              <a:t>Remove</a:t>
+            </a:r>
+            <a:endParaRPr lang="ru-RU" dirty="0"/>
+          </a:p>
+          <a:p>
+            <a:endParaRPr lang="ru-RU" dirty="0"/>
+          </a:p>
+          <a:p>
+            <a:r>
+              <a:rPr lang="ru-RU" dirty="0"/>
+              <a:t>Разумеется, недостаток такого подхода заключается в том, что мы не обращаемся со всеми компонентами единообразно. Снова приходится проверять тип, перед тем как предпринять то или иное действие</a:t>
+            </a:r>
+          </a:p>
+        </p:txBody>
+      </p:sp>
+      <p:sp>
+        <p:nvSpPr>
+          <p:cNvPr id="4" name="Slide Number Placeholder 3"/>
+          <p:cNvSpPr>
+            <a:spLocks noGrp="1"/>
+          </p:cNvSpPr>
+          <p:nvPr>
+            <p:ph type="sldNum" sz="quarter" idx="5"/>
+          </p:nvPr>
+        </p:nvSpPr>
+        <p:spPr/>
+        <p:txBody>
+          <a:bodyPr/>
+          <a:lstStyle/>
+          <a:p>
+            <a:fld id="{C72A1285-F988-4153-B7C5-B887A867730D}" type="slidenum">
+              <a:rPr lang="ru-RU" smtClean="0"/>
+              <a:t>27</a:t>
+            </a:fld>
+            <a:endParaRPr lang="ru-RU"/>
+          </a:p>
+        </p:txBody>
+      </p:sp>
+    </p:spTree>
+    <p:extLst>
+      <p:ext uri="{BB962C8B-B14F-4D97-AF65-F5344CB8AC3E}">
+        <p14:creationId xmlns:p14="http://schemas.microsoft.com/office/powerpoint/2010/main" val="776962396"/>
+      </p:ext>
+    </p:extLst>
+  </p:cSld>
+  <p:clrMapOvr>
+    <a:masterClrMapping/>
+  </p:clrMapOvr>
+</p:notes>
+</file>
+
+<file path=ppt/notesSlides/notesSlide4.xml><?xml version="1.0" encoding="utf-8"?>
+<p:notes xmlns:a="http://schemas.openxmlformats.org/drawingml/2006/main" xmlns:r="http://schemas.openxmlformats.org/officeDocument/2006/relationships" xmlns:p="http://schemas.openxmlformats.org/presentationml/2006/main">
+  <p:cSld>
+    <p:spTree>
+      <p:nvGrpSpPr>
+        <p:cNvPr id="1" name=""/>
+        <p:cNvGrpSpPr/>
+        <p:nvPr/>
+      </p:nvGrpSpPr>
+      <p:grpSpPr>
+        <a:xfrm>
+          <a:off x="0" y="0"/>
+          <a:ext cx="0" cy="0"/>
+          <a:chOff x="0" y="0"/>
+          <a:chExt cx="0" cy="0"/>
+        </a:xfrm>
+      </p:grpSpPr>
+      <p:sp>
+        <p:nvSpPr>
+          <p:cNvPr id="2" name="Slide Image Placeholder 1"/>
+          <p:cNvSpPr>
+            <a:spLocks noGrp="1" noRot="1" noChangeAspect="1"/>
+          </p:cNvSpPr>
+          <p:nvPr>
+            <p:ph type="sldImg"/>
+          </p:nvPr>
+        </p:nvSpPr>
+        <p:spPr/>
+      </p:sp>
+      <p:sp>
+        <p:nvSpPr>
+          <p:cNvPr id="3" name="Notes Placeholder 2"/>
+          <p:cNvSpPr>
+            <a:spLocks noGrp="1"/>
+          </p:cNvSpPr>
+          <p:nvPr>
+            <p:ph type="body" idx="1"/>
+          </p:nvPr>
+        </p:nvSpPr>
+        <p:spPr/>
+        <p:txBody>
+          <a:bodyPr/>
+          <a:lstStyle/>
+          <a:p>
+            <a:r>
+              <a:rPr lang="ru-RU" dirty="0"/>
+              <a:t>Единственный способ обеспечить прозрачность — это включить в класс </a:t>
+            </a:r>
+            <a:r>
+              <a:rPr lang="ru-RU" dirty="0" err="1"/>
+              <a:t>Component</a:t>
+            </a:r>
+            <a:r>
+              <a:rPr lang="ru-RU" dirty="0"/>
+              <a:t> реализации операций </a:t>
+            </a:r>
+            <a:r>
+              <a:rPr lang="ru-RU" dirty="0" err="1"/>
+              <a:t>Add</a:t>
+            </a:r>
+            <a:r>
+              <a:rPr lang="ru-RU" dirty="0"/>
+              <a:t> и </a:t>
+            </a:r>
+            <a:r>
+              <a:rPr lang="ru-RU" dirty="0" err="1"/>
+              <a:t>Remove</a:t>
+            </a:r>
+            <a:r>
+              <a:rPr lang="ru-RU" dirty="0"/>
+              <a:t> по умолчанию. Но тогда появится новая проблема: нельзя реализовать </a:t>
+            </a:r>
+            <a:r>
+              <a:rPr lang="ru-RU" dirty="0" err="1"/>
+              <a:t>Component</a:t>
+            </a:r>
+            <a:r>
+              <a:rPr lang="ru-RU" dirty="0"/>
+              <a:t>::</a:t>
+            </a:r>
+            <a:r>
+              <a:rPr lang="ru-RU" dirty="0" err="1"/>
+              <a:t>Add</a:t>
+            </a:r>
+            <a:r>
+              <a:rPr lang="ru-RU" dirty="0"/>
+              <a:t> так, чтобы не появилась возможность ошибки. Можно, конечно, сделать данную операцию пустой, но тогда нарушается важное ограничение: попытка добавить что-то в листовый объект, скорее всего, свидетельствует об ошибке.</a:t>
+            </a:r>
+          </a:p>
+          <a:p>
+            <a:endParaRPr lang="ru-RU" dirty="0"/>
+          </a:p>
+          <a:p>
+            <a:r>
+              <a:rPr lang="ru-RU" dirty="0"/>
+              <a:t>Обычно лучшим решением является такая реализация </a:t>
+            </a:r>
+            <a:r>
+              <a:rPr lang="ru-RU" dirty="0" err="1"/>
+              <a:t>Add</a:t>
+            </a:r>
+            <a:r>
+              <a:rPr lang="ru-RU" dirty="0"/>
+              <a:t> и </a:t>
+            </a:r>
+            <a:r>
+              <a:rPr lang="ru-RU" dirty="0" err="1"/>
+              <a:t>Remove</a:t>
+            </a:r>
+            <a:r>
+              <a:rPr lang="ru-RU" dirty="0"/>
+              <a:t> по умолчанию, при которой они завершаются с ошибкой (возможно, возбуждая исключение), если компоненту не разрешено иметь потомков (для </a:t>
+            </a:r>
+            <a:r>
+              <a:rPr lang="ru-RU" dirty="0" err="1"/>
+              <a:t>Add</a:t>
+            </a:r>
+            <a:r>
+              <a:rPr lang="ru-RU" dirty="0"/>
+              <a:t>) или аргумент не является чьим-либо потомком (для </a:t>
+            </a:r>
+            <a:r>
+              <a:rPr lang="ru-RU" dirty="0" err="1"/>
+              <a:t>Remove</a:t>
+            </a:r>
+            <a:r>
+              <a:rPr lang="ru-RU" dirty="0"/>
+              <a:t>)</a:t>
+            </a:r>
+          </a:p>
+          <a:p>
+            <a:endParaRPr lang="ru-RU" dirty="0"/>
+          </a:p>
+          <a:p>
+            <a:r>
+              <a:rPr lang="ru-RU" dirty="0"/>
+              <a:t>Другая возможность — слегка изменить семантику операции «удаление». Если компонент хранит ссылку на родителя, то можно было бы считать, что </a:t>
+            </a:r>
+            <a:r>
+              <a:rPr lang="ru-RU" dirty="0" err="1"/>
+              <a:t>Component</a:t>
+            </a:r>
+            <a:r>
+              <a:rPr lang="ru-RU" dirty="0"/>
+              <a:t>::</a:t>
+            </a:r>
+            <a:r>
+              <a:rPr lang="ru-RU" dirty="0" err="1"/>
+              <a:t>Remove</a:t>
+            </a:r>
+            <a:r>
+              <a:rPr lang="ru-RU" dirty="0"/>
+              <a:t> удаляет самого себя. Тем не менее, для операции </a:t>
+            </a:r>
+            <a:r>
+              <a:rPr lang="ru-RU" dirty="0" err="1"/>
+              <a:t>Add</a:t>
+            </a:r>
+            <a:r>
+              <a:rPr lang="ru-RU" dirty="0"/>
+              <a:t> по-прежнему нет разумной интерпретации;</a:t>
+            </a:r>
+          </a:p>
+        </p:txBody>
+      </p:sp>
+      <p:sp>
+        <p:nvSpPr>
+          <p:cNvPr id="4" name="Slide Number Placeholder 3"/>
+          <p:cNvSpPr>
+            <a:spLocks noGrp="1"/>
+          </p:cNvSpPr>
+          <p:nvPr>
+            <p:ph type="sldNum" sz="quarter" idx="5"/>
+          </p:nvPr>
+        </p:nvSpPr>
+        <p:spPr/>
+        <p:txBody>
+          <a:bodyPr/>
+          <a:lstStyle/>
+          <a:p>
+            <a:fld id="{C72A1285-F988-4153-B7C5-B887A867730D}" type="slidenum">
+              <a:rPr lang="ru-RU" smtClean="0"/>
+              <a:t>28</a:t>
+            </a:fld>
+            <a:endParaRPr lang="ru-RU"/>
+          </a:p>
+        </p:txBody>
+      </p:sp>
+    </p:spTree>
+    <p:extLst>
+      <p:ext uri="{BB962C8B-B14F-4D97-AF65-F5344CB8AC3E}">
+        <p14:creationId xmlns:p14="http://schemas.microsoft.com/office/powerpoint/2010/main" val="76457138"/>
+      </p:ext>
+    </p:extLst>
+  </p:cSld>
+  <p:clrMapOvr>
+    <a:masterClrMapping/>
+  </p:clrMapOvr>
+</p:notes>
+</file>
+
 <file path=ppt/slideLayouts/slideLayout1.xml><?xml version="1.0" encoding="utf-8"?>
 <p:sldLayout xmlns:a="http://schemas.openxmlformats.org/drawingml/2006/main" xmlns:r="http://schemas.openxmlformats.org/officeDocument/2006/relationships" xmlns:p="http://schemas.openxmlformats.org/presentationml/2006/main" showMasterSp="0" type="title" preserve="1">
   <p:cSld name="Титульный слайд">
@@ -10293,7 +10761,7 @@
           <a:p>
             <a:fld id="{2590F9C9-AB92-4E86-B698-DEC9BF4350FF}" type="datetimeFigureOut">
               <a:rPr lang="ru-RU" smtClean="0"/>
-              <a:t>17.11.2021</a:t>
+              <a:t>03.11.2023</a:t>
             </a:fld>
             <a:endParaRPr lang="ru-RU"/>
           </a:p>
@@ -10510,7 +10978,7 @@
           <a:p>
             <a:fld id="{2590F9C9-AB92-4E86-B698-DEC9BF4350FF}" type="datetimeFigureOut">
               <a:rPr lang="ru-RU" smtClean="0"/>
-              <a:t>17.11.2021</a:t>
+              <a:t>03.11.2023</a:t>
             </a:fld>
             <a:endParaRPr lang="ru-RU"/>
           </a:p>
@@ -10782,7 +11250,7 @@
           <a:p>
             <a:fld id="{2590F9C9-AB92-4E86-B698-DEC9BF4350FF}" type="datetimeFigureOut">
               <a:rPr lang="ru-RU" smtClean="0"/>
-              <a:t>17.11.2021</a:t>
+              <a:t>03.11.2023</a:t>
             </a:fld>
             <a:endParaRPr lang="ru-RU"/>
           </a:p>
@@ -10957,7 +11425,7 @@
           <a:p>
             <a:fld id="{2590F9C9-AB92-4E86-B698-DEC9BF4350FF}" type="datetimeFigureOut">
               <a:rPr lang="ru-RU" smtClean="0"/>
-              <a:t>17.11.2021</a:t>
+              <a:t>03.11.2023</a:t>
             </a:fld>
             <a:endParaRPr lang="ru-RU"/>
           </a:p>
@@ -11311,7 +11779,7 @@
           <a:p>
             <a:fld id="{2590F9C9-AB92-4E86-B698-DEC9BF4350FF}" type="datetimeFigureOut">
               <a:rPr lang="ru-RU" smtClean="0"/>
-              <a:t>17.11.2021</a:t>
+              <a:t>03.11.2023</a:t>
             </a:fld>
             <a:endParaRPr lang="ru-RU"/>
           </a:p>
@@ -11596,7 +12064,7 @@
           <a:p>
             <a:fld id="{2590F9C9-AB92-4E86-B698-DEC9BF4350FF}" type="datetimeFigureOut">
               <a:rPr lang="ru-RU" smtClean="0"/>
-              <a:t>17.11.2021</a:t>
+              <a:t>03.11.2023</a:t>
             </a:fld>
             <a:endParaRPr lang="ru-RU"/>
           </a:p>
@@ -12018,7 +12486,7 @@
           <a:p>
             <a:fld id="{2590F9C9-AB92-4E86-B698-DEC9BF4350FF}" type="datetimeFigureOut">
               <a:rPr lang="ru-RU" smtClean="0"/>
-              <a:t>17.11.2021</a:t>
+              <a:t>03.11.2023</a:t>
             </a:fld>
             <a:endParaRPr lang="ru-RU"/>
           </a:p>
@@ -12131,7 +12599,7 @@
           <a:p>
             <a:fld id="{2590F9C9-AB92-4E86-B698-DEC9BF4350FF}" type="datetimeFigureOut">
               <a:rPr lang="ru-RU" smtClean="0"/>
-              <a:t>17.11.2021</a:t>
+              <a:t>03.11.2023</a:t>
             </a:fld>
             <a:endParaRPr lang="ru-RU"/>
           </a:p>
@@ -12221,7 +12689,7 @@
           <a:p>
             <a:fld id="{2590F9C9-AB92-4E86-B698-DEC9BF4350FF}" type="datetimeFigureOut">
               <a:rPr lang="ru-RU" smtClean="0"/>
-              <a:t>17.11.2021</a:t>
+              <a:t>03.11.2023</a:t>
             </a:fld>
             <a:endParaRPr lang="ru-RU"/>
           </a:p>
@@ -12499,7 +12967,7 @@
           <a:p>
             <a:fld id="{2590F9C9-AB92-4E86-B698-DEC9BF4350FF}" type="datetimeFigureOut">
               <a:rPr lang="ru-RU" smtClean="0"/>
-              <a:t>17.11.2021</a:t>
+              <a:t>03.11.2023</a:t>
             </a:fld>
             <a:endParaRPr lang="ru-RU"/>
           </a:p>
@@ -12861,7 +13329,7 @@
           <a:p>
             <a:fld id="{2590F9C9-AB92-4E86-B698-DEC9BF4350FF}" type="datetimeFigureOut">
               <a:rPr lang="ru-RU" smtClean="0"/>
-              <a:t>17.11.2021</a:t>
+              <a:t>03.11.2023</a:t>
             </a:fld>
             <a:endParaRPr lang="ru-RU"/>
           </a:p>
@@ -13286,7 +13754,7 @@
           <a:p>
             <a:fld id="{2590F9C9-AB92-4E86-B698-DEC9BF4350FF}" type="datetimeFigureOut">
               <a:rPr lang="ru-RU" smtClean="0"/>
-              <a:t>17.11.2021</a:t>
+              <a:t>03.11.2023</a:t>
             </a:fld>
             <a:endParaRPr lang="ru-RU"/>
           </a:p>
@@ -14296,7 +14764,7 @@
         <p:spPr/>
         <p:txBody>
           <a:bodyPr>
-            <a:normAutofit fontScale="85000" lnSpcReduction="20000"/>
+            <a:normAutofit fontScale="85000" lnSpcReduction="10000"/>
           </a:bodyPr>
           <a:lstStyle/>
           <a:p>
@@ -14346,14 +14814,14 @@
             <a:pPr lvl="1"/>
             <a:r>
               <a:rPr lang="ru-RU" dirty="0"/>
-              <a:t>Смена положения группы положение элементов внутри нее</a:t>
+              <a:t>Перемещение группы перемещает фигуры</a:t>
             </a:r>
           </a:p>
           <a:p>
             <a:pPr lvl="1"/>
             <a:r>
               <a:rPr lang="ru-RU" dirty="0"/>
-              <a:t>Смена размеров группы пропорционально изменяет размеры и положение элементов внутри нее</a:t>
+              <a:t>Изменение размеров группы пропорционально изменяет размеры и положение элементов внутри нее</a:t>
             </a:r>
           </a:p>
           <a:p>
@@ -16287,9 +16755,9 @@
         <p:grpSpPr>
           <a:xfrm>
             <a:off x="1778967" y="5299969"/>
-            <a:ext cx="2334839" cy="1609596"/>
+            <a:ext cx="2334839" cy="1178709"/>
             <a:chOff x="1778967" y="5299969"/>
-            <a:chExt cx="2334839" cy="1609596"/>
+            <a:chExt cx="2334839" cy="1178709"/>
           </a:xfrm>
         </p:grpSpPr>
         <p:sp>
@@ -16301,7 +16769,7 @@
           <p:spPr>
             <a:xfrm>
               <a:off x="1778967" y="5740014"/>
-              <a:ext cx="2334839" cy="1169551"/>
+              <a:ext cx="2334839" cy="738664"/>
             </a:xfrm>
             <a:prstGeom prst="rect">
               <a:avLst/>
@@ -16320,13 +16788,8 @@
               </a:r>
               <a:r>
                 <a:rPr lang="ru-RU" sz="1400" dirty="0"/>
-                <a:t>определяет поведение элементов композиции. Для этого он реализует операции, определяемые в интерфейсе </a:t>
+                <a:t>определяет поведение листовых элементов композиции</a:t>
               </a:r>
-              <a:r>
-                <a:rPr lang="en-US" sz="1400" dirty="0"/>
-                <a:t>Component</a:t>
-              </a:r>
-              <a:endParaRPr lang="ru-RU" sz="1400" dirty="0"/>
             </a:p>
           </p:txBody>
         </p:sp>
@@ -16412,9 +16875,9 @@
         <p:grpSpPr>
           <a:xfrm>
             <a:off x="4524289" y="5228948"/>
-            <a:ext cx="2453984" cy="1667061"/>
+            <a:ext cx="2453984" cy="1451617"/>
             <a:chOff x="4524289" y="5228948"/>
-            <a:chExt cx="2453984" cy="1667061"/>
+            <a:chExt cx="2453984" cy="1451617"/>
           </a:xfrm>
         </p:grpSpPr>
         <p:sp>
@@ -16426,7 +16889,7 @@
           <p:spPr>
             <a:xfrm>
               <a:off x="4524289" y="5726458"/>
-              <a:ext cx="2453984" cy="1169551"/>
+              <a:ext cx="2453984" cy="954107"/>
             </a:xfrm>
             <a:prstGeom prst="rect">
               <a:avLst/>
@@ -16441,11 +16904,11 @@
             <a:p>
               <a:r>
                 <a:rPr lang="en-US" sz="1400" dirty="0"/>
-                <a:t>Composite </a:t>
+                <a:t>Composite</a:t>
               </a:r>
               <a:r>
                 <a:rPr lang="ru-RU" sz="1400" dirty="0"/>
-                <a:t>определяет поведение компонентов, имеющих дочерние компоненты, и обеспечивает хранение последних</a:t>
+                <a:t> хранит дочерние компоненты и реализует поведение составных компонентов</a:t>
               </a:r>
             </a:p>
           </p:txBody>
@@ -16544,9 +17007,9 @@
         <p:grpSpPr>
           <a:xfrm>
             <a:off x="6596109" y="4592741"/>
-            <a:ext cx="2656398" cy="2246769"/>
+            <a:ext cx="2656398" cy="1600438"/>
             <a:chOff x="6596109" y="4592741"/>
-            <a:chExt cx="2656398" cy="2246769"/>
+            <a:chExt cx="2656398" cy="1600438"/>
           </a:xfrm>
         </p:grpSpPr>
         <p:sp>
@@ -16558,7 +17021,7 @@
           <p:spPr>
             <a:xfrm>
               <a:off x="7196348" y="4592741"/>
-              <a:ext cx="2056159" cy="2246769"/>
+              <a:ext cx="2056159" cy="1600438"/>
             </a:xfrm>
             <a:prstGeom prst="rect">
               <a:avLst/>
@@ -16577,15 +17040,13 @@
               </a:r>
               <a:r>
                 <a:rPr lang="ru-RU" sz="1400" dirty="0"/>
-                <a:t>также реализует операции, относящиеся к </a:t>
+                <a:t>также реализует операции специфичные для листовых элементов</a:t>
               </a:r>
-              <a:r>
-                <a:rPr lang="en-US" sz="1400" dirty="0"/>
-                <a:t>Leaf</a:t>
-              </a:r>
+            </a:p>
+            <a:p>
               <a:r>
                 <a:rPr lang="ru-RU" sz="1400" dirty="0"/>
-                <a:t>. Некоторые из них могут не иметь смысла для составных объектов. Один из вариантов решения – генерировать исключение</a:t>
+                <a:t>Если они не имеют смысла, то бросает исключения</a:t>
               </a:r>
             </a:p>
           </p:txBody>
@@ -16713,7 +17174,7 @@
             <a:p>
               <a:r>
                 <a:rPr lang="ru-RU" sz="1400" dirty="0"/>
-                <a:t>Интерфейс «Компонент» определяет интерфейс для всех компонентов, как примитивных, так и составных</a:t>
+                <a:t>Интерфейс «Компонент» определяет общий интерфейс для и составных объектов</a:t>
               </a:r>
             </a:p>
           </p:txBody>
@@ -16841,23 +17302,7 @@
             <a:p>
               <a:r>
                 <a:rPr lang="ru-RU" sz="1400" dirty="0"/>
-                <a:t>Компонент может реализовать поведение по умолчанию для операций</a:t>
-              </a:r>
-              <a:r>
-                <a:rPr lang="en-US" sz="1400" dirty="0"/>
-                <a:t> Add(), Remove(), </a:t>
-              </a:r>
-              <a:r>
-                <a:rPr lang="en-US" sz="1400" dirty="0" err="1"/>
-                <a:t>GetChild</a:t>
-              </a:r>
-              <a:r>
-                <a:rPr lang="en-US" sz="1400" dirty="0"/>
-                <a:t>()</a:t>
-              </a:r>
-              <a:r>
-                <a:rPr lang="ru-RU" sz="1400" dirty="0"/>
-                <a:t> и других операций</a:t>
+                <a:t>Компонент может реализовать поведение по умолчанию для операций манипулирования дочерними элементами</a:t>
               </a:r>
             </a:p>
           </p:txBody>
@@ -17492,7 +17937,7 @@
           <a:p>
             <a:r>
               <a:rPr lang="ru-RU" dirty="0"/>
-              <a:t>При такой организации данных образуется древовидная структура</a:t>
+              <a:t>Листья и составные объекта формируют древовидную структуру</a:t>
             </a:r>
           </a:p>
           <a:p>
@@ -17918,22 +18363,14 @@
             <a:pPr lvl="1"/>
             <a:r>
               <a:rPr lang="ru-RU" dirty="0"/>
-              <a:t>Содержит 0 и более фигур</a:t>
+              <a:t>Имеет размеры и цвет фона</a:t>
             </a:r>
           </a:p>
           <a:p>
             <a:pPr lvl="1"/>
             <a:r>
               <a:rPr lang="ru-RU" dirty="0"/>
-              <a:t>Имеет некоторую ширину и высоту</a:t>
-            </a:r>
-            <a:endParaRPr lang="en-US" dirty="0"/>
-          </a:p>
-          <a:p>
-            <a:pPr lvl="1"/>
-            <a:r>
-              <a:rPr lang="ru-RU" dirty="0"/>
-              <a:t>Имеет некоторый цвет фона</a:t>
+              <a:t>Содержит фигуры</a:t>
             </a:r>
           </a:p>
           <a:p>
@@ -17946,7 +18383,7 @@
             <a:pPr lvl="1"/>
             <a:r>
               <a:rPr lang="ru-RU" dirty="0"/>
-              <a:t>Существуют разные типы фигур</a:t>
+              <a:t>Разные типы фигур</a:t>
             </a:r>
             <a:r>
               <a:rPr lang="en-US" dirty="0"/>
@@ -18129,15 +18566,33 @@
                                   </p:childTnLst>
                                 </p:cTn>
                               </p:par>
+                            </p:childTnLst>
+                          </p:cTn>
+                        </p:par>
+                      </p:childTnLst>
+                    </p:cTn>
+                  </p:par>
+                  <p:par>
+                    <p:cTn id="14" fill="hold">
+                      <p:stCondLst>
+                        <p:cond delay="indefinite"/>
+                      </p:stCondLst>
+                      <p:childTnLst>
+                        <p:par>
+                          <p:cTn id="15" fill="hold">
+                            <p:stCondLst>
+                              <p:cond delay="0"/>
+                            </p:stCondLst>
+                            <p:childTnLst>
                               <p:par>
-                                <p:cTn id="14" presetID="10" presetClass="entr" presetSubtype="0" fill="hold" grpId="0" nodeType="withEffect">
+                                <p:cTn id="16" presetID="10" presetClass="entr" presetSubtype="0" fill="hold" grpId="0" nodeType="clickEffect">
                                   <p:stCondLst>
                                     <p:cond delay="0"/>
                                   </p:stCondLst>
                                   <p:childTnLst>
                                     <p:set>
                                       <p:cBhvr>
-                                        <p:cTn id="15" dur="1" fill="hold">
+                                        <p:cTn id="17" dur="1" fill="hold">
                                           <p:stCondLst>
                                             <p:cond delay="0"/>
                                           </p:stCondLst>
@@ -18159,7 +18614,7 @@
                                     </p:set>
                                     <p:animEffect transition="in" filter="fade">
                                       <p:cBhvr>
-                                        <p:cTn id="16" dur="500"/>
+                                        <p:cTn id="18" dur="500"/>
                                         <p:tgtEl>
                                           <p:spTgt spid="3">
                                             <p:txEl>
@@ -18172,26 +18627,8 @@
                                   </p:childTnLst>
                                 </p:cTn>
                               </p:par>
-                            </p:childTnLst>
-                          </p:cTn>
-                        </p:par>
-                      </p:childTnLst>
-                    </p:cTn>
-                  </p:par>
-                  <p:par>
-                    <p:cTn id="17" fill="hold">
-                      <p:stCondLst>
-                        <p:cond delay="indefinite"/>
-                      </p:stCondLst>
-                      <p:childTnLst>
-                        <p:par>
-                          <p:cTn id="18" fill="hold">
-                            <p:stCondLst>
-                              <p:cond delay="0"/>
-                            </p:stCondLst>
-                            <p:childTnLst>
                               <p:par>
-                                <p:cTn id="19" presetID="10" presetClass="entr" presetSubtype="0" fill="hold" grpId="0" nodeType="clickEffect">
+                                <p:cTn id="19" presetID="10" presetClass="entr" presetSubtype="0" fill="hold" grpId="0" nodeType="withEffect">
                                   <p:stCondLst>
                                     <p:cond delay="0"/>
                                   </p:stCondLst>
@@ -18319,49 +18756,6 @@
                                   </p:childTnLst>
                                 </p:cTn>
                               </p:par>
-                              <p:par>
-                                <p:cTn id="28" presetID="10" presetClass="entr" presetSubtype="0" fill="hold" grpId="0" nodeType="withEffect">
-                                  <p:stCondLst>
-                                    <p:cond delay="0"/>
-                                  </p:stCondLst>
-                                  <p:childTnLst>
-                                    <p:set>
-                                      <p:cBhvr>
-                                        <p:cTn id="29" dur="1" fill="hold">
-                                          <p:stCondLst>
-                                            <p:cond delay="0"/>
-                                          </p:stCondLst>
-                                        </p:cTn>
-                                        <p:tgtEl>
-                                          <p:spTgt spid="3">
-                                            <p:txEl>
-                                              <p:pRg st="7" end="7"/>
-                                            </p:txEl>
-                                          </p:spTgt>
-                                        </p:tgtEl>
-                                        <p:attrNameLst>
-                                          <p:attrName>style.visibility</p:attrName>
-                                        </p:attrNameLst>
-                                      </p:cBhvr>
-                                      <p:to>
-                                        <p:strVal val="visible"/>
-                                      </p:to>
-                                    </p:set>
-                                    <p:animEffect transition="in" filter="fade">
-                                      <p:cBhvr>
-                                        <p:cTn id="30" dur="500"/>
-                                        <p:tgtEl>
-                                          <p:spTgt spid="3">
-                                            <p:txEl>
-                                              <p:pRg st="7" end="7"/>
-                                            </p:txEl>
-                                          </p:spTgt>
-                                        </p:tgtEl>
-                                      </p:cBhvr>
-                                    </p:animEffect>
-                                  </p:childTnLst>
-                                </p:cTn>
-                              </p:par>
                             </p:childTnLst>
                           </p:cTn>
                         </p:par>
@@ -18415,7 +18809,13 @@
       </p:grpSpPr>
       <p:sp>
         <p:nvSpPr>
-          <p:cNvPr id="2" name="Заголовок 1"/>
+          <p:cNvPr id="4" name="Title 3">
+            <a:extLst>
+              <a:ext uri="{FF2B5EF4-FFF2-40B4-BE49-F238E27FC236}">
+                <a16:creationId xmlns:a16="http://schemas.microsoft.com/office/drawing/2014/main" id="{A113E699-DD0A-436C-A8F4-F883E4F7E315}"/>
+              </a:ext>
+            </a:extLst>
+          </p:cNvPr>
           <p:cNvSpPr>
             <a:spLocks noGrp="1"/>
           </p:cNvSpPr>
@@ -18426,58 +18826,57 @@
         <p:spPr/>
         <p:txBody>
           <a:bodyPr>
-            <a:normAutofit fontScale="90000"/>
+            <a:normAutofit/>
           </a:bodyPr>
           <a:lstStyle/>
           <a:p>
             <a:r>
               <a:rPr lang="ru-RU" dirty="0"/>
-              <a:t>Ограничения паттерна «Компоновщик»</a:t>
+              <a:t>Компонуем фигуры</a:t>
             </a:r>
           </a:p>
         </p:txBody>
       </p:sp>
-      <p:sp>
-        <p:nvSpPr>
-          <p:cNvPr id="3" name="Объект 2"/>
-          <p:cNvSpPr>
-            <a:spLocks noGrp="1"/>
-          </p:cNvSpPr>
-          <p:nvPr>
-            <p:ph idx="1"/>
-          </p:nvPr>
-        </p:nvSpPr>
-        <p:spPr/>
-        <p:txBody>
-          <a:bodyPr/>
-          <a:lstStyle/>
-          <a:p>
-            <a:r>
-              <a:rPr lang="ru-RU" dirty="0"/>
-              <a:t>Неудобно осуществить запрет на добавление внутрь </a:t>
-            </a:r>
-            <a:r>
-              <a:rPr lang="en-US" dirty="0"/>
-              <a:t>Composite </a:t>
-            </a:r>
-            <a:r>
-              <a:rPr lang="ru-RU" dirty="0"/>
-              <a:t>определенных типов объектов</a:t>
-            </a:r>
-          </a:p>
-          <a:p>
-            <a:pPr lvl="1"/>
-            <a:r>
-              <a:rPr lang="ru-RU" dirty="0"/>
-              <a:t>Требуются проверки типов во время выполнения</a:t>
-            </a:r>
-          </a:p>
-        </p:txBody>
-      </p:sp>
+      <p:pic>
+        <p:nvPicPr>
+          <p:cNvPr id="6" name="Picture 5">
+            <a:extLst>
+              <a:ext uri="{FF2B5EF4-FFF2-40B4-BE49-F238E27FC236}">
+                <a16:creationId xmlns:a16="http://schemas.microsoft.com/office/drawing/2014/main" id="{D2B1F7D4-0676-4C87-BAC5-FCFFEFFA58D8}"/>
+              </a:ext>
+            </a:extLst>
+          </p:cNvPr>
+          <p:cNvPicPr>
+            <a:picLocks noChangeAspect="1"/>
+          </p:cNvPicPr>
+          <p:nvPr/>
+        </p:nvPicPr>
+        <p:blipFill>
+          <a:blip r:embed="rId2">
+            <a:extLst>
+              <a:ext uri="{28A0092B-C50C-407E-A947-70E740481C1C}">
+                <a14:useLocalDpi xmlns:a14="http://schemas.microsoft.com/office/drawing/2010/main" val="0"/>
+              </a:ext>
+            </a:extLst>
+          </a:blip>
+          <a:stretch>
+            <a:fillRect/>
+          </a:stretch>
+        </p:blipFill>
+        <p:spPr>
+          <a:xfrm>
+            <a:off x="971600" y="2348880"/>
+            <a:ext cx="6444208" cy="3925474"/>
+          </a:xfrm>
+          <a:prstGeom prst="rect">
+            <a:avLst/>
+          </a:prstGeom>
+        </p:spPr>
+      </p:pic>
     </p:spTree>
     <p:extLst>
       <p:ext uri="{BB962C8B-B14F-4D97-AF65-F5344CB8AC3E}">
-        <p14:creationId xmlns:p14="http://schemas.microsoft.com/office/powerpoint/2010/main" val="2401281966"/>
+        <p14:creationId xmlns:p14="http://schemas.microsoft.com/office/powerpoint/2010/main" val="1666527798"/>
       </p:ext>
     </p:extLst>
   </p:cSld>
@@ -18488,6 +18887,89 @@
 </file>
 
 <file path=ppt/slides/slide21.xml><?xml version="1.0" encoding="utf-8"?>
+<p:sld xmlns:a="http://schemas.openxmlformats.org/drawingml/2006/main" xmlns:r="http://schemas.openxmlformats.org/officeDocument/2006/relationships" xmlns:p="http://schemas.openxmlformats.org/presentationml/2006/main">
+  <p:cSld>
+    <p:spTree>
+      <p:nvGrpSpPr>
+        <p:cNvPr id="1" name=""/>
+        <p:cNvGrpSpPr/>
+        <p:nvPr/>
+      </p:nvGrpSpPr>
+      <p:grpSpPr>
+        <a:xfrm>
+          <a:off x="0" y="0"/>
+          <a:ext cx="0" cy="0"/>
+          <a:chOff x="0" y="0"/>
+          <a:chExt cx="0" cy="0"/>
+        </a:xfrm>
+      </p:grpSpPr>
+      <p:sp>
+        <p:nvSpPr>
+          <p:cNvPr id="3" name="Title 2">
+            <a:extLst>
+              <a:ext uri="{FF2B5EF4-FFF2-40B4-BE49-F238E27FC236}">
+                <a16:creationId xmlns:a16="http://schemas.microsoft.com/office/drawing/2014/main" id="{9496519F-6544-42B3-9C92-038EDC085AF7}"/>
+              </a:ext>
+            </a:extLst>
+          </p:cNvPr>
+          <p:cNvSpPr>
+            <a:spLocks noGrp="1"/>
+          </p:cNvSpPr>
+          <p:nvPr>
+            <p:ph type="title"/>
+          </p:nvPr>
+        </p:nvSpPr>
+        <p:spPr/>
+        <p:txBody>
+          <a:bodyPr/>
+          <a:lstStyle/>
+          <a:p>
+            <a:r>
+              <a:rPr lang="ru-RU" dirty="0"/>
+              <a:t>Особенности реализации паттерна Компоновщик</a:t>
+            </a:r>
+          </a:p>
+        </p:txBody>
+      </p:sp>
+      <p:sp>
+        <p:nvSpPr>
+          <p:cNvPr id="4" name="Text Placeholder 3">
+            <a:extLst>
+              <a:ext uri="{FF2B5EF4-FFF2-40B4-BE49-F238E27FC236}">
+                <a16:creationId xmlns:a16="http://schemas.microsoft.com/office/drawing/2014/main" id="{9E22C234-2E34-45DF-BF47-A01FC68FBE5E}"/>
+              </a:ext>
+            </a:extLst>
+          </p:cNvPr>
+          <p:cNvSpPr>
+            <a:spLocks noGrp="1"/>
+          </p:cNvSpPr>
+          <p:nvPr>
+            <p:ph type="body" idx="1"/>
+          </p:nvPr>
+        </p:nvSpPr>
+        <p:spPr/>
+        <p:txBody>
+          <a:bodyPr/>
+          <a:lstStyle/>
+          <a:p>
+            <a:endParaRPr lang="ru-RU"/>
+          </a:p>
+        </p:txBody>
+      </p:sp>
+    </p:spTree>
+    <p:extLst>
+      <p:ext uri="{BB962C8B-B14F-4D97-AF65-F5344CB8AC3E}">
+        <p14:creationId xmlns:p14="http://schemas.microsoft.com/office/powerpoint/2010/main" val="1834681147"/>
+      </p:ext>
+    </p:extLst>
+  </p:cSld>
+  <p:clrMapOvr>
+    <a:masterClrMapping/>
+  </p:clrMapOvr>
+</p:sld>
+</file>
+
+<file path=ppt/slides/slide22.xml><?xml version="1.0" encoding="utf-8"?>
 <p:sld xmlns:a="http://schemas.openxmlformats.org/drawingml/2006/main" xmlns:r="http://schemas.openxmlformats.org/officeDocument/2006/relationships" xmlns:p="http://schemas.openxmlformats.org/presentationml/2006/main">
   <p:cSld>
     <p:spTree>
@@ -18565,7 +19047,7 @@
           <a:p>
             <a:r>
               <a:rPr lang="ru-RU" dirty="0"/>
-              <a:t>Инвариант</a:t>
+              <a:t>Соблюдайте инвариант</a:t>
             </a:r>
           </a:p>
           <a:p>
@@ -18956,7 +19438,7 @@
 </p:sld>
 </file>
 
-<file path=ppt/slides/slide22.xml><?xml version="1.0" encoding="utf-8"?>
+<file path=ppt/slides/slide23.xml><?xml version="1.0" encoding="utf-8"?>
 <p:sld xmlns:a="http://schemas.openxmlformats.org/drawingml/2006/main" xmlns:r="http://schemas.openxmlformats.org/officeDocument/2006/relationships" xmlns:p="http://schemas.openxmlformats.org/presentationml/2006/main">
   <p:cSld>
     <p:spTree>
@@ -19071,7 +19553,7 @@
 </p:sld>
 </file>
 
-<file path=ppt/slides/slide23.xml><?xml version="1.0" encoding="utf-8"?>
+<file path=ppt/slides/slide24.xml><?xml version="1.0" encoding="utf-8"?>
 <p:sld xmlns:a="http://schemas.openxmlformats.org/drawingml/2006/main" xmlns:r="http://schemas.openxmlformats.org/officeDocument/2006/relationships" xmlns:p="http://schemas.openxmlformats.org/presentationml/2006/main">
   <p:cSld>
     <p:spTree>
@@ -19555,7 +20037,7 @@
 </p:sld>
 </file>
 
-<file path=ppt/slides/slide24.xml><?xml version="1.0" encoding="utf-8"?>
+<file path=ppt/slides/slide25.xml><?xml version="1.0" encoding="utf-8"?>
 <p:sld xmlns:a="http://schemas.openxmlformats.org/drawingml/2006/main" xmlns:r="http://schemas.openxmlformats.org/officeDocument/2006/relationships" xmlns:p="http://schemas.openxmlformats.org/presentationml/2006/main">
   <p:cSld>
     <p:spTree>
@@ -19591,7 +20073,7 @@
           <a:p>
             <a:r>
               <a:rPr lang="ru-RU" dirty="0"/>
-              <a:t>Объявление операций для управления потомками</a:t>
+              <a:t>Где поместить операции для управления потомками</a:t>
             </a:r>
           </a:p>
         </p:txBody>
@@ -20158,7 +20640,7 @@
 </p:sld>
 </file>
 
-<file path=ppt/slides/slide25.xml><?xml version="1.0" encoding="utf-8"?>
+<file path=ppt/slides/slide26.xml><?xml version="1.0" encoding="utf-8"?>
 <p:sld xmlns:a="http://schemas.openxmlformats.org/drawingml/2006/main" xmlns:r="http://schemas.openxmlformats.org/officeDocument/2006/relationships" xmlns:p="http://schemas.openxmlformats.org/presentationml/2006/main">
   <p:cSld>
     <p:spTree>
@@ -20253,7 +20735,7 @@
             </a:r>
             <a:r>
               <a:rPr lang="ru-RU" dirty="0"/>
-              <a:t>возвращает указатель на сам объект</a:t>
+              <a:t>возвращает указатель на себя</a:t>
             </a:r>
           </a:p>
           <a:p>
@@ -20576,7 +21058,7 @@
 </p:sld>
 </file>
 
-<file path=ppt/slides/slide26.xml><?xml version="1.0" encoding="utf-8"?>
+<file path=ppt/slides/slide27.xml><?xml version="1.0" encoding="utf-8"?>
 <p:sld xmlns:a="http://schemas.openxmlformats.org/drawingml/2006/main" xmlns:r="http://schemas.openxmlformats.org/officeDocument/2006/relationships" xmlns:p="http://schemas.openxmlformats.org/presentationml/2006/main">
   <p:cSld>
     <p:spTree>
@@ -20624,7 +21106,7 @@
           <p:nvPr/>
         </p:nvPicPr>
         <p:blipFill>
-          <a:blip r:embed="rId2"/>
+          <a:blip r:embed="rId3"/>
           <a:stretch>
             <a:fillRect/>
           </a:stretch>
@@ -20652,7 +21134,7 @@
 </p:sld>
 </file>
 
-<file path=ppt/slides/slide27.xml><?xml version="1.0" encoding="utf-8"?>
+<file path=ppt/slides/slide28.xml><?xml version="1.0" encoding="utf-8"?>
 <p:sld xmlns:a="http://schemas.openxmlformats.org/drawingml/2006/main" xmlns:r="http://schemas.openxmlformats.org/officeDocument/2006/relationships" xmlns:p="http://schemas.openxmlformats.org/presentationml/2006/main">
   <p:cSld>
     <p:spTree>
@@ -21062,109 +21544,6 @@
 </p:sld>
 </file>
 
-<file path=ppt/slides/slide28.xml><?xml version="1.0" encoding="utf-8"?>
-<p:sld xmlns:a="http://schemas.openxmlformats.org/drawingml/2006/main" xmlns:r="http://schemas.openxmlformats.org/officeDocument/2006/relationships" xmlns:p="http://schemas.openxmlformats.org/presentationml/2006/main">
-  <p:cSld>
-    <p:spTree>
-      <p:nvGrpSpPr>
-        <p:cNvPr id="1" name=""/>
-        <p:cNvGrpSpPr/>
-        <p:nvPr/>
-      </p:nvGrpSpPr>
-      <p:grpSpPr>
-        <a:xfrm>
-          <a:off x="0" y="0"/>
-          <a:ext cx="0" cy="0"/>
-          <a:chOff x="0" y="0"/>
-          <a:chExt cx="0" cy="0"/>
-        </a:xfrm>
-      </p:grpSpPr>
-      <p:sp>
-        <p:nvSpPr>
-          <p:cNvPr id="2" name="Заголовок 1"/>
-          <p:cNvSpPr>
-            <a:spLocks noGrp="1"/>
-          </p:cNvSpPr>
-          <p:nvPr>
-            <p:ph type="title"/>
-          </p:nvPr>
-        </p:nvSpPr>
-        <p:spPr/>
-        <p:txBody>
-          <a:bodyPr>
-            <a:normAutofit/>
-          </a:bodyPr>
-          <a:lstStyle/>
-          <a:p>
-            <a:r>
-              <a:rPr lang="ru-RU" dirty="0"/>
-              <a:t>Композиция или агрегация</a:t>
-            </a:r>
-            <a:r>
-              <a:rPr lang="en-US" dirty="0"/>
-              <a:t>?</a:t>
-            </a:r>
-            <a:endParaRPr lang="ru-RU" dirty="0"/>
-          </a:p>
-        </p:txBody>
-      </p:sp>
-      <p:sp>
-        <p:nvSpPr>
-          <p:cNvPr id="3" name="Объект 2"/>
-          <p:cNvSpPr>
-            <a:spLocks noGrp="1"/>
-          </p:cNvSpPr>
-          <p:nvPr>
-            <p:ph idx="1"/>
-          </p:nvPr>
-        </p:nvSpPr>
-        <p:spPr/>
-        <p:txBody>
-          <a:bodyPr/>
-          <a:lstStyle/>
-          <a:p>
-            <a:r>
-              <a:rPr lang="ru-RU" dirty="0"/>
-              <a:t>Зависит от природы составного объекта и его отношения с дочерними объектами</a:t>
-            </a:r>
-          </a:p>
-          <a:p>
-            <a:pPr lvl="1"/>
-            <a:r>
-              <a:rPr lang="ru-RU" dirty="0"/>
-              <a:t>Для сгруппированных фигур логично использовать композицию</a:t>
-            </a:r>
-          </a:p>
-          <a:p>
-            <a:pPr lvl="1"/>
-            <a:r>
-              <a:rPr lang="ru-RU" dirty="0"/>
-              <a:t>Для сформированного отряда юнитов в </a:t>
-            </a:r>
-            <a:r>
-              <a:rPr lang="en-US" dirty="0"/>
-              <a:t>Real Time Strategy </a:t>
-            </a:r>
-            <a:r>
-              <a:rPr lang="ru-RU" dirty="0"/>
-              <a:t>логично использовать агрегацию</a:t>
-            </a:r>
-          </a:p>
-        </p:txBody>
-      </p:sp>
-    </p:spTree>
-    <p:extLst>
-      <p:ext uri="{BB962C8B-B14F-4D97-AF65-F5344CB8AC3E}">
-        <p14:creationId xmlns:p14="http://schemas.microsoft.com/office/powerpoint/2010/main" val="3127503326"/>
-      </p:ext>
-    </p:extLst>
-  </p:cSld>
-  <p:clrMapOvr>
-    <a:masterClrMapping/>
-  </p:clrMapOvr>
-</p:sld>
-</file>
-
 <file path=ppt/slides/slide29.xml><?xml version="1.0" encoding="utf-8"?>
 <p:sld xmlns:a="http://schemas.openxmlformats.org/drawingml/2006/main" xmlns:r="http://schemas.openxmlformats.org/officeDocument/2006/relationships" xmlns:p="http://schemas.openxmlformats.org/presentationml/2006/main">
   <p:cSld>
@@ -21184,7 +21563,13 @@
       </p:grpSpPr>
       <p:sp>
         <p:nvSpPr>
-          <p:cNvPr id="2" name="Заголовок 1"/>
+          <p:cNvPr id="2" name="Title 1">
+            <a:extLst>
+              <a:ext uri="{FF2B5EF4-FFF2-40B4-BE49-F238E27FC236}">
+                <a16:creationId xmlns:a16="http://schemas.microsoft.com/office/drawing/2014/main" id="{EEC25DF4-9D9F-46A8-8079-4370738CEE53}"/>
+              </a:ext>
+            </a:extLst>
+          </p:cNvPr>
           <p:cNvSpPr>
             <a:spLocks noGrp="1"/>
           </p:cNvSpPr>
@@ -21194,21 +21579,25 @@
         </p:nvSpPr>
         <p:spPr/>
         <p:txBody>
-          <a:bodyPr>
-            <a:normAutofit fontScale="90000"/>
-          </a:bodyPr>
+          <a:bodyPr/>
           <a:lstStyle/>
           <a:p>
             <a:r>
               <a:rPr lang="ru-RU" dirty="0"/>
-              <a:t>Удаление дочерних компонентов</a:t>
+              <a:t>Порядок следования потомков</a:t>
             </a:r>
           </a:p>
         </p:txBody>
       </p:sp>
       <p:sp>
         <p:nvSpPr>
-          <p:cNvPr id="3" name="Объект 2"/>
+          <p:cNvPr id="3" name="Content Placeholder 2">
+            <a:extLst>
+              <a:ext uri="{FF2B5EF4-FFF2-40B4-BE49-F238E27FC236}">
+                <a16:creationId xmlns:a16="http://schemas.microsoft.com/office/drawing/2014/main" id="{CC06C9E1-4FC9-4762-8A1C-5529A69ED7FB}"/>
+              </a:ext>
+            </a:extLst>
+          </p:cNvPr>
           <p:cNvSpPr>
             <a:spLocks noGrp="1"/>
           </p:cNvSpPr>
@@ -21218,37 +21607,22 @@
         </p:nvSpPr>
         <p:spPr/>
         <p:txBody>
-          <a:bodyPr>
-            <a:normAutofit lnSpcReduction="10000"/>
-          </a:bodyPr>
+          <a:bodyPr/>
           <a:lstStyle/>
           <a:p>
             <a:r>
+              <a:rPr lang="en-US" dirty="0"/>
+              <a:t>Z-order</a:t>
+            </a:r>
+            <a:r>
               <a:rPr lang="ru-RU" dirty="0"/>
-              <a:t>В языках без сборщика мусора удаление дочерних узлов лучше поручить классу </a:t>
-            </a:r>
-            <a:r>
-              <a:rPr lang="en-US" dirty="0"/>
-              <a:t>Composite</a:t>
-            </a:r>
+              <a:t> фигур</a:t>
+            </a:r>
+          </a:p>
+          <a:p>
             <a:r>
               <a:rPr lang="ru-RU" dirty="0"/>
-              <a:t> в момент его уничтожения</a:t>
-            </a:r>
-          </a:p>
-          <a:p>
-            <a:pPr lvl="1"/>
-            <a:r>
-              <a:rPr lang="ru-RU" dirty="0"/>
-              <a:t>В </a:t>
-            </a:r>
-            <a:r>
-              <a:rPr lang="en-US" dirty="0"/>
-              <a:t>C++ </a:t>
-            </a:r>
-            <a:r>
-              <a:rPr lang="ru-RU" dirty="0"/>
-              <a:t>рекомендуется использовать</a:t>
+              <a:t>Порядок узлов</a:t>
             </a:r>
             <a:r>
               <a:rPr lang="en-US" dirty="0"/>
@@ -21256,21 +21630,13 @@
             </a:r>
             <a:r>
               <a:rPr lang="ru-RU" dirty="0"/>
-              <a:t>умные указатели</a:t>
-            </a:r>
-          </a:p>
-          <a:p>
-            <a:pPr lvl="1"/>
+              <a:t>в синтаксическом дереве</a:t>
+            </a:r>
+          </a:p>
+          <a:p>
             <a:r>
               <a:rPr lang="ru-RU" dirty="0"/>
-              <a:t>При совместном использовании компонентов удаление должно происходить при отсутствии других владельцев</a:t>
-            </a:r>
-          </a:p>
-          <a:p>
-            <a:pPr lvl="2"/>
-            <a:r>
-              <a:rPr lang="ru-RU" dirty="0"/>
-              <a:t>При наличии ссылок на родителя – не забыть обновить список родительских узлов при удалении родителя</a:t>
+              <a:t>Нужно учитывать порядок при проектировании интерфейсов доступа к потомкам</a:t>
             </a:r>
           </a:p>
         </p:txBody>
@@ -21278,7 +21644,7 @@
     </p:spTree>
     <p:extLst>
       <p:ext uri="{BB962C8B-B14F-4D97-AF65-F5344CB8AC3E}">
-        <p14:creationId xmlns:p14="http://schemas.microsoft.com/office/powerpoint/2010/main" val="116888879"/>
+        <p14:creationId xmlns:p14="http://schemas.microsoft.com/office/powerpoint/2010/main" val="4251262219"/>
       </p:ext>
     </p:extLst>
   </p:cSld>
@@ -22544,7 +22910,13 @@
       </p:grpSpPr>
       <p:sp>
         <p:nvSpPr>
-          <p:cNvPr id="2" name="Заголовок 1"/>
+          <p:cNvPr id="2" name="Title 1">
+            <a:extLst>
+              <a:ext uri="{FF2B5EF4-FFF2-40B4-BE49-F238E27FC236}">
+                <a16:creationId xmlns:a16="http://schemas.microsoft.com/office/drawing/2014/main" id="{867665A8-BED6-4BAA-95FA-3D4370B1856D}"/>
+              </a:ext>
+            </a:extLst>
+          </p:cNvPr>
           <p:cNvSpPr>
             <a:spLocks noGrp="1"/>
           </p:cNvSpPr>
@@ -22561,44 +22933,76 @@
           <a:p>
             <a:r>
               <a:rPr lang="ru-RU" dirty="0"/>
-              <a:t>Размещение операций для работы с потомками в классе </a:t>
-            </a:r>
-            <a:r>
-              <a:rPr lang="en-US" dirty="0" err="1"/>
-              <a:t>CShape</a:t>
-            </a:r>
-            <a:endParaRPr lang="ru-RU" dirty="0"/>
+              <a:t>Кеширование для повышения производительности</a:t>
+            </a:r>
           </a:p>
         </p:txBody>
       </p:sp>
-      <p:pic>
-        <p:nvPicPr>
-          <p:cNvPr id="5" name="Рисунок 4"/>
-          <p:cNvPicPr>
-            <a:picLocks noChangeAspect="1"/>
-          </p:cNvPicPr>
-          <p:nvPr/>
-        </p:nvPicPr>
-        <p:blipFill>
-          <a:blip r:embed="rId2"/>
-          <a:stretch>
-            <a:fillRect/>
-          </a:stretch>
-        </p:blipFill>
-        <p:spPr>
-          <a:xfrm>
-            <a:off x="86156" y="2204864"/>
-            <a:ext cx="8971688" cy="3447977"/>
-          </a:xfrm>
-          <a:prstGeom prst="rect">
-            <a:avLst/>
-          </a:prstGeom>
-        </p:spPr>
-      </p:pic>
+      <p:sp>
+        <p:nvSpPr>
+          <p:cNvPr id="3" name="Content Placeholder 2">
+            <a:extLst>
+              <a:ext uri="{FF2B5EF4-FFF2-40B4-BE49-F238E27FC236}">
+                <a16:creationId xmlns:a16="http://schemas.microsoft.com/office/drawing/2014/main" id="{FBFF3FF5-01DA-40FA-9207-3C04923485EF}"/>
+              </a:ext>
+            </a:extLst>
+          </p:cNvPr>
+          <p:cNvSpPr>
+            <a:spLocks noGrp="1"/>
+          </p:cNvSpPr>
+          <p:nvPr>
+            <p:ph idx="1"/>
+          </p:nvPr>
+        </p:nvSpPr>
+        <p:spPr/>
+        <p:txBody>
+          <a:bodyPr/>
+          <a:lstStyle/>
+          <a:p>
+            <a:r>
+              <a:rPr lang="en-US" dirty="0"/>
+              <a:t>Composite </a:t>
+            </a:r>
+            <a:r>
+              <a:rPr lang="ru-RU" dirty="0"/>
+              <a:t>может кешировать результаты</a:t>
+            </a:r>
+          </a:p>
+          <a:p>
+            <a:pPr lvl="1"/>
+            <a:r>
+              <a:rPr lang="ru-RU" dirty="0"/>
+              <a:t>Охватывающие прямоугольники потомков</a:t>
+            </a:r>
+          </a:p>
+          <a:p>
+            <a:r>
+              <a:rPr lang="ru-RU" dirty="0"/>
+              <a:t>Нужно следить за валидностью </a:t>
+            </a:r>
+            <a:r>
+              <a:rPr lang="ru-RU" dirty="0" err="1"/>
+              <a:t>кеша</a:t>
+            </a:r>
+            <a:endParaRPr lang="ru-RU" dirty="0"/>
+          </a:p>
+          <a:p>
+            <a:r>
+              <a:rPr lang="ru-RU" dirty="0"/>
+              <a:t>Потомки могут уведомлять составной объект о недействительности </a:t>
+            </a:r>
+            <a:r>
+              <a:rPr lang="ru-RU" dirty="0" err="1"/>
+              <a:t>кеша</a:t>
+            </a:r>
+            <a:endParaRPr lang="ru-RU" dirty="0"/>
+          </a:p>
+        </p:txBody>
+      </p:sp>
     </p:spTree>
     <p:extLst>
       <p:ext uri="{BB962C8B-B14F-4D97-AF65-F5344CB8AC3E}">
-        <p14:creationId xmlns:p14="http://schemas.microsoft.com/office/powerpoint/2010/main" val="1514754308"/>
+        <p14:creationId xmlns:p14="http://schemas.microsoft.com/office/powerpoint/2010/main" val="311028289"/>
       </p:ext>
     </p:extLst>
   </p:cSld>
@@ -22644,6 +23048,406 @@
           <a:p>
             <a:r>
               <a:rPr lang="ru-RU" dirty="0"/>
+              <a:t>Ограничения паттерна «Компоновщик»</a:t>
+            </a:r>
+          </a:p>
+        </p:txBody>
+      </p:sp>
+      <p:sp>
+        <p:nvSpPr>
+          <p:cNvPr id="3" name="Объект 2"/>
+          <p:cNvSpPr>
+            <a:spLocks noGrp="1"/>
+          </p:cNvSpPr>
+          <p:nvPr>
+            <p:ph idx="1"/>
+          </p:nvPr>
+        </p:nvSpPr>
+        <p:spPr/>
+        <p:txBody>
+          <a:bodyPr/>
+          <a:lstStyle/>
+          <a:p>
+            <a:r>
+              <a:rPr lang="ru-RU" dirty="0"/>
+              <a:t>Неудобно осуществить запрет на добавление внутрь </a:t>
+            </a:r>
+            <a:r>
+              <a:rPr lang="en-US" dirty="0"/>
+              <a:t>Composite </a:t>
+            </a:r>
+            <a:r>
+              <a:rPr lang="ru-RU" dirty="0"/>
+              <a:t>определенных типов объектов</a:t>
+            </a:r>
+          </a:p>
+          <a:p>
+            <a:pPr lvl="1"/>
+            <a:r>
+              <a:rPr lang="ru-RU" dirty="0"/>
+              <a:t>Требуются проверки типов во время выполнения</a:t>
+            </a:r>
+          </a:p>
+        </p:txBody>
+      </p:sp>
+    </p:spTree>
+    <p:extLst>
+      <p:ext uri="{BB962C8B-B14F-4D97-AF65-F5344CB8AC3E}">
+        <p14:creationId xmlns:p14="http://schemas.microsoft.com/office/powerpoint/2010/main" val="2401281966"/>
+      </p:ext>
+    </p:extLst>
+  </p:cSld>
+  <p:clrMapOvr>
+    <a:masterClrMapping/>
+  </p:clrMapOvr>
+</p:sld>
+</file>
+
+<file path=ppt/slides/slide32.xml><?xml version="1.0" encoding="utf-8"?>
+<p:sld xmlns:a="http://schemas.openxmlformats.org/drawingml/2006/main" xmlns:r="http://schemas.openxmlformats.org/officeDocument/2006/relationships" xmlns:p="http://schemas.openxmlformats.org/presentationml/2006/main">
+  <p:cSld>
+    <p:spTree>
+      <p:nvGrpSpPr>
+        <p:cNvPr id="1" name=""/>
+        <p:cNvGrpSpPr/>
+        <p:nvPr/>
+      </p:nvGrpSpPr>
+      <p:grpSpPr>
+        <a:xfrm>
+          <a:off x="0" y="0"/>
+          <a:ext cx="0" cy="0"/>
+          <a:chOff x="0" y="0"/>
+          <a:chExt cx="0" cy="0"/>
+        </a:xfrm>
+      </p:grpSpPr>
+      <p:sp>
+        <p:nvSpPr>
+          <p:cNvPr id="2" name="Заголовок 1"/>
+          <p:cNvSpPr>
+            <a:spLocks noGrp="1"/>
+          </p:cNvSpPr>
+          <p:nvPr>
+            <p:ph type="title"/>
+          </p:nvPr>
+        </p:nvSpPr>
+        <p:spPr/>
+        <p:txBody>
+          <a:bodyPr>
+            <a:normAutofit fontScale="90000"/>
+          </a:bodyPr>
+          <a:lstStyle/>
+          <a:p>
+            <a:r>
+              <a:rPr lang="ru-RU" dirty="0"/>
+              <a:t>Удаление дочерних компонентов</a:t>
+            </a:r>
+          </a:p>
+        </p:txBody>
+      </p:sp>
+      <p:sp>
+        <p:nvSpPr>
+          <p:cNvPr id="3" name="Объект 2"/>
+          <p:cNvSpPr>
+            <a:spLocks noGrp="1"/>
+          </p:cNvSpPr>
+          <p:nvPr>
+            <p:ph idx="1"/>
+          </p:nvPr>
+        </p:nvSpPr>
+        <p:spPr/>
+        <p:txBody>
+          <a:bodyPr>
+            <a:normAutofit lnSpcReduction="10000"/>
+          </a:bodyPr>
+          <a:lstStyle/>
+          <a:p>
+            <a:r>
+              <a:rPr lang="ru-RU" dirty="0"/>
+              <a:t>В языках без сборщика мусора удаление дочерних узлов лучше поручить классу </a:t>
+            </a:r>
+            <a:r>
+              <a:rPr lang="en-US" dirty="0"/>
+              <a:t>Composite</a:t>
+            </a:r>
+            <a:r>
+              <a:rPr lang="ru-RU" dirty="0"/>
+              <a:t> в момент его уничтожения</a:t>
+            </a:r>
+          </a:p>
+          <a:p>
+            <a:pPr lvl="1"/>
+            <a:r>
+              <a:rPr lang="ru-RU" dirty="0"/>
+              <a:t>В </a:t>
+            </a:r>
+            <a:r>
+              <a:rPr lang="en-US" dirty="0"/>
+              <a:t>C++ </a:t>
+            </a:r>
+            <a:r>
+              <a:rPr lang="ru-RU" dirty="0"/>
+              <a:t>рекомендуется использовать</a:t>
+            </a:r>
+            <a:r>
+              <a:rPr lang="en-US" dirty="0"/>
+              <a:t> </a:t>
+            </a:r>
+            <a:r>
+              <a:rPr lang="ru-RU" dirty="0"/>
+              <a:t>умные указатели</a:t>
+            </a:r>
+          </a:p>
+          <a:p>
+            <a:pPr lvl="1"/>
+            <a:r>
+              <a:rPr lang="ru-RU" dirty="0"/>
+              <a:t>При совместном использовании компонентов удаление должно происходить при отсутствии других владельцев</a:t>
+            </a:r>
+          </a:p>
+          <a:p>
+            <a:pPr lvl="2"/>
+            <a:r>
+              <a:rPr lang="ru-RU" dirty="0"/>
+              <a:t>При наличии ссылок на родителя – не забыть обновить список родительских узлов при удалении родителя</a:t>
+            </a:r>
+          </a:p>
+        </p:txBody>
+      </p:sp>
+    </p:spTree>
+    <p:extLst>
+      <p:ext uri="{BB962C8B-B14F-4D97-AF65-F5344CB8AC3E}">
+        <p14:creationId xmlns:p14="http://schemas.microsoft.com/office/powerpoint/2010/main" val="116888879"/>
+      </p:ext>
+    </p:extLst>
+  </p:cSld>
+  <p:clrMapOvr>
+    <a:masterClrMapping/>
+  </p:clrMapOvr>
+</p:sld>
+</file>
+
+<file path=ppt/slides/slide33.xml><?xml version="1.0" encoding="utf-8"?>
+<p:sld xmlns:a="http://schemas.openxmlformats.org/drawingml/2006/main" xmlns:r="http://schemas.openxmlformats.org/officeDocument/2006/relationships" xmlns:p="http://schemas.openxmlformats.org/presentationml/2006/main">
+  <p:cSld>
+    <p:spTree>
+      <p:nvGrpSpPr>
+        <p:cNvPr id="1" name=""/>
+        <p:cNvGrpSpPr/>
+        <p:nvPr/>
+      </p:nvGrpSpPr>
+      <p:grpSpPr>
+        <a:xfrm>
+          <a:off x="0" y="0"/>
+          <a:ext cx="0" cy="0"/>
+          <a:chOff x="0" y="0"/>
+          <a:chExt cx="0" cy="0"/>
+        </a:xfrm>
+      </p:grpSpPr>
+      <p:sp>
+        <p:nvSpPr>
+          <p:cNvPr id="2" name="Заголовок 1"/>
+          <p:cNvSpPr>
+            <a:spLocks noGrp="1"/>
+          </p:cNvSpPr>
+          <p:nvPr>
+            <p:ph type="title"/>
+          </p:nvPr>
+        </p:nvSpPr>
+        <p:spPr/>
+        <p:txBody>
+          <a:bodyPr>
+            <a:normAutofit/>
+          </a:bodyPr>
+          <a:lstStyle/>
+          <a:p>
+            <a:r>
+              <a:rPr lang="ru-RU" dirty="0"/>
+              <a:t>Композиция или агрегация</a:t>
+            </a:r>
+            <a:r>
+              <a:rPr lang="en-US" dirty="0"/>
+              <a:t>?</a:t>
+            </a:r>
+            <a:endParaRPr lang="ru-RU" dirty="0"/>
+          </a:p>
+        </p:txBody>
+      </p:sp>
+      <p:sp>
+        <p:nvSpPr>
+          <p:cNvPr id="3" name="Объект 2"/>
+          <p:cNvSpPr>
+            <a:spLocks noGrp="1"/>
+          </p:cNvSpPr>
+          <p:nvPr>
+            <p:ph idx="1"/>
+          </p:nvPr>
+        </p:nvSpPr>
+        <p:spPr/>
+        <p:txBody>
+          <a:bodyPr/>
+          <a:lstStyle/>
+          <a:p>
+            <a:r>
+              <a:rPr lang="ru-RU" dirty="0"/>
+              <a:t>Зависит от природы составного объекта и его отношения с дочерними объектами</a:t>
+            </a:r>
+          </a:p>
+          <a:p>
+            <a:pPr lvl="1"/>
+            <a:r>
+              <a:rPr lang="ru-RU" dirty="0"/>
+              <a:t>Для сгруппированных фигур логично использовать композицию</a:t>
+            </a:r>
+          </a:p>
+          <a:p>
+            <a:pPr lvl="1"/>
+            <a:r>
+              <a:rPr lang="ru-RU" dirty="0"/>
+              <a:t>Для сформированного отряда юнитов в </a:t>
+            </a:r>
+            <a:r>
+              <a:rPr lang="en-US" dirty="0"/>
+              <a:t>Real Time Strategy </a:t>
+            </a:r>
+            <a:r>
+              <a:rPr lang="ru-RU" dirty="0"/>
+              <a:t>логично использовать агрегацию</a:t>
+            </a:r>
+          </a:p>
+        </p:txBody>
+      </p:sp>
+    </p:spTree>
+    <p:extLst>
+      <p:ext uri="{BB962C8B-B14F-4D97-AF65-F5344CB8AC3E}">
+        <p14:creationId xmlns:p14="http://schemas.microsoft.com/office/powerpoint/2010/main" val="3127503326"/>
+      </p:ext>
+    </p:extLst>
+  </p:cSld>
+  <p:clrMapOvr>
+    <a:masterClrMapping/>
+  </p:clrMapOvr>
+</p:sld>
+</file>
+
+<file path=ppt/slides/slide34.xml><?xml version="1.0" encoding="utf-8"?>
+<p:sld xmlns:a="http://schemas.openxmlformats.org/drawingml/2006/main" xmlns:r="http://schemas.openxmlformats.org/officeDocument/2006/relationships" xmlns:p="http://schemas.openxmlformats.org/presentationml/2006/main">
+  <p:cSld>
+    <p:spTree>
+      <p:nvGrpSpPr>
+        <p:cNvPr id="1" name=""/>
+        <p:cNvGrpSpPr/>
+        <p:nvPr/>
+      </p:nvGrpSpPr>
+      <p:grpSpPr>
+        <a:xfrm>
+          <a:off x="0" y="0"/>
+          <a:ext cx="0" cy="0"/>
+          <a:chOff x="0" y="0"/>
+          <a:chExt cx="0" cy="0"/>
+        </a:xfrm>
+      </p:grpSpPr>
+      <p:sp>
+        <p:nvSpPr>
+          <p:cNvPr id="2" name="Заголовок 1"/>
+          <p:cNvSpPr>
+            <a:spLocks noGrp="1"/>
+          </p:cNvSpPr>
+          <p:nvPr>
+            <p:ph type="title"/>
+          </p:nvPr>
+        </p:nvSpPr>
+        <p:spPr/>
+        <p:txBody>
+          <a:bodyPr>
+            <a:normAutofit fontScale="90000"/>
+          </a:bodyPr>
+          <a:lstStyle/>
+          <a:p>
+            <a:r>
+              <a:rPr lang="ru-RU" dirty="0"/>
+              <a:t>Размещение операций для работы с потомками в классе </a:t>
+            </a:r>
+            <a:r>
+              <a:rPr lang="en-US" dirty="0" err="1"/>
+              <a:t>CShape</a:t>
+            </a:r>
+            <a:endParaRPr lang="ru-RU" dirty="0"/>
+          </a:p>
+        </p:txBody>
+      </p:sp>
+      <p:pic>
+        <p:nvPicPr>
+          <p:cNvPr id="5" name="Рисунок 4"/>
+          <p:cNvPicPr>
+            <a:picLocks noChangeAspect="1"/>
+          </p:cNvPicPr>
+          <p:nvPr/>
+        </p:nvPicPr>
+        <p:blipFill>
+          <a:blip r:embed="rId2"/>
+          <a:stretch>
+            <a:fillRect/>
+          </a:stretch>
+        </p:blipFill>
+        <p:spPr>
+          <a:xfrm>
+            <a:off x="86156" y="2204864"/>
+            <a:ext cx="8971688" cy="3447977"/>
+          </a:xfrm>
+          <a:prstGeom prst="rect">
+            <a:avLst/>
+          </a:prstGeom>
+        </p:spPr>
+      </p:pic>
+    </p:spTree>
+    <p:extLst>
+      <p:ext uri="{BB962C8B-B14F-4D97-AF65-F5344CB8AC3E}">
+        <p14:creationId xmlns:p14="http://schemas.microsoft.com/office/powerpoint/2010/main" val="1514754308"/>
+      </p:ext>
+    </p:extLst>
+  </p:cSld>
+  <p:clrMapOvr>
+    <a:masterClrMapping/>
+  </p:clrMapOvr>
+</p:sld>
+</file>
+
+<file path=ppt/slides/slide35.xml><?xml version="1.0" encoding="utf-8"?>
+<p:sld xmlns:a="http://schemas.openxmlformats.org/drawingml/2006/main" xmlns:r="http://schemas.openxmlformats.org/officeDocument/2006/relationships" xmlns:p="http://schemas.openxmlformats.org/presentationml/2006/main">
+  <p:cSld>
+    <p:spTree>
+      <p:nvGrpSpPr>
+        <p:cNvPr id="1" name=""/>
+        <p:cNvGrpSpPr/>
+        <p:nvPr/>
+      </p:nvGrpSpPr>
+      <p:grpSpPr>
+        <a:xfrm>
+          <a:off x="0" y="0"/>
+          <a:ext cx="0" cy="0"/>
+          <a:chOff x="0" y="0"/>
+          <a:chExt cx="0" cy="0"/>
+        </a:xfrm>
+      </p:grpSpPr>
+      <p:sp>
+        <p:nvSpPr>
+          <p:cNvPr id="2" name="Заголовок 1"/>
+          <p:cNvSpPr>
+            <a:spLocks noGrp="1"/>
+          </p:cNvSpPr>
+          <p:nvPr>
+            <p:ph type="title"/>
+          </p:nvPr>
+        </p:nvSpPr>
+        <p:spPr/>
+        <p:txBody>
+          <a:bodyPr>
+            <a:normAutofit fontScale="90000"/>
+          </a:bodyPr>
+          <a:lstStyle/>
+          <a:p>
+            <a:r>
+              <a:rPr lang="ru-RU" dirty="0"/>
               <a:t>Размещение операций для работы с потомками в интерфейсе </a:t>
             </a:r>
             <a:r>
@@ -22691,7 +23495,7 @@
 </p:sld>
 </file>
 
-<file path=ppt/slides/slide32.xml><?xml version="1.0" encoding="utf-8"?>
+<file path=ppt/slides/slide36.xml><?xml version="1.0" encoding="utf-8"?>
 <p:sld xmlns:a="http://schemas.openxmlformats.org/drawingml/2006/main" xmlns:r="http://schemas.openxmlformats.org/officeDocument/2006/relationships" xmlns:p="http://schemas.openxmlformats.org/presentationml/2006/main">
   <p:cSld>
     <p:spTree>
@@ -23068,7 +23872,7 @@
 </p:sld>
 </file>
 
-<file path=ppt/slides/slide33.xml><?xml version="1.0" encoding="utf-8"?>
+<file path=ppt/slides/slide37.xml><?xml version="1.0" encoding="utf-8"?>
 <p:sld xmlns:a="http://schemas.openxmlformats.org/drawingml/2006/main" xmlns:r="http://schemas.openxmlformats.org/officeDocument/2006/relationships" xmlns:p="http://schemas.openxmlformats.org/presentationml/2006/main">
   <p:cSld>
     <p:spTree>
@@ -23833,7 +24637,7 @@
 </p:sld>
 </file>
 
-<file path=ppt/slides/slide34.xml><?xml version="1.0" encoding="utf-8"?>
+<file path=ppt/slides/slide38.xml><?xml version="1.0" encoding="utf-8"?>
 <p:sld xmlns:a="http://schemas.openxmlformats.org/drawingml/2006/main" xmlns:r="http://schemas.openxmlformats.org/officeDocument/2006/relationships" xmlns:p="http://schemas.openxmlformats.org/presentationml/2006/main">
   <p:cSld>
     <p:spTree>
@@ -23941,7 +24745,7 @@
             </a:r>
             <a:r>
               <a:rPr lang="en-US" dirty="0"/>
-              <a:t>boost::optional</a:t>
+              <a:t>std::optional</a:t>
             </a:r>
           </a:p>
           <a:p>
@@ -24013,8 +24817,8 @@
           <a:p>
             <a:pPr lvl="2"/>
             <a:r>
-              <a:rPr lang="en-US" dirty="0"/>
-              <a:t>none</a:t>
+              <a:rPr lang="en-US" dirty="0" err="1"/>
+              <a:t>nullopt</a:t>
             </a:r>
             <a:r>
               <a:rPr lang="ru-RU" dirty="0"/>
@@ -24052,12 +24856,8 @@
           <a:p>
             <a:pPr lvl="3"/>
             <a:r>
-              <a:rPr lang="en-US" dirty="0" err="1"/>
-              <a:t>std</a:t>
-            </a:r>
-            <a:r>
               <a:rPr lang="en-US" dirty="0"/>
-              <a:t>::variant/boost::variant</a:t>
+              <a:t>std::variant</a:t>
             </a:r>
             <a:endParaRPr lang="ru-RU" dirty="0"/>
           </a:p>
@@ -24771,7 +25571,7 @@
 </p:sld>
 </file>
 
-<file path=ppt/slides/slide35.xml><?xml version="1.0" encoding="utf-8"?>
+<file path=ppt/slides/slide39.xml><?xml version="1.0" encoding="utf-8"?>
 <p:sld xmlns:a="http://schemas.openxmlformats.org/drawingml/2006/main" xmlns:r="http://schemas.openxmlformats.org/officeDocument/2006/relationships" xmlns:p="http://schemas.openxmlformats.org/presentationml/2006/main">
   <p:cSld>
     <p:spTree>
@@ -25150,628 +25950,6 @@
 </p:sld>
 </file>
 
-<file path=ppt/slides/slide36.xml><?xml version="1.0" encoding="utf-8"?>
-<p:sld xmlns:a="http://schemas.openxmlformats.org/drawingml/2006/main" xmlns:r="http://schemas.openxmlformats.org/officeDocument/2006/relationships" xmlns:p="http://schemas.openxmlformats.org/presentationml/2006/main">
-  <p:cSld>
-    <p:spTree>
-      <p:nvGrpSpPr>
-        <p:cNvPr id="1" name=""/>
-        <p:cNvGrpSpPr/>
-        <p:nvPr/>
-      </p:nvGrpSpPr>
-      <p:grpSpPr>
-        <a:xfrm>
-          <a:off x="0" y="0"/>
-          <a:ext cx="0" cy="0"/>
-          <a:chOff x="0" y="0"/>
-          <a:chExt cx="0" cy="0"/>
-        </a:xfrm>
-      </p:grpSpPr>
-      <p:sp>
-        <p:nvSpPr>
-          <p:cNvPr id="2" name="Title 1"/>
-          <p:cNvSpPr>
-            <a:spLocks noGrp="1"/>
-          </p:cNvSpPr>
-          <p:nvPr>
-            <p:ph type="title"/>
-          </p:nvPr>
-        </p:nvSpPr>
-        <p:spPr/>
-        <p:txBody>
-          <a:bodyPr>
-            <a:normAutofit/>
-          </a:bodyPr>
-          <a:lstStyle/>
-          <a:p>
-            <a:r>
-              <a:rPr lang="ru-RU" dirty="0"/>
-              <a:t>Не все так просто</a:t>
-            </a:r>
-          </a:p>
-        </p:txBody>
-      </p:sp>
-      <p:sp>
-        <p:nvSpPr>
-          <p:cNvPr id="3" name="Content Placeholder 2"/>
-          <p:cNvSpPr>
-            <a:spLocks noGrp="1"/>
-          </p:cNvSpPr>
-          <p:nvPr>
-            <p:ph idx="1"/>
-          </p:nvPr>
-        </p:nvSpPr>
-        <p:spPr/>
-        <p:txBody>
-          <a:bodyPr>
-            <a:normAutofit fontScale="92500" lnSpcReduction="20000"/>
-          </a:bodyPr>
-          <a:lstStyle/>
-          <a:p>
-            <a:r>
-              <a:rPr lang="ru-RU" dirty="0"/>
-              <a:t>Некоторые операции могут потребовать хранения доп. информации в самой группе</a:t>
-            </a:r>
-          </a:p>
-          <a:p>
-            <a:r>
-              <a:rPr lang="ru-RU" dirty="0"/>
-              <a:t>Вращение группы</a:t>
-            </a:r>
-          </a:p>
-          <a:p>
-            <a:pPr lvl="1"/>
-            <a:r>
-              <a:rPr lang="ru-RU" dirty="0"/>
-              <a:t>Группа хранит угол поворота, не изменяя угол поворота и координаты фигур внутри себя</a:t>
-            </a:r>
-          </a:p>
-          <a:p>
-            <a:pPr lvl="1"/>
-            <a:r>
-              <a:rPr lang="ru-RU" dirty="0"/>
-              <a:t>Перед рисованием своих фигур группа может настроить необходимые геометрические преобразования в </a:t>
-            </a:r>
-            <a:r>
-              <a:rPr lang="en-US" dirty="0"/>
-              <a:t>canvas</a:t>
-            </a:r>
-            <a:endParaRPr lang="ru-RU" dirty="0"/>
-          </a:p>
-          <a:p>
-            <a:pPr lvl="2"/>
-            <a:r>
-              <a:rPr lang="ru-RU" dirty="0"/>
-              <a:t>Альтернатива – дочерние элементы запрашивают базовую трансформацию о своего родителя</a:t>
-            </a:r>
-          </a:p>
-          <a:p>
-            <a:pPr lvl="1"/>
-            <a:r>
-              <a:rPr lang="ru-RU" dirty="0"/>
-              <a:t>При разгруппировании фигура пересчитывает координаты фигур, чтобы они заняли нужное положение на слайде</a:t>
-            </a:r>
-            <a:endParaRPr lang="en-US" dirty="0"/>
-          </a:p>
-          <a:p>
-            <a:pPr lvl="2"/>
-            <a:endParaRPr lang="ru-RU" dirty="0"/>
-          </a:p>
-        </p:txBody>
-      </p:sp>
-    </p:spTree>
-    <p:extLst>
-      <p:ext uri="{BB962C8B-B14F-4D97-AF65-F5344CB8AC3E}">
-        <p14:creationId xmlns:p14="http://schemas.microsoft.com/office/powerpoint/2010/main" val="3790454859"/>
-      </p:ext>
-    </p:extLst>
-  </p:cSld>
-  <p:clrMapOvr>
-    <a:masterClrMapping/>
-  </p:clrMapOvr>
-  <p:timing>
-    <p:tnLst>
-      <p:par>
-        <p:cTn id="1" dur="indefinite" restart="never" nodeType="tmRoot">
-          <p:childTnLst>
-            <p:seq concurrent="1" nextAc="seek">
-              <p:cTn id="2" dur="indefinite" nodeType="mainSeq">
-                <p:childTnLst>
-                  <p:par>
-                    <p:cTn id="3" fill="hold">
-                      <p:stCondLst>
-                        <p:cond delay="indefinite"/>
-                      </p:stCondLst>
-                      <p:childTnLst>
-                        <p:par>
-                          <p:cTn id="4" fill="hold">
-                            <p:stCondLst>
-                              <p:cond delay="0"/>
-                            </p:stCondLst>
-                            <p:childTnLst>
-                              <p:par>
-                                <p:cTn id="5" presetID="10" presetClass="entr" presetSubtype="0" fill="hold" grpId="0" nodeType="clickEffect">
-                                  <p:stCondLst>
-                                    <p:cond delay="0"/>
-                                  </p:stCondLst>
-                                  <p:childTnLst>
-                                    <p:set>
-                                      <p:cBhvr>
-                                        <p:cTn id="6" dur="1" fill="hold">
-                                          <p:stCondLst>
-                                            <p:cond delay="0"/>
-                                          </p:stCondLst>
-                                        </p:cTn>
-                                        <p:tgtEl>
-                                          <p:spTgt spid="3">
-                                            <p:txEl>
-                                              <p:pRg st="0" end="0"/>
-                                            </p:txEl>
-                                          </p:spTgt>
-                                        </p:tgtEl>
-                                        <p:attrNameLst>
-                                          <p:attrName>style.visibility</p:attrName>
-                                        </p:attrNameLst>
-                                      </p:cBhvr>
-                                      <p:to>
-                                        <p:strVal val="visible"/>
-                                      </p:to>
-                                    </p:set>
-                                    <p:animEffect transition="in" filter="fade">
-                                      <p:cBhvr>
-                                        <p:cTn id="7" dur="500"/>
-                                        <p:tgtEl>
-                                          <p:spTgt spid="3">
-                                            <p:txEl>
-                                              <p:pRg st="0" end="0"/>
-                                            </p:txEl>
-                                          </p:spTgt>
-                                        </p:tgtEl>
-                                      </p:cBhvr>
-                                    </p:animEffect>
-                                  </p:childTnLst>
-                                </p:cTn>
-                              </p:par>
-                            </p:childTnLst>
-                          </p:cTn>
-                        </p:par>
-                      </p:childTnLst>
-                    </p:cTn>
-                  </p:par>
-                  <p:par>
-                    <p:cTn id="8" fill="hold">
-                      <p:stCondLst>
-                        <p:cond delay="indefinite"/>
-                      </p:stCondLst>
-                      <p:childTnLst>
-                        <p:par>
-                          <p:cTn id="9" fill="hold">
-                            <p:stCondLst>
-                              <p:cond delay="0"/>
-                            </p:stCondLst>
-                            <p:childTnLst>
-                              <p:par>
-                                <p:cTn id="10" presetID="10" presetClass="entr" presetSubtype="0" fill="hold" grpId="0" nodeType="clickEffect">
-                                  <p:stCondLst>
-                                    <p:cond delay="0"/>
-                                  </p:stCondLst>
-                                  <p:childTnLst>
-                                    <p:set>
-                                      <p:cBhvr>
-                                        <p:cTn id="11" dur="1" fill="hold">
-                                          <p:stCondLst>
-                                            <p:cond delay="0"/>
-                                          </p:stCondLst>
-                                        </p:cTn>
-                                        <p:tgtEl>
-                                          <p:spTgt spid="3">
-                                            <p:txEl>
-                                              <p:pRg st="1" end="1"/>
-                                            </p:txEl>
-                                          </p:spTgt>
-                                        </p:tgtEl>
-                                        <p:attrNameLst>
-                                          <p:attrName>style.visibility</p:attrName>
-                                        </p:attrNameLst>
-                                      </p:cBhvr>
-                                      <p:to>
-                                        <p:strVal val="visible"/>
-                                      </p:to>
-                                    </p:set>
-                                    <p:animEffect transition="in" filter="fade">
-                                      <p:cBhvr>
-                                        <p:cTn id="12" dur="500"/>
-                                        <p:tgtEl>
-                                          <p:spTgt spid="3">
-                                            <p:txEl>
-                                              <p:pRg st="1" end="1"/>
-                                            </p:txEl>
-                                          </p:spTgt>
-                                        </p:tgtEl>
-                                      </p:cBhvr>
-                                    </p:animEffect>
-                                  </p:childTnLst>
-                                </p:cTn>
-                              </p:par>
-                              <p:par>
-                                <p:cTn id="13" presetID="10" presetClass="entr" presetSubtype="0" fill="hold" grpId="0" nodeType="withEffect">
-                                  <p:stCondLst>
-                                    <p:cond delay="0"/>
-                                  </p:stCondLst>
-                                  <p:childTnLst>
-                                    <p:set>
-                                      <p:cBhvr>
-                                        <p:cTn id="14" dur="1" fill="hold">
-                                          <p:stCondLst>
-                                            <p:cond delay="0"/>
-                                          </p:stCondLst>
-                                        </p:cTn>
-                                        <p:tgtEl>
-                                          <p:spTgt spid="3">
-                                            <p:txEl>
-                                              <p:pRg st="2" end="2"/>
-                                            </p:txEl>
-                                          </p:spTgt>
-                                        </p:tgtEl>
-                                        <p:attrNameLst>
-                                          <p:attrName>style.visibility</p:attrName>
-                                        </p:attrNameLst>
-                                      </p:cBhvr>
-                                      <p:to>
-                                        <p:strVal val="visible"/>
-                                      </p:to>
-                                    </p:set>
-                                    <p:animEffect transition="in" filter="fade">
-                                      <p:cBhvr>
-                                        <p:cTn id="15" dur="500"/>
-                                        <p:tgtEl>
-                                          <p:spTgt spid="3">
-                                            <p:txEl>
-                                              <p:pRg st="2" end="2"/>
-                                            </p:txEl>
-                                          </p:spTgt>
-                                        </p:tgtEl>
-                                      </p:cBhvr>
-                                    </p:animEffect>
-                                  </p:childTnLst>
-                                </p:cTn>
-                              </p:par>
-                              <p:par>
-                                <p:cTn id="16" presetID="10" presetClass="entr" presetSubtype="0" fill="hold" grpId="0" nodeType="withEffect">
-                                  <p:stCondLst>
-                                    <p:cond delay="0"/>
-                                  </p:stCondLst>
-                                  <p:childTnLst>
-                                    <p:set>
-                                      <p:cBhvr>
-                                        <p:cTn id="17" dur="1" fill="hold">
-                                          <p:stCondLst>
-                                            <p:cond delay="0"/>
-                                          </p:stCondLst>
-                                        </p:cTn>
-                                        <p:tgtEl>
-                                          <p:spTgt spid="3">
-                                            <p:txEl>
-                                              <p:pRg st="3" end="3"/>
-                                            </p:txEl>
-                                          </p:spTgt>
-                                        </p:tgtEl>
-                                        <p:attrNameLst>
-                                          <p:attrName>style.visibility</p:attrName>
-                                        </p:attrNameLst>
-                                      </p:cBhvr>
-                                      <p:to>
-                                        <p:strVal val="visible"/>
-                                      </p:to>
-                                    </p:set>
-                                    <p:animEffect transition="in" filter="fade">
-                                      <p:cBhvr>
-                                        <p:cTn id="18" dur="500"/>
-                                        <p:tgtEl>
-                                          <p:spTgt spid="3">
-                                            <p:txEl>
-                                              <p:pRg st="3" end="3"/>
-                                            </p:txEl>
-                                          </p:spTgt>
-                                        </p:tgtEl>
-                                      </p:cBhvr>
-                                    </p:animEffect>
-                                  </p:childTnLst>
-                                </p:cTn>
-                              </p:par>
-                              <p:par>
-                                <p:cTn id="19" presetID="10" presetClass="entr" presetSubtype="0" fill="hold" grpId="0" nodeType="withEffect">
-                                  <p:stCondLst>
-                                    <p:cond delay="0"/>
-                                  </p:stCondLst>
-                                  <p:childTnLst>
-                                    <p:set>
-                                      <p:cBhvr>
-                                        <p:cTn id="20" dur="1" fill="hold">
-                                          <p:stCondLst>
-                                            <p:cond delay="0"/>
-                                          </p:stCondLst>
-                                        </p:cTn>
-                                        <p:tgtEl>
-                                          <p:spTgt spid="3">
-                                            <p:txEl>
-                                              <p:pRg st="4" end="4"/>
-                                            </p:txEl>
-                                          </p:spTgt>
-                                        </p:tgtEl>
-                                        <p:attrNameLst>
-                                          <p:attrName>style.visibility</p:attrName>
-                                        </p:attrNameLst>
-                                      </p:cBhvr>
-                                      <p:to>
-                                        <p:strVal val="visible"/>
-                                      </p:to>
-                                    </p:set>
-                                    <p:animEffect transition="in" filter="fade">
-                                      <p:cBhvr>
-                                        <p:cTn id="21" dur="500"/>
-                                        <p:tgtEl>
-                                          <p:spTgt spid="3">
-                                            <p:txEl>
-                                              <p:pRg st="4" end="4"/>
-                                            </p:txEl>
-                                          </p:spTgt>
-                                        </p:tgtEl>
-                                      </p:cBhvr>
-                                    </p:animEffect>
-                                  </p:childTnLst>
-                                </p:cTn>
-                              </p:par>
-                              <p:par>
-                                <p:cTn id="22" presetID="10" presetClass="entr" presetSubtype="0" fill="hold" grpId="0" nodeType="withEffect">
-                                  <p:stCondLst>
-                                    <p:cond delay="0"/>
-                                  </p:stCondLst>
-                                  <p:childTnLst>
-                                    <p:set>
-                                      <p:cBhvr>
-                                        <p:cTn id="23" dur="1" fill="hold">
-                                          <p:stCondLst>
-                                            <p:cond delay="0"/>
-                                          </p:stCondLst>
-                                        </p:cTn>
-                                        <p:tgtEl>
-                                          <p:spTgt spid="3">
-                                            <p:txEl>
-                                              <p:pRg st="5" end="5"/>
-                                            </p:txEl>
-                                          </p:spTgt>
-                                        </p:tgtEl>
-                                        <p:attrNameLst>
-                                          <p:attrName>style.visibility</p:attrName>
-                                        </p:attrNameLst>
-                                      </p:cBhvr>
-                                      <p:to>
-                                        <p:strVal val="visible"/>
-                                      </p:to>
-                                    </p:set>
-                                    <p:animEffect transition="in" filter="fade">
-                                      <p:cBhvr>
-                                        <p:cTn id="24" dur="500"/>
-                                        <p:tgtEl>
-                                          <p:spTgt spid="3">
-                                            <p:txEl>
-                                              <p:pRg st="5" end="5"/>
-                                            </p:txEl>
-                                          </p:spTgt>
-                                        </p:tgtEl>
-                                      </p:cBhvr>
-                                    </p:animEffect>
-                                  </p:childTnLst>
-                                </p:cTn>
-                              </p:par>
-                            </p:childTnLst>
-                          </p:cTn>
-                        </p:par>
-                      </p:childTnLst>
-                    </p:cTn>
-                  </p:par>
-                </p:childTnLst>
-              </p:cTn>
-              <p:prevCondLst>
-                <p:cond evt="onPrev" delay="0">
-                  <p:tgtEl>
-                    <p:sldTgt/>
-                  </p:tgtEl>
-                </p:cond>
-              </p:prevCondLst>
-              <p:nextCondLst>
-                <p:cond evt="onNext" delay="0">
-                  <p:tgtEl>
-                    <p:sldTgt/>
-                  </p:tgtEl>
-                </p:cond>
-              </p:nextCondLst>
-            </p:seq>
-          </p:childTnLst>
-        </p:cTn>
-      </p:par>
-    </p:tnLst>
-    <p:bldLst>
-      <p:bldP spid="3" grpId="0" build="p"/>
-    </p:bldLst>
-  </p:timing>
-</p:sld>
-</file>
-
-<file path=ppt/slides/slide37.xml><?xml version="1.0" encoding="utf-8"?>
-<p:sld xmlns:a="http://schemas.openxmlformats.org/drawingml/2006/main" xmlns:r="http://schemas.openxmlformats.org/officeDocument/2006/relationships" xmlns:p="http://schemas.openxmlformats.org/presentationml/2006/main">
-  <p:cSld>
-    <p:spTree>
-      <p:nvGrpSpPr>
-        <p:cNvPr id="1" name=""/>
-        <p:cNvGrpSpPr/>
-        <p:nvPr/>
-      </p:nvGrpSpPr>
-      <p:grpSpPr>
-        <a:xfrm>
-          <a:off x="0" y="0"/>
-          <a:ext cx="0" cy="0"/>
-          <a:chOff x="0" y="0"/>
-          <a:chExt cx="0" cy="0"/>
-        </a:xfrm>
-      </p:grpSpPr>
-      <p:sp>
-        <p:nvSpPr>
-          <p:cNvPr id="2" name="Заголовок 1">
-            <a:extLst>
-              <a:ext uri="{FF2B5EF4-FFF2-40B4-BE49-F238E27FC236}">
-                <a16:creationId xmlns:a16="http://schemas.microsoft.com/office/drawing/2014/main" id="{53A02BF9-92B4-4025-997C-7D7E2919ADD0}"/>
-              </a:ext>
-            </a:extLst>
-          </p:cNvPr>
-          <p:cNvSpPr>
-            <a:spLocks noGrp="1"/>
-          </p:cNvSpPr>
-          <p:nvPr>
-            <p:ph type="title"/>
-          </p:nvPr>
-        </p:nvSpPr>
-        <p:spPr/>
-        <p:txBody>
-          <a:bodyPr>
-            <a:normAutofit fontScale="90000"/>
-          </a:bodyPr>
-          <a:lstStyle/>
-          <a:p>
-            <a:r>
-              <a:rPr lang="ru-RU" dirty="0"/>
-              <a:t>Вариант реализации стилей у групп</a:t>
-            </a:r>
-          </a:p>
-        </p:txBody>
-      </p:sp>
-      <p:pic>
-        <p:nvPicPr>
-          <p:cNvPr id="5" name="Объект 4">
-            <a:extLst>
-              <a:ext uri="{FF2B5EF4-FFF2-40B4-BE49-F238E27FC236}">
-                <a16:creationId xmlns:a16="http://schemas.microsoft.com/office/drawing/2014/main" id="{2F1BE4D6-5181-4234-8D63-FE942E04539F}"/>
-              </a:ext>
-            </a:extLst>
-          </p:cNvPr>
-          <p:cNvPicPr>
-            <a:picLocks noGrp="1" noChangeAspect="1"/>
-          </p:cNvPicPr>
-          <p:nvPr>
-            <p:ph idx="1"/>
-          </p:nvPr>
-        </p:nvPicPr>
-        <p:blipFill>
-          <a:blip r:embed="rId2" cstate="print">
-            <a:extLst>
-              <a:ext uri="{28A0092B-C50C-407E-A947-70E740481C1C}">
-                <a14:useLocalDpi xmlns:a14="http://schemas.microsoft.com/office/drawing/2010/main" val="0"/>
-              </a:ext>
-            </a:extLst>
-          </a:blip>
-          <a:stretch>
-            <a:fillRect/>
-          </a:stretch>
-        </p:blipFill>
-        <p:spPr/>
-      </p:pic>
-    </p:spTree>
-    <p:extLst>
-      <p:ext uri="{BB962C8B-B14F-4D97-AF65-F5344CB8AC3E}">
-        <p14:creationId xmlns:p14="http://schemas.microsoft.com/office/powerpoint/2010/main" val="3350976447"/>
-      </p:ext>
-    </p:extLst>
-  </p:cSld>
-  <p:clrMapOvr>
-    <a:masterClrMapping/>
-  </p:clrMapOvr>
-</p:sld>
-</file>
-
-<file path=ppt/slides/slide38.xml><?xml version="1.0" encoding="utf-8"?>
-<p:sld xmlns:a="http://schemas.openxmlformats.org/drawingml/2006/main" xmlns:r="http://schemas.openxmlformats.org/officeDocument/2006/relationships" xmlns:p="http://schemas.openxmlformats.org/presentationml/2006/main">
-  <p:cSld>
-    <p:spTree>
-      <p:nvGrpSpPr>
-        <p:cNvPr id="1" name=""/>
-        <p:cNvGrpSpPr/>
-        <p:nvPr/>
-      </p:nvGrpSpPr>
-      <p:grpSpPr>
-        <a:xfrm>
-          <a:off x="0" y="0"/>
-          <a:ext cx="0" cy="0"/>
-          <a:chOff x="0" y="0"/>
-          <a:chExt cx="0" cy="0"/>
-        </a:xfrm>
-      </p:grpSpPr>
-      <p:sp>
-        <p:nvSpPr>
-          <p:cNvPr id="2" name="Title 1">
-            <a:extLst>
-              <a:ext uri="{FF2B5EF4-FFF2-40B4-BE49-F238E27FC236}">
-                <a16:creationId xmlns:a16="http://schemas.microsoft.com/office/drawing/2014/main" id="{C0737C1B-D1B5-4EE3-9ECB-8A52C2C01B1B}"/>
-              </a:ext>
-            </a:extLst>
-          </p:cNvPr>
-          <p:cNvSpPr>
-            <a:spLocks noGrp="1"/>
-          </p:cNvSpPr>
-          <p:nvPr>
-            <p:ph type="ctrTitle"/>
-          </p:nvPr>
-        </p:nvSpPr>
-        <p:spPr/>
-        <p:txBody>
-          <a:bodyPr/>
-          <a:lstStyle/>
-          <a:p>
-            <a:r>
-              <a:rPr lang="ru-RU" dirty="0"/>
-              <a:t>Спасибо за внимание</a:t>
-            </a:r>
-          </a:p>
-        </p:txBody>
-      </p:sp>
-      <p:sp>
-        <p:nvSpPr>
-          <p:cNvPr id="4" name="Subtitle 3">
-            <a:extLst>
-              <a:ext uri="{FF2B5EF4-FFF2-40B4-BE49-F238E27FC236}">
-                <a16:creationId xmlns:a16="http://schemas.microsoft.com/office/drawing/2014/main" id="{EEC16847-B2F4-44B9-92B1-4D000CB13EAF}"/>
-              </a:ext>
-            </a:extLst>
-          </p:cNvPr>
-          <p:cNvSpPr>
-            <a:spLocks noGrp="1"/>
-          </p:cNvSpPr>
-          <p:nvPr>
-            <p:ph type="subTitle" idx="1"/>
-          </p:nvPr>
-        </p:nvSpPr>
-        <p:spPr/>
-        <p:txBody>
-          <a:bodyPr/>
-          <a:lstStyle/>
-          <a:p>
-            <a:endParaRPr lang="ru-RU"/>
-          </a:p>
-        </p:txBody>
-      </p:sp>
-    </p:spTree>
-    <p:extLst>
-      <p:ext uri="{BB962C8B-B14F-4D97-AF65-F5344CB8AC3E}">
-        <p14:creationId xmlns:p14="http://schemas.microsoft.com/office/powerpoint/2010/main" val="3057664741"/>
-      </p:ext>
-    </p:extLst>
-  </p:cSld>
-  <p:clrMapOvr>
-    <a:masterClrMapping/>
-  </p:clrMapOvr>
-</p:sld>
-</file>
-
 <file path=ppt/slides/slide4.xml><?xml version="1.0" encoding="utf-8"?>
 <p:sld xmlns:a="http://schemas.openxmlformats.org/drawingml/2006/main" xmlns:r="http://schemas.openxmlformats.org/officeDocument/2006/relationships" xmlns:p="http://schemas.openxmlformats.org/presentationml/2006/main">
   <p:cSld>
@@ -25841,7 +26019,7 @@
           <a:p>
             <a:r>
               <a:rPr lang="ru-RU" dirty="0"/>
-              <a:t>Предоставляет возможность отображения простейших графических примитивов</a:t>
+              <a:t>Содержит методы для рисования примитивов</a:t>
             </a:r>
           </a:p>
           <a:p>
@@ -26231,6 +26409,628 @@
 </p:sld>
 </file>
 
+<file path=ppt/slides/slide40.xml><?xml version="1.0" encoding="utf-8"?>
+<p:sld xmlns:a="http://schemas.openxmlformats.org/drawingml/2006/main" xmlns:r="http://schemas.openxmlformats.org/officeDocument/2006/relationships" xmlns:p="http://schemas.openxmlformats.org/presentationml/2006/main">
+  <p:cSld>
+    <p:spTree>
+      <p:nvGrpSpPr>
+        <p:cNvPr id="1" name=""/>
+        <p:cNvGrpSpPr/>
+        <p:nvPr/>
+      </p:nvGrpSpPr>
+      <p:grpSpPr>
+        <a:xfrm>
+          <a:off x="0" y="0"/>
+          <a:ext cx="0" cy="0"/>
+          <a:chOff x="0" y="0"/>
+          <a:chExt cx="0" cy="0"/>
+        </a:xfrm>
+      </p:grpSpPr>
+      <p:sp>
+        <p:nvSpPr>
+          <p:cNvPr id="2" name="Title 1"/>
+          <p:cNvSpPr>
+            <a:spLocks noGrp="1"/>
+          </p:cNvSpPr>
+          <p:nvPr>
+            <p:ph type="title"/>
+          </p:nvPr>
+        </p:nvSpPr>
+        <p:spPr/>
+        <p:txBody>
+          <a:bodyPr>
+            <a:normAutofit/>
+          </a:bodyPr>
+          <a:lstStyle/>
+          <a:p>
+            <a:r>
+              <a:rPr lang="ru-RU" dirty="0"/>
+              <a:t>Не все так просто</a:t>
+            </a:r>
+          </a:p>
+        </p:txBody>
+      </p:sp>
+      <p:sp>
+        <p:nvSpPr>
+          <p:cNvPr id="3" name="Content Placeholder 2"/>
+          <p:cNvSpPr>
+            <a:spLocks noGrp="1"/>
+          </p:cNvSpPr>
+          <p:nvPr>
+            <p:ph idx="1"/>
+          </p:nvPr>
+        </p:nvSpPr>
+        <p:spPr/>
+        <p:txBody>
+          <a:bodyPr>
+            <a:normAutofit fontScale="92500" lnSpcReduction="20000"/>
+          </a:bodyPr>
+          <a:lstStyle/>
+          <a:p>
+            <a:r>
+              <a:rPr lang="ru-RU" dirty="0"/>
+              <a:t>Некоторые операции могут потребовать хранения доп. информации в самой группе</a:t>
+            </a:r>
+          </a:p>
+          <a:p>
+            <a:r>
+              <a:rPr lang="ru-RU" dirty="0"/>
+              <a:t>Вращение группы</a:t>
+            </a:r>
+          </a:p>
+          <a:p>
+            <a:pPr lvl="1"/>
+            <a:r>
+              <a:rPr lang="ru-RU" dirty="0"/>
+              <a:t>Группа хранит угол поворота, не изменяя угол поворота и координаты фигур внутри себя</a:t>
+            </a:r>
+          </a:p>
+          <a:p>
+            <a:pPr lvl="1"/>
+            <a:r>
+              <a:rPr lang="ru-RU" dirty="0"/>
+              <a:t>Перед рисованием своих фигур группа может настроить необходимые геометрические преобразования в </a:t>
+            </a:r>
+            <a:r>
+              <a:rPr lang="en-US" dirty="0"/>
+              <a:t>canvas</a:t>
+            </a:r>
+            <a:endParaRPr lang="ru-RU" dirty="0"/>
+          </a:p>
+          <a:p>
+            <a:pPr lvl="2"/>
+            <a:r>
+              <a:rPr lang="ru-RU" dirty="0"/>
+              <a:t>Альтернатива – дочерние элементы запрашивают базовую трансформацию о своего родителя</a:t>
+            </a:r>
+          </a:p>
+          <a:p>
+            <a:pPr lvl="1"/>
+            <a:r>
+              <a:rPr lang="ru-RU" dirty="0"/>
+              <a:t>При разгруппировании фигура пересчитывает координаты фигур, чтобы они заняли нужное положение на слайде</a:t>
+            </a:r>
+            <a:endParaRPr lang="en-US" dirty="0"/>
+          </a:p>
+          <a:p>
+            <a:pPr lvl="2"/>
+            <a:endParaRPr lang="ru-RU" dirty="0"/>
+          </a:p>
+        </p:txBody>
+      </p:sp>
+    </p:spTree>
+    <p:extLst>
+      <p:ext uri="{BB962C8B-B14F-4D97-AF65-F5344CB8AC3E}">
+        <p14:creationId xmlns:p14="http://schemas.microsoft.com/office/powerpoint/2010/main" val="3790454859"/>
+      </p:ext>
+    </p:extLst>
+  </p:cSld>
+  <p:clrMapOvr>
+    <a:masterClrMapping/>
+  </p:clrMapOvr>
+  <p:timing>
+    <p:tnLst>
+      <p:par>
+        <p:cTn id="1" dur="indefinite" restart="never" nodeType="tmRoot">
+          <p:childTnLst>
+            <p:seq concurrent="1" nextAc="seek">
+              <p:cTn id="2" dur="indefinite" nodeType="mainSeq">
+                <p:childTnLst>
+                  <p:par>
+                    <p:cTn id="3" fill="hold">
+                      <p:stCondLst>
+                        <p:cond delay="indefinite"/>
+                      </p:stCondLst>
+                      <p:childTnLst>
+                        <p:par>
+                          <p:cTn id="4" fill="hold">
+                            <p:stCondLst>
+                              <p:cond delay="0"/>
+                            </p:stCondLst>
+                            <p:childTnLst>
+                              <p:par>
+                                <p:cTn id="5" presetID="10" presetClass="entr" presetSubtype="0" fill="hold" grpId="0" nodeType="clickEffect">
+                                  <p:stCondLst>
+                                    <p:cond delay="0"/>
+                                  </p:stCondLst>
+                                  <p:childTnLst>
+                                    <p:set>
+                                      <p:cBhvr>
+                                        <p:cTn id="6" dur="1" fill="hold">
+                                          <p:stCondLst>
+                                            <p:cond delay="0"/>
+                                          </p:stCondLst>
+                                        </p:cTn>
+                                        <p:tgtEl>
+                                          <p:spTgt spid="3">
+                                            <p:txEl>
+                                              <p:pRg st="0" end="0"/>
+                                            </p:txEl>
+                                          </p:spTgt>
+                                        </p:tgtEl>
+                                        <p:attrNameLst>
+                                          <p:attrName>style.visibility</p:attrName>
+                                        </p:attrNameLst>
+                                      </p:cBhvr>
+                                      <p:to>
+                                        <p:strVal val="visible"/>
+                                      </p:to>
+                                    </p:set>
+                                    <p:animEffect transition="in" filter="fade">
+                                      <p:cBhvr>
+                                        <p:cTn id="7" dur="500"/>
+                                        <p:tgtEl>
+                                          <p:spTgt spid="3">
+                                            <p:txEl>
+                                              <p:pRg st="0" end="0"/>
+                                            </p:txEl>
+                                          </p:spTgt>
+                                        </p:tgtEl>
+                                      </p:cBhvr>
+                                    </p:animEffect>
+                                  </p:childTnLst>
+                                </p:cTn>
+                              </p:par>
+                            </p:childTnLst>
+                          </p:cTn>
+                        </p:par>
+                      </p:childTnLst>
+                    </p:cTn>
+                  </p:par>
+                  <p:par>
+                    <p:cTn id="8" fill="hold">
+                      <p:stCondLst>
+                        <p:cond delay="indefinite"/>
+                      </p:stCondLst>
+                      <p:childTnLst>
+                        <p:par>
+                          <p:cTn id="9" fill="hold">
+                            <p:stCondLst>
+                              <p:cond delay="0"/>
+                            </p:stCondLst>
+                            <p:childTnLst>
+                              <p:par>
+                                <p:cTn id="10" presetID="10" presetClass="entr" presetSubtype="0" fill="hold" grpId="0" nodeType="clickEffect">
+                                  <p:stCondLst>
+                                    <p:cond delay="0"/>
+                                  </p:stCondLst>
+                                  <p:childTnLst>
+                                    <p:set>
+                                      <p:cBhvr>
+                                        <p:cTn id="11" dur="1" fill="hold">
+                                          <p:stCondLst>
+                                            <p:cond delay="0"/>
+                                          </p:stCondLst>
+                                        </p:cTn>
+                                        <p:tgtEl>
+                                          <p:spTgt spid="3">
+                                            <p:txEl>
+                                              <p:pRg st="1" end="1"/>
+                                            </p:txEl>
+                                          </p:spTgt>
+                                        </p:tgtEl>
+                                        <p:attrNameLst>
+                                          <p:attrName>style.visibility</p:attrName>
+                                        </p:attrNameLst>
+                                      </p:cBhvr>
+                                      <p:to>
+                                        <p:strVal val="visible"/>
+                                      </p:to>
+                                    </p:set>
+                                    <p:animEffect transition="in" filter="fade">
+                                      <p:cBhvr>
+                                        <p:cTn id="12" dur="500"/>
+                                        <p:tgtEl>
+                                          <p:spTgt spid="3">
+                                            <p:txEl>
+                                              <p:pRg st="1" end="1"/>
+                                            </p:txEl>
+                                          </p:spTgt>
+                                        </p:tgtEl>
+                                      </p:cBhvr>
+                                    </p:animEffect>
+                                  </p:childTnLst>
+                                </p:cTn>
+                              </p:par>
+                              <p:par>
+                                <p:cTn id="13" presetID="10" presetClass="entr" presetSubtype="0" fill="hold" grpId="0" nodeType="withEffect">
+                                  <p:stCondLst>
+                                    <p:cond delay="0"/>
+                                  </p:stCondLst>
+                                  <p:childTnLst>
+                                    <p:set>
+                                      <p:cBhvr>
+                                        <p:cTn id="14" dur="1" fill="hold">
+                                          <p:stCondLst>
+                                            <p:cond delay="0"/>
+                                          </p:stCondLst>
+                                        </p:cTn>
+                                        <p:tgtEl>
+                                          <p:spTgt spid="3">
+                                            <p:txEl>
+                                              <p:pRg st="2" end="2"/>
+                                            </p:txEl>
+                                          </p:spTgt>
+                                        </p:tgtEl>
+                                        <p:attrNameLst>
+                                          <p:attrName>style.visibility</p:attrName>
+                                        </p:attrNameLst>
+                                      </p:cBhvr>
+                                      <p:to>
+                                        <p:strVal val="visible"/>
+                                      </p:to>
+                                    </p:set>
+                                    <p:animEffect transition="in" filter="fade">
+                                      <p:cBhvr>
+                                        <p:cTn id="15" dur="500"/>
+                                        <p:tgtEl>
+                                          <p:spTgt spid="3">
+                                            <p:txEl>
+                                              <p:pRg st="2" end="2"/>
+                                            </p:txEl>
+                                          </p:spTgt>
+                                        </p:tgtEl>
+                                      </p:cBhvr>
+                                    </p:animEffect>
+                                  </p:childTnLst>
+                                </p:cTn>
+                              </p:par>
+                              <p:par>
+                                <p:cTn id="16" presetID="10" presetClass="entr" presetSubtype="0" fill="hold" grpId="0" nodeType="withEffect">
+                                  <p:stCondLst>
+                                    <p:cond delay="0"/>
+                                  </p:stCondLst>
+                                  <p:childTnLst>
+                                    <p:set>
+                                      <p:cBhvr>
+                                        <p:cTn id="17" dur="1" fill="hold">
+                                          <p:stCondLst>
+                                            <p:cond delay="0"/>
+                                          </p:stCondLst>
+                                        </p:cTn>
+                                        <p:tgtEl>
+                                          <p:spTgt spid="3">
+                                            <p:txEl>
+                                              <p:pRg st="3" end="3"/>
+                                            </p:txEl>
+                                          </p:spTgt>
+                                        </p:tgtEl>
+                                        <p:attrNameLst>
+                                          <p:attrName>style.visibility</p:attrName>
+                                        </p:attrNameLst>
+                                      </p:cBhvr>
+                                      <p:to>
+                                        <p:strVal val="visible"/>
+                                      </p:to>
+                                    </p:set>
+                                    <p:animEffect transition="in" filter="fade">
+                                      <p:cBhvr>
+                                        <p:cTn id="18" dur="500"/>
+                                        <p:tgtEl>
+                                          <p:spTgt spid="3">
+                                            <p:txEl>
+                                              <p:pRg st="3" end="3"/>
+                                            </p:txEl>
+                                          </p:spTgt>
+                                        </p:tgtEl>
+                                      </p:cBhvr>
+                                    </p:animEffect>
+                                  </p:childTnLst>
+                                </p:cTn>
+                              </p:par>
+                              <p:par>
+                                <p:cTn id="19" presetID="10" presetClass="entr" presetSubtype="0" fill="hold" grpId="0" nodeType="withEffect">
+                                  <p:stCondLst>
+                                    <p:cond delay="0"/>
+                                  </p:stCondLst>
+                                  <p:childTnLst>
+                                    <p:set>
+                                      <p:cBhvr>
+                                        <p:cTn id="20" dur="1" fill="hold">
+                                          <p:stCondLst>
+                                            <p:cond delay="0"/>
+                                          </p:stCondLst>
+                                        </p:cTn>
+                                        <p:tgtEl>
+                                          <p:spTgt spid="3">
+                                            <p:txEl>
+                                              <p:pRg st="4" end="4"/>
+                                            </p:txEl>
+                                          </p:spTgt>
+                                        </p:tgtEl>
+                                        <p:attrNameLst>
+                                          <p:attrName>style.visibility</p:attrName>
+                                        </p:attrNameLst>
+                                      </p:cBhvr>
+                                      <p:to>
+                                        <p:strVal val="visible"/>
+                                      </p:to>
+                                    </p:set>
+                                    <p:animEffect transition="in" filter="fade">
+                                      <p:cBhvr>
+                                        <p:cTn id="21" dur="500"/>
+                                        <p:tgtEl>
+                                          <p:spTgt spid="3">
+                                            <p:txEl>
+                                              <p:pRg st="4" end="4"/>
+                                            </p:txEl>
+                                          </p:spTgt>
+                                        </p:tgtEl>
+                                      </p:cBhvr>
+                                    </p:animEffect>
+                                  </p:childTnLst>
+                                </p:cTn>
+                              </p:par>
+                              <p:par>
+                                <p:cTn id="22" presetID="10" presetClass="entr" presetSubtype="0" fill="hold" grpId="0" nodeType="withEffect">
+                                  <p:stCondLst>
+                                    <p:cond delay="0"/>
+                                  </p:stCondLst>
+                                  <p:childTnLst>
+                                    <p:set>
+                                      <p:cBhvr>
+                                        <p:cTn id="23" dur="1" fill="hold">
+                                          <p:stCondLst>
+                                            <p:cond delay="0"/>
+                                          </p:stCondLst>
+                                        </p:cTn>
+                                        <p:tgtEl>
+                                          <p:spTgt spid="3">
+                                            <p:txEl>
+                                              <p:pRg st="5" end="5"/>
+                                            </p:txEl>
+                                          </p:spTgt>
+                                        </p:tgtEl>
+                                        <p:attrNameLst>
+                                          <p:attrName>style.visibility</p:attrName>
+                                        </p:attrNameLst>
+                                      </p:cBhvr>
+                                      <p:to>
+                                        <p:strVal val="visible"/>
+                                      </p:to>
+                                    </p:set>
+                                    <p:animEffect transition="in" filter="fade">
+                                      <p:cBhvr>
+                                        <p:cTn id="24" dur="500"/>
+                                        <p:tgtEl>
+                                          <p:spTgt spid="3">
+                                            <p:txEl>
+                                              <p:pRg st="5" end="5"/>
+                                            </p:txEl>
+                                          </p:spTgt>
+                                        </p:tgtEl>
+                                      </p:cBhvr>
+                                    </p:animEffect>
+                                  </p:childTnLst>
+                                </p:cTn>
+                              </p:par>
+                            </p:childTnLst>
+                          </p:cTn>
+                        </p:par>
+                      </p:childTnLst>
+                    </p:cTn>
+                  </p:par>
+                </p:childTnLst>
+              </p:cTn>
+              <p:prevCondLst>
+                <p:cond evt="onPrev" delay="0">
+                  <p:tgtEl>
+                    <p:sldTgt/>
+                  </p:tgtEl>
+                </p:cond>
+              </p:prevCondLst>
+              <p:nextCondLst>
+                <p:cond evt="onNext" delay="0">
+                  <p:tgtEl>
+                    <p:sldTgt/>
+                  </p:tgtEl>
+                </p:cond>
+              </p:nextCondLst>
+            </p:seq>
+          </p:childTnLst>
+        </p:cTn>
+      </p:par>
+    </p:tnLst>
+    <p:bldLst>
+      <p:bldP spid="3" grpId="0" build="p"/>
+    </p:bldLst>
+  </p:timing>
+</p:sld>
+</file>
+
+<file path=ppt/slides/slide41.xml><?xml version="1.0" encoding="utf-8"?>
+<p:sld xmlns:a="http://schemas.openxmlformats.org/drawingml/2006/main" xmlns:r="http://schemas.openxmlformats.org/officeDocument/2006/relationships" xmlns:p="http://schemas.openxmlformats.org/presentationml/2006/main">
+  <p:cSld>
+    <p:spTree>
+      <p:nvGrpSpPr>
+        <p:cNvPr id="1" name=""/>
+        <p:cNvGrpSpPr/>
+        <p:nvPr/>
+      </p:nvGrpSpPr>
+      <p:grpSpPr>
+        <a:xfrm>
+          <a:off x="0" y="0"/>
+          <a:ext cx="0" cy="0"/>
+          <a:chOff x="0" y="0"/>
+          <a:chExt cx="0" cy="0"/>
+        </a:xfrm>
+      </p:grpSpPr>
+      <p:sp>
+        <p:nvSpPr>
+          <p:cNvPr id="2" name="Заголовок 1">
+            <a:extLst>
+              <a:ext uri="{FF2B5EF4-FFF2-40B4-BE49-F238E27FC236}">
+                <a16:creationId xmlns:a16="http://schemas.microsoft.com/office/drawing/2014/main" id="{53A02BF9-92B4-4025-997C-7D7E2919ADD0}"/>
+              </a:ext>
+            </a:extLst>
+          </p:cNvPr>
+          <p:cNvSpPr>
+            <a:spLocks noGrp="1"/>
+          </p:cNvSpPr>
+          <p:nvPr>
+            <p:ph type="title"/>
+          </p:nvPr>
+        </p:nvSpPr>
+        <p:spPr/>
+        <p:txBody>
+          <a:bodyPr>
+            <a:normAutofit fontScale="90000"/>
+          </a:bodyPr>
+          <a:lstStyle/>
+          <a:p>
+            <a:r>
+              <a:rPr lang="ru-RU" dirty="0"/>
+              <a:t>Вариант реализации стилей у групп</a:t>
+            </a:r>
+          </a:p>
+        </p:txBody>
+      </p:sp>
+      <p:pic>
+        <p:nvPicPr>
+          <p:cNvPr id="5" name="Объект 4">
+            <a:extLst>
+              <a:ext uri="{FF2B5EF4-FFF2-40B4-BE49-F238E27FC236}">
+                <a16:creationId xmlns:a16="http://schemas.microsoft.com/office/drawing/2014/main" id="{2F1BE4D6-5181-4234-8D63-FE942E04539F}"/>
+              </a:ext>
+            </a:extLst>
+          </p:cNvPr>
+          <p:cNvPicPr>
+            <a:picLocks noGrp="1" noChangeAspect="1"/>
+          </p:cNvPicPr>
+          <p:nvPr>
+            <p:ph idx="1"/>
+          </p:nvPr>
+        </p:nvPicPr>
+        <p:blipFill>
+          <a:blip r:embed="rId2" cstate="print">
+            <a:extLst>
+              <a:ext uri="{28A0092B-C50C-407E-A947-70E740481C1C}">
+                <a14:useLocalDpi xmlns:a14="http://schemas.microsoft.com/office/drawing/2010/main" val="0"/>
+              </a:ext>
+            </a:extLst>
+          </a:blip>
+          <a:stretch>
+            <a:fillRect/>
+          </a:stretch>
+        </p:blipFill>
+        <p:spPr/>
+      </p:pic>
+    </p:spTree>
+    <p:extLst>
+      <p:ext uri="{BB962C8B-B14F-4D97-AF65-F5344CB8AC3E}">
+        <p14:creationId xmlns:p14="http://schemas.microsoft.com/office/powerpoint/2010/main" val="3350976447"/>
+      </p:ext>
+    </p:extLst>
+  </p:cSld>
+  <p:clrMapOvr>
+    <a:masterClrMapping/>
+  </p:clrMapOvr>
+</p:sld>
+</file>
+
+<file path=ppt/slides/slide42.xml><?xml version="1.0" encoding="utf-8"?>
+<p:sld xmlns:a="http://schemas.openxmlformats.org/drawingml/2006/main" xmlns:r="http://schemas.openxmlformats.org/officeDocument/2006/relationships" xmlns:p="http://schemas.openxmlformats.org/presentationml/2006/main">
+  <p:cSld>
+    <p:spTree>
+      <p:nvGrpSpPr>
+        <p:cNvPr id="1" name=""/>
+        <p:cNvGrpSpPr/>
+        <p:nvPr/>
+      </p:nvGrpSpPr>
+      <p:grpSpPr>
+        <a:xfrm>
+          <a:off x="0" y="0"/>
+          <a:ext cx="0" cy="0"/>
+          <a:chOff x="0" y="0"/>
+          <a:chExt cx="0" cy="0"/>
+        </a:xfrm>
+      </p:grpSpPr>
+      <p:sp>
+        <p:nvSpPr>
+          <p:cNvPr id="2" name="Title 1">
+            <a:extLst>
+              <a:ext uri="{FF2B5EF4-FFF2-40B4-BE49-F238E27FC236}">
+                <a16:creationId xmlns:a16="http://schemas.microsoft.com/office/drawing/2014/main" id="{C0737C1B-D1B5-4EE3-9ECB-8A52C2C01B1B}"/>
+              </a:ext>
+            </a:extLst>
+          </p:cNvPr>
+          <p:cNvSpPr>
+            <a:spLocks noGrp="1"/>
+          </p:cNvSpPr>
+          <p:nvPr>
+            <p:ph type="ctrTitle"/>
+          </p:nvPr>
+        </p:nvSpPr>
+        <p:spPr/>
+        <p:txBody>
+          <a:bodyPr/>
+          <a:lstStyle/>
+          <a:p>
+            <a:r>
+              <a:rPr lang="ru-RU" dirty="0"/>
+              <a:t>Спасибо за внимание</a:t>
+            </a:r>
+          </a:p>
+        </p:txBody>
+      </p:sp>
+      <p:sp>
+        <p:nvSpPr>
+          <p:cNvPr id="4" name="Subtitle 3">
+            <a:extLst>
+              <a:ext uri="{FF2B5EF4-FFF2-40B4-BE49-F238E27FC236}">
+                <a16:creationId xmlns:a16="http://schemas.microsoft.com/office/drawing/2014/main" id="{EEC16847-B2F4-44B9-92B1-4D000CB13EAF}"/>
+              </a:ext>
+            </a:extLst>
+          </p:cNvPr>
+          <p:cNvSpPr>
+            <a:spLocks noGrp="1"/>
+          </p:cNvSpPr>
+          <p:nvPr>
+            <p:ph type="subTitle" idx="1"/>
+          </p:nvPr>
+        </p:nvSpPr>
+        <p:spPr/>
+        <p:txBody>
+          <a:bodyPr/>
+          <a:lstStyle/>
+          <a:p>
+            <a:endParaRPr lang="ru-RU"/>
+          </a:p>
+        </p:txBody>
+      </p:sp>
+    </p:spTree>
+    <p:extLst>
+      <p:ext uri="{BB962C8B-B14F-4D97-AF65-F5344CB8AC3E}">
+        <p14:creationId xmlns:p14="http://schemas.microsoft.com/office/powerpoint/2010/main" val="3057664741"/>
+      </p:ext>
+    </p:extLst>
+  </p:cSld>
+  <p:clrMapOvr>
+    <a:masterClrMapping/>
+  </p:clrMapOvr>
+</p:sld>
+</file>
+
 <file path=ppt/slides/slide5.xml><?xml version="1.0" encoding="utf-8"?>
 <p:sld xmlns:a="http://schemas.openxmlformats.org/drawingml/2006/main" xmlns:r="http://schemas.openxmlformats.org/officeDocument/2006/relationships" xmlns:p="http://schemas.openxmlformats.org/presentationml/2006/main">
   <p:cSld>
@@ -26304,13 +27104,6 @@
             <a:r>
               <a:rPr lang="ru-RU" dirty="0"/>
               <a:t>Стили закрашивания внутренней области фигуры и границы</a:t>
-            </a:r>
-          </a:p>
-          <a:p>
-            <a:pPr lvl="2"/>
-            <a:r>
-              <a:rPr lang="ru-RU" dirty="0"/>
-              <a:t>Включение/выключение</a:t>
             </a:r>
           </a:p>
           <a:p>
@@ -26545,15 +27338,33 @@
                                   </p:childTnLst>
                                 </p:cTn>
                               </p:par>
+                            </p:childTnLst>
+                          </p:cTn>
+                        </p:par>
+                      </p:childTnLst>
+                    </p:cTn>
+                  </p:par>
+                  <p:par>
+                    <p:cTn id="17" fill="hold">
+                      <p:stCondLst>
+                        <p:cond delay="indefinite"/>
+                      </p:stCondLst>
+                      <p:childTnLst>
+                        <p:par>
+                          <p:cTn id="18" fill="hold">
+                            <p:stCondLst>
+                              <p:cond delay="0"/>
+                            </p:stCondLst>
+                            <p:childTnLst>
                               <p:par>
-                                <p:cTn id="17" presetID="10" presetClass="entr" presetSubtype="0" fill="hold" grpId="0" nodeType="withEffect">
+                                <p:cTn id="19" presetID="10" presetClass="entr" presetSubtype="0" fill="hold" grpId="0" nodeType="clickEffect">
                                   <p:stCondLst>
                                     <p:cond delay="0"/>
                                   </p:stCondLst>
                                   <p:childTnLst>
                                     <p:set>
                                       <p:cBhvr>
-                                        <p:cTn id="18" dur="1" fill="hold">
+                                        <p:cTn id="20" dur="1" fill="hold">
                                           <p:stCondLst>
                                             <p:cond delay="0"/>
                                           </p:stCondLst>
@@ -26575,7 +27386,7 @@
                                     </p:set>
                                     <p:animEffect transition="in" filter="fade">
                                       <p:cBhvr>
-                                        <p:cTn id="19" dur="500"/>
+                                        <p:cTn id="21" dur="500"/>
                                         <p:tgtEl>
                                           <p:spTgt spid="3">
                                             <p:txEl>
@@ -26588,26 +27399,8 @@
                                   </p:childTnLst>
                                 </p:cTn>
                               </p:par>
-                            </p:childTnLst>
-                          </p:cTn>
-                        </p:par>
-                      </p:childTnLst>
-                    </p:cTn>
-                  </p:par>
-                  <p:par>
-                    <p:cTn id="20" fill="hold">
-                      <p:stCondLst>
-                        <p:cond delay="indefinite"/>
-                      </p:stCondLst>
-                      <p:childTnLst>
-                        <p:par>
-                          <p:cTn id="21" fill="hold">
-                            <p:stCondLst>
-                              <p:cond delay="0"/>
-                            </p:stCondLst>
-                            <p:childTnLst>
                               <p:par>
-                                <p:cTn id="22" presetID="10" presetClass="entr" presetSubtype="0" fill="hold" grpId="0" nodeType="clickEffect">
+                                <p:cTn id="22" presetID="10" presetClass="entr" presetSubtype="0" fill="hold" grpId="0" nodeType="withEffect">
                                   <p:stCondLst>
                                     <p:cond delay="0"/>
                                   </p:stCondLst>
@@ -26641,49 +27434,6 @@
                                           <p:spTgt spid="3">
                                             <p:txEl>
                                               <p:pRg st="5" end="5"/>
-                                            </p:txEl>
-                                          </p:spTgt>
-                                        </p:tgtEl>
-                                      </p:cBhvr>
-                                    </p:animEffect>
-                                  </p:childTnLst>
-                                </p:cTn>
-                              </p:par>
-                              <p:par>
-                                <p:cTn id="25" presetID="10" presetClass="entr" presetSubtype="0" fill="hold" grpId="0" nodeType="withEffect">
-                                  <p:stCondLst>
-                                    <p:cond delay="0"/>
-                                  </p:stCondLst>
-                                  <p:childTnLst>
-                                    <p:set>
-                                      <p:cBhvr>
-                                        <p:cTn id="26" dur="1" fill="hold">
-                                          <p:stCondLst>
-                                            <p:cond delay="0"/>
-                                          </p:stCondLst>
-                                        </p:cTn>
-                                        <p:tgtEl>
-                                          <p:spTgt spid="3">
-                                            <p:txEl>
-                                              <p:pRg st="6" end="6"/>
-                                            </p:txEl>
-                                          </p:spTgt>
-                                        </p:tgtEl>
-                                        <p:attrNameLst>
-                                          <p:attrName>style.visibility</p:attrName>
-                                        </p:attrNameLst>
-                                      </p:cBhvr>
-                                      <p:to>
-                                        <p:strVal val="visible"/>
-                                      </p:to>
-                                    </p:set>
-                                    <p:animEffect transition="in" filter="fade">
-                                      <p:cBhvr>
-                                        <p:cTn id="27" dur="500"/>
-                                        <p:tgtEl>
-                                          <p:spTgt spid="3">
-                                            <p:txEl>
-                                              <p:pRg st="6" end="6"/>
                                             </p:txEl>
                                           </p:spTgt>
                                         </p:tgtEl>

--- a/lectures/10.composite/composite.pptx
+++ b/lectures/10.composite/composite.pptx
@@ -9700,7 +9700,7 @@
           <a:p>
             <a:fld id="{2F3DCB6D-0B48-4A3D-B663-06C3F903A9D3}" type="datetimeFigureOut">
               <a:rPr lang="ru-RU" smtClean="0"/>
-              <a:t>03.11.2023</a:t>
+              <a:t>04.11.2023</a:t>
             </a:fld>
             <a:endParaRPr lang="ru-RU"/>
           </a:p>
@@ -10761,7 +10761,7 @@
           <a:p>
             <a:fld id="{2590F9C9-AB92-4E86-B698-DEC9BF4350FF}" type="datetimeFigureOut">
               <a:rPr lang="ru-RU" smtClean="0"/>
-              <a:t>03.11.2023</a:t>
+              <a:t>04.11.2023</a:t>
             </a:fld>
             <a:endParaRPr lang="ru-RU"/>
           </a:p>
@@ -10978,7 +10978,7 @@
           <a:p>
             <a:fld id="{2590F9C9-AB92-4E86-B698-DEC9BF4350FF}" type="datetimeFigureOut">
               <a:rPr lang="ru-RU" smtClean="0"/>
-              <a:t>03.11.2023</a:t>
+              <a:t>04.11.2023</a:t>
             </a:fld>
             <a:endParaRPr lang="ru-RU"/>
           </a:p>
@@ -11250,7 +11250,7 @@
           <a:p>
             <a:fld id="{2590F9C9-AB92-4E86-B698-DEC9BF4350FF}" type="datetimeFigureOut">
               <a:rPr lang="ru-RU" smtClean="0"/>
-              <a:t>03.11.2023</a:t>
+              <a:t>04.11.2023</a:t>
             </a:fld>
             <a:endParaRPr lang="ru-RU"/>
           </a:p>
@@ -11425,7 +11425,7 @@
           <a:p>
             <a:fld id="{2590F9C9-AB92-4E86-B698-DEC9BF4350FF}" type="datetimeFigureOut">
               <a:rPr lang="ru-RU" smtClean="0"/>
-              <a:t>03.11.2023</a:t>
+              <a:t>04.11.2023</a:t>
             </a:fld>
             <a:endParaRPr lang="ru-RU"/>
           </a:p>
@@ -11779,7 +11779,7 @@
           <a:p>
             <a:fld id="{2590F9C9-AB92-4E86-B698-DEC9BF4350FF}" type="datetimeFigureOut">
               <a:rPr lang="ru-RU" smtClean="0"/>
-              <a:t>03.11.2023</a:t>
+              <a:t>04.11.2023</a:t>
             </a:fld>
             <a:endParaRPr lang="ru-RU"/>
           </a:p>
@@ -12064,7 +12064,7 @@
           <a:p>
             <a:fld id="{2590F9C9-AB92-4E86-B698-DEC9BF4350FF}" type="datetimeFigureOut">
               <a:rPr lang="ru-RU" smtClean="0"/>
-              <a:t>03.11.2023</a:t>
+              <a:t>04.11.2023</a:t>
             </a:fld>
             <a:endParaRPr lang="ru-RU"/>
           </a:p>
@@ -12486,7 +12486,7 @@
           <a:p>
             <a:fld id="{2590F9C9-AB92-4E86-B698-DEC9BF4350FF}" type="datetimeFigureOut">
               <a:rPr lang="ru-RU" smtClean="0"/>
-              <a:t>03.11.2023</a:t>
+              <a:t>04.11.2023</a:t>
             </a:fld>
             <a:endParaRPr lang="ru-RU"/>
           </a:p>
@@ -12599,7 +12599,7 @@
           <a:p>
             <a:fld id="{2590F9C9-AB92-4E86-B698-DEC9BF4350FF}" type="datetimeFigureOut">
               <a:rPr lang="ru-RU" smtClean="0"/>
-              <a:t>03.11.2023</a:t>
+              <a:t>04.11.2023</a:t>
             </a:fld>
             <a:endParaRPr lang="ru-RU"/>
           </a:p>
@@ -12689,7 +12689,7 @@
           <a:p>
             <a:fld id="{2590F9C9-AB92-4E86-B698-DEC9BF4350FF}" type="datetimeFigureOut">
               <a:rPr lang="ru-RU" smtClean="0"/>
-              <a:t>03.11.2023</a:t>
+              <a:t>04.11.2023</a:t>
             </a:fld>
             <a:endParaRPr lang="ru-RU"/>
           </a:p>
@@ -12967,7 +12967,7 @@
           <a:p>
             <a:fld id="{2590F9C9-AB92-4E86-B698-DEC9BF4350FF}" type="datetimeFigureOut">
               <a:rPr lang="ru-RU" smtClean="0"/>
-              <a:t>03.11.2023</a:t>
+              <a:t>04.11.2023</a:t>
             </a:fld>
             <a:endParaRPr lang="ru-RU"/>
           </a:p>
@@ -13329,7 +13329,7 @@
           <a:p>
             <a:fld id="{2590F9C9-AB92-4E86-B698-DEC9BF4350FF}" type="datetimeFigureOut">
               <a:rPr lang="ru-RU" smtClean="0"/>
-              <a:t>03.11.2023</a:t>
+              <a:t>04.11.2023</a:t>
             </a:fld>
             <a:endParaRPr lang="ru-RU"/>
           </a:p>
@@ -13754,7 +13754,7 @@
           <a:p>
             <a:fld id="{2590F9C9-AB92-4E86-B698-DEC9BF4350FF}" type="datetimeFigureOut">
               <a:rPr lang="ru-RU" smtClean="0"/>
-              <a:t>03.11.2023</a:t>
+              <a:t>04.11.2023</a:t>
             </a:fld>
             <a:endParaRPr lang="ru-RU"/>
           </a:p>
@@ -31030,13 +31030,13 @@
             <a:r>
               <a:rPr lang="en-US" sz="1400" dirty="0" err="1">
                 <a:solidFill>
-                  <a:srgbClr val="0000FF"/>
+                  <a:srgbClr val="2B91AF"/>
                 </a:solidFill>
                 <a:latin typeface="Consolas" panose="020B0609020204030204" pitchFamily="49" charset="0"/>
                 <a:ea typeface="Calibri" panose="020F0502020204030204" pitchFamily="34" charset="0"/>
                 <a:cs typeface="Consolas" panose="020B0609020204030204" pitchFamily="49" charset="0"/>
               </a:rPr>
-              <a:t>const</a:t>
+              <a:t>ICanvas</a:t>
             </a:r>
             <a:r>
               <a:rPr lang="en-US" sz="1400" dirty="0">
@@ -31047,18 +31047,18 @@
                 <a:ea typeface="Calibri" panose="020F0502020204030204" pitchFamily="34" charset="0"/>
                 <a:cs typeface="Consolas" panose="020B0609020204030204" pitchFamily="49" charset="0"/>
               </a:rPr>
-              <a:t> </a:t>
-            </a:r>
-            <a:r>
-              <a:rPr lang="en-US" sz="1400" dirty="0" err="1">
+              <a:t>&amp; canvas) </a:t>
+            </a:r>
+            <a:r>
+              <a:rPr lang="en-US" sz="1400" dirty="0">
                 <a:solidFill>
-                  <a:srgbClr val="2B91AF"/>
+                  <a:srgbClr val="0000FF"/>
                 </a:solidFill>
                 <a:latin typeface="Consolas" panose="020B0609020204030204" pitchFamily="49" charset="0"/>
                 <a:ea typeface="Calibri" panose="020F0502020204030204" pitchFamily="34" charset="0"/>
                 <a:cs typeface="Consolas" panose="020B0609020204030204" pitchFamily="49" charset="0"/>
               </a:rPr>
-              <a:t>ICanvas</a:t>
+              <a:t>const</a:t>
             </a:r>
             <a:r>
               <a:rPr lang="en-US" sz="1400" dirty="0">
@@ -31069,7 +31069,7 @@
                 <a:ea typeface="Calibri" panose="020F0502020204030204" pitchFamily="34" charset="0"/>
                 <a:cs typeface="Consolas" panose="020B0609020204030204" pitchFamily="49" charset="0"/>
               </a:rPr>
-              <a:t> &amp; canvas) = 0;</a:t>
+              <a:t> = 0;</a:t>
             </a:r>
             <a:endParaRPr lang="ru-RU" sz="1400" dirty="0">
               <a:latin typeface="Consolas" panose="020B0609020204030204" pitchFamily="49" charset="0"/>
@@ -31415,13 +31415,35 @@
             <a:r>
               <a:rPr lang="en-US" sz="1400" dirty="0" err="1">
                 <a:solidFill>
+                  <a:srgbClr val="2B91AF"/>
+                </a:solidFill>
+                <a:latin typeface="Consolas" panose="020B0609020204030204" pitchFamily="49" charset="0"/>
+                <a:ea typeface="Calibri" panose="020F0502020204030204" pitchFamily="34" charset="0"/>
+                <a:cs typeface="Consolas" panose="020B0609020204030204" pitchFamily="49" charset="0"/>
+              </a:rPr>
+              <a:t>ICanvas</a:t>
+            </a:r>
+            <a:r>
+              <a:rPr lang="en-US" sz="1400" dirty="0">
+                <a:solidFill>
+                  <a:srgbClr val="000000"/>
+                </a:solidFill>
+                <a:latin typeface="Consolas" panose="020B0609020204030204" pitchFamily="49" charset="0"/>
+                <a:ea typeface="Calibri" panose="020F0502020204030204" pitchFamily="34" charset="0"/>
+                <a:cs typeface="Consolas" panose="020B0609020204030204" pitchFamily="49" charset="0"/>
+              </a:rPr>
+              <a:t>&amp; canvas)</a:t>
+            </a:r>
+            <a:r>
+              <a:rPr lang="en-US" sz="1400" dirty="0">
+                <a:solidFill>
                   <a:srgbClr val="0000FF"/>
                 </a:solidFill>
                 <a:latin typeface="Consolas" panose="020B0609020204030204" pitchFamily="49" charset="0"/>
                 <a:ea typeface="Calibri" panose="020F0502020204030204" pitchFamily="34" charset="0"/>
                 <a:cs typeface="Consolas" panose="020B0609020204030204" pitchFamily="49" charset="0"/>
               </a:rPr>
-              <a:t>const</a:t>
+              <a:t> const</a:t>
             </a:r>
             <a:r>
               <a:rPr lang="en-US" sz="1400" dirty="0">
@@ -31435,6 +31457,259 @@
               <a:t> </a:t>
             </a:r>
             <a:r>
+              <a:rPr lang="en-US" sz="1400" dirty="0">
+                <a:solidFill>
+                  <a:srgbClr val="0000FF"/>
+                </a:solidFill>
+                <a:latin typeface="Consolas" panose="020B0609020204030204" pitchFamily="49" charset="0"/>
+                <a:ea typeface="Calibri" panose="020F0502020204030204" pitchFamily="34" charset="0"/>
+                <a:cs typeface="Consolas" panose="020B0609020204030204" pitchFamily="49" charset="0"/>
+              </a:rPr>
+              <a:t>final</a:t>
+            </a:r>
+            <a:r>
+              <a:rPr lang="en-US" sz="1400" dirty="0">
+                <a:solidFill>
+                  <a:srgbClr val="000000"/>
+                </a:solidFill>
+                <a:latin typeface="Consolas" panose="020B0609020204030204" pitchFamily="49" charset="0"/>
+                <a:ea typeface="Calibri" panose="020F0502020204030204" pitchFamily="34" charset="0"/>
+                <a:cs typeface="Consolas" panose="020B0609020204030204" pitchFamily="49" charset="0"/>
+              </a:rPr>
+              <a:t>;</a:t>
+            </a:r>
+            <a:endParaRPr lang="ru-RU" sz="1400" dirty="0">
+              <a:solidFill>
+                <a:prstClr val="black"/>
+              </a:solidFill>
+              <a:latin typeface="Consolas" panose="020B0609020204030204" pitchFamily="49" charset="0"/>
+              <a:ea typeface="Calibri" panose="020F0502020204030204" pitchFamily="34" charset="0"/>
+              <a:cs typeface="Consolas" panose="020B0609020204030204" pitchFamily="49" charset="0"/>
+            </a:endParaRPr>
+          </a:p>
+          <a:p>
+            <a:pPr lvl="0"/>
+            <a:r>
+              <a:rPr lang="en-US" sz="1400" dirty="0">
+                <a:solidFill>
+                  <a:srgbClr val="000000"/>
+                </a:solidFill>
+                <a:latin typeface="Consolas" panose="020B0609020204030204" pitchFamily="49" charset="0"/>
+                <a:ea typeface="Calibri" panose="020F0502020204030204" pitchFamily="34" charset="0"/>
+                <a:cs typeface="Consolas" panose="020B0609020204030204" pitchFamily="49" charset="0"/>
+              </a:rPr>
+              <a:t>};</a:t>
+            </a:r>
+            <a:endParaRPr lang="ru-RU" sz="1400" dirty="0">
+              <a:solidFill>
+                <a:prstClr val="black"/>
+              </a:solidFill>
+              <a:latin typeface="Consolas" panose="020B0609020204030204" pitchFamily="49" charset="0"/>
+              <a:ea typeface="Calibri" panose="020F0502020204030204" pitchFamily="34" charset="0"/>
+              <a:cs typeface="Consolas" panose="020B0609020204030204" pitchFamily="49" charset="0"/>
+            </a:endParaRPr>
+          </a:p>
+          <a:p>
+            <a:pPr lvl="0"/>
+            <a:r>
+              <a:rPr lang="en-US" sz="1400" dirty="0">
+                <a:solidFill>
+                  <a:srgbClr val="000000"/>
+                </a:solidFill>
+                <a:latin typeface="Consolas" panose="020B0609020204030204" pitchFamily="49" charset="0"/>
+                <a:ea typeface="Calibri" panose="020F0502020204030204" pitchFamily="34" charset="0"/>
+                <a:cs typeface="Consolas" panose="020B0609020204030204" pitchFamily="49" charset="0"/>
+              </a:rPr>
+              <a:t> </a:t>
+            </a:r>
+            <a:endParaRPr lang="ru-RU" sz="1400" dirty="0">
+              <a:solidFill>
+                <a:prstClr val="black"/>
+              </a:solidFill>
+              <a:latin typeface="Consolas" panose="020B0609020204030204" pitchFamily="49" charset="0"/>
+              <a:ea typeface="Calibri" panose="020F0502020204030204" pitchFamily="34" charset="0"/>
+              <a:cs typeface="Consolas" panose="020B0609020204030204" pitchFamily="49" charset="0"/>
+            </a:endParaRPr>
+          </a:p>
+          <a:p>
+            <a:pPr lvl="0"/>
+            <a:r>
+              <a:rPr lang="en-US" sz="1400" dirty="0">
+                <a:solidFill>
+                  <a:srgbClr val="0000FF"/>
+                </a:solidFill>
+                <a:latin typeface="Consolas" panose="020B0609020204030204" pitchFamily="49" charset="0"/>
+                <a:ea typeface="Calibri" panose="020F0502020204030204" pitchFamily="34" charset="0"/>
+                <a:cs typeface="Consolas" panose="020B0609020204030204" pitchFamily="49" charset="0"/>
+              </a:rPr>
+              <a:t>class</a:t>
+            </a:r>
+            <a:r>
+              <a:rPr lang="en-US" sz="1400" dirty="0">
+                <a:solidFill>
+                  <a:srgbClr val="000000"/>
+                </a:solidFill>
+                <a:latin typeface="Consolas" panose="020B0609020204030204" pitchFamily="49" charset="0"/>
+                <a:ea typeface="Calibri" panose="020F0502020204030204" pitchFamily="34" charset="0"/>
+                <a:cs typeface="Consolas" panose="020B0609020204030204" pitchFamily="49" charset="0"/>
+              </a:rPr>
+              <a:t> </a:t>
+            </a:r>
+            <a:r>
+              <a:rPr lang="en-US" sz="1400" dirty="0" err="1">
+                <a:solidFill>
+                  <a:srgbClr val="2B91AF"/>
+                </a:solidFill>
+                <a:latin typeface="Consolas" panose="020B0609020204030204" pitchFamily="49" charset="0"/>
+                <a:ea typeface="Calibri" panose="020F0502020204030204" pitchFamily="34" charset="0"/>
+                <a:cs typeface="Consolas" panose="020B0609020204030204" pitchFamily="49" charset="0"/>
+              </a:rPr>
+              <a:t>CEllipse</a:t>
+            </a:r>
+            <a:r>
+              <a:rPr lang="en-US" sz="1400" dirty="0">
+                <a:solidFill>
+                  <a:srgbClr val="000000"/>
+                </a:solidFill>
+                <a:latin typeface="Consolas" panose="020B0609020204030204" pitchFamily="49" charset="0"/>
+                <a:ea typeface="Calibri" panose="020F0502020204030204" pitchFamily="34" charset="0"/>
+                <a:cs typeface="Consolas" panose="020B0609020204030204" pitchFamily="49" charset="0"/>
+              </a:rPr>
+              <a:t> : </a:t>
+            </a:r>
+            <a:r>
+              <a:rPr lang="en-US" sz="1400" dirty="0">
+                <a:solidFill>
+                  <a:srgbClr val="0000FF"/>
+                </a:solidFill>
+                <a:latin typeface="Consolas" panose="020B0609020204030204" pitchFamily="49" charset="0"/>
+                <a:ea typeface="Calibri" panose="020F0502020204030204" pitchFamily="34" charset="0"/>
+                <a:cs typeface="Consolas" panose="020B0609020204030204" pitchFamily="49" charset="0"/>
+              </a:rPr>
+              <a:t>public</a:t>
+            </a:r>
+            <a:r>
+              <a:rPr lang="en-US" sz="1400" dirty="0">
+                <a:solidFill>
+                  <a:srgbClr val="000000"/>
+                </a:solidFill>
+                <a:latin typeface="Consolas" panose="020B0609020204030204" pitchFamily="49" charset="0"/>
+                <a:ea typeface="Calibri" panose="020F0502020204030204" pitchFamily="34" charset="0"/>
+                <a:cs typeface="Consolas" panose="020B0609020204030204" pitchFamily="49" charset="0"/>
+              </a:rPr>
+              <a:t> </a:t>
+            </a:r>
+            <a:r>
+              <a:rPr lang="en-US" sz="1400" dirty="0" err="1">
+                <a:solidFill>
+                  <a:srgbClr val="2B91AF"/>
+                </a:solidFill>
+                <a:latin typeface="Consolas" panose="020B0609020204030204" pitchFamily="49" charset="0"/>
+                <a:ea typeface="Calibri" panose="020F0502020204030204" pitchFamily="34" charset="0"/>
+                <a:cs typeface="Consolas" panose="020B0609020204030204" pitchFamily="49" charset="0"/>
+              </a:rPr>
+              <a:t>CShape</a:t>
+            </a:r>
+            <a:endParaRPr lang="ru-RU" sz="1400" dirty="0">
+              <a:solidFill>
+                <a:prstClr val="black"/>
+              </a:solidFill>
+              <a:latin typeface="Consolas" panose="020B0609020204030204" pitchFamily="49" charset="0"/>
+              <a:ea typeface="Calibri" panose="020F0502020204030204" pitchFamily="34" charset="0"/>
+              <a:cs typeface="Consolas" panose="020B0609020204030204" pitchFamily="49" charset="0"/>
+            </a:endParaRPr>
+          </a:p>
+          <a:p>
+            <a:pPr lvl="0"/>
+            <a:r>
+              <a:rPr lang="en-US" sz="1400" dirty="0">
+                <a:solidFill>
+                  <a:srgbClr val="000000"/>
+                </a:solidFill>
+                <a:latin typeface="Consolas" panose="020B0609020204030204" pitchFamily="49" charset="0"/>
+                <a:ea typeface="Calibri" panose="020F0502020204030204" pitchFamily="34" charset="0"/>
+                <a:cs typeface="Consolas" panose="020B0609020204030204" pitchFamily="49" charset="0"/>
+              </a:rPr>
+              <a:t>{</a:t>
+            </a:r>
+            <a:endParaRPr lang="ru-RU" sz="1400" dirty="0">
+              <a:solidFill>
+                <a:prstClr val="black"/>
+              </a:solidFill>
+              <a:latin typeface="Consolas" panose="020B0609020204030204" pitchFamily="49" charset="0"/>
+              <a:ea typeface="Calibri" panose="020F0502020204030204" pitchFamily="34" charset="0"/>
+              <a:cs typeface="Consolas" panose="020B0609020204030204" pitchFamily="49" charset="0"/>
+            </a:endParaRPr>
+          </a:p>
+          <a:p>
+            <a:pPr lvl="0"/>
+            <a:r>
+              <a:rPr lang="en-US" sz="1400" dirty="0">
+                <a:solidFill>
+                  <a:srgbClr val="0000FF"/>
+                </a:solidFill>
+                <a:latin typeface="Consolas" panose="020B0609020204030204" pitchFamily="49" charset="0"/>
+                <a:ea typeface="Calibri" panose="020F0502020204030204" pitchFamily="34" charset="0"/>
+                <a:cs typeface="Consolas" panose="020B0609020204030204" pitchFamily="49" charset="0"/>
+              </a:rPr>
+              <a:t>public</a:t>
+            </a:r>
+            <a:r>
+              <a:rPr lang="en-US" sz="1400" dirty="0">
+                <a:solidFill>
+                  <a:srgbClr val="000000"/>
+                </a:solidFill>
+                <a:latin typeface="Consolas" panose="020B0609020204030204" pitchFamily="49" charset="0"/>
+                <a:ea typeface="Calibri" panose="020F0502020204030204" pitchFamily="34" charset="0"/>
+                <a:cs typeface="Consolas" panose="020B0609020204030204" pitchFamily="49" charset="0"/>
+              </a:rPr>
+              <a:t>:</a:t>
+            </a:r>
+            <a:endParaRPr lang="ru-RU" sz="1400" dirty="0">
+              <a:solidFill>
+                <a:prstClr val="black"/>
+              </a:solidFill>
+              <a:latin typeface="Consolas" panose="020B0609020204030204" pitchFamily="49" charset="0"/>
+              <a:ea typeface="Calibri" panose="020F0502020204030204" pitchFamily="34" charset="0"/>
+              <a:cs typeface="Consolas" panose="020B0609020204030204" pitchFamily="49" charset="0"/>
+            </a:endParaRPr>
+          </a:p>
+          <a:p>
+            <a:pPr lvl="0"/>
+            <a:r>
+              <a:rPr lang="en-US" sz="1400" dirty="0">
+                <a:solidFill>
+                  <a:srgbClr val="000000"/>
+                </a:solidFill>
+                <a:latin typeface="Consolas" panose="020B0609020204030204" pitchFamily="49" charset="0"/>
+                <a:ea typeface="Calibri" panose="020F0502020204030204" pitchFamily="34" charset="0"/>
+                <a:cs typeface="Consolas" panose="020B0609020204030204" pitchFamily="49" charset="0"/>
+              </a:rPr>
+              <a:t>  </a:t>
+            </a:r>
+            <a:r>
+              <a:rPr lang="en-US" sz="1400" dirty="0">
+                <a:solidFill>
+                  <a:srgbClr val="0000FF"/>
+                </a:solidFill>
+                <a:latin typeface="Consolas" panose="020B0609020204030204" pitchFamily="49" charset="0"/>
+                <a:ea typeface="Calibri" panose="020F0502020204030204" pitchFamily="34" charset="0"/>
+                <a:cs typeface="Consolas" panose="020B0609020204030204" pitchFamily="49" charset="0"/>
+              </a:rPr>
+              <a:t>void</a:t>
+            </a:r>
+            <a:r>
+              <a:rPr lang="en-US" sz="1400" dirty="0">
+                <a:solidFill>
+                  <a:srgbClr val="000000"/>
+                </a:solidFill>
+                <a:latin typeface="Consolas" panose="020B0609020204030204" pitchFamily="49" charset="0"/>
+                <a:ea typeface="Calibri" panose="020F0502020204030204" pitchFamily="34" charset="0"/>
+                <a:cs typeface="Consolas" panose="020B0609020204030204" pitchFamily="49" charset="0"/>
+              </a:rPr>
+              <a:t> Draw(</a:t>
+            </a:r>
+            <a:r>
               <a:rPr lang="en-US" sz="1400" dirty="0" err="1">
                 <a:solidFill>
                   <a:srgbClr val="2B91AF"/>
@@ -31454,7 +31729,29 @@
                 <a:ea typeface="Calibri" panose="020F0502020204030204" pitchFamily="34" charset="0"/>
                 <a:cs typeface="Consolas" panose="020B0609020204030204" pitchFamily="49" charset="0"/>
               </a:rPr>
-              <a:t> &amp; canvas) </a:t>
+              <a:t>&amp; canvas)</a:t>
+            </a:r>
+            <a:r>
+              <a:rPr lang="en-US" sz="1400" dirty="0">
+                <a:solidFill>
+                  <a:srgbClr val="0000FF"/>
+                </a:solidFill>
+                <a:latin typeface="Consolas" panose="020B0609020204030204" pitchFamily="49" charset="0"/>
+                <a:ea typeface="Calibri" panose="020F0502020204030204" pitchFamily="34" charset="0"/>
+                <a:cs typeface="Consolas" panose="020B0609020204030204" pitchFamily="49" charset="0"/>
+              </a:rPr>
+              <a:t> const</a:t>
+            </a:r>
+            <a:r>
+              <a:rPr lang="en-US" sz="1400" dirty="0">
+                <a:solidFill>
+                  <a:srgbClr val="000000"/>
+                </a:solidFill>
+                <a:latin typeface="Consolas" panose="020B0609020204030204" pitchFamily="49" charset="0"/>
+                <a:ea typeface="Calibri" panose="020F0502020204030204" pitchFamily="34" charset="0"/>
+                <a:cs typeface="Consolas" panose="020B0609020204030204" pitchFamily="49" charset="0"/>
+              </a:rPr>
+              <a:t> </a:t>
             </a:r>
             <a:r>
               <a:rPr lang="en-US" sz="1400" dirty="0">
@@ -31564,7 +31861,7 @@
                 <a:ea typeface="Calibri" panose="020F0502020204030204" pitchFamily="34" charset="0"/>
                 <a:cs typeface="Consolas" panose="020B0609020204030204" pitchFamily="49" charset="0"/>
               </a:rPr>
-              <a:t>CEllipse</a:t>
+              <a:t>CTriangle</a:t>
             </a:r>
             <a:r>
               <a:rPr lang="en-US" sz="1400" dirty="0">
@@ -31712,13 +32009,35 @@
             <a:r>
               <a:rPr lang="en-US" sz="1400" dirty="0" err="1">
                 <a:solidFill>
+                  <a:srgbClr val="2B91AF"/>
+                </a:solidFill>
+                <a:latin typeface="Consolas" panose="020B0609020204030204" pitchFamily="49" charset="0"/>
+                <a:ea typeface="Calibri" panose="020F0502020204030204" pitchFamily="34" charset="0"/>
+                <a:cs typeface="Consolas" panose="020B0609020204030204" pitchFamily="49" charset="0"/>
+              </a:rPr>
+              <a:t>ICanvas</a:t>
+            </a:r>
+            <a:r>
+              <a:rPr lang="en-US" sz="1400" dirty="0">
+                <a:solidFill>
+                  <a:srgbClr val="000000"/>
+                </a:solidFill>
+                <a:latin typeface="Consolas" panose="020B0609020204030204" pitchFamily="49" charset="0"/>
+                <a:ea typeface="Calibri" panose="020F0502020204030204" pitchFamily="34" charset="0"/>
+                <a:cs typeface="Consolas" panose="020B0609020204030204" pitchFamily="49" charset="0"/>
+              </a:rPr>
+              <a:t>&amp; canvas)</a:t>
+            </a:r>
+            <a:r>
+              <a:rPr lang="en-US" sz="1400" dirty="0">
+                <a:solidFill>
                   <a:srgbClr val="0000FF"/>
                 </a:solidFill>
                 <a:latin typeface="Consolas" panose="020B0609020204030204" pitchFamily="49" charset="0"/>
                 <a:ea typeface="Calibri" panose="020F0502020204030204" pitchFamily="34" charset="0"/>
                 <a:cs typeface="Consolas" panose="020B0609020204030204" pitchFamily="49" charset="0"/>
               </a:rPr>
-              <a:t>const</a:t>
+              <a:t> const</a:t>
             </a:r>
             <a:r>
               <a:rPr lang="en-US" sz="1400" dirty="0">
@@ -31730,325 +32049,6 @@
                 <a:cs typeface="Consolas" panose="020B0609020204030204" pitchFamily="49" charset="0"/>
               </a:rPr>
               <a:t> </a:t>
-            </a:r>
-            <a:r>
-              <a:rPr lang="en-US" sz="1400" dirty="0" err="1">
-                <a:solidFill>
-                  <a:srgbClr val="2B91AF"/>
-                </a:solidFill>
-                <a:latin typeface="Consolas" panose="020B0609020204030204" pitchFamily="49" charset="0"/>
-                <a:ea typeface="Calibri" panose="020F0502020204030204" pitchFamily="34" charset="0"/>
-                <a:cs typeface="Consolas" panose="020B0609020204030204" pitchFamily="49" charset="0"/>
-              </a:rPr>
-              <a:t>ICanvas</a:t>
-            </a:r>
-            <a:r>
-              <a:rPr lang="en-US" sz="1400" dirty="0">
-                <a:solidFill>
-                  <a:srgbClr val="000000"/>
-                </a:solidFill>
-                <a:latin typeface="Consolas" panose="020B0609020204030204" pitchFamily="49" charset="0"/>
-                <a:ea typeface="Calibri" panose="020F0502020204030204" pitchFamily="34" charset="0"/>
-                <a:cs typeface="Consolas" panose="020B0609020204030204" pitchFamily="49" charset="0"/>
-              </a:rPr>
-              <a:t> &amp; canvas) </a:t>
-            </a:r>
-            <a:r>
-              <a:rPr lang="en-US" sz="1400" dirty="0">
-                <a:solidFill>
-                  <a:srgbClr val="0000FF"/>
-                </a:solidFill>
-                <a:latin typeface="Consolas" panose="020B0609020204030204" pitchFamily="49" charset="0"/>
-                <a:ea typeface="Calibri" panose="020F0502020204030204" pitchFamily="34" charset="0"/>
-                <a:cs typeface="Consolas" panose="020B0609020204030204" pitchFamily="49" charset="0"/>
-              </a:rPr>
-              <a:t>final</a:t>
-            </a:r>
-            <a:r>
-              <a:rPr lang="en-US" sz="1400" dirty="0">
-                <a:solidFill>
-                  <a:srgbClr val="000000"/>
-                </a:solidFill>
-                <a:latin typeface="Consolas" panose="020B0609020204030204" pitchFamily="49" charset="0"/>
-                <a:ea typeface="Calibri" panose="020F0502020204030204" pitchFamily="34" charset="0"/>
-                <a:cs typeface="Consolas" panose="020B0609020204030204" pitchFamily="49" charset="0"/>
-              </a:rPr>
-              <a:t>;</a:t>
-            </a:r>
-            <a:endParaRPr lang="ru-RU" sz="1400" dirty="0">
-              <a:solidFill>
-                <a:prstClr val="black"/>
-              </a:solidFill>
-              <a:latin typeface="Consolas" panose="020B0609020204030204" pitchFamily="49" charset="0"/>
-              <a:ea typeface="Calibri" panose="020F0502020204030204" pitchFamily="34" charset="0"/>
-              <a:cs typeface="Consolas" panose="020B0609020204030204" pitchFamily="49" charset="0"/>
-            </a:endParaRPr>
-          </a:p>
-          <a:p>
-            <a:pPr lvl="0"/>
-            <a:r>
-              <a:rPr lang="en-US" sz="1400" dirty="0">
-                <a:solidFill>
-                  <a:srgbClr val="000000"/>
-                </a:solidFill>
-                <a:latin typeface="Consolas" panose="020B0609020204030204" pitchFamily="49" charset="0"/>
-                <a:ea typeface="Calibri" panose="020F0502020204030204" pitchFamily="34" charset="0"/>
-                <a:cs typeface="Consolas" panose="020B0609020204030204" pitchFamily="49" charset="0"/>
-              </a:rPr>
-              <a:t>};</a:t>
-            </a:r>
-            <a:endParaRPr lang="ru-RU" sz="1400" dirty="0">
-              <a:solidFill>
-                <a:prstClr val="black"/>
-              </a:solidFill>
-              <a:latin typeface="Consolas" panose="020B0609020204030204" pitchFamily="49" charset="0"/>
-              <a:ea typeface="Calibri" panose="020F0502020204030204" pitchFamily="34" charset="0"/>
-              <a:cs typeface="Consolas" panose="020B0609020204030204" pitchFamily="49" charset="0"/>
-            </a:endParaRPr>
-          </a:p>
-          <a:p>
-            <a:pPr lvl="0"/>
-            <a:r>
-              <a:rPr lang="en-US" sz="1400" dirty="0">
-                <a:solidFill>
-                  <a:srgbClr val="000000"/>
-                </a:solidFill>
-                <a:latin typeface="Consolas" panose="020B0609020204030204" pitchFamily="49" charset="0"/>
-                <a:ea typeface="Calibri" panose="020F0502020204030204" pitchFamily="34" charset="0"/>
-                <a:cs typeface="Consolas" panose="020B0609020204030204" pitchFamily="49" charset="0"/>
-              </a:rPr>
-              <a:t> </a:t>
-            </a:r>
-            <a:endParaRPr lang="ru-RU" sz="1400" dirty="0">
-              <a:solidFill>
-                <a:prstClr val="black"/>
-              </a:solidFill>
-              <a:latin typeface="Consolas" panose="020B0609020204030204" pitchFamily="49" charset="0"/>
-              <a:ea typeface="Calibri" panose="020F0502020204030204" pitchFamily="34" charset="0"/>
-              <a:cs typeface="Consolas" panose="020B0609020204030204" pitchFamily="49" charset="0"/>
-            </a:endParaRPr>
-          </a:p>
-          <a:p>
-            <a:pPr lvl="0"/>
-            <a:r>
-              <a:rPr lang="en-US" sz="1400" dirty="0">
-                <a:solidFill>
-                  <a:srgbClr val="0000FF"/>
-                </a:solidFill>
-                <a:latin typeface="Consolas" panose="020B0609020204030204" pitchFamily="49" charset="0"/>
-                <a:ea typeface="Calibri" panose="020F0502020204030204" pitchFamily="34" charset="0"/>
-                <a:cs typeface="Consolas" panose="020B0609020204030204" pitchFamily="49" charset="0"/>
-              </a:rPr>
-              <a:t>class</a:t>
-            </a:r>
-            <a:r>
-              <a:rPr lang="en-US" sz="1400" dirty="0">
-                <a:solidFill>
-                  <a:srgbClr val="000000"/>
-                </a:solidFill>
-                <a:latin typeface="Consolas" panose="020B0609020204030204" pitchFamily="49" charset="0"/>
-                <a:ea typeface="Calibri" panose="020F0502020204030204" pitchFamily="34" charset="0"/>
-                <a:cs typeface="Consolas" panose="020B0609020204030204" pitchFamily="49" charset="0"/>
-              </a:rPr>
-              <a:t> </a:t>
-            </a:r>
-            <a:r>
-              <a:rPr lang="en-US" sz="1400" dirty="0" err="1">
-                <a:solidFill>
-                  <a:srgbClr val="2B91AF"/>
-                </a:solidFill>
-                <a:latin typeface="Consolas" panose="020B0609020204030204" pitchFamily="49" charset="0"/>
-                <a:ea typeface="Calibri" panose="020F0502020204030204" pitchFamily="34" charset="0"/>
-                <a:cs typeface="Consolas" panose="020B0609020204030204" pitchFamily="49" charset="0"/>
-              </a:rPr>
-              <a:t>CTriangle</a:t>
-            </a:r>
-            <a:r>
-              <a:rPr lang="en-US" sz="1400" dirty="0">
-                <a:solidFill>
-                  <a:srgbClr val="000000"/>
-                </a:solidFill>
-                <a:latin typeface="Consolas" panose="020B0609020204030204" pitchFamily="49" charset="0"/>
-                <a:ea typeface="Calibri" panose="020F0502020204030204" pitchFamily="34" charset="0"/>
-                <a:cs typeface="Consolas" panose="020B0609020204030204" pitchFamily="49" charset="0"/>
-              </a:rPr>
-              <a:t> : </a:t>
-            </a:r>
-            <a:r>
-              <a:rPr lang="en-US" sz="1400" dirty="0">
-                <a:solidFill>
-                  <a:srgbClr val="0000FF"/>
-                </a:solidFill>
-                <a:latin typeface="Consolas" panose="020B0609020204030204" pitchFamily="49" charset="0"/>
-                <a:ea typeface="Calibri" panose="020F0502020204030204" pitchFamily="34" charset="0"/>
-                <a:cs typeface="Consolas" panose="020B0609020204030204" pitchFamily="49" charset="0"/>
-              </a:rPr>
-              <a:t>public</a:t>
-            </a:r>
-            <a:r>
-              <a:rPr lang="en-US" sz="1400" dirty="0">
-                <a:solidFill>
-                  <a:srgbClr val="000000"/>
-                </a:solidFill>
-                <a:latin typeface="Consolas" panose="020B0609020204030204" pitchFamily="49" charset="0"/>
-                <a:ea typeface="Calibri" panose="020F0502020204030204" pitchFamily="34" charset="0"/>
-                <a:cs typeface="Consolas" panose="020B0609020204030204" pitchFamily="49" charset="0"/>
-              </a:rPr>
-              <a:t> </a:t>
-            </a:r>
-            <a:r>
-              <a:rPr lang="en-US" sz="1400" dirty="0" err="1">
-                <a:solidFill>
-                  <a:srgbClr val="2B91AF"/>
-                </a:solidFill>
-                <a:latin typeface="Consolas" panose="020B0609020204030204" pitchFamily="49" charset="0"/>
-                <a:ea typeface="Calibri" panose="020F0502020204030204" pitchFamily="34" charset="0"/>
-                <a:cs typeface="Consolas" panose="020B0609020204030204" pitchFamily="49" charset="0"/>
-              </a:rPr>
-              <a:t>CShape</a:t>
-            </a:r>
-            <a:endParaRPr lang="ru-RU" sz="1400" dirty="0">
-              <a:solidFill>
-                <a:prstClr val="black"/>
-              </a:solidFill>
-              <a:latin typeface="Consolas" panose="020B0609020204030204" pitchFamily="49" charset="0"/>
-              <a:ea typeface="Calibri" panose="020F0502020204030204" pitchFamily="34" charset="0"/>
-              <a:cs typeface="Consolas" panose="020B0609020204030204" pitchFamily="49" charset="0"/>
-            </a:endParaRPr>
-          </a:p>
-          <a:p>
-            <a:pPr lvl="0"/>
-            <a:r>
-              <a:rPr lang="en-US" sz="1400" dirty="0">
-                <a:solidFill>
-                  <a:srgbClr val="000000"/>
-                </a:solidFill>
-                <a:latin typeface="Consolas" panose="020B0609020204030204" pitchFamily="49" charset="0"/>
-                <a:ea typeface="Calibri" panose="020F0502020204030204" pitchFamily="34" charset="0"/>
-                <a:cs typeface="Consolas" panose="020B0609020204030204" pitchFamily="49" charset="0"/>
-              </a:rPr>
-              <a:t>{</a:t>
-            </a:r>
-            <a:endParaRPr lang="ru-RU" sz="1400" dirty="0">
-              <a:solidFill>
-                <a:prstClr val="black"/>
-              </a:solidFill>
-              <a:latin typeface="Consolas" panose="020B0609020204030204" pitchFamily="49" charset="0"/>
-              <a:ea typeface="Calibri" panose="020F0502020204030204" pitchFamily="34" charset="0"/>
-              <a:cs typeface="Consolas" panose="020B0609020204030204" pitchFamily="49" charset="0"/>
-            </a:endParaRPr>
-          </a:p>
-          <a:p>
-            <a:pPr lvl="0"/>
-            <a:r>
-              <a:rPr lang="en-US" sz="1400" dirty="0">
-                <a:solidFill>
-                  <a:srgbClr val="0000FF"/>
-                </a:solidFill>
-                <a:latin typeface="Consolas" panose="020B0609020204030204" pitchFamily="49" charset="0"/>
-                <a:ea typeface="Calibri" panose="020F0502020204030204" pitchFamily="34" charset="0"/>
-                <a:cs typeface="Consolas" panose="020B0609020204030204" pitchFamily="49" charset="0"/>
-              </a:rPr>
-              <a:t>public</a:t>
-            </a:r>
-            <a:r>
-              <a:rPr lang="en-US" sz="1400" dirty="0">
-                <a:solidFill>
-                  <a:srgbClr val="000000"/>
-                </a:solidFill>
-                <a:latin typeface="Consolas" panose="020B0609020204030204" pitchFamily="49" charset="0"/>
-                <a:ea typeface="Calibri" panose="020F0502020204030204" pitchFamily="34" charset="0"/>
-                <a:cs typeface="Consolas" panose="020B0609020204030204" pitchFamily="49" charset="0"/>
-              </a:rPr>
-              <a:t>:</a:t>
-            </a:r>
-            <a:endParaRPr lang="ru-RU" sz="1400" dirty="0">
-              <a:solidFill>
-                <a:prstClr val="black"/>
-              </a:solidFill>
-              <a:latin typeface="Consolas" panose="020B0609020204030204" pitchFamily="49" charset="0"/>
-              <a:ea typeface="Calibri" panose="020F0502020204030204" pitchFamily="34" charset="0"/>
-              <a:cs typeface="Consolas" panose="020B0609020204030204" pitchFamily="49" charset="0"/>
-            </a:endParaRPr>
-          </a:p>
-          <a:p>
-            <a:pPr lvl="0"/>
-            <a:r>
-              <a:rPr lang="en-US" sz="1400" dirty="0">
-                <a:solidFill>
-                  <a:srgbClr val="000000"/>
-                </a:solidFill>
-                <a:latin typeface="Consolas" panose="020B0609020204030204" pitchFamily="49" charset="0"/>
-                <a:ea typeface="Calibri" panose="020F0502020204030204" pitchFamily="34" charset="0"/>
-                <a:cs typeface="Consolas" panose="020B0609020204030204" pitchFamily="49" charset="0"/>
-              </a:rPr>
-              <a:t>  </a:t>
-            </a:r>
-            <a:r>
-              <a:rPr lang="en-US" sz="1400" dirty="0">
-                <a:solidFill>
-                  <a:srgbClr val="0000FF"/>
-                </a:solidFill>
-                <a:latin typeface="Consolas" panose="020B0609020204030204" pitchFamily="49" charset="0"/>
-                <a:ea typeface="Calibri" panose="020F0502020204030204" pitchFamily="34" charset="0"/>
-                <a:cs typeface="Consolas" panose="020B0609020204030204" pitchFamily="49" charset="0"/>
-              </a:rPr>
-              <a:t>void</a:t>
-            </a:r>
-            <a:r>
-              <a:rPr lang="en-US" sz="1400" dirty="0">
-                <a:solidFill>
-                  <a:srgbClr val="000000"/>
-                </a:solidFill>
-                <a:latin typeface="Consolas" panose="020B0609020204030204" pitchFamily="49" charset="0"/>
-                <a:ea typeface="Calibri" panose="020F0502020204030204" pitchFamily="34" charset="0"/>
-                <a:cs typeface="Consolas" panose="020B0609020204030204" pitchFamily="49" charset="0"/>
-              </a:rPr>
-              <a:t> Draw(</a:t>
-            </a:r>
-            <a:r>
-              <a:rPr lang="en-US" sz="1400" dirty="0" err="1">
-                <a:solidFill>
-                  <a:srgbClr val="0000FF"/>
-                </a:solidFill>
-                <a:latin typeface="Consolas" panose="020B0609020204030204" pitchFamily="49" charset="0"/>
-                <a:ea typeface="Calibri" panose="020F0502020204030204" pitchFamily="34" charset="0"/>
-                <a:cs typeface="Consolas" panose="020B0609020204030204" pitchFamily="49" charset="0"/>
-              </a:rPr>
-              <a:t>const</a:t>
-            </a:r>
-            <a:r>
-              <a:rPr lang="en-US" sz="1400" dirty="0">
-                <a:solidFill>
-                  <a:srgbClr val="000000"/>
-                </a:solidFill>
-                <a:latin typeface="Consolas" panose="020B0609020204030204" pitchFamily="49" charset="0"/>
-                <a:ea typeface="Calibri" panose="020F0502020204030204" pitchFamily="34" charset="0"/>
-                <a:cs typeface="Consolas" panose="020B0609020204030204" pitchFamily="49" charset="0"/>
-              </a:rPr>
-              <a:t> </a:t>
-            </a:r>
-            <a:r>
-              <a:rPr lang="en-US" sz="1400" dirty="0" err="1">
-                <a:solidFill>
-                  <a:srgbClr val="2B91AF"/>
-                </a:solidFill>
-                <a:latin typeface="Consolas" panose="020B0609020204030204" pitchFamily="49" charset="0"/>
-                <a:ea typeface="Calibri" panose="020F0502020204030204" pitchFamily="34" charset="0"/>
-                <a:cs typeface="Consolas" panose="020B0609020204030204" pitchFamily="49" charset="0"/>
-              </a:rPr>
-              <a:t>ICanvas</a:t>
-            </a:r>
-            <a:r>
-              <a:rPr lang="en-US" sz="1400" dirty="0">
-                <a:solidFill>
-                  <a:srgbClr val="000000"/>
-                </a:solidFill>
-                <a:latin typeface="Consolas" panose="020B0609020204030204" pitchFamily="49" charset="0"/>
-                <a:ea typeface="Calibri" panose="020F0502020204030204" pitchFamily="34" charset="0"/>
-                <a:cs typeface="Consolas" panose="020B0609020204030204" pitchFamily="49" charset="0"/>
-              </a:rPr>
-              <a:t> &amp; canvas) </a:t>
             </a:r>
             <a:r>
               <a:rPr lang="en-US" sz="1400" dirty="0">
@@ -34131,13 +34131,13 @@
             <a:r>
               <a:rPr lang="en-US" sz="1400" dirty="0" err="1">
                 <a:solidFill>
-                  <a:srgbClr val="0000FF"/>
+                  <a:srgbClr val="2B91AF"/>
                 </a:solidFill>
                 <a:latin typeface="Consolas" panose="020B0609020204030204" pitchFamily="49" charset="0"/>
                 <a:ea typeface="Calibri" panose="020F0502020204030204" pitchFamily="34" charset="0"/>
                 <a:cs typeface="Consolas" panose="020B0609020204030204" pitchFamily="49" charset="0"/>
               </a:rPr>
-              <a:t>const</a:t>
+              <a:t>ICanvas</a:t>
             </a:r>
             <a:r>
               <a:rPr lang="en-US" sz="1400" dirty="0">
@@ -34148,18 +34148,18 @@
                 <a:ea typeface="Calibri" panose="020F0502020204030204" pitchFamily="34" charset="0"/>
                 <a:cs typeface="Consolas" panose="020B0609020204030204" pitchFamily="49" charset="0"/>
               </a:rPr>
-              <a:t> </a:t>
-            </a:r>
-            <a:r>
-              <a:rPr lang="en-US" sz="1400" dirty="0" err="1">
+              <a:t> &amp; canvas)</a:t>
+            </a:r>
+            <a:r>
+              <a:rPr lang="en-US" sz="1400" dirty="0">
                 <a:solidFill>
-                  <a:srgbClr val="2B91AF"/>
+                  <a:srgbClr val="0000FF"/>
                 </a:solidFill>
                 <a:latin typeface="Consolas" panose="020B0609020204030204" pitchFamily="49" charset="0"/>
                 <a:ea typeface="Calibri" panose="020F0502020204030204" pitchFamily="34" charset="0"/>
                 <a:cs typeface="Consolas" panose="020B0609020204030204" pitchFamily="49" charset="0"/>
               </a:rPr>
-              <a:t>ICanvas</a:t>
+              <a:t> const</a:t>
             </a:r>
             <a:r>
               <a:rPr lang="en-US" sz="1400" dirty="0">
@@ -34170,7 +34170,7 @@
                 <a:ea typeface="Calibri" panose="020F0502020204030204" pitchFamily="34" charset="0"/>
                 <a:cs typeface="Consolas" panose="020B0609020204030204" pitchFamily="49" charset="0"/>
               </a:rPr>
-              <a:t> &amp; canvas);</a:t>
+              <a:t>;</a:t>
             </a:r>
             <a:endParaRPr lang="ru-RU" sz="1400" dirty="0">
               <a:solidFill>

--- a/lectures/10.composite/composite.pptx
+++ b/lectures/10.composite/composite.pptx
@@ -9700,7 +9700,7 @@
           <a:p>
             <a:fld id="{2F3DCB6D-0B48-4A3D-B663-06C3F903A9D3}" type="datetimeFigureOut">
               <a:rPr lang="ru-RU" smtClean="0"/>
-              <a:t>04.11.2023</a:t>
+              <a:t>13.12.2023</a:t>
             </a:fld>
             <a:endParaRPr lang="ru-RU"/>
           </a:p>
@@ -10761,7 +10761,7 @@
           <a:p>
             <a:fld id="{2590F9C9-AB92-4E86-B698-DEC9BF4350FF}" type="datetimeFigureOut">
               <a:rPr lang="ru-RU" smtClean="0"/>
-              <a:t>04.11.2023</a:t>
+              <a:t>13.12.2023</a:t>
             </a:fld>
             <a:endParaRPr lang="ru-RU"/>
           </a:p>
@@ -10978,7 +10978,7 @@
           <a:p>
             <a:fld id="{2590F9C9-AB92-4E86-B698-DEC9BF4350FF}" type="datetimeFigureOut">
               <a:rPr lang="ru-RU" smtClean="0"/>
-              <a:t>04.11.2023</a:t>
+              <a:t>13.12.2023</a:t>
             </a:fld>
             <a:endParaRPr lang="ru-RU"/>
           </a:p>
@@ -11250,7 +11250,7 @@
           <a:p>
             <a:fld id="{2590F9C9-AB92-4E86-B698-DEC9BF4350FF}" type="datetimeFigureOut">
               <a:rPr lang="ru-RU" smtClean="0"/>
-              <a:t>04.11.2023</a:t>
+              <a:t>13.12.2023</a:t>
             </a:fld>
             <a:endParaRPr lang="ru-RU"/>
           </a:p>
@@ -11425,7 +11425,7 @@
           <a:p>
             <a:fld id="{2590F9C9-AB92-4E86-B698-DEC9BF4350FF}" type="datetimeFigureOut">
               <a:rPr lang="ru-RU" smtClean="0"/>
-              <a:t>04.11.2023</a:t>
+              <a:t>13.12.2023</a:t>
             </a:fld>
             <a:endParaRPr lang="ru-RU"/>
           </a:p>
@@ -11779,7 +11779,7 @@
           <a:p>
             <a:fld id="{2590F9C9-AB92-4E86-B698-DEC9BF4350FF}" type="datetimeFigureOut">
               <a:rPr lang="ru-RU" smtClean="0"/>
-              <a:t>04.11.2023</a:t>
+              <a:t>13.12.2023</a:t>
             </a:fld>
             <a:endParaRPr lang="ru-RU"/>
           </a:p>
@@ -12064,7 +12064,7 @@
           <a:p>
             <a:fld id="{2590F9C9-AB92-4E86-B698-DEC9BF4350FF}" type="datetimeFigureOut">
               <a:rPr lang="ru-RU" smtClean="0"/>
-              <a:t>04.11.2023</a:t>
+              <a:t>13.12.2023</a:t>
             </a:fld>
             <a:endParaRPr lang="ru-RU"/>
           </a:p>
@@ -12486,7 +12486,7 @@
           <a:p>
             <a:fld id="{2590F9C9-AB92-4E86-B698-DEC9BF4350FF}" type="datetimeFigureOut">
               <a:rPr lang="ru-RU" smtClean="0"/>
-              <a:t>04.11.2023</a:t>
+              <a:t>13.12.2023</a:t>
             </a:fld>
             <a:endParaRPr lang="ru-RU"/>
           </a:p>
@@ -12599,7 +12599,7 @@
           <a:p>
             <a:fld id="{2590F9C9-AB92-4E86-B698-DEC9BF4350FF}" type="datetimeFigureOut">
               <a:rPr lang="ru-RU" smtClean="0"/>
-              <a:t>04.11.2023</a:t>
+              <a:t>13.12.2023</a:t>
             </a:fld>
             <a:endParaRPr lang="ru-RU"/>
           </a:p>
@@ -12689,7 +12689,7 @@
           <a:p>
             <a:fld id="{2590F9C9-AB92-4E86-B698-DEC9BF4350FF}" type="datetimeFigureOut">
               <a:rPr lang="ru-RU" smtClean="0"/>
-              <a:t>04.11.2023</a:t>
+              <a:t>13.12.2023</a:t>
             </a:fld>
             <a:endParaRPr lang="ru-RU"/>
           </a:p>
@@ -12967,7 +12967,7 @@
           <a:p>
             <a:fld id="{2590F9C9-AB92-4E86-B698-DEC9BF4350FF}" type="datetimeFigureOut">
               <a:rPr lang="ru-RU" smtClean="0"/>
-              <a:t>04.11.2023</a:t>
+              <a:t>13.12.2023</a:t>
             </a:fld>
             <a:endParaRPr lang="ru-RU"/>
           </a:p>
@@ -13329,7 +13329,7 @@
           <a:p>
             <a:fld id="{2590F9C9-AB92-4E86-B698-DEC9BF4350FF}" type="datetimeFigureOut">
               <a:rPr lang="ru-RU" smtClean="0"/>
-              <a:t>04.11.2023</a:t>
+              <a:t>13.12.2023</a:t>
             </a:fld>
             <a:endParaRPr lang="ru-RU"/>
           </a:p>
@@ -13754,7 +13754,7 @@
           <a:p>
             <a:fld id="{2590F9C9-AB92-4E86-B698-DEC9BF4350FF}" type="datetimeFigureOut">
               <a:rPr lang="ru-RU" smtClean="0"/>
-              <a:t>04.11.2023</a:t>
+              <a:t>13.12.2023</a:t>
             </a:fld>
             <a:endParaRPr lang="ru-RU"/>
           </a:p>
@@ -14160,6 +14160,42 @@
           <a:chExt cx="0" cy="0"/>
         </a:xfrm>
       </p:grpSpPr>
+      <p:pic>
+        <p:nvPicPr>
+          <p:cNvPr id="5" name="Picture 4">
+            <a:extLst>
+              <a:ext uri="{FF2B5EF4-FFF2-40B4-BE49-F238E27FC236}">
+                <a16:creationId xmlns:a16="http://schemas.microsoft.com/office/drawing/2014/main" id="{E1A24954-EAB6-4FCF-AFBF-91F870D0D6DD}"/>
+              </a:ext>
+            </a:extLst>
+          </p:cNvPr>
+          <p:cNvPicPr>
+            <a:picLocks noChangeAspect="1"/>
+          </p:cNvPicPr>
+          <p:nvPr/>
+        </p:nvPicPr>
+        <p:blipFill>
+          <a:blip r:embed="rId3">
+            <a:extLst>
+              <a:ext uri="{28A0092B-C50C-407E-A947-70E740481C1C}">
+                <a14:useLocalDpi xmlns:a14="http://schemas.microsoft.com/office/drawing/2010/main" val="0"/>
+              </a:ext>
+            </a:extLst>
+          </a:blip>
+          <a:stretch>
+            <a:fillRect/>
+          </a:stretch>
+        </p:blipFill>
+        <p:spPr>
+          <a:xfrm>
+            <a:off x="0" y="8409"/>
+            <a:ext cx="9144000" cy="5225143"/>
+          </a:xfrm>
+          <a:prstGeom prst="rect">
+            <a:avLst/>
+          </a:prstGeom>
+        </p:spPr>
+      </p:pic>
       <p:sp>
         <p:nvSpPr>
           <p:cNvPr id="2" name="Заголовок 1"/>
@@ -14170,7 +14206,19 @@
             <p:ph type="ctrTitle"/>
           </p:nvPr>
         </p:nvSpPr>
-        <p:spPr/>
+        <p:spPr>
+          <a:xfrm>
+            <a:off x="685800" y="4131912"/>
+            <a:ext cx="8077200" cy="809256"/>
+          </a:xfrm>
+          <a:effectLst>
+            <a:outerShdw blurRad="63500" sx="102000" sy="102000" algn="ctr" rotWithShape="0">
+              <a:prstClr val="black">
+                <a:alpha val="40000"/>
+              </a:prstClr>
+            </a:outerShdw>
+          </a:effectLst>
+        </p:spPr>
         <p:txBody>
           <a:bodyPr/>
           <a:lstStyle/>
@@ -14197,14 +14245,28 @@
             <p:ph type="subTitle" idx="1"/>
           </p:nvPr>
         </p:nvSpPr>
-        <p:spPr/>
+        <p:spPr>
+          <a:xfrm>
+            <a:off x="685800" y="2577456"/>
+            <a:ext cx="8077200" cy="1499616"/>
+          </a:xfrm>
+          <a:effectLst>
+            <a:outerShdw blurRad="63500" sx="102000" sy="102000" algn="ctr" rotWithShape="0">
+              <a:prstClr val="black">
+                <a:alpha val="40000"/>
+              </a:prstClr>
+            </a:outerShdw>
+          </a:effectLst>
+        </p:spPr>
         <p:txBody>
-          <a:bodyPr/>
+          <a:bodyPr>
+            <a:normAutofit/>
+          </a:bodyPr>
           <a:lstStyle/>
           <a:p>
             <a:r>
-              <a:rPr lang="ru-RU" dirty="0"/>
-              <a:t>Лекция 10</a:t>
+              <a:rPr lang="ru-RU" sz="3600" dirty="0"/>
+              <a:t>Паттерн проектирования</a:t>
             </a:r>
           </a:p>
         </p:txBody>
